--- a/COP_Slides_Project3.pptx
+++ b/COP_Slides_Project3.pptx
@@ -8,20 +8,24 @@
     <p:sldId id="256" r:id="rId2"/>
     <p:sldId id="257" r:id="rId3"/>
     <p:sldId id="259" r:id="rId4"/>
-    <p:sldId id="266" r:id="rId5"/>
-    <p:sldId id="258" r:id="rId6"/>
-    <p:sldId id="260" r:id="rId7"/>
-    <p:sldId id="261" r:id="rId8"/>
-    <p:sldId id="262" r:id="rId9"/>
-    <p:sldId id="265" r:id="rId10"/>
-    <p:sldId id="263" r:id="rId11"/>
-    <p:sldId id="264" r:id="rId12"/>
+    <p:sldId id="267" r:id="rId5"/>
+    <p:sldId id="268" r:id="rId6"/>
+    <p:sldId id="270" r:id="rId7"/>
+    <p:sldId id="271" r:id="rId8"/>
+    <p:sldId id="266" r:id="rId9"/>
+    <p:sldId id="258" r:id="rId10"/>
+    <p:sldId id="260" r:id="rId11"/>
+    <p:sldId id="261" r:id="rId12"/>
+    <p:sldId id="262" r:id="rId13"/>
+    <p:sldId id="265" r:id="rId14"/>
+    <p:sldId id="263" r:id="rId15"/>
+    <p:sldId id="264" r:id="rId16"/>
   </p:sldIdLst>
   <p:sldSz cx="12192000" cy="6858000"/>
   <p:notesSz cx="6858000" cy="9144000"/>
   <p:defaultTextStyle>
     <a:defPPr>
-      <a:defRPr lang="en-DE"/>
+      <a:defRPr lang="x-none"/>
     </a:defPPr>
     <a:lvl1pPr marL="0" algn="l" defTabSz="914400" rtl="0" eaLnBrk="1" latinLnBrk="0" hangingPunct="1">
       <a:defRPr sz="1800" kern="1200">
@@ -116,7 +120,7 @@
   </p:defaultTextStyle>
   <p:extLst>
     <p:ext uri="{EFAFB233-063F-42B5-8137-9DF3F51BA10A}">
-      <p15:sldGuideLst xmlns:p15="http://schemas.microsoft.com/office/powerpoint/2012/main"/>
+      <p15:sldGuideLst xmlns:p15="http://schemas.microsoft.com/office/powerpoint/2012/main" xmlns=""/>
     </p:ext>
   </p:extLst>
 </p:presentation>
@@ -144,7 +148,7 @@
           <p:cNvPr id="2" name="Title 1">
             <a:extLst>
               <a:ext uri="{FF2B5EF4-FFF2-40B4-BE49-F238E27FC236}">
-                <a16:creationId xmlns:a16="http://schemas.microsoft.com/office/drawing/2014/main" id="{B1ADD4D9-0217-43E5-81FB-5099D9D4427B}"/>
+                <a16:creationId xmlns:a16="http://schemas.microsoft.com/office/drawing/2014/main" xmlns="" id="{B1ADD4D9-0217-43E5-81FB-5099D9D4427B}"/>
               </a:ext>
             </a:extLst>
           </p:cNvPr>
@@ -173,7 +177,7 @@
               <a:rPr lang="en-US"/>
               <a:t>Click to edit Master title style</a:t>
             </a:r>
-            <a:endParaRPr lang="en-DE"/>
+            <a:endParaRPr lang="x-none"/>
           </a:p>
         </p:txBody>
       </p:sp>
@@ -182,7 +186,7 @@
           <p:cNvPr id="3" name="Subtitle 2">
             <a:extLst>
               <a:ext uri="{FF2B5EF4-FFF2-40B4-BE49-F238E27FC236}">
-                <a16:creationId xmlns:a16="http://schemas.microsoft.com/office/drawing/2014/main" id="{2F268589-5FD0-4012-8A77-D0C7F3A2255E}"/>
+                <a16:creationId xmlns:a16="http://schemas.microsoft.com/office/drawing/2014/main" xmlns="" id="{2F268589-5FD0-4012-8A77-D0C7F3A2255E}"/>
               </a:ext>
             </a:extLst>
           </p:cNvPr>
@@ -244,7 +248,7 @@
               <a:rPr lang="en-US"/>
               <a:t>Click to edit Master subtitle style</a:t>
             </a:r>
-            <a:endParaRPr lang="en-DE"/>
+            <a:endParaRPr lang="x-none"/>
           </a:p>
         </p:txBody>
       </p:sp>
@@ -253,7 +257,7 @@
           <p:cNvPr id="4" name="Date Placeholder 3">
             <a:extLst>
               <a:ext uri="{FF2B5EF4-FFF2-40B4-BE49-F238E27FC236}">
-                <a16:creationId xmlns:a16="http://schemas.microsoft.com/office/drawing/2014/main" id="{43BB2CF1-20C2-4F02-86FB-2216A7B53C1D}"/>
+                <a16:creationId xmlns:a16="http://schemas.microsoft.com/office/drawing/2014/main" xmlns="" id="{43BB2CF1-20C2-4F02-86FB-2216A7B53C1D}"/>
               </a:ext>
             </a:extLst>
           </p:cNvPr>
@@ -270,10 +274,10 @@
           <a:lstStyle/>
           <a:p>
             <a:fld id="{FAAF9C74-E5B0-4DD2-AEF0-C5B735643AE6}" type="datetimeFigureOut">
-              <a:rPr lang="en-DE" smtClean="0"/>
-              <a:t>09/05/2022</a:t>
+              <a:rPr lang="x-none" smtClean="0"/>
+              <a:t>5/15/2022</a:t>
             </a:fld>
-            <a:endParaRPr lang="en-DE"/>
+            <a:endParaRPr lang="x-none"/>
           </a:p>
         </p:txBody>
       </p:sp>
@@ -282,7 +286,7 @@
           <p:cNvPr id="5" name="Footer Placeholder 4">
             <a:extLst>
               <a:ext uri="{FF2B5EF4-FFF2-40B4-BE49-F238E27FC236}">
-                <a16:creationId xmlns:a16="http://schemas.microsoft.com/office/drawing/2014/main" id="{7EF8AE62-0322-4190-A619-FD096B23FBE5}"/>
+                <a16:creationId xmlns:a16="http://schemas.microsoft.com/office/drawing/2014/main" xmlns="" id="{7EF8AE62-0322-4190-A619-FD096B23FBE5}"/>
               </a:ext>
             </a:extLst>
           </p:cNvPr>
@@ -298,7 +302,7 @@
           <a:bodyPr/>
           <a:lstStyle/>
           <a:p>
-            <a:endParaRPr lang="en-DE"/>
+            <a:endParaRPr lang="x-none"/>
           </a:p>
         </p:txBody>
       </p:sp>
@@ -307,7 +311,7 @@
           <p:cNvPr id="6" name="Slide Number Placeholder 5">
             <a:extLst>
               <a:ext uri="{FF2B5EF4-FFF2-40B4-BE49-F238E27FC236}">
-                <a16:creationId xmlns:a16="http://schemas.microsoft.com/office/drawing/2014/main" id="{DD9B45C4-6E85-4BBF-94CD-FCE7840A4201}"/>
+                <a16:creationId xmlns:a16="http://schemas.microsoft.com/office/drawing/2014/main" xmlns="" id="{DD9B45C4-6E85-4BBF-94CD-FCE7840A4201}"/>
               </a:ext>
             </a:extLst>
           </p:cNvPr>
@@ -324,10 +328,10 @@
           <a:lstStyle/>
           <a:p>
             <a:fld id="{B4607A8F-509C-4978-8A60-115FAC492D7F}" type="slidenum">
-              <a:rPr lang="en-DE" smtClean="0"/>
+              <a:rPr lang="x-none" smtClean="0"/>
               <a:t>‹#›</a:t>
             </a:fld>
-            <a:endParaRPr lang="en-DE"/>
+            <a:endParaRPr lang="x-none"/>
           </a:p>
         </p:txBody>
       </p:sp>
@@ -366,7 +370,7 @@
           <p:cNvPr id="2" name="Title 1">
             <a:extLst>
               <a:ext uri="{FF2B5EF4-FFF2-40B4-BE49-F238E27FC236}">
-                <a16:creationId xmlns:a16="http://schemas.microsoft.com/office/drawing/2014/main" id="{EAF85BCD-13C9-40DA-A655-BB3A190B393A}"/>
+                <a16:creationId xmlns:a16="http://schemas.microsoft.com/office/drawing/2014/main" xmlns="" id="{EAF85BCD-13C9-40DA-A655-BB3A190B393A}"/>
               </a:ext>
             </a:extLst>
           </p:cNvPr>
@@ -386,7 +390,7 @@
               <a:rPr lang="en-US"/>
               <a:t>Click to edit Master title style</a:t>
             </a:r>
-            <a:endParaRPr lang="en-DE"/>
+            <a:endParaRPr lang="x-none"/>
           </a:p>
         </p:txBody>
       </p:sp>
@@ -395,7 +399,7 @@
           <p:cNvPr id="3" name="Vertical Text Placeholder 2">
             <a:extLst>
               <a:ext uri="{FF2B5EF4-FFF2-40B4-BE49-F238E27FC236}">
-                <a16:creationId xmlns:a16="http://schemas.microsoft.com/office/drawing/2014/main" id="{92BC94F7-92D3-4AD0-8B91-A8F9AE06F177}"/>
+                <a16:creationId xmlns:a16="http://schemas.microsoft.com/office/drawing/2014/main" xmlns="" id="{92BC94F7-92D3-4AD0-8B91-A8F9AE06F177}"/>
               </a:ext>
             </a:extLst>
           </p:cNvPr>
@@ -444,7 +448,7 @@
               <a:rPr lang="en-US"/>
               <a:t>Fifth level</a:t>
             </a:r>
-            <a:endParaRPr lang="en-DE"/>
+            <a:endParaRPr lang="x-none"/>
           </a:p>
         </p:txBody>
       </p:sp>
@@ -453,7 +457,7 @@
           <p:cNvPr id="4" name="Date Placeholder 3">
             <a:extLst>
               <a:ext uri="{FF2B5EF4-FFF2-40B4-BE49-F238E27FC236}">
-                <a16:creationId xmlns:a16="http://schemas.microsoft.com/office/drawing/2014/main" id="{366A3441-8785-4F50-93DC-82BA74C4F4DB}"/>
+                <a16:creationId xmlns:a16="http://schemas.microsoft.com/office/drawing/2014/main" xmlns="" id="{366A3441-8785-4F50-93DC-82BA74C4F4DB}"/>
               </a:ext>
             </a:extLst>
           </p:cNvPr>
@@ -470,10 +474,10 @@
           <a:lstStyle/>
           <a:p>
             <a:fld id="{FAAF9C74-E5B0-4DD2-AEF0-C5B735643AE6}" type="datetimeFigureOut">
-              <a:rPr lang="en-DE" smtClean="0"/>
-              <a:t>09/05/2022</a:t>
+              <a:rPr lang="x-none" smtClean="0"/>
+              <a:t>5/15/2022</a:t>
             </a:fld>
-            <a:endParaRPr lang="en-DE"/>
+            <a:endParaRPr lang="x-none"/>
           </a:p>
         </p:txBody>
       </p:sp>
@@ -482,7 +486,7 @@
           <p:cNvPr id="5" name="Footer Placeholder 4">
             <a:extLst>
               <a:ext uri="{FF2B5EF4-FFF2-40B4-BE49-F238E27FC236}">
-                <a16:creationId xmlns:a16="http://schemas.microsoft.com/office/drawing/2014/main" id="{C1DD23FD-74A8-4A71-9293-60C4F33CE009}"/>
+                <a16:creationId xmlns:a16="http://schemas.microsoft.com/office/drawing/2014/main" xmlns="" id="{C1DD23FD-74A8-4A71-9293-60C4F33CE009}"/>
               </a:ext>
             </a:extLst>
           </p:cNvPr>
@@ -498,7 +502,7 @@
           <a:bodyPr/>
           <a:lstStyle/>
           <a:p>
-            <a:endParaRPr lang="en-DE"/>
+            <a:endParaRPr lang="x-none"/>
           </a:p>
         </p:txBody>
       </p:sp>
@@ -507,7 +511,7 @@
           <p:cNvPr id="6" name="Slide Number Placeholder 5">
             <a:extLst>
               <a:ext uri="{FF2B5EF4-FFF2-40B4-BE49-F238E27FC236}">
-                <a16:creationId xmlns:a16="http://schemas.microsoft.com/office/drawing/2014/main" id="{E4CE9D00-03DD-4F7B-A163-D375A1B5201F}"/>
+                <a16:creationId xmlns:a16="http://schemas.microsoft.com/office/drawing/2014/main" xmlns="" id="{E4CE9D00-03DD-4F7B-A163-D375A1B5201F}"/>
               </a:ext>
             </a:extLst>
           </p:cNvPr>
@@ -524,10 +528,10 @@
           <a:lstStyle/>
           <a:p>
             <a:fld id="{B4607A8F-509C-4978-8A60-115FAC492D7F}" type="slidenum">
-              <a:rPr lang="en-DE" smtClean="0"/>
+              <a:rPr lang="x-none" smtClean="0"/>
               <a:t>‹#›</a:t>
             </a:fld>
-            <a:endParaRPr lang="en-DE"/>
+            <a:endParaRPr lang="x-none"/>
           </a:p>
         </p:txBody>
       </p:sp>
@@ -566,7 +570,7 @@
           <p:cNvPr id="2" name="Vertical Title 1">
             <a:extLst>
               <a:ext uri="{FF2B5EF4-FFF2-40B4-BE49-F238E27FC236}">
-                <a16:creationId xmlns:a16="http://schemas.microsoft.com/office/drawing/2014/main" id="{14B050B9-86BD-4606-AB96-63BD9699393D}"/>
+                <a16:creationId xmlns:a16="http://schemas.microsoft.com/office/drawing/2014/main" xmlns="" id="{14B050B9-86BD-4606-AB96-63BD9699393D}"/>
               </a:ext>
             </a:extLst>
           </p:cNvPr>
@@ -591,7 +595,7 @@
               <a:rPr lang="en-US"/>
               <a:t>Click to edit Master title style</a:t>
             </a:r>
-            <a:endParaRPr lang="en-DE"/>
+            <a:endParaRPr lang="x-none"/>
           </a:p>
         </p:txBody>
       </p:sp>
@@ -600,7 +604,7 @@
           <p:cNvPr id="3" name="Vertical Text Placeholder 2">
             <a:extLst>
               <a:ext uri="{FF2B5EF4-FFF2-40B4-BE49-F238E27FC236}">
-                <a16:creationId xmlns:a16="http://schemas.microsoft.com/office/drawing/2014/main" id="{D2DD838C-99E0-464C-A695-6673CB11EBC4}"/>
+                <a16:creationId xmlns:a16="http://schemas.microsoft.com/office/drawing/2014/main" xmlns="" id="{D2DD838C-99E0-464C-A695-6673CB11EBC4}"/>
               </a:ext>
             </a:extLst>
           </p:cNvPr>
@@ -654,7 +658,7 @@
               <a:rPr lang="en-US"/>
               <a:t>Fifth level</a:t>
             </a:r>
-            <a:endParaRPr lang="en-DE"/>
+            <a:endParaRPr lang="x-none"/>
           </a:p>
         </p:txBody>
       </p:sp>
@@ -663,7 +667,7 @@
           <p:cNvPr id="4" name="Date Placeholder 3">
             <a:extLst>
               <a:ext uri="{FF2B5EF4-FFF2-40B4-BE49-F238E27FC236}">
-                <a16:creationId xmlns:a16="http://schemas.microsoft.com/office/drawing/2014/main" id="{4C4E3B1C-94FF-4206-A4B2-A57EF1431A1E}"/>
+                <a16:creationId xmlns:a16="http://schemas.microsoft.com/office/drawing/2014/main" xmlns="" id="{4C4E3B1C-94FF-4206-A4B2-A57EF1431A1E}"/>
               </a:ext>
             </a:extLst>
           </p:cNvPr>
@@ -680,10 +684,10 @@
           <a:lstStyle/>
           <a:p>
             <a:fld id="{FAAF9C74-E5B0-4DD2-AEF0-C5B735643AE6}" type="datetimeFigureOut">
-              <a:rPr lang="en-DE" smtClean="0"/>
-              <a:t>09/05/2022</a:t>
+              <a:rPr lang="x-none" smtClean="0"/>
+              <a:t>5/15/2022</a:t>
             </a:fld>
-            <a:endParaRPr lang="en-DE"/>
+            <a:endParaRPr lang="x-none"/>
           </a:p>
         </p:txBody>
       </p:sp>
@@ -692,7 +696,7 @@
           <p:cNvPr id="5" name="Footer Placeholder 4">
             <a:extLst>
               <a:ext uri="{FF2B5EF4-FFF2-40B4-BE49-F238E27FC236}">
-                <a16:creationId xmlns:a16="http://schemas.microsoft.com/office/drawing/2014/main" id="{124C7755-91FD-4C41-9663-68EC864FA6B0}"/>
+                <a16:creationId xmlns:a16="http://schemas.microsoft.com/office/drawing/2014/main" xmlns="" id="{124C7755-91FD-4C41-9663-68EC864FA6B0}"/>
               </a:ext>
             </a:extLst>
           </p:cNvPr>
@@ -708,7 +712,7 @@
           <a:bodyPr/>
           <a:lstStyle/>
           <a:p>
-            <a:endParaRPr lang="en-DE"/>
+            <a:endParaRPr lang="x-none"/>
           </a:p>
         </p:txBody>
       </p:sp>
@@ -717,7 +721,7 @@
           <p:cNvPr id="6" name="Slide Number Placeholder 5">
             <a:extLst>
               <a:ext uri="{FF2B5EF4-FFF2-40B4-BE49-F238E27FC236}">
-                <a16:creationId xmlns:a16="http://schemas.microsoft.com/office/drawing/2014/main" id="{84091D24-068B-4336-8E10-85B72720DFDF}"/>
+                <a16:creationId xmlns:a16="http://schemas.microsoft.com/office/drawing/2014/main" xmlns="" id="{84091D24-068B-4336-8E10-85B72720DFDF}"/>
               </a:ext>
             </a:extLst>
           </p:cNvPr>
@@ -734,10 +738,10 @@
           <a:lstStyle/>
           <a:p>
             <a:fld id="{B4607A8F-509C-4978-8A60-115FAC492D7F}" type="slidenum">
-              <a:rPr lang="en-DE" smtClean="0"/>
+              <a:rPr lang="x-none" smtClean="0"/>
               <a:t>‹#›</a:t>
             </a:fld>
-            <a:endParaRPr lang="en-DE"/>
+            <a:endParaRPr lang="x-none"/>
           </a:p>
         </p:txBody>
       </p:sp>
@@ -776,7 +780,7 @@
           <p:cNvPr id="2" name="Title 1">
             <a:extLst>
               <a:ext uri="{FF2B5EF4-FFF2-40B4-BE49-F238E27FC236}">
-                <a16:creationId xmlns:a16="http://schemas.microsoft.com/office/drawing/2014/main" id="{1BE6463D-D8A4-4E0E-BE9B-F22DD13D3304}"/>
+                <a16:creationId xmlns:a16="http://schemas.microsoft.com/office/drawing/2014/main" xmlns="" id="{1BE6463D-D8A4-4E0E-BE9B-F22DD13D3304}"/>
               </a:ext>
             </a:extLst>
           </p:cNvPr>
@@ -796,7 +800,7 @@
               <a:rPr lang="en-US"/>
               <a:t>Click to edit Master title style</a:t>
             </a:r>
-            <a:endParaRPr lang="en-DE"/>
+            <a:endParaRPr lang="x-none"/>
           </a:p>
         </p:txBody>
       </p:sp>
@@ -805,7 +809,7 @@
           <p:cNvPr id="3" name="Content Placeholder 2">
             <a:extLst>
               <a:ext uri="{FF2B5EF4-FFF2-40B4-BE49-F238E27FC236}">
-                <a16:creationId xmlns:a16="http://schemas.microsoft.com/office/drawing/2014/main" id="{F18288D3-81CD-42E5-B42C-B0950C700694}"/>
+                <a16:creationId xmlns:a16="http://schemas.microsoft.com/office/drawing/2014/main" xmlns="" id="{F18288D3-81CD-42E5-B42C-B0950C700694}"/>
               </a:ext>
             </a:extLst>
           </p:cNvPr>
@@ -854,7 +858,7 @@
               <a:rPr lang="en-US"/>
               <a:t>Fifth level</a:t>
             </a:r>
-            <a:endParaRPr lang="en-DE"/>
+            <a:endParaRPr lang="x-none"/>
           </a:p>
         </p:txBody>
       </p:sp>
@@ -863,7 +867,7 @@
           <p:cNvPr id="4" name="Date Placeholder 3">
             <a:extLst>
               <a:ext uri="{FF2B5EF4-FFF2-40B4-BE49-F238E27FC236}">
-                <a16:creationId xmlns:a16="http://schemas.microsoft.com/office/drawing/2014/main" id="{0A1D272E-52F0-4F60-8619-1189A88A8F00}"/>
+                <a16:creationId xmlns:a16="http://schemas.microsoft.com/office/drawing/2014/main" xmlns="" id="{0A1D272E-52F0-4F60-8619-1189A88A8F00}"/>
               </a:ext>
             </a:extLst>
           </p:cNvPr>
@@ -880,10 +884,10 @@
           <a:lstStyle/>
           <a:p>
             <a:fld id="{FAAF9C74-E5B0-4DD2-AEF0-C5B735643AE6}" type="datetimeFigureOut">
-              <a:rPr lang="en-DE" smtClean="0"/>
-              <a:t>09/05/2022</a:t>
+              <a:rPr lang="x-none" smtClean="0"/>
+              <a:t>5/15/2022</a:t>
             </a:fld>
-            <a:endParaRPr lang="en-DE"/>
+            <a:endParaRPr lang="x-none"/>
           </a:p>
         </p:txBody>
       </p:sp>
@@ -892,7 +896,7 @@
           <p:cNvPr id="5" name="Footer Placeholder 4">
             <a:extLst>
               <a:ext uri="{FF2B5EF4-FFF2-40B4-BE49-F238E27FC236}">
-                <a16:creationId xmlns:a16="http://schemas.microsoft.com/office/drawing/2014/main" id="{ADCF826A-2B12-4B98-882C-D9CB1476F28E}"/>
+                <a16:creationId xmlns:a16="http://schemas.microsoft.com/office/drawing/2014/main" xmlns="" id="{ADCF826A-2B12-4B98-882C-D9CB1476F28E}"/>
               </a:ext>
             </a:extLst>
           </p:cNvPr>
@@ -908,7 +912,7 @@
           <a:bodyPr/>
           <a:lstStyle/>
           <a:p>
-            <a:endParaRPr lang="en-DE"/>
+            <a:endParaRPr lang="x-none"/>
           </a:p>
         </p:txBody>
       </p:sp>
@@ -917,7 +921,7 @@
           <p:cNvPr id="6" name="Slide Number Placeholder 5">
             <a:extLst>
               <a:ext uri="{FF2B5EF4-FFF2-40B4-BE49-F238E27FC236}">
-                <a16:creationId xmlns:a16="http://schemas.microsoft.com/office/drawing/2014/main" id="{592EA741-BB3C-4B3D-8D64-37748F43DEB5}"/>
+                <a16:creationId xmlns:a16="http://schemas.microsoft.com/office/drawing/2014/main" xmlns="" id="{592EA741-BB3C-4B3D-8D64-37748F43DEB5}"/>
               </a:ext>
             </a:extLst>
           </p:cNvPr>
@@ -934,10 +938,10 @@
           <a:lstStyle/>
           <a:p>
             <a:fld id="{B4607A8F-509C-4978-8A60-115FAC492D7F}" type="slidenum">
-              <a:rPr lang="en-DE" smtClean="0"/>
+              <a:rPr lang="x-none" smtClean="0"/>
               <a:t>‹#›</a:t>
             </a:fld>
-            <a:endParaRPr lang="en-DE"/>
+            <a:endParaRPr lang="x-none"/>
           </a:p>
         </p:txBody>
       </p:sp>
@@ -976,7 +980,7 @@
           <p:cNvPr id="2" name="Title 1">
             <a:extLst>
               <a:ext uri="{FF2B5EF4-FFF2-40B4-BE49-F238E27FC236}">
-                <a16:creationId xmlns:a16="http://schemas.microsoft.com/office/drawing/2014/main" id="{678BBEB7-E024-46EC-8C7C-B2218174A405}"/>
+                <a16:creationId xmlns:a16="http://schemas.microsoft.com/office/drawing/2014/main" xmlns="" id="{678BBEB7-E024-46EC-8C7C-B2218174A405}"/>
               </a:ext>
             </a:extLst>
           </p:cNvPr>
@@ -1005,7 +1009,7 @@
               <a:rPr lang="en-US"/>
               <a:t>Click to edit Master title style</a:t>
             </a:r>
-            <a:endParaRPr lang="en-DE"/>
+            <a:endParaRPr lang="x-none"/>
           </a:p>
         </p:txBody>
       </p:sp>
@@ -1014,7 +1018,7 @@
           <p:cNvPr id="3" name="Text Placeholder 2">
             <a:extLst>
               <a:ext uri="{FF2B5EF4-FFF2-40B4-BE49-F238E27FC236}">
-                <a16:creationId xmlns:a16="http://schemas.microsoft.com/office/drawing/2014/main" id="{AA0548CA-E9B9-4453-BA52-8372AF9D1B2D}"/>
+                <a16:creationId xmlns:a16="http://schemas.microsoft.com/office/drawing/2014/main" xmlns="" id="{AA0548CA-E9B9-4453-BA52-8372AF9D1B2D}"/>
               </a:ext>
             </a:extLst>
           </p:cNvPr>
@@ -1139,7 +1143,7 @@
           <p:cNvPr id="4" name="Date Placeholder 3">
             <a:extLst>
               <a:ext uri="{FF2B5EF4-FFF2-40B4-BE49-F238E27FC236}">
-                <a16:creationId xmlns:a16="http://schemas.microsoft.com/office/drawing/2014/main" id="{56CD132E-F1F9-40D2-9460-181766F5F099}"/>
+                <a16:creationId xmlns:a16="http://schemas.microsoft.com/office/drawing/2014/main" xmlns="" id="{56CD132E-F1F9-40D2-9460-181766F5F099}"/>
               </a:ext>
             </a:extLst>
           </p:cNvPr>
@@ -1156,10 +1160,10 @@
           <a:lstStyle/>
           <a:p>
             <a:fld id="{FAAF9C74-E5B0-4DD2-AEF0-C5B735643AE6}" type="datetimeFigureOut">
-              <a:rPr lang="en-DE" smtClean="0"/>
-              <a:t>09/05/2022</a:t>
+              <a:rPr lang="x-none" smtClean="0"/>
+              <a:t>5/15/2022</a:t>
             </a:fld>
-            <a:endParaRPr lang="en-DE"/>
+            <a:endParaRPr lang="x-none"/>
           </a:p>
         </p:txBody>
       </p:sp>
@@ -1168,7 +1172,7 @@
           <p:cNvPr id="5" name="Footer Placeholder 4">
             <a:extLst>
               <a:ext uri="{FF2B5EF4-FFF2-40B4-BE49-F238E27FC236}">
-                <a16:creationId xmlns:a16="http://schemas.microsoft.com/office/drawing/2014/main" id="{C0D77056-3883-458B-9C7B-1A8CD464562C}"/>
+                <a16:creationId xmlns:a16="http://schemas.microsoft.com/office/drawing/2014/main" xmlns="" id="{C0D77056-3883-458B-9C7B-1A8CD464562C}"/>
               </a:ext>
             </a:extLst>
           </p:cNvPr>
@@ -1184,7 +1188,7 @@
           <a:bodyPr/>
           <a:lstStyle/>
           <a:p>
-            <a:endParaRPr lang="en-DE"/>
+            <a:endParaRPr lang="x-none"/>
           </a:p>
         </p:txBody>
       </p:sp>
@@ -1193,7 +1197,7 @@
           <p:cNvPr id="6" name="Slide Number Placeholder 5">
             <a:extLst>
               <a:ext uri="{FF2B5EF4-FFF2-40B4-BE49-F238E27FC236}">
-                <a16:creationId xmlns:a16="http://schemas.microsoft.com/office/drawing/2014/main" id="{012C11FF-1330-4E47-97D7-55C512974F04}"/>
+                <a16:creationId xmlns:a16="http://schemas.microsoft.com/office/drawing/2014/main" xmlns="" id="{012C11FF-1330-4E47-97D7-55C512974F04}"/>
               </a:ext>
             </a:extLst>
           </p:cNvPr>
@@ -1210,10 +1214,10 @@
           <a:lstStyle/>
           <a:p>
             <a:fld id="{B4607A8F-509C-4978-8A60-115FAC492D7F}" type="slidenum">
-              <a:rPr lang="en-DE" smtClean="0"/>
+              <a:rPr lang="x-none" smtClean="0"/>
               <a:t>‹#›</a:t>
             </a:fld>
-            <a:endParaRPr lang="en-DE"/>
+            <a:endParaRPr lang="x-none"/>
           </a:p>
         </p:txBody>
       </p:sp>
@@ -1252,7 +1256,7 @@
           <p:cNvPr id="2" name="Title 1">
             <a:extLst>
               <a:ext uri="{FF2B5EF4-FFF2-40B4-BE49-F238E27FC236}">
-                <a16:creationId xmlns:a16="http://schemas.microsoft.com/office/drawing/2014/main" id="{41282904-0615-4C70-8598-74CFE1ACEFF0}"/>
+                <a16:creationId xmlns:a16="http://schemas.microsoft.com/office/drawing/2014/main" xmlns="" id="{41282904-0615-4C70-8598-74CFE1ACEFF0}"/>
               </a:ext>
             </a:extLst>
           </p:cNvPr>
@@ -1272,7 +1276,7 @@
               <a:rPr lang="en-US"/>
               <a:t>Click to edit Master title style</a:t>
             </a:r>
-            <a:endParaRPr lang="en-DE"/>
+            <a:endParaRPr lang="x-none"/>
           </a:p>
         </p:txBody>
       </p:sp>
@@ -1281,7 +1285,7 @@
           <p:cNvPr id="3" name="Content Placeholder 2">
             <a:extLst>
               <a:ext uri="{FF2B5EF4-FFF2-40B4-BE49-F238E27FC236}">
-                <a16:creationId xmlns:a16="http://schemas.microsoft.com/office/drawing/2014/main" id="{402C0AF1-FF16-4FC9-904B-BCB08E1D6F41}"/>
+                <a16:creationId xmlns:a16="http://schemas.microsoft.com/office/drawing/2014/main" xmlns="" id="{402C0AF1-FF16-4FC9-904B-BCB08E1D6F41}"/>
               </a:ext>
             </a:extLst>
           </p:cNvPr>
@@ -1335,7 +1339,7 @@
               <a:rPr lang="en-US"/>
               <a:t>Fifth level</a:t>
             </a:r>
-            <a:endParaRPr lang="en-DE"/>
+            <a:endParaRPr lang="x-none"/>
           </a:p>
         </p:txBody>
       </p:sp>
@@ -1344,7 +1348,7 @@
           <p:cNvPr id="4" name="Content Placeholder 3">
             <a:extLst>
               <a:ext uri="{FF2B5EF4-FFF2-40B4-BE49-F238E27FC236}">
-                <a16:creationId xmlns:a16="http://schemas.microsoft.com/office/drawing/2014/main" id="{47C251F7-1C82-4831-8531-8D0B8CDBCA1D}"/>
+                <a16:creationId xmlns:a16="http://schemas.microsoft.com/office/drawing/2014/main" xmlns="" id="{47C251F7-1C82-4831-8531-8D0B8CDBCA1D}"/>
               </a:ext>
             </a:extLst>
           </p:cNvPr>
@@ -1398,7 +1402,7 @@
               <a:rPr lang="en-US"/>
               <a:t>Fifth level</a:t>
             </a:r>
-            <a:endParaRPr lang="en-DE"/>
+            <a:endParaRPr lang="x-none"/>
           </a:p>
         </p:txBody>
       </p:sp>
@@ -1407,7 +1411,7 @@
           <p:cNvPr id="5" name="Date Placeholder 4">
             <a:extLst>
               <a:ext uri="{FF2B5EF4-FFF2-40B4-BE49-F238E27FC236}">
-                <a16:creationId xmlns:a16="http://schemas.microsoft.com/office/drawing/2014/main" id="{FC782578-FD00-4D75-828C-2AE9B0E52EA2}"/>
+                <a16:creationId xmlns:a16="http://schemas.microsoft.com/office/drawing/2014/main" xmlns="" id="{FC782578-FD00-4D75-828C-2AE9B0E52EA2}"/>
               </a:ext>
             </a:extLst>
           </p:cNvPr>
@@ -1424,10 +1428,10 @@
           <a:lstStyle/>
           <a:p>
             <a:fld id="{FAAF9C74-E5B0-4DD2-AEF0-C5B735643AE6}" type="datetimeFigureOut">
-              <a:rPr lang="en-DE" smtClean="0"/>
-              <a:t>09/05/2022</a:t>
+              <a:rPr lang="x-none" smtClean="0"/>
+              <a:t>5/15/2022</a:t>
             </a:fld>
-            <a:endParaRPr lang="en-DE"/>
+            <a:endParaRPr lang="x-none"/>
           </a:p>
         </p:txBody>
       </p:sp>
@@ -1436,7 +1440,7 @@
           <p:cNvPr id="6" name="Footer Placeholder 5">
             <a:extLst>
               <a:ext uri="{FF2B5EF4-FFF2-40B4-BE49-F238E27FC236}">
-                <a16:creationId xmlns:a16="http://schemas.microsoft.com/office/drawing/2014/main" id="{CD2D43E3-10F6-4700-90FA-1FE48D886EDB}"/>
+                <a16:creationId xmlns:a16="http://schemas.microsoft.com/office/drawing/2014/main" xmlns="" id="{CD2D43E3-10F6-4700-90FA-1FE48D886EDB}"/>
               </a:ext>
             </a:extLst>
           </p:cNvPr>
@@ -1452,7 +1456,7 @@
           <a:bodyPr/>
           <a:lstStyle/>
           <a:p>
-            <a:endParaRPr lang="en-DE"/>
+            <a:endParaRPr lang="x-none"/>
           </a:p>
         </p:txBody>
       </p:sp>
@@ -1461,7 +1465,7 @@
           <p:cNvPr id="7" name="Slide Number Placeholder 6">
             <a:extLst>
               <a:ext uri="{FF2B5EF4-FFF2-40B4-BE49-F238E27FC236}">
-                <a16:creationId xmlns:a16="http://schemas.microsoft.com/office/drawing/2014/main" id="{66D6DFD5-E56C-4F94-A58C-F0945685DF75}"/>
+                <a16:creationId xmlns:a16="http://schemas.microsoft.com/office/drawing/2014/main" xmlns="" id="{66D6DFD5-E56C-4F94-A58C-F0945685DF75}"/>
               </a:ext>
             </a:extLst>
           </p:cNvPr>
@@ -1478,10 +1482,10 @@
           <a:lstStyle/>
           <a:p>
             <a:fld id="{B4607A8F-509C-4978-8A60-115FAC492D7F}" type="slidenum">
-              <a:rPr lang="en-DE" smtClean="0"/>
+              <a:rPr lang="x-none" smtClean="0"/>
               <a:t>‹#›</a:t>
             </a:fld>
-            <a:endParaRPr lang="en-DE"/>
+            <a:endParaRPr lang="x-none"/>
           </a:p>
         </p:txBody>
       </p:sp>
@@ -1520,7 +1524,7 @@
           <p:cNvPr id="2" name="Title 1">
             <a:extLst>
               <a:ext uri="{FF2B5EF4-FFF2-40B4-BE49-F238E27FC236}">
-                <a16:creationId xmlns:a16="http://schemas.microsoft.com/office/drawing/2014/main" id="{3CD09AA0-4D1F-474A-9C19-86DC013E9A59}"/>
+                <a16:creationId xmlns:a16="http://schemas.microsoft.com/office/drawing/2014/main" xmlns="" id="{3CD09AA0-4D1F-474A-9C19-86DC013E9A59}"/>
               </a:ext>
             </a:extLst>
           </p:cNvPr>
@@ -1545,7 +1549,7 @@
               <a:rPr lang="en-US"/>
               <a:t>Click to edit Master title style</a:t>
             </a:r>
-            <a:endParaRPr lang="en-DE"/>
+            <a:endParaRPr lang="x-none"/>
           </a:p>
         </p:txBody>
       </p:sp>
@@ -1554,7 +1558,7 @@
           <p:cNvPr id="3" name="Text Placeholder 2">
             <a:extLst>
               <a:ext uri="{FF2B5EF4-FFF2-40B4-BE49-F238E27FC236}">
-                <a16:creationId xmlns:a16="http://schemas.microsoft.com/office/drawing/2014/main" id="{91F3219F-C727-479B-83DB-4EA165C4B45D}"/>
+                <a16:creationId xmlns:a16="http://schemas.microsoft.com/office/drawing/2014/main" xmlns="" id="{91F3219F-C727-479B-83DB-4EA165C4B45D}"/>
               </a:ext>
             </a:extLst>
           </p:cNvPr>
@@ -1625,7 +1629,7 @@
           <p:cNvPr id="4" name="Content Placeholder 3">
             <a:extLst>
               <a:ext uri="{FF2B5EF4-FFF2-40B4-BE49-F238E27FC236}">
-                <a16:creationId xmlns:a16="http://schemas.microsoft.com/office/drawing/2014/main" id="{0B5F9D7F-B3B3-4CF6-A6DC-883CCDE8CAEE}"/>
+                <a16:creationId xmlns:a16="http://schemas.microsoft.com/office/drawing/2014/main" xmlns="" id="{0B5F9D7F-B3B3-4CF6-A6DC-883CCDE8CAEE}"/>
               </a:ext>
             </a:extLst>
           </p:cNvPr>
@@ -1679,7 +1683,7 @@
               <a:rPr lang="en-US"/>
               <a:t>Fifth level</a:t>
             </a:r>
-            <a:endParaRPr lang="en-DE"/>
+            <a:endParaRPr lang="x-none"/>
           </a:p>
         </p:txBody>
       </p:sp>
@@ -1688,7 +1692,7 @@
           <p:cNvPr id="5" name="Text Placeholder 4">
             <a:extLst>
               <a:ext uri="{FF2B5EF4-FFF2-40B4-BE49-F238E27FC236}">
-                <a16:creationId xmlns:a16="http://schemas.microsoft.com/office/drawing/2014/main" id="{DEFCBEDD-C372-44B4-950C-9AF99D41D29D}"/>
+                <a16:creationId xmlns:a16="http://schemas.microsoft.com/office/drawing/2014/main" xmlns="" id="{DEFCBEDD-C372-44B4-950C-9AF99D41D29D}"/>
               </a:ext>
             </a:extLst>
           </p:cNvPr>
@@ -1759,7 +1763,7 @@
           <p:cNvPr id="6" name="Content Placeholder 5">
             <a:extLst>
               <a:ext uri="{FF2B5EF4-FFF2-40B4-BE49-F238E27FC236}">
-                <a16:creationId xmlns:a16="http://schemas.microsoft.com/office/drawing/2014/main" id="{D28E9443-B0A9-43E2-BC52-67A8859C024F}"/>
+                <a16:creationId xmlns:a16="http://schemas.microsoft.com/office/drawing/2014/main" xmlns="" id="{D28E9443-B0A9-43E2-BC52-67A8859C024F}"/>
               </a:ext>
             </a:extLst>
           </p:cNvPr>
@@ -1813,7 +1817,7 @@
               <a:rPr lang="en-US"/>
               <a:t>Fifth level</a:t>
             </a:r>
-            <a:endParaRPr lang="en-DE"/>
+            <a:endParaRPr lang="x-none"/>
           </a:p>
         </p:txBody>
       </p:sp>
@@ -1822,7 +1826,7 @@
           <p:cNvPr id="7" name="Date Placeholder 6">
             <a:extLst>
               <a:ext uri="{FF2B5EF4-FFF2-40B4-BE49-F238E27FC236}">
-                <a16:creationId xmlns:a16="http://schemas.microsoft.com/office/drawing/2014/main" id="{4C95295C-7C88-4206-B789-05400A8A04CA}"/>
+                <a16:creationId xmlns:a16="http://schemas.microsoft.com/office/drawing/2014/main" xmlns="" id="{4C95295C-7C88-4206-B789-05400A8A04CA}"/>
               </a:ext>
             </a:extLst>
           </p:cNvPr>
@@ -1839,10 +1843,10 @@
           <a:lstStyle/>
           <a:p>
             <a:fld id="{FAAF9C74-E5B0-4DD2-AEF0-C5B735643AE6}" type="datetimeFigureOut">
-              <a:rPr lang="en-DE" smtClean="0"/>
-              <a:t>09/05/2022</a:t>
+              <a:rPr lang="x-none" smtClean="0"/>
+              <a:t>5/15/2022</a:t>
             </a:fld>
-            <a:endParaRPr lang="en-DE"/>
+            <a:endParaRPr lang="x-none"/>
           </a:p>
         </p:txBody>
       </p:sp>
@@ -1851,7 +1855,7 @@
           <p:cNvPr id="8" name="Footer Placeholder 7">
             <a:extLst>
               <a:ext uri="{FF2B5EF4-FFF2-40B4-BE49-F238E27FC236}">
-                <a16:creationId xmlns:a16="http://schemas.microsoft.com/office/drawing/2014/main" id="{C458CA07-8E37-4680-8538-F08E1A7EF544}"/>
+                <a16:creationId xmlns:a16="http://schemas.microsoft.com/office/drawing/2014/main" xmlns="" id="{C458CA07-8E37-4680-8538-F08E1A7EF544}"/>
               </a:ext>
             </a:extLst>
           </p:cNvPr>
@@ -1867,7 +1871,7 @@
           <a:bodyPr/>
           <a:lstStyle/>
           <a:p>
-            <a:endParaRPr lang="en-DE"/>
+            <a:endParaRPr lang="x-none"/>
           </a:p>
         </p:txBody>
       </p:sp>
@@ -1876,7 +1880,7 @@
           <p:cNvPr id="9" name="Slide Number Placeholder 8">
             <a:extLst>
               <a:ext uri="{FF2B5EF4-FFF2-40B4-BE49-F238E27FC236}">
-                <a16:creationId xmlns:a16="http://schemas.microsoft.com/office/drawing/2014/main" id="{C8D88FB0-F82A-483E-8A96-E177B4ACAB2F}"/>
+                <a16:creationId xmlns:a16="http://schemas.microsoft.com/office/drawing/2014/main" xmlns="" id="{C8D88FB0-F82A-483E-8A96-E177B4ACAB2F}"/>
               </a:ext>
             </a:extLst>
           </p:cNvPr>
@@ -1893,10 +1897,10 @@
           <a:lstStyle/>
           <a:p>
             <a:fld id="{B4607A8F-509C-4978-8A60-115FAC492D7F}" type="slidenum">
-              <a:rPr lang="en-DE" smtClean="0"/>
+              <a:rPr lang="x-none" smtClean="0"/>
               <a:t>‹#›</a:t>
             </a:fld>
-            <a:endParaRPr lang="en-DE"/>
+            <a:endParaRPr lang="x-none"/>
           </a:p>
         </p:txBody>
       </p:sp>
@@ -1935,7 +1939,7 @@
           <p:cNvPr id="2" name="Title 1">
             <a:extLst>
               <a:ext uri="{FF2B5EF4-FFF2-40B4-BE49-F238E27FC236}">
-                <a16:creationId xmlns:a16="http://schemas.microsoft.com/office/drawing/2014/main" id="{6EE04D96-9C6C-4A77-97B2-0AB7E2B33E29}"/>
+                <a16:creationId xmlns:a16="http://schemas.microsoft.com/office/drawing/2014/main" xmlns="" id="{6EE04D96-9C6C-4A77-97B2-0AB7E2B33E29}"/>
               </a:ext>
             </a:extLst>
           </p:cNvPr>
@@ -1955,7 +1959,7 @@
               <a:rPr lang="en-US"/>
               <a:t>Click to edit Master title style</a:t>
             </a:r>
-            <a:endParaRPr lang="en-DE"/>
+            <a:endParaRPr lang="x-none"/>
           </a:p>
         </p:txBody>
       </p:sp>
@@ -1964,7 +1968,7 @@
           <p:cNvPr id="3" name="Date Placeholder 2">
             <a:extLst>
               <a:ext uri="{FF2B5EF4-FFF2-40B4-BE49-F238E27FC236}">
-                <a16:creationId xmlns:a16="http://schemas.microsoft.com/office/drawing/2014/main" id="{326C7D91-6C38-4AC9-A67E-C3AD91105EAE}"/>
+                <a16:creationId xmlns:a16="http://schemas.microsoft.com/office/drawing/2014/main" xmlns="" id="{326C7D91-6C38-4AC9-A67E-C3AD91105EAE}"/>
               </a:ext>
             </a:extLst>
           </p:cNvPr>
@@ -1981,10 +1985,10 @@
           <a:lstStyle/>
           <a:p>
             <a:fld id="{FAAF9C74-E5B0-4DD2-AEF0-C5B735643AE6}" type="datetimeFigureOut">
-              <a:rPr lang="en-DE" smtClean="0"/>
-              <a:t>09/05/2022</a:t>
+              <a:rPr lang="x-none" smtClean="0"/>
+              <a:t>5/15/2022</a:t>
             </a:fld>
-            <a:endParaRPr lang="en-DE"/>
+            <a:endParaRPr lang="x-none"/>
           </a:p>
         </p:txBody>
       </p:sp>
@@ -1993,7 +1997,7 @@
           <p:cNvPr id="4" name="Footer Placeholder 3">
             <a:extLst>
               <a:ext uri="{FF2B5EF4-FFF2-40B4-BE49-F238E27FC236}">
-                <a16:creationId xmlns:a16="http://schemas.microsoft.com/office/drawing/2014/main" id="{CB45B167-0F0F-4382-BEE6-A7ED561DF8D7}"/>
+                <a16:creationId xmlns:a16="http://schemas.microsoft.com/office/drawing/2014/main" xmlns="" id="{CB45B167-0F0F-4382-BEE6-A7ED561DF8D7}"/>
               </a:ext>
             </a:extLst>
           </p:cNvPr>
@@ -2009,7 +2013,7 @@
           <a:bodyPr/>
           <a:lstStyle/>
           <a:p>
-            <a:endParaRPr lang="en-DE"/>
+            <a:endParaRPr lang="x-none"/>
           </a:p>
         </p:txBody>
       </p:sp>
@@ -2018,7 +2022,7 @@
           <p:cNvPr id="5" name="Slide Number Placeholder 4">
             <a:extLst>
               <a:ext uri="{FF2B5EF4-FFF2-40B4-BE49-F238E27FC236}">
-                <a16:creationId xmlns:a16="http://schemas.microsoft.com/office/drawing/2014/main" id="{99FF2E05-0562-4244-98B9-F98A4287DF02}"/>
+                <a16:creationId xmlns:a16="http://schemas.microsoft.com/office/drawing/2014/main" xmlns="" id="{99FF2E05-0562-4244-98B9-F98A4287DF02}"/>
               </a:ext>
             </a:extLst>
           </p:cNvPr>
@@ -2035,10 +2039,10 @@
           <a:lstStyle/>
           <a:p>
             <a:fld id="{B4607A8F-509C-4978-8A60-115FAC492D7F}" type="slidenum">
-              <a:rPr lang="en-DE" smtClean="0"/>
+              <a:rPr lang="x-none" smtClean="0"/>
               <a:t>‹#›</a:t>
             </a:fld>
-            <a:endParaRPr lang="en-DE"/>
+            <a:endParaRPr lang="x-none"/>
           </a:p>
         </p:txBody>
       </p:sp>
@@ -2077,7 +2081,7 @@
           <p:cNvPr id="2" name="Date Placeholder 1">
             <a:extLst>
               <a:ext uri="{FF2B5EF4-FFF2-40B4-BE49-F238E27FC236}">
-                <a16:creationId xmlns:a16="http://schemas.microsoft.com/office/drawing/2014/main" id="{F6BD84BA-4BD5-4E66-BF75-31DAC4E78705}"/>
+                <a16:creationId xmlns:a16="http://schemas.microsoft.com/office/drawing/2014/main" xmlns="" id="{F6BD84BA-4BD5-4E66-BF75-31DAC4E78705}"/>
               </a:ext>
             </a:extLst>
           </p:cNvPr>
@@ -2094,10 +2098,10 @@
           <a:lstStyle/>
           <a:p>
             <a:fld id="{FAAF9C74-E5B0-4DD2-AEF0-C5B735643AE6}" type="datetimeFigureOut">
-              <a:rPr lang="en-DE" smtClean="0"/>
-              <a:t>09/05/2022</a:t>
+              <a:rPr lang="x-none" smtClean="0"/>
+              <a:t>5/15/2022</a:t>
             </a:fld>
-            <a:endParaRPr lang="en-DE"/>
+            <a:endParaRPr lang="x-none"/>
           </a:p>
         </p:txBody>
       </p:sp>
@@ -2106,7 +2110,7 @@
           <p:cNvPr id="3" name="Footer Placeholder 2">
             <a:extLst>
               <a:ext uri="{FF2B5EF4-FFF2-40B4-BE49-F238E27FC236}">
-                <a16:creationId xmlns:a16="http://schemas.microsoft.com/office/drawing/2014/main" id="{C41FB38D-492F-4F19-8863-473D5D24C471}"/>
+                <a16:creationId xmlns:a16="http://schemas.microsoft.com/office/drawing/2014/main" xmlns="" id="{C41FB38D-492F-4F19-8863-473D5D24C471}"/>
               </a:ext>
             </a:extLst>
           </p:cNvPr>
@@ -2122,7 +2126,7 @@
           <a:bodyPr/>
           <a:lstStyle/>
           <a:p>
-            <a:endParaRPr lang="en-DE"/>
+            <a:endParaRPr lang="x-none"/>
           </a:p>
         </p:txBody>
       </p:sp>
@@ -2131,7 +2135,7 @@
           <p:cNvPr id="4" name="Slide Number Placeholder 3">
             <a:extLst>
               <a:ext uri="{FF2B5EF4-FFF2-40B4-BE49-F238E27FC236}">
-                <a16:creationId xmlns:a16="http://schemas.microsoft.com/office/drawing/2014/main" id="{D206EBE9-5316-4E87-AC74-19DFF1BF4C81}"/>
+                <a16:creationId xmlns:a16="http://schemas.microsoft.com/office/drawing/2014/main" xmlns="" id="{D206EBE9-5316-4E87-AC74-19DFF1BF4C81}"/>
               </a:ext>
             </a:extLst>
           </p:cNvPr>
@@ -2148,10 +2152,10 @@
           <a:lstStyle/>
           <a:p>
             <a:fld id="{B4607A8F-509C-4978-8A60-115FAC492D7F}" type="slidenum">
-              <a:rPr lang="en-DE" smtClean="0"/>
+              <a:rPr lang="x-none" smtClean="0"/>
               <a:t>‹#›</a:t>
             </a:fld>
-            <a:endParaRPr lang="en-DE"/>
+            <a:endParaRPr lang="x-none"/>
           </a:p>
         </p:txBody>
       </p:sp>
@@ -2190,7 +2194,7 @@
           <p:cNvPr id="2" name="Title 1">
             <a:extLst>
               <a:ext uri="{FF2B5EF4-FFF2-40B4-BE49-F238E27FC236}">
-                <a16:creationId xmlns:a16="http://schemas.microsoft.com/office/drawing/2014/main" id="{08F77C52-6772-433C-8A95-6158AFD10E9B}"/>
+                <a16:creationId xmlns:a16="http://schemas.microsoft.com/office/drawing/2014/main" xmlns="" id="{08F77C52-6772-433C-8A95-6158AFD10E9B}"/>
               </a:ext>
             </a:extLst>
           </p:cNvPr>
@@ -2219,7 +2223,7 @@
               <a:rPr lang="en-US"/>
               <a:t>Click to edit Master title style</a:t>
             </a:r>
-            <a:endParaRPr lang="en-DE"/>
+            <a:endParaRPr lang="x-none"/>
           </a:p>
         </p:txBody>
       </p:sp>
@@ -2228,7 +2232,7 @@
           <p:cNvPr id="3" name="Content Placeholder 2">
             <a:extLst>
               <a:ext uri="{FF2B5EF4-FFF2-40B4-BE49-F238E27FC236}">
-                <a16:creationId xmlns:a16="http://schemas.microsoft.com/office/drawing/2014/main" id="{7D32DC69-8AD2-43B2-AB6A-83C7172D8D52}"/>
+                <a16:creationId xmlns:a16="http://schemas.microsoft.com/office/drawing/2014/main" xmlns="" id="{7D32DC69-8AD2-43B2-AB6A-83C7172D8D52}"/>
               </a:ext>
             </a:extLst>
           </p:cNvPr>
@@ -2310,7 +2314,7 @@
               <a:rPr lang="en-US"/>
               <a:t>Fifth level</a:t>
             </a:r>
-            <a:endParaRPr lang="en-DE"/>
+            <a:endParaRPr lang="x-none"/>
           </a:p>
         </p:txBody>
       </p:sp>
@@ -2319,7 +2323,7 @@
           <p:cNvPr id="4" name="Text Placeholder 3">
             <a:extLst>
               <a:ext uri="{FF2B5EF4-FFF2-40B4-BE49-F238E27FC236}">
-                <a16:creationId xmlns:a16="http://schemas.microsoft.com/office/drawing/2014/main" id="{E3FBC631-F135-4397-BB52-65DCF1CA8942}"/>
+                <a16:creationId xmlns:a16="http://schemas.microsoft.com/office/drawing/2014/main" xmlns="" id="{E3FBC631-F135-4397-BB52-65DCF1CA8942}"/>
               </a:ext>
             </a:extLst>
           </p:cNvPr>
@@ -2390,7 +2394,7 @@
           <p:cNvPr id="5" name="Date Placeholder 4">
             <a:extLst>
               <a:ext uri="{FF2B5EF4-FFF2-40B4-BE49-F238E27FC236}">
-                <a16:creationId xmlns:a16="http://schemas.microsoft.com/office/drawing/2014/main" id="{B5D43D24-4F23-4E8F-9920-DA91C53AF888}"/>
+                <a16:creationId xmlns:a16="http://schemas.microsoft.com/office/drawing/2014/main" xmlns="" id="{B5D43D24-4F23-4E8F-9920-DA91C53AF888}"/>
               </a:ext>
             </a:extLst>
           </p:cNvPr>
@@ -2407,10 +2411,10 @@
           <a:lstStyle/>
           <a:p>
             <a:fld id="{FAAF9C74-E5B0-4DD2-AEF0-C5B735643AE6}" type="datetimeFigureOut">
-              <a:rPr lang="en-DE" smtClean="0"/>
-              <a:t>09/05/2022</a:t>
+              <a:rPr lang="x-none" smtClean="0"/>
+              <a:t>5/15/2022</a:t>
             </a:fld>
-            <a:endParaRPr lang="en-DE"/>
+            <a:endParaRPr lang="x-none"/>
           </a:p>
         </p:txBody>
       </p:sp>
@@ -2419,7 +2423,7 @@
           <p:cNvPr id="6" name="Footer Placeholder 5">
             <a:extLst>
               <a:ext uri="{FF2B5EF4-FFF2-40B4-BE49-F238E27FC236}">
-                <a16:creationId xmlns:a16="http://schemas.microsoft.com/office/drawing/2014/main" id="{BD1933B6-4DE7-425D-93CF-144271AE412B}"/>
+                <a16:creationId xmlns:a16="http://schemas.microsoft.com/office/drawing/2014/main" xmlns="" id="{BD1933B6-4DE7-425D-93CF-144271AE412B}"/>
               </a:ext>
             </a:extLst>
           </p:cNvPr>
@@ -2435,7 +2439,7 @@
           <a:bodyPr/>
           <a:lstStyle/>
           <a:p>
-            <a:endParaRPr lang="en-DE"/>
+            <a:endParaRPr lang="x-none"/>
           </a:p>
         </p:txBody>
       </p:sp>
@@ -2444,7 +2448,7 @@
           <p:cNvPr id="7" name="Slide Number Placeholder 6">
             <a:extLst>
               <a:ext uri="{FF2B5EF4-FFF2-40B4-BE49-F238E27FC236}">
-                <a16:creationId xmlns:a16="http://schemas.microsoft.com/office/drawing/2014/main" id="{0163CA70-86CE-40FE-AB5C-FBD1124EE56C}"/>
+                <a16:creationId xmlns:a16="http://schemas.microsoft.com/office/drawing/2014/main" xmlns="" id="{0163CA70-86CE-40FE-AB5C-FBD1124EE56C}"/>
               </a:ext>
             </a:extLst>
           </p:cNvPr>
@@ -2461,10 +2465,10 @@
           <a:lstStyle/>
           <a:p>
             <a:fld id="{B4607A8F-509C-4978-8A60-115FAC492D7F}" type="slidenum">
-              <a:rPr lang="en-DE" smtClean="0"/>
+              <a:rPr lang="x-none" smtClean="0"/>
               <a:t>‹#›</a:t>
             </a:fld>
-            <a:endParaRPr lang="en-DE"/>
+            <a:endParaRPr lang="x-none"/>
           </a:p>
         </p:txBody>
       </p:sp>
@@ -2503,7 +2507,7 @@
           <p:cNvPr id="2" name="Title 1">
             <a:extLst>
               <a:ext uri="{FF2B5EF4-FFF2-40B4-BE49-F238E27FC236}">
-                <a16:creationId xmlns:a16="http://schemas.microsoft.com/office/drawing/2014/main" id="{9B35B7BE-6B80-4BF0-8B59-CBD331B511BD}"/>
+                <a16:creationId xmlns:a16="http://schemas.microsoft.com/office/drawing/2014/main" xmlns="" id="{9B35B7BE-6B80-4BF0-8B59-CBD331B511BD}"/>
               </a:ext>
             </a:extLst>
           </p:cNvPr>
@@ -2532,7 +2536,7 @@
               <a:rPr lang="en-US"/>
               <a:t>Click to edit Master title style</a:t>
             </a:r>
-            <a:endParaRPr lang="en-DE"/>
+            <a:endParaRPr lang="x-none"/>
           </a:p>
         </p:txBody>
       </p:sp>
@@ -2541,7 +2545,7 @@
           <p:cNvPr id="3" name="Picture Placeholder 2">
             <a:extLst>
               <a:ext uri="{FF2B5EF4-FFF2-40B4-BE49-F238E27FC236}">
-                <a16:creationId xmlns:a16="http://schemas.microsoft.com/office/drawing/2014/main" id="{789F51FB-1A4D-4D1C-B8A0-97EA4F4663F2}"/>
+                <a16:creationId xmlns:a16="http://schemas.microsoft.com/office/drawing/2014/main" xmlns="" id="{789F51FB-1A4D-4D1C-B8A0-97EA4F4663F2}"/>
               </a:ext>
             </a:extLst>
           </p:cNvPr>
@@ -2599,7 +2603,7 @@
             </a:lvl9pPr>
           </a:lstStyle>
           <a:p>
-            <a:endParaRPr lang="en-DE"/>
+            <a:endParaRPr lang="x-none"/>
           </a:p>
         </p:txBody>
       </p:sp>
@@ -2608,7 +2612,7 @@
           <p:cNvPr id="4" name="Text Placeholder 3">
             <a:extLst>
               <a:ext uri="{FF2B5EF4-FFF2-40B4-BE49-F238E27FC236}">
-                <a16:creationId xmlns:a16="http://schemas.microsoft.com/office/drawing/2014/main" id="{95613B1A-03B4-49D4-A480-0D881501CCCF}"/>
+                <a16:creationId xmlns:a16="http://schemas.microsoft.com/office/drawing/2014/main" xmlns="" id="{95613B1A-03B4-49D4-A480-0D881501CCCF}"/>
               </a:ext>
             </a:extLst>
           </p:cNvPr>
@@ -2679,7 +2683,7 @@
           <p:cNvPr id="5" name="Date Placeholder 4">
             <a:extLst>
               <a:ext uri="{FF2B5EF4-FFF2-40B4-BE49-F238E27FC236}">
-                <a16:creationId xmlns:a16="http://schemas.microsoft.com/office/drawing/2014/main" id="{980E8C46-7DE3-4462-ABA1-0F6AF3ED1011}"/>
+                <a16:creationId xmlns:a16="http://schemas.microsoft.com/office/drawing/2014/main" xmlns="" id="{980E8C46-7DE3-4462-ABA1-0F6AF3ED1011}"/>
               </a:ext>
             </a:extLst>
           </p:cNvPr>
@@ -2696,10 +2700,10 @@
           <a:lstStyle/>
           <a:p>
             <a:fld id="{FAAF9C74-E5B0-4DD2-AEF0-C5B735643AE6}" type="datetimeFigureOut">
-              <a:rPr lang="en-DE" smtClean="0"/>
-              <a:t>09/05/2022</a:t>
+              <a:rPr lang="x-none" smtClean="0"/>
+              <a:t>5/15/2022</a:t>
             </a:fld>
-            <a:endParaRPr lang="en-DE"/>
+            <a:endParaRPr lang="x-none"/>
           </a:p>
         </p:txBody>
       </p:sp>
@@ -2708,7 +2712,7 @@
           <p:cNvPr id="6" name="Footer Placeholder 5">
             <a:extLst>
               <a:ext uri="{FF2B5EF4-FFF2-40B4-BE49-F238E27FC236}">
-                <a16:creationId xmlns:a16="http://schemas.microsoft.com/office/drawing/2014/main" id="{F50EAE55-51BA-4970-9FD2-84052023AF68}"/>
+                <a16:creationId xmlns:a16="http://schemas.microsoft.com/office/drawing/2014/main" xmlns="" id="{F50EAE55-51BA-4970-9FD2-84052023AF68}"/>
               </a:ext>
             </a:extLst>
           </p:cNvPr>
@@ -2724,7 +2728,7 @@
           <a:bodyPr/>
           <a:lstStyle/>
           <a:p>
-            <a:endParaRPr lang="en-DE"/>
+            <a:endParaRPr lang="x-none"/>
           </a:p>
         </p:txBody>
       </p:sp>
@@ -2733,7 +2737,7 @@
           <p:cNvPr id="7" name="Slide Number Placeholder 6">
             <a:extLst>
               <a:ext uri="{FF2B5EF4-FFF2-40B4-BE49-F238E27FC236}">
-                <a16:creationId xmlns:a16="http://schemas.microsoft.com/office/drawing/2014/main" id="{44950360-CD3A-46CA-BB24-3843F296015C}"/>
+                <a16:creationId xmlns:a16="http://schemas.microsoft.com/office/drawing/2014/main" xmlns="" id="{44950360-CD3A-46CA-BB24-3843F296015C}"/>
               </a:ext>
             </a:extLst>
           </p:cNvPr>
@@ -2750,10 +2754,10 @@
           <a:lstStyle/>
           <a:p>
             <a:fld id="{B4607A8F-509C-4978-8A60-115FAC492D7F}" type="slidenum">
-              <a:rPr lang="en-DE" smtClean="0"/>
+              <a:rPr lang="x-none" smtClean="0"/>
               <a:t>‹#›</a:t>
             </a:fld>
-            <a:endParaRPr lang="en-DE"/>
+            <a:endParaRPr lang="x-none"/>
           </a:p>
         </p:txBody>
       </p:sp>
@@ -2800,7 +2804,7 @@
           <p:cNvPr id="2" name="Title Placeholder 1">
             <a:extLst>
               <a:ext uri="{FF2B5EF4-FFF2-40B4-BE49-F238E27FC236}">
-                <a16:creationId xmlns:a16="http://schemas.microsoft.com/office/drawing/2014/main" id="{53B6B282-DDAB-49F4-A469-9DE4065BF1E3}"/>
+                <a16:creationId xmlns:a16="http://schemas.microsoft.com/office/drawing/2014/main" xmlns="" id="{53B6B282-DDAB-49F4-A469-9DE4065BF1E3}"/>
               </a:ext>
             </a:extLst>
           </p:cNvPr>
@@ -2830,7 +2834,7 @@
               <a:rPr lang="en-US"/>
               <a:t>Click to edit Master title style</a:t>
             </a:r>
-            <a:endParaRPr lang="en-DE"/>
+            <a:endParaRPr lang="x-none"/>
           </a:p>
         </p:txBody>
       </p:sp>
@@ -2839,7 +2843,7 @@
           <p:cNvPr id="3" name="Text Placeholder 2">
             <a:extLst>
               <a:ext uri="{FF2B5EF4-FFF2-40B4-BE49-F238E27FC236}">
-                <a16:creationId xmlns:a16="http://schemas.microsoft.com/office/drawing/2014/main" id="{B4EEAD3F-03DC-46E9-AE2E-85570A49AF71}"/>
+                <a16:creationId xmlns:a16="http://schemas.microsoft.com/office/drawing/2014/main" xmlns="" id="{B4EEAD3F-03DC-46E9-AE2E-85570A49AF71}"/>
               </a:ext>
             </a:extLst>
           </p:cNvPr>
@@ -2898,7 +2902,7 @@
               <a:rPr lang="en-US"/>
               <a:t>Fifth level</a:t>
             </a:r>
-            <a:endParaRPr lang="en-DE"/>
+            <a:endParaRPr lang="x-none"/>
           </a:p>
         </p:txBody>
       </p:sp>
@@ -2907,7 +2911,7 @@
           <p:cNvPr id="4" name="Date Placeholder 3">
             <a:extLst>
               <a:ext uri="{FF2B5EF4-FFF2-40B4-BE49-F238E27FC236}">
-                <a16:creationId xmlns:a16="http://schemas.microsoft.com/office/drawing/2014/main" id="{2CC4198D-6649-4F99-B88D-9639E7DF122C}"/>
+                <a16:creationId xmlns:a16="http://schemas.microsoft.com/office/drawing/2014/main" xmlns="" id="{2CC4198D-6649-4F99-B88D-9639E7DF122C}"/>
               </a:ext>
             </a:extLst>
           </p:cNvPr>
@@ -2942,10 +2946,10 @@
           </a:lstStyle>
           <a:p>
             <a:fld id="{FAAF9C74-E5B0-4DD2-AEF0-C5B735643AE6}" type="datetimeFigureOut">
-              <a:rPr lang="en-DE" smtClean="0"/>
-              <a:t>09/05/2022</a:t>
+              <a:rPr lang="x-none" smtClean="0"/>
+              <a:t>5/15/2022</a:t>
             </a:fld>
-            <a:endParaRPr lang="en-DE"/>
+            <a:endParaRPr lang="x-none"/>
           </a:p>
         </p:txBody>
       </p:sp>
@@ -2954,7 +2958,7 @@
           <p:cNvPr id="5" name="Footer Placeholder 4">
             <a:extLst>
               <a:ext uri="{FF2B5EF4-FFF2-40B4-BE49-F238E27FC236}">
-                <a16:creationId xmlns:a16="http://schemas.microsoft.com/office/drawing/2014/main" id="{358A2839-A863-4C75-9328-C35763765098}"/>
+                <a16:creationId xmlns:a16="http://schemas.microsoft.com/office/drawing/2014/main" xmlns="" id="{358A2839-A863-4C75-9328-C35763765098}"/>
               </a:ext>
             </a:extLst>
           </p:cNvPr>
@@ -2988,7 +2992,7 @@
             </a:lvl1pPr>
           </a:lstStyle>
           <a:p>
-            <a:endParaRPr lang="en-DE"/>
+            <a:endParaRPr lang="x-none"/>
           </a:p>
         </p:txBody>
       </p:sp>
@@ -2997,7 +3001,7 @@
           <p:cNvPr id="6" name="Slide Number Placeholder 5">
             <a:extLst>
               <a:ext uri="{FF2B5EF4-FFF2-40B4-BE49-F238E27FC236}">
-                <a16:creationId xmlns:a16="http://schemas.microsoft.com/office/drawing/2014/main" id="{B08220B8-72C7-4F54-BF1E-7329D227A448}"/>
+                <a16:creationId xmlns:a16="http://schemas.microsoft.com/office/drawing/2014/main" xmlns="" id="{B08220B8-72C7-4F54-BF1E-7329D227A448}"/>
               </a:ext>
             </a:extLst>
           </p:cNvPr>
@@ -3032,10 +3036,10 @@
           </a:lstStyle>
           <a:p>
             <a:fld id="{B4607A8F-509C-4978-8A60-115FAC492D7F}" type="slidenum">
-              <a:rPr lang="en-DE" smtClean="0"/>
+              <a:rPr lang="x-none" smtClean="0"/>
               <a:t>‹#›</a:t>
             </a:fld>
-            <a:endParaRPr lang="en-DE"/>
+            <a:endParaRPr lang="x-none"/>
           </a:p>
         </p:txBody>
       </p:sp>
@@ -3246,7 +3250,7 @@
     </p:bodyStyle>
     <p:otherStyle>
       <a:defPPr>
-        <a:defRPr lang="en-DE"/>
+        <a:defRPr lang="x-none"/>
       </a:defPPr>
       <a:lvl1pPr marL="0" algn="l" defTabSz="914400" rtl="0" eaLnBrk="1" latinLnBrk="0" hangingPunct="1">
         <a:defRPr sz="1800" kern="1200">
@@ -3365,7 +3369,7 @@
           <p:cNvPr id="2" name="Title 1">
             <a:extLst>
               <a:ext uri="{FF2B5EF4-FFF2-40B4-BE49-F238E27FC236}">
-                <a16:creationId xmlns:a16="http://schemas.microsoft.com/office/drawing/2014/main" id="{2937E622-18FB-4DF4-BB44-135388FA16C5}"/>
+                <a16:creationId xmlns:a16="http://schemas.microsoft.com/office/drawing/2014/main" xmlns="" id="{2937E622-18FB-4DF4-BB44-135388FA16C5}"/>
               </a:ext>
             </a:extLst>
           </p:cNvPr>
@@ -3398,7 +3402,7 @@
               </a:rPr>
               <a:t>Simulation of Kelvin-Helmholtz instabilities using generalized lattice-Boltzmann methods</a:t>
             </a:r>
-            <a:endParaRPr lang="en-DE" b="1" dirty="0">
+            <a:endParaRPr lang="x-none" b="1" dirty="0">
               <a:solidFill>
                 <a:schemeClr val="bg1"/>
               </a:solidFill>
@@ -3412,7 +3416,7 @@
           <p:cNvPr id="4" name="TextBox 3">
             <a:extLst>
               <a:ext uri="{FF2B5EF4-FFF2-40B4-BE49-F238E27FC236}">
-                <a16:creationId xmlns:a16="http://schemas.microsoft.com/office/drawing/2014/main" id="{CD6BD5BD-0426-48E3-9BD4-35299655E531}"/>
+                <a16:creationId xmlns:a16="http://schemas.microsoft.com/office/drawing/2014/main" xmlns="" id="{CD6BD5BD-0426-48E3-9BD4-35299655E531}"/>
               </a:ext>
             </a:extLst>
           </p:cNvPr>
@@ -3444,7 +3448,7 @@
               </a:rPr>
               <a:t>19 May 2022</a:t>
             </a:r>
-            <a:endParaRPr lang="en-DE" sz="2800" dirty="0">
+            <a:endParaRPr lang="x-none" sz="2800" dirty="0">
               <a:solidFill>
                 <a:schemeClr val="bg1"/>
               </a:solidFill>
@@ -3458,7 +3462,7 @@
           <p:cNvPr id="6" name="TextBox 5">
             <a:extLst>
               <a:ext uri="{FF2B5EF4-FFF2-40B4-BE49-F238E27FC236}">
-                <a16:creationId xmlns:a16="http://schemas.microsoft.com/office/drawing/2014/main" id="{3FA0123F-39E2-4412-BFC4-1D87223B3FCB}"/>
+                <a16:creationId xmlns:a16="http://schemas.microsoft.com/office/drawing/2014/main" xmlns="" id="{3FA0123F-39E2-4412-BFC4-1D87223B3FCB}"/>
               </a:ext>
             </a:extLst>
           </p:cNvPr>
@@ -3517,7 +3521,7 @@
               </a:rPr>
               <a:t>Krabbenborg</a:t>
             </a:r>
-            <a:endParaRPr lang="en-DE" sz="2800" b="1" dirty="0">
+            <a:endParaRPr lang="x-none" sz="2800" b="1" dirty="0">
               <a:solidFill>
                 <a:schemeClr val="bg1"/>
               </a:solidFill>
@@ -3531,7 +3535,7 @@
           <p:cNvPr id="10" name="Picture 9">
             <a:extLst>
               <a:ext uri="{FF2B5EF4-FFF2-40B4-BE49-F238E27FC236}">
-                <a16:creationId xmlns:a16="http://schemas.microsoft.com/office/drawing/2014/main" id="{76E15F87-3F85-4BC5-8A23-D465632F3EEC}"/>
+                <a16:creationId xmlns:a16="http://schemas.microsoft.com/office/drawing/2014/main" xmlns="" id="{76E15F87-3F85-4BC5-8A23-D465632F3EEC}"/>
               </a:ext>
             </a:extLst>
           </p:cNvPr>
@@ -3566,7 +3570,7 @@
           <p:cNvPr id="14" name="TextBox 13">
             <a:extLst>
               <a:ext uri="{FF2B5EF4-FFF2-40B4-BE49-F238E27FC236}">
-                <a16:creationId xmlns:a16="http://schemas.microsoft.com/office/drawing/2014/main" id="{2DD5F139-9B5B-4960-B8DA-C786145B219B}"/>
+                <a16:creationId xmlns:a16="http://schemas.microsoft.com/office/drawing/2014/main" xmlns="" id="{2DD5F139-9B5B-4960-B8DA-C786145B219B}"/>
               </a:ext>
             </a:extLst>
           </p:cNvPr>
@@ -3598,7 +3602,7 @@
               </a:rPr>
               <a:t>Computational Physics  ‘22</a:t>
             </a:r>
-            <a:endParaRPr lang="en-DE" sz="2800" dirty="0"/>
+            <a:endParaRPr lang="x-none" sz="2800" dirty="0"/>
           </a:p>
         </p:txBody>
       </p:sp>
@@ -3612,6 +3616,13 @@
   <p:clrMapOvr>
     <a:masterClrMapping/>
   </p:clrMapOvr>
+  <p:timing>
+    <p:tnLst>
+      <p:par>
+        <p:cTn id="1" dur="indefinite" restart="never" nodeType="tmRoot"/>
+      </p:par>
+    </p:tnLst>
+  </p:timing>
 </p:sld>
 </file>
 
@@ -3637,7 +3648,7 @@
           <p:cNvPr id="18" name="Content Placeholder 12">
             <a:extLst>
               <a:ext uri="{FF2B5EF4-FFF2-40B4-BE49-F238E27FC236}">
-                <a16:creationId xmlns:a16="http://schemas.microsoft.com/office/drawing/2014/main" id="{C4A49D2A-4082-45B0-928E-9B51AB6D46B9}"/>
+                <a16:creationId xmlns:a16="http://schemas.microsoft.com/office/drawing/2014/main" xmlns="" id="{C4A49D2A-4082-45B0-928E-9B51AB6D46B9}"/>
               </a:ext>
             </a:extLst>
           </p:cNvPr>
@@ -3659,8 +3670,8 @@
         </p:blipFill>
         <p:spPr>
           <a:xfrm>
-            <a:off x="0" y="5852160"/>
-            <a:ext cx="12192000" cy="1005839"/>
+            <a:off x="0" y="6311900"/>
+            <a:ext cx="12192000" cy="546100"/>
           </a:xfrm>
           <a:prstGeom prst="rect">
             <a:avLst/>
@@ -3669,86 +3680,20 @@
       </p:pic>
       <p:sp>
         <p:nvSpPr>
-          <p:cNvPr id="7" name="Title 1">
-            <a:extLst>
-              <a:ext uri="{FF2B5EF4-FFF2-40B4-BE49-F238E27FC236}">
-                <a16:creationId xmlns:a16="http://schemas.microsoft.com/office/drawing/2014/main" id="{AB2D229F-C817-47CA-AD1A-7BF83C0C7A4E}"/>
-              </a:ext>
-            </a:extLst>
-          </p:cNvPr>
-          <p:cNvSpPr txBox="1">
-            <a:spLocks/>
-          </p:cNvSpPr>
+          <p:cNvPr id="20" name="TextBox 19">
+            <a:extLst>
+              <a:ext uri="{FF2B5EF4-FFF2-40B4-BE49-F238E27FC236}">
+                <a16:creationId xmlns:a16="http://schemas.microsoft.com/office/drawing/2014/main" xmlns="" id="{640B383B-A8E3-4968-820E-3A53DB7BA425}"/>
+              </a:ext>
+            </a:extLst>
+          </p:cNvPr>
+          <p:cNvSpPr txBox="1"/>
           <p:nvPr/>
         </p:nvSpPr>
         <p:spPr>
           <a:xfrm>
-            <a:off x="735873" y="1336601"/>
-            <a:ext cx="10981509" cy="1373189"/>
-          </a:xfrm>
-          <a:prstGeom prst="rect">
-            <a:avLst/>
-          </a:prstGeom>
-        </p:spPr>
-        <p:txBody>
-          <a:bodyPr vert="horz" lIns="91440" tIns="45720" rIns="91440" bIns="45720" rtlCol="0" anchor="ctr">
-            <a:normAutofit fontScale="97500"/>
-          </a:bodyPr>
-          <a:lstStyle>
-            <a:lvl1pPr algn="l" defTabSz="914400" rtl="0" eaLnBrk="1" latinLnBrk="0" hangingPunct="1">
-              <a:lnSpc>
-                <a:spcPct val="90000"/>
-              </a:lnSpc>
-              <a:spcBef>
-                <a:spcPct val="0"/>
-              </a:spcBef>
-              <a:buNone/>
-              <a:defRPr sz="4400" kern="1200">
-                <a:solidFill>
-                  <a:schemeClr val="tx1"/>
-                </a:solidFill>
-                <a:latin typeface="+mj-lt"/>
-                <a:ea typeface="+mj-ea"/>
-                <a:cs typeface="+mj-cs"/>
-              </a:defRPr>
-            </a:lvl1pPr>
-          </a:lstStyle>
-          <a:p>
-            <a:pPr algn="ctr"/>
-            <a:r>
-              <a:rPr lang="en-GB" sz="3600" b="1" dirty="0">
-                <a:solidFill>
-                  <a:schemeClr val="bg1"/>
-                </a:solidFill>
-                <a:latin typeface="Montserrat" panose="00000500000000000000" pitchFamily="2" charset="0"/>
-              </a:rPr>
-              <a:t>Simulation of Kelvin-Helmholtz instabilities using generalized lattice-Boltzmann methods</a:t>
-            </a:r>
-            <a:endParaRPr lang="en-DE" sz="3600" b="1" dirty="0">
-              <a:solidFill>
-                <a:schemeClr val="bg1"/>
-              </a:solidFill>
-              <a:latin typeface="Montserrat" panose="00000500000000000000" pitchFamily="2" charset="0"/>
-            </a:endParaRPr>
-          </a:p>
-        </p:txBody>
-      </p:sp>
-      <p:sp>
-        <p:nvSpPr>
-          <p:cNvPr id="9" name="TextBox 8">
-            <a:extLst>
-              <a:ext uri="{FF2B5EF4-FFF2-40B4-BE49-F238E27FC236}">
-                <a16:creationId xmlns:a16="http://schemas.microsoft.com/office/drawing/2014/main" id="{2CEB48B2-8AFE-49DD-A4FB-D01912ACBF6F}"/>
-              </a:ext>
-            </a:extLst>
-          </p:cNvPr>
-          <p:cNvSpPr txBox="1"/>
-          <p:nvPr/>
-        </p:nvSpPr>
-        <p:spPr>
-          <a:xfrm>
-            <a:off x="130629" y="5932481"/>
-            <a:ext cx="6096000" cy="830997"/>
+            <a:off x="11621769" y="6311900"/>
+            <a:ext cx="430531" cy="461665"/>
           </a:xfrm>
           <a:prstGeom prst="rect">
             <a:avLst/>
@@ -3756,59 +3701,21 @@
           <a:noFill/>
         </p:spPr>
         <p:txBody>
-          <a:bodyPr wrap="square">
+          <a:bodyPr wrap="square" rtlCol="0">
             <a:spAutoFit/>
           </a:bodyPr>
           <a:lstStyle/>
           <a:p>
             <a:r>
-              <a:rPr lang="en-GB" sz="2400" dirty="0">
+              <a:rPr lang="en-GB" sz="2400" b="1" dirty="0">
                 <a:solidFill>
                   <a:schemeClr val="bg1"/>
                 </a:solidFill>
                 <a:latin typeface="Montserrat" panose="00000500000000000000" pitchFamily="2" charset="0"/>
               </a:rPr>
-              <a:t>Thomas </a:t>
-            </a:r>
-            <a:r>
-              <a:rPr lang="en-GB" sz="2400" b="1" dirty="0">
-                <a:solidFill>
-                  <a:schemeClr val="bg1"/>
-                </a:solidFill>
-                <a:latin typeface="Montserrat" panose="00000500000000000000" pitchFamily="2" charset="0"/>
-              </a:rPr>
-              <a:t>Rothe</a:t>
-            </a:r>
-            <a:r>
-              <a:rPr lang="en-GB" sz="2400" dirty="0">
-                <a:solidFill>
-                  <a:schemeClr val="bg1"/>
-                </a:solidFill>
-                <a:latin typeface="Montserrat" panose="00000500000000000000" pitchFamily="2" charset="0"/>
-              </a:rPr>
-              <a:t> </a:t>
-            </a:r>
-          </a:p>
-          <a:p>
-            <a:r>
-              <a:rPr lang="en-GB" sz="2400" dirty="0">
-                <a:solidFill>
-                  <a:schemeClr val="bg1"/>
-                </a:solidFill>
-                <a:latin typeface="Montserrat" panose="00000500000000000000" pitchFamily="2" charset="0"/>
-              </a:rPr>
-              <a:t>Vincent </a:t>
-            </a:r>
-            <a:r>
-              <a:rPr lang="en-GB" sz="2400" b="1" dirty="0" err="1">
-                <a:solidFill>
-                  <a:schemeClr val="bg1"/>
-                </a:solidFill>
-                <a:latin typeface="Montserrat" panose="00000500000000000000" pitchFamily="2" charset="0"/>
-              </a:rPr>
-              <a:t>Krabbenborg</a:t>
-            </a:r>
-            <a:endParaRPr lang="en-DE" sz="2400" b="1" dirty="0">
+              <a:t>4</a:t>
+            </a:r>
+            <a:endParaRPr lang="x-none" sz="2400" b="1" dirty="0">
               <a:solidFill>
                 <a:schemeClr val="bg1"/>
               </a:solidFill>
@@ -3817,58 +3724,22 @@
           </a:p>
         </p:txBody>
       </p:sp>
-      <p:pic>
-        <p:nvPicPr>
-          <p:cNvPr id="10" name="Picture 9" descr="A silhouette of a person&#10;&#10;Description automatically generated with low confidence">
-            <a:extLst>
-              <a:ext uri="{FF2B5EF4-FFF2-40B4-BE49-F238E27FC236}">
-                <a16:creationId xmlns:a16="http://schemas.microsoft.com/office/drawing/2014/main" id="{7A35C135-8847-4BA7-86A0-41CE197758BC}"/>
-              </a:ext>
-            </a:extLst>
-          </p:cNvPr>
-          <p:cNvPicPr>
-            <a:picLocks noChangeAspect="1"/>
-          </p:cNvPicPr>
+      <p:sp>
+        <p:nvSpPr>
+          <p:cNvPr id="22" name="TextBox 21">
+            <a:extLst>
+              <a:ext uri="{FF2B5EF4-FFF2-40B4-BE49-F238E27FC236}">
+                <a16:creationId xmlns:a16="http://schemas.microsoft.com/office/drawing/2014/main" xmlns="" id="{6CDFA706-9F39-4DAC-B205-3B6EBDD1EC4F}"/>
+              </a:ext>
+            </a:extLst>
+          </p:cNvPr>
+          <p:cNvSpPr txBox="1"/>
           <p:nvPr/>
-        </p:nvPicPr>
-        <p:blipFill>
-          <a:blip r:embed="rId3">
-            <a:extLst>
-              <a:ext uri="{28A0092B-C50C-407E-A947-70E740481C1C}">
-                <a14:useLocalDpi xmlns:a14="http://schemas.microsoft.com/office/drawing/2010/main" val="0"/>
-              </a:ext>
-            </a:extLst>
-          </a:blip>
-          <a:stretch>
-            <a:fillRect/>
-          </a:stretch>
-        </p:blipFill>
+        </p:nvSpPr>
         <p:spPr>
           <a:xfrm>
-            <a:off x="6226628" y="6080386"/>
-            <a:ext cx="535186" cy="535186"/>
-          </a:xfrm>
-          <a:prstGeom prst="rect">
-            <a:avLst/>
-          </a:prstGeom>
-        </p:spPr>
-      </p:pic>
-      <p:sp>
-        <p:nvSpPr>
-          <p:cNvPr id="13" name="TextBox 12">
-            <a:extLst>
-              <a:ext uri="{FF2B5EF4-FFF2-40B4-BE49-F238E27FC236}">
-                <a16:creationId xmlns:a16="http://schemas.microsoft.com/office/drawing/2014/main" id="{8E3252FD-544E-42DB-9821-B5729F204097}"/>
-              </a:ext>
-            </a:extLst>
-          </p:cNvPr>
-          <p:cNvSpPr txBox="1"/>
-          <p:nvPr/>
-        </p:nvSpPr>
-        <p:spPr>
-          <a:xfrm>
-            <a:off x="4117872" y="3863399"/>
-            <a:ext cx="2900474" cy="461665"/>
+            <a:off x="0" y="6354117"/>
+            <a:ext cx="6908800" cy="461665"/>
           </a:xfrm>
           <a:prstGeom prst="rect">
             <a:avLst/>
@@ -3876,131 +3747,41 @@
           <a:noFill/>
         </p:spPr>
         <p:txBody>
-          <a:bodyPr wrap="none" rtlCol="0">
-            <a:spAutoFit/>
-          </a:bodyPr>
-          <a:lstStyle/>
-          <a:p>
-            <a:r>
-              <a:rPr lang="en-GB" sz="2400" dirty="0">
-                <a:solidFill>
-                  <a:srgbClr val="FF0000"/>
-                </a:solidFill>
-              </a:rPr>
-              <a:t>[Take-home message]</a:t>
-            </a:r>
-            <a:endParaRPr lang="en-DE" sz="2400" dirty="0">
-              <a:solidFill>
-                <a:srgbClr val="FF0000"/>
-              </a:solidFill>
-            </a:endParaRPr>
-          </a:p>
-        </p:txBody>
-      </p:sp>
-      <p:pic>
-        <p:nvPicPr>
-          <p:cNvPr id="19" name="Picture 18">
-            <a:extLst>
-              <a:ext uri="{FF2B5EF4-FFF2-40B4-BE49-F238E27FC236}">
-                <a16:creationId xmlns:a16="http://schemas.microsoft.com/office/drawing/2014/main" id="{AEE0FDA7-3B77-45CC-A1B2-418C35CA6766}"/>
-              </a:ext>
-            </a:extLst>
-          </p:cNvPr>
-          <p:cNvPicPr>
-            <a:picLocks noChangeAspect="1"/>
-          </p:cNvPicPr>
-          <p:nvPr/>
-        </p:nvPicPr>
-        <p:blipFill rotWithShape="1">
-          <a:blip r:embed="rId4">
-            <a:extLst>
-              <a:ext uri="{28A0092B-C50C-407E-A947-70E740481C1C}">
-                <a14:useLocalDpi xmlns:a14="http://schemas.microsoft.com/office/drawing/2010/main" val="0"/>
-              </a:ext>
-            </a:extLst>
-          </a:blip>
-          <a:srcRect l="226"/>
-          <a:stretch/>
-        </p:blipFill>
-        <p:spPr>
-          <a:xfrm>
-            <a:off x="0" y="-33682"/>
-            <a:ext cx="12164424" cy="1293330"/>
-          </a:xfrm>
-          <a:prstGeom prst="rect">
-            <a:avLst/>
-          </a:prstGeom>
-        </p:spPr>
-      </p:pic>
-      <p:sp>
-        <p:nvSpPr>
-          <p:cNvPr id="21" name="TextBox 20">
-            <a:extLst>
-              <a:ext uri="{FF2B5EF4-FFF2-40B4-BE49-F238E27FC236}">
-                <a16:creationId xmlns:a16="http://schemas.microsoft.com/office/drawing/2014/main" id="{8BC77C6C-40B4-4980-9CB2-51E4080B6403}"/>
-              </a:ext>
-            </a:extLst>
-          </p:cNvPr>
-          <p:cNvSpPr txBox="1"/>
-          <p:nvPr/>
-        </p:nvSpPr>
-        <p:spPr>
-          <a:xfrm>
-            <a:off x="6892444" y="6170413"/>
-            <a:ext cx="6096000" cy="369332"/>
-          </a:xfrm>
-          <a:prstGeom prst="rect">
-            <a:avLst/>
-          </a:prstGeom>
-          <a:noFill/>
-        </p:spPr>
-        <p:txBody>
           <a:bodyPr wrap="square">
             <a:spAutoFit/>
           </a:bodyPr>
           <a:lstStyle/>
           <a:p>
             <a:r>
-              <a:rPr lang="en-GB" b="1" dirty="0">
+              <a:rPr lang="en-GB" sz="2400" dirty="0">
                 <a:solidFill>
                   <a:schemeClr val="bg1"/>
                 </a:solidFill>
                 <a:latin typeface="Montserrat" panose="00000500000000000000" pitchFamily="2" charset="0"/>
               </a:rPr>
-              <a:t>github.com/</a:t>
-            </a:r>
-            <a:r>
-              <a:rPr lang="en-GB" b="1" dirty="0" err="1">
-                <a:solidFill>
-                  <a:schemeClr val="bg1"/>
-                </a:solidFill>
-                <a:latin typeface="Montserrat" panose="00000500000000000000" pitchFamily="2" charset="0"/>
-              </a:rPr>
-              <a:t>Vinnert</a:t>
-            </a:r>
-            <a:r>
-              <a:rPr lang="en-GB" b="1" dirty="0">
-                <a:solidFill>
-                  <a:schemeClr val="bg1"/>
-                </a:solidFill>
-                <a:latin typeface="Montserrat" panose="00000500000000000000" pitchFamily="2" charset="0"/>
-              </a:rPr>
-              <a:t>/Computational-Physics</a:t>
-            </a:r>
-            <a:endParaRPr lang="en-DE" dirty="0"/>
+              <a:t>Theory: Lattice-Boltzmann Equation (LBE)</a:t>
+            </a:r>
+            <a:endParaRPr lang="x-none" sz="2400" dirty="0"/>
           </a:p>
         </p:txBody>
       </p:sp>
     </p:spTree>
     <p:extLst>
       <p:ext uri="{BB962C8B-B14F-4D97-AF65-F5344CB8AC3E}">
-        <p14:creationId xmlns:p14="http://schemas.microsoft.com/office/powerpoint/2010/main" val="834168371"/>
+        <p14:creationId xmlns:p14="http://schemas.microsoft.com/office/powerpoint/2010/main" val="371374865"/>
       </p:ext>
     </p:extLst>
   </p:cSld>
   <p:clrMapOvr>
     <a:masterClrMapping/>
   </p:clrMapOvr>
+  <p:timing>
+    <p:tnLst>
+      <p:par>
+        <p:cTn id="1" dur="indefinite" restart="never" nodeType="tmRoot"/>
+      </p:par>
+    </p:tnLst>
+  </p:timing>
 </p:sld>
 </file>
 
@@ -4021,12 +3802,885 @@
           <a:chExt cx="0" cy="0"/>
         </a:xfrm>
       </p:grpSpPr>
+      <p:pic>
+        <p:nvPicPr>
+          <p:cNvPr id="18" name="Content Placeholder 12">
+            <a:extLst>
+              <a:ext uri="{FF2B5EF4-FFF2-40B4-BE49-F238E27FC236}">
+                <a16:creationId xmlns:a16="http://schemas.microsoft.com/office/drawing/2014/main" xmlns="" id="{C4A49D2A-4082-45B0-928E-9B51AB6D46B9}"/>
+              </a:ext>
+            </a:extLst>
+          </p:cNvPr>
+          <p:cNvPicPr>
+            <a:picLocks noChangeAspect="1"/>
+          </p:cNvPicPr>
+          <p:nvPr/>
+        </p:nvPicPr>
+        <p:blipFill rotWithShape="1">
+          <a:blip r:embed="rId2">
+            <a:extLst>
+              <a:ext uri="{28A0092B-C50C-407E-A947-70E740481C1C}">
+                <a14:useLocalDpi xmlns:a14="http://schemas.microsoft.com/office/drawing/2010/main" val="0"/>
+              </a:ext>
+            </a:extLst>
+          </a:blip>
+          <a:srcRect l="1510" r="-1"/>
+          <a:stretch/>
+        </p:blipFill>
+        <p:spPr>
+          <a:xfrm>
+            <a:off x="0" y="6311900"/>
+            <a:ext cx="12192000" cy="546100"/>
+          </a:xfrm>
+          <a:prstGeom prst="rect">
+            <a:avLst/>
+          </a:prstGeom>
+        </p:spPr>
+      </p:pic>
+      <p:sp>
+        <p:nvSpPr>
+          <p:cNvPr id="20" name="TextBox 19">
+            <a:extLst>
+              <a:ext uri="{FF2B5EF4-FFF2-40B4-BE49-F238E27FC236}">
+                <a16:creationId xmlns:a16="http://schemas.microsoft.com/office/drawing/2014/main" xmlns="" id="{640B383B-A8E3-4968-820E-3A53DB7BA425}"/>
+              </a:ext>
+            </a:extLst>
+          </p:cNvPr>
+          <p:cNvSpPr txBox="1"/>
+          <p:nvPr/>
+        </p:nvSpPr>
+        <p:spPr>
+          <a:xfrm>
+            <a:off x="11621769" y="6311900"/>
+            <a:ext cx="430531" cy="461665"/>
+          </a:xfrm>
+          <a:prstGeom prst="rect">
+            <a:avLst/>
+          </a:prstGeom>
+          <a:noFill/>
+        </p:spPr>
+        <p:txBody>
+          <a:bodyPr wrap="square" rtlCol="0">
+            <a:spAutoFit/>
+          </a:bodyPr>
+          <a:lstStyle/>
+          <a:p>
+            <a:r>
+              <a:rPr lang="en-GB" sz="2400" b="1" dirty="0">
+                <a:solidFill>
+                  <a:schemeClr val="bg1"/>
+                </a:solidFill>
+                <a:latin typeface="Montserrat" panose="00000500000000000000" pitchFamily="2" charset="0"/>
+              </a:rPr>
+              <a:t>4</a:t>
+            </a:r>
+            <a:endParaRPr lang="x-none" sz="2400" b="1" dirty="0">
+              <a:solidFill>
+                <a:schemeClr val="bg1"/>
+              </a:solidFill>
+              <a:latin typeface="Montserrat" panose="00000500000000000000" pitchFamily="2" charset="0"/>
+            </a:endParaRPr>
+          </a:p>
+        </p:txBody>
+      </p:sp>
+      <p:sp>
+        <p:nvSpPr>
+          <p:cNvPr id="22" name="TextBox 21">
+            <a:extLst>
+              <a:ext uri="{FF2B5EF4-FFF2-40B4-BE49-F238E27FC236}">
+                <a16:creationId xmlns:a16="http://schemas.microsoft.com/office/drawing/2014/main" xmlns="" id="{6CDFA706-9F39-4DAC-B205-3B6EBDD1EC4F}"/>
+              </a:ext>
+            </a:extLst>
+          </p:cNvPr>
+          <p:cNvSpPr txBox="1"/>
+          <p:nvPr/>
+        </p:nvSpPr>
+        <p:spPr>
+          <a:xfrm>
+            <a:off x="0" y="6354117"/>
+            <a:ext cx="7531100" cy="461665"/>
+          </a:xfrm>
+          <a:prstGeom prst="rect">
+            <a:avLst/>
+          </a:prstGeom>
+          <a:noFill/>
+        </p:spPr>
+        <p:txBody>
+          <a:bodyPr wrap="square">
+            <a:spAutoFit/>
+          </a:bodyPr>
+          <a:lstStyle/>
+          <a:p>
+            <a:r>
+              <a:rPr lang="en-GB" sz="2400" dirty="0">
+                <a:solidFill>
+                  <a:schemeClr val="bg1"/>
+                </a:solidFill>
+                <a:latin typeface="Montserrat" panose="00000500000000000000" pitchFamily="2" charset="0"/>
+              </a:rPr>
+              <a:t>Theory: Moment space and the LBE -&gt; GLBE</a:t>
+            </a:r>
+            <a:endParaRPr lang="x-none" sz="2400" dirty="0"/>
+          </a:p>
+        </p:txBody>
+      </p:sp>
+    </p:spTree>
+    <p:extLst>
+      <p:ext uri="{BB962C8B-B14F-4D97-AF65-F5344CB8AC3E}">
+        <p14:creationId xmlns:p14="http://schemas.microsoft.com/office/powerpoint/2010/main" val="2299196922"/>
+      </p:ext>
+    </p:extLst>
+  </p:cSld>
+  <p:clrMapOvr>
+    <a:masterClrMapping/>
+  </p:clrMapOvr>
+  <p:timing>
+    <p:tnLst>
+      <p:par>
+        <p:cTn id="1" dur="indefinite" restart="never" nodeType="tmRoot"/>
+      </p:par>
+    </p:tnLst>
+  </p:timing>
+</p:sld>
+</file>
+
+<file path=ppt/slides/slide12.xml><?xml version="1.0" encoding="utf-8"?>
+<p:sld xmlns:a="http://schemas.openxmlformats.org/drawingml/2006/main" xmlns:r="http://schemas.openxmlformats.org/officeDocument/2006/relationships" xmlns:p="http://schemas.openxmlformats.org/presentationml/2006/main">
+  <p:cSld>
+    <p:spTree>
+      <p:nvGrpSpPr>
+        <p:cNvPr id="1" name=""/>
+        <p:cNvGrpSpPr/>
+        <p:nvPr/>
+      </p:nvGrpSpPr>
+      <p:grpSpPr>
+        <a:xfrm>
+          <a:off x="0" y="0"/>
+          <a:ext cx="0" cy="0"/>
+          <a:chOff x="0" y="0"/>
+          <a:chExt cx="0" cy="0"/>
+        </a:xfrm>
+      </p:grpSpPr>
+      <p:pic>
+        <p:nvPicPr>
+          <p:cNvPr id="18" name="Content Placeholder 12">
+            <a:extLst>
+              <a:ext uri="{FF2B5EF4-FFF2-40B4-BE49-F238E27FC236}">
+                <a16:creationId xmlns:a16="http://schemas.microsoft.com/office/drawing/2014/main" xmlns="" id="{C4A49D2A-4082-45B0-928E-9B51AB6D46B9}"/>
+              </a:ext>
+            </a:extLst>
+          </p:cNvPr>
+          <p:cNvPicPr>
+            <a:picLocks noChangeAspect="1"/>
+          </p:cNvPicPr>
+          <p:nvPr/>
+        </p:nvPicPr>
+        <p:blipFill rotWithShape="1">
+          <a:blip r:embed="rId2">
+            <a:extLst>
+              <a:ext uri="{28A0092B-C50C-407E-A947-70E740481C1C}">
+                <a14:useLocalDpi xmlns:a14="http://schemas.microsoft.com/office/drawing/2010/main" val="0"/>
+              </a:ext>
+            </a:extLst>
+          </a:blip>
+          <a:srcRect l="1510" r="-1"/>
+          <a:stretch/>
+        </p:blipFill>
+        <p:spPr>
+          <a:xfrm>
+            <a:off x="0" y="6311900"/>
+            <a:ext cx="12192000" cy="546100"/>
+          </a:xfrm>
+          <a:prstGeom prst="rect">
+            <a:avLst/>
+          </a:prstGeom>
+        </p:spPr>
+      </p:pic>
+      <p:sp>
+        <p:nvSpPr>
+          <p:cNvPr id="20" name="TextBox 19">
+            <a:extLst>
+              <a:ext uri="{FF2B5EF4-FFF2-40B4-BE49-F238E27FC236}">
+                <a16:creationId xmlns:a16="http://schemas.microsoft.com/office/drawing/2014/main" xmlns="" id="{640B383B-A8E3-4968-820E-3A53DB7BA425}"/>
+              </a:ext>
+            </a:extLst>
+          </p:cNvPr>
+          <p:cNvSpPr txBox="1"/>
+          <p:nvPr/>
+        </p:nvSpPr>
+        <p:spPr>
+          <a:xfrm>
+            <a:off x="11621769" y="6311900"/>
+            <a:ext cx="430531" cy="461665"/>
+          </a:xfrm>
+          <a:prstGeom prst="rect">
+            <a:avLst/>
+          </a:prstGeom>
+          <a:noFill/>
+        </p:spPr>
+        <p:txBody>
+          <a:bodyPr wrap="square" rtlCol="0">
+            <a:spAutoFit/>
+          </a:bodyPr>
+          <a:lstStyle/>
+          <a:p>
+            <a:r>
+              <a:rPr lang="en-GB" sz="2400" b="1" dirty="0">
+                <a:solidFill>
+                  <a:schemeClr val="bg1"/>
+                </a:solidFill>
+                <a:latin typeface="Montserrat" panose="00000500000000000000" pitchFamily="2" charset="0"/>
+              </a:rPr>
+              <a:t>?</a:t>
+            </a:r>
+            <a:endParaRPr lang="x-none" sz="2400" b="1" dirty="0">
+              <a:solidFill>
+                <a:schemeClr val="bg1"/>
+              </a:solidFill>
+              <a:latin typeface="Montserrat" panose="00000500000000000000" pitchFamily="2" charset="0"/>
+            </a:endParaRPr>
+          </a:p>
+        </p:txBody>
+      </p:sp>
+      <p:sp>
+        <p:nvSpPr>
+          <p:cNvPr id="22" name="TextBox 21">
+            <a:extLst>
+              <a:ext uri="{FF2B5EF4-FFF2-40B4-BE49-F238E27FC236}">
+                <a16:creationId xmlns:a16="http://schemas.microsoft.com/office/drawing/2014/main" xmlns="" id="{6CDFA706-9F39-4DAC-B205-3B6EBDD1EC4F}"/>
+              </a:ext>
+            </a:extLst>
+          </p:cNvPr>
+          <p:cNvSpPr txBox="1"/>
+          <p:nvPr/>
+        </p:nvSpPr>
+        <p:spPr>
+          <a:xfrm>
+            <a:off x="0" y="6354117"/>
+            <a:ext cx="6096000" cy="461665"/>
+          </a:xfrm>
+          <a:prstGeom prst="rect">
+            <a:avLst/>
+          </a:prstGeom>
+          <a:noFill/>
+        </p:spPr>
+        <p:txBody>
+          <a:bodyPr wrap="square">
+            <a:spAutoFit/>
+          </a:bodyPr>
+          <a:lstStyle/>
+          <a:p>
+            <a:r>
+              <a:rPr lang="en-GB" sz="2400" dirty="0">
+                <a:solidFill>
+                  <a:schemeClr val="bg1"/>
+                </a:solidFill>
+                <a:latin typeface="Montserrat" panose="00000500000000000000" pitchFamily="2" charset="0"/>
+              </a:rPr>
+              <a:t>Results: Validating dynamics</a:t>
+            </a:r>
+            <a:endParaRPr lang="x-none" sz="2400" dirty="0"/>
+          </a:p>
+        </p:txBody>
+      </p:sp>
+    </p:spTree>
+    <p:extLst>
+      <p:ext uri="{BB962C8B-B14F-4D97-AF65-F5344CB8AC3E}">
+        <p14:creationId xmlns:p14="http://schemas.microsoft.com/office/powerpoint/2010/main" val="674098658"/>
+      </p:ext>
+    </p:extLst>
+  </p:cSld>
+  <p:clrMapOvr>
+    <a:masterClrMapping/>
+  </p:clrMapOvr>
+  <p:timing>
+    <p:tnLst>
+      <p:par>
+        <p:cTn id="1" dur="indefinite" restart="never" nodeType="tmRoot"/>
+      </p:par>
+    </p:tnLst>
+  </p:timing>
+</p:sld>
+</file>
+
+<file path=ppt/slides/slide13.xml><?xml version="1.0" encoding="utf-8"?>
+<p:sld xmlns:a="http://schemas.openxmlformats.org/drawingml/2006/main" xmlns:r="http://schemas.openxmlformats.org/officeDocument/2006/relationships" xmlns:p="http://schemas.openxmlformats.org/presentationml/2006/main">
+  <p:cSld>
+    <p:spTree>
+      <p:nvGrpSpPr>
+        <p:cNvPr id="1" name=""/>
+        <p:cNvGrpSpPr/>
+        <p:nvPr/>
+      </p:nvGrpSpPr>
+      <p:grpSpPr>
+        <a:xfrm>
+          <a:off x="0" y="0"/>
+          <a:ext cx="0" cy="0"/>
+          <a:chOff x="0" y="0"/>
+          <a:chExt cx="0" cy="0"/>
+        </a:xfrm>
+      </p:grpSpPr>
+      <p:pic>
+        <p:nvPicPr>
+          <p:cNvPr id="18" name="Content Placeholder 12">
+            <a:extLst>
+              <a:ext uri="{FF2B5EF4-FFF2-40B4-BE49-F238E27FC236}">
+                <a16:creationId xmlns:a16="http://schemas.microsoft.com/office/drawing/2014/main" xmlns="" id="{C4A49D2A-4082-45B0-928E-9B51AB6D46B9}"/>
+              </a:ext>
+            </a:extLst>
+          </p:cNvPr>
+          <p:cNvPicPr>
+            <a:picLocks noChangeAspect="1"/>
+          </p:cNvPicPr>
+          <p:nvPr/>
+        </p:nvPicPr>
+        <p:blipFill rotWithShape="1">
+          <a:blip r:embed="rId2">
+            <a:extLst>
+              <a:ext uri="{28A0092B-C50C-407E-A947-70E740481C1C}">
+                <a14:useLocalDpi xmlns:a14="http://schemas.microsoft.com/office/drawing/2010/main" val="0"/>
+              </a:ext>
+            </a:extLst>
+          </a:blip>
+          <a:srcRect l="1510" r="-1"/>
+          <a:stretch/>
+        </p:blipFill>
+        <p:spPr>
+          <a:xfrm>
+            <a:off x="0" y="6311900"/>
+            <a:ext cx="12192000" cy="546100"/>
+          </a:xfrm>
+          <a:prstGeom prst="rect">
+            <a:avLst/>
+          </a:prstGeom>
+        </p:spPr>
+      </p:pic>
+      <p:sp>
+        <p:nvSpPr>
+          <p:cNvPr id="20" name="TextBox 19">
+            <a:extLst>
+              <a:ext uri="{FF2B5EF4-FFF2-40B4-BE49-F238E27FC236}">
+                <a16:creationId xmlns:a16="http://schemas.microsoft.com/office/drawing/2014/main" xmlns="" id="{640B383B-A8E3-4968-820E-3A53DB7BA425}"/>
+              </a:ext>
+            </a:extLst>
+          </p:cNvPr>
+          <p:cNvSpPr txBox="1"/>
+          <p:nvPr/>
+        </p:nvSpPr>
+        <p:spPr>
+          <a:xfrm>
+            <a:off x="11621769" y="6311900"/>
+            <a:ext cx="430531" cy="461665"/>
+          </a:xfrm>
+          <a:prstGeom prst="rect">
+            <a:avLst/>
+          </a:prstGeom>
+          <a:noFill/>
+        </p:spPr>
+        <p:txBody>
+          <a:bodyPr wrap="square" rtlCol="0">
+            <a:spAutoFit/>
+          </a:bodyPr>
+          <a:lstStyle/>
+          <a:p>
+            <a:r>
+              <a:rPr lang="en-GB" sz="2400" b="1" dirty="0">
+                <a:solidFill>
+                  <a:schemeClr val="bg1"/>
+                </a:solidFill>
+                <a:latin typeface="Montserrat" panose="00000500000000000000" pitchFamily="2" charset="0"/>
+              </a:rPr>
+              <a:t>?</a:t>
+            </a:r>
+            <a:endParaRPr lang="x-none" sz="2400" b="1" dirty="0">
+              <a:solidFill>
+                <a:schemeClr val="bg1"/>
+              </a:solidFill>
+              <a:latin typeface="Montserrat" panose="00000500000000000000" pitchFamily="2" charset="0"/>
+            </a:endParaRPr>
+          </a:p>
+        </p:txBody>
+      </p:sp>
+      <p:sp>
+        <p:nvSpPr>
+          <p:cNvPr id="22" name="TextBox 21">
+            <a:extLst>
+              <a:ext uri="{FF2B5EF4-FFF2-40B4-BE49-F238E27FC236}">
+                <a16:creationId xmlns:a16="http://schemas.microsoft.com/office/drawing/2014/main" xmlns="" id="{6CDFA706-9F39-4DAC-B205-3B6EBDD1EC4F}"/>
+              </a:ext>
+            </a:extLst>
+          </p:cNvPr>
+          <p:cNvSpPr txBox="1"/>
+          <p:nvPr/>
+        </p:nvSpPr>
+        <p:spPr>
+          <a:xfrm>
+            <a:off x="0" y="6354117"/>
+            <a:ext cx="6096000" cy="461665"/>
+          </a:xfrm>
+          <a:prstGeom prst="rect">
+            <a:avLst/>
+          </a:prstGeom>
+          <a:noFill/>
+        </p:spPr>
+        <p:txBody>
+          <a:bodyPr wrap="square">
+            <a:spAutoFit/>
+          </a:bodyPr>
+          <a:lstStyle/>
+          <a:p>
+            <a:r>
+              <a:rPr lang="en-GB" sz="2400" dirty="0">
+                <a:solidFill>
+                  <a:schemeClr val="bg1"/>
+                </a:solidFill>
+                <a:latin typeface="Montserrat" panose="00000500000000000000" pitchFamily="2" charset="0"/>
+              </a:rPr>
+              <a:t>Conclusion / Summary</a:t>
+            </a:r>
+            <a:endParaRPr lang="x-none" sz="2400" dirty="0"/>
+          </a:p>
+        </p:txBody>
+      </p:sp>
+    </p:spTree>
+    <p:extLst>
+      <p:ext uri="{BB962C8B-B14F-4D97-AF65-F5344CB8AC3E}">
+        <p14:creationId xmlns:p14="http://schemas.microsoft.com/office/powerpoint/2010/main" val="1918364905"/>
+      </p:ext>
+    </p:extLst>
+  </p:cSld>
+  <p:clrMapOvr>
+    <a:masterClrMapping/>
+  </p:clrMapOvr>
+  <p:timing>
+    <p:tnLst>
+      <p:par>
+        <p:cTn id="1" dur="indefinite" restart="never" nodeType="tmRoot"/>
+      </p:par>
+    </p:tnLst>
+  </p:timing>
+</p:sld>
+</file>
+
+<file path=ppt/slides/slide14.xml><?xml version="1.0" encoding="utf-8"?>
+<p:sld xmlns:a="http://schemas.openxmlformats.org/drawingml/2006/main" xmlns:r="http://schemas.openxmlformats.org/officeDocument/2006/relationships" xmlns:p="http://schemas.openxmlformats.org/presentationml/2006/main">
+  <p:cSld>
+    <p:spTree>
+      <p:nvGrpSpPr>
+        <p:cNvPr id="1" name=""/>
+        <p:cNvGrpSpPr/>
+        <p:nvPr/>
+      </p:nvGrpSpPr>
+      <p:grpSpPr>
+        <a:xfrm>
+          <a:off x="0" y="0"/>
+          <a:ext cx="0" cy="0"/>
+          <a:chOff x="0" y="0"/>
+          <a:chExt cx="0" cy="0"/>
+        </a:xfrm>
+      </p:grpSpPr>
+      <p:pic>
+        <p:nvPicPr>
+          <p:cNvPr id="18" name="Content Placeholder 12">
+            <a:extLst>
+              <a:ext uri="{FF2B5EF4-FFF2-40B4-BE49-F238E27FC236}">
+                <a16:creationId xmlns:a16="http://schemas.microsoft.com/office/drawing/2014/main" xmlns="" id="{C4A49D2A-4082-45B0-928E-9B51AB6D46B9}"/>
+              </a:ext>
+            </a:extLst>
+          </p:cNvPr>
+          <p:cNvPicPr>
+            <a:picLocks noChangeAspect="1"/>
+          </p:cNvPicPr>
+          <p:nvPr/>
+        </p:nvPicPr>
+        <p:blipFill rotWithShape="1">
+          <a:blip r:embed="rId2">
+            <a:extLst>
+              <a:ext uri="{28A0092B-C50C-407E-A947-70E740481C1C}">
+                <a14:useLocalDpi xmlns:a14="http://schemas.microsoft.com/office/drawing/2010/main" val="0"/>
+              </a:ext>
+            </a:extLst>
+          </a:blip>
+          <a:srcRect l="1510" r="-1"/>
+          <a:stretch/>
+        </p:blipFill>
+        <p:spPr>
+          <a:xfrm>
+            <a:off x="0" y="5852160"/>
+            <a:ext cx="12192000" cy="1005839"/>
+          </a:xfrm>
+          <a:prstGeom prst="rect">
+            <a:avLst/>
+          </a:prstGeom>
+        </p:spPr>
+      </p:pic>
+      <p:sp>
+        <p:nvSpPr>
+          <p:cNvPr id="7" name="Title 1">
+            <a:extLst>
+              <a:ext uri="{FF2B5EF4-FFF2-40B4-BE49-F238E27FC236}">
+                <a16:creationId xmlns:a16="http://schemas.microsoft.com/office/drawing/2014/main" xmlns="" id="{AB2D229F-C817-47CA-AD1A-7BF83C0C7A4E}"/>
+              </a:ext>
+            </a:extLst>
+          </p:cNvPr>
+          <p:cNvSpPr txBox="1">
+            <a:spLocks/>
+          </p:cNvSpPr>
+          <p:nvPr/>
+        </p:nvSpPr>
+        <p:spPr>
+          <a:xfrm>
+            <a:off x="735873" y="1336601"/>
+            <a:ext cx="10981509" cy="1373189"/>
+          </a:xfrm>
+          <a:prstGeom prst="rect">
+            <a:avLst/>
+          </a:prstGeom>
+        </p:spPr>
+        <p:txBody>
+          <a:bodyPr vert="horz" lIns="91440" tIns="45720" rIns="91440" bIns="45720" rtlCol="0" anchor="ctr">
+            <a:normAutofit fontScale="97500"/>
+          </a:bodyPr>
+          <a:lstStyle>
+            <a:lvl1pPr algn="l" defTabSz="914400" rtl="0" eaLnBrk="1" latinLnBrk="0" hangingPunct="1">
+              <a:lnSpc>
+                <a:spcPct val="90000"/>
+              </a:lnSpc>
+              <a:spcBef>
+                <a:spcPct val="0"/>
+              </a:spcBef>
+              <a:buNone/>
+              <a:defRPr sz="4400" kern="1200">
+                <a:solidFill>
+                  <a:schemeClr val="tx1"/>
+                </a:solidFill>
+                <a:latin typeface="+mj-lt"/>
+                <a:ea typeface="+mj-ea"/>
+                <a:cs typeface="+mj-cs"/>
+              </a:defRPr>
+            </a:lvl1pPr>
+          </a:lstStyle>
+          <a:p>
+            <a:pPr algn="ctr"/>
+            <a:r>
+              <a:rPr lang="en-GB" sz="3600" b="1" dirty="0">
+                <a:solidFill>
+                  <a:schemeClr val="bg1"/>
+                </a:solidFill>
+                <a:latin typeface="Montserrat" panose="00000500000000000000" pitchFamily="2" charset="0"/>
+              </a:rPr>
+              <a:t>Simulation of Kelvin-Helmholtz instabilities using generalized lattice-Boltzmann methods</a:t>
+            </a:r>
+            <a:endParaRPr lang="x-none" sz="3600" b="1" dirty="0">
+              <a:solidFill>
+                <a:schemeClr val="bg1"/>
+              </a:solidFill>
+              <a:latin typeface="Montserrat" panose="00000500000000000000" pitchFamily="2" charset="0"/>
+            </a:endParaRPr>
+          </a:p>
+        </p:txBody>
+      </p:sp>
+      <p:sp>
+        <p:nvSpPr>
+          <p:cNvPr id="9" name="TextBox 8">
+            <a:extLst>
+              <a:ext uri="{FF2B5EF4-FFF2-40B4-BE49-F238E27FC236}">
+                <a16:creationId xmlns:a16="http://schemas.microsoft.com/office/drawing/2014/main" xmlns="" id="{2CEB48B2-8AFE-49DD-A4FB-D01912ACBF6F}"/>
+              </a:ext>
+            </a:extLst>
+          </p:cNvPr>
+          <p:cNvSpPr txBox="1"/>
+          <p:nvPr/>
+        </p:nvSpPr>
+        <p:spPr>
+          <a:xfrm>
+            <a:off x="130629" y="5932481"/>
+            <a:ext cx="6096000" cy="830997"/>
+          </a:xfrm>
+          <a:prstGeom prst="rect">
+            <a:avLst/>
+          </a:prstGeom>
+          <a:noFill/>
+        </p:spPr>
+        <p:txBody>
+          <a:bodyPr wrap="square">
+            <a:spAutoFit/>
+          </a:bodyPr>
+          <a:lstStyle/>
+          <a:p>
+            <a:r>
+              <a:rPr lang="en-GB" sz="2400" dirty="0">
+                <a:solidFill>
+                  <a:schemeClr val="bg1"/>
+                </a:solidFill>
+                <a:latin typeface="Montserrat" panose="00000500000000000000" pitchFamily="2" charset="0"/>
+              </a:rPr>
+              <a:t>Thomas </a:t>
+            </a:r>
+            <a:r>
+              <a:rPr lang="en-GB" sz="2400" b="1" dirty="0">
+                <a:solidFill>
+                  <a:schemeClr val="bg1"/>
+                </a:solidFill>
+                <a:latin typeface="Montserrat" panose="00000500000000000000" pitchFamily="2" charset="0"/>
+              </a:rPr>
+              <a:t>Rothe</a:t>
+            </a:r>
+            <a:r>
+              <a:rPr lang="en-GB" sz="2400" dirty="0">
+                <a:solidFill>
+                  <a:schemeClr val="bg1"/>
+                </a:solidFill>
+                <a:latin typeface="Montserrat" panose="00000500000000000000" pitchFamily="2" charset="0"/>
+              </a:rPr>
+              <a:t> </a:t>
+            </a:r>
+          </a:p>
+          <a:p>
+            <a:r>
+              <a:rPr lang="en-GB" sz="2400" dirty="0">
+                <a:solidFill>
+                  <a:schemeClr val="bg1"/>
+                </a:solidFill>
+                <a:latin typeface="Montserrat" panose="00000500000000000000" pitchFamily="2" charset="0"/>
+              </a:rPr>
+              <a:t>Vincent </a:t>
+            </a:r>
+            <a:r>
+              <a:rPr lang="en-GB" sz="2400" b="1" dirty="0" err="1">
+                <a:solidFill>
+                  <a:schemeClr val="bg1"/>
+                </a:solidFill>
+                <a:latin typeface="Montserrat" panose="00000500000000000000" pitchFamily="2" charset="0"/>
+              </a:rPr>
+              <a:t>Krabbenborg</a:t>
+            </a:r>
+            <a:endParaRPr lang="x-none" sz="2400" b="1" dirty="0">
+              <a:solidFill>
+                <a:schemeClr val="bg1"/>
+              </a:solidFill>
+              <a:latin typeface="Montserrat" panose="00000500000000000000" pitchFamily="2" charset="0"/>
+            </a:endParaRPr>
+          </a:p>
+        </p:txBody>
+      </p:sp>
+      <p:pic>
+        <p:nvPicPr>
+          <p:cNvPr id="10" name="Picture 9" descr="A silhouette of a person&#10;&#10;Description automatically generated with low confidence">
+            <a:extLst>
+              <a:ext uri="{FF2B5EF4-FFF2-40B4-BE49-F238E27FC236}">
+                <a16:creationId xmlns:a16="http://schemas.microsoft.com/office/drawing/2014/main" xmlns="" id="{7A35C135-8847-4BA7-86A0-41CE197758BC}"/>
+              </a:ext>
+            </a:extLst>
+          </p:cNvPr>
+          <p:cNvPicPr>
+            <a:picLocks noChangeAspect="1"/>
+          </p:cNvPicPr>
+          <p:nvPr/>
+        </p:nvPicPr>
+        <p:blipFill>
+          <a:blip r:embed="rId3">
+            <a:extLst>
+              <a:ext uri="{28A0092B-C50C-407E-A947-70E740481C1C}">
+                <a14:useLocalDpi xmlns:a14="http://schemas.microsoft.com/office/drawing/2010/main" val="0"/>
+              </a:ext>
+            </a:extLst>
+          </a:blip>
+          <a:stretch>
+            <a:fillRect/>
+          </a:stretch>
+        </p:blipFill>
+        <p:spPr>
+          <a:xfrm>
+            <a:off x="6226628" y="6080386"/>
+            <a:ext cx="535186" cy="535186"/>
+          </a:xfrm>
+          <a:prstGeom prst="rect">
+            <a:avLst/>
+          </a:prstGeom>
+        </p:spPr>
+      </p:pic>
+      <p:sp>
+        <p:nvSpPr>
+          <p:cNvPr id="13" name="TextBox 12">
+            <a:extLst>
+              <a:ext uri="{FF2B5EF4-FFF2-40B4-BE49-F238E27FC236}">
+                <a16:creationId xmlns:a16="http://schemas.microsoft.com/office/drawing/2014/main" xmlns="" id="{8E3252FD-544E-42DB-9821-B5729F204097}"/>
+              </a:ext>
+            </a:extLst>
+          </p:cNvPr>
+          <p:cNvSpPr txBox="1"/>
+          <p:nvPr/>
+        </p:nvSpPr>
+        <p:spPr>
+          <a:xfrm>
+            <a:off x="4117872" y="3863399"/>
+            <a:ext cx="2900474" cy="461665"/>
+          </a:xfrm>
+          <a:prstGeom prst="rect">
+            <a:avLst/>
+          </a:prstGeom>
+          <a:noFill/>
+        </p:spPr>
+        <p:txBody>
+          <a:bodyPr wrap="none" rtlCol="0">
+            <a:spAutoFit/>
+          </a:bodyPr>
+          <a:lstStyle/>
+          <a:p>
+            <a:r>
+              <a:rPr lang="en-GB" sz="2400" dirty="0">
+                <a:solidFill>
+                  <a:srgbClr val="FF0000"/>
+                </a:solidFill>
+              </a:rPr>
+              <a:t>[Take-home message]</a:t>
+            </a:r>
+            <a:endParaRPr lang="x-none" sz="2400" dirty="0">
+              <a:solidFill>
+                <a:srgbClr val="FF0000"/>
+              </a:solidFill>
+            </a:endParaRPr>
+          </a:p>
+        </p:txBody>
+      </p:sp>
+      <p:pic>
+        <p:nvPicPr>
+          <p:cNvPr id="19" name="Picture 18">
+            <a:extLst>
+              <a:ext uri="{FF2B5EF4-FFF2-40B4-BE49-F238E27FC236}">
+                <a16:creationId xmlns:a16="http://schemas.microsoft.com/office/drawing/2014/main" xmlns="" id="{AEE0FDA7-3B77-45CC-A1B2-418C35CA6766}"/>
+              </a:ext>
+            </a:extLst>
+          </p:cNvPr>
+          <p:cNvPicPr>
+            <a:picLocks noChangeAspect="1"/>
+          </p:cNvPicPr>
+          <p:nvPr/>
+        </p:nvPicPr>
+        <p:blipFill rotWithShape="1">
+          <a:blip r:embed="rId4">
+            <a:extLst>
+              <a:ext uri="{28A0092B-C50C-407E-A947-70E740481C1C}">
+                <a14:useLocalDpi xmlns:a14="http://schemas.microsoft.com/office/drawing/2010/main" val="0"/>
+              </a:ext>
+            </a:extLst>
+          </a:blip>
+          <a:srcRect l="226"/>
+          <a:stretch/>
+        </p:blipFill>
+        <p:spPr>
+          <a:xfrm>
+            <a:off x="0" y="-33682"/>
+            <a:ext cx="12164424" cy="1293330"/>
+          </a:xfrm>
+          <a:prstGeom prst="rect">
+            <a:avLst/>
+          </a:prstGeom>
+        </p:spPr>
+      </p:pic>
+      <p:sp>
+        <p:nvSpPr>
+          <p:cNvPr id="21" name="TextBox 20">
+            <a:extLst>
+              <a:ext uri="{FF2B5EF4-FFF2-40B4-BE49-F238E27FC236}">
+                <a16:creationId xmlns:a16="http://schemas.microsoft.com/office/drawing/2014/main" xmlns="" id="{8BC77C6C-40B4-4980-9CB2-51E4080B6403}"/>
+              </a:ext>
+            </a:extLst>
+          </p:cNvPr>
+          <p:cNvSpPr txBox="1"/>
+          <p:nvPr/>
+        </p:nvSpPr>
+        <p:spPr>
+          <a:xfrm>
+            <a:off x="6892444" y="6170413"/>
+            <a:ext cx="6096000" cy="369332"/>
+          </a:xfrm>
+          <a:prstGeom prst="rect">
+            <a:avLst/>
+          </a:prstGeom>
+          <a:noFill/>
+        </p:spPr>
+        <p:txBody>
+          <a:bodyPr wrap="square">
+            <a:spAutoFit/>
+          </a:bodyPr>
+          <a:lstStyle/>
+          <a:p>
+            <a:r>
+              <a:rPr lang="en-GB" b="1" dirty="0">
+                <a:solidFill>
+                  <a:schemeClr val="bg1"/>
+                </a:solidFill>
+                <a:latin typeface="Montserrat" panose="00000500000000000000" pitchFamily="2" charset="0"/>
+              </a:rPr>
+              <a:t>github.com/</a:t>
+            </a:r>
+            <a:r>
+              <a:rPr lang="en-GB" b="1" dirty="0" err="1">
+                <a:solidFill>
+                  <a:schemeClr val="bg1"/>
+                </a:solidFill>
+                <a:latin typeface="Montserrat" panose="00000500000000000000" pitchFamily="2" charset="0"/>
+              </a:rPr>
+              <a:t>Vinnert</a:t>
+            </a:r>
+            <a:r>
+              <a:rPr lang="en-GB" b="1" dirty="0">
+                <a:solidFill>
+                  <a:schemeClr val="bg1"/>
+                </a:solidFill>
+                <a:latin typeface="Montserrat" panose="00000500000000000000" pitchFamily="2" charset="0"/>
+              </a:rPr>
+              <a:t>/Computational-Physics</a:t>
+            </a:r>
+            <a:endParaRPr lang="x-none" dirty="0"/>
+          </a:p>
+        </p:txBody>
+      </p:sp>
+    </p:spTree>
+    <p:extLst>
+      <p:ext uri="{BB962C8B-B14F-4D97-AF65-F5344CB8AC3E}">
+        <p14:creationId xmlns:p14="http://schemas.microsoft.com/office/powerpoint/2010/main" val="834168371"/>
+      </p:ext>
+    </p:extLst>
+  </p:cSld>
+  <p:clrMapOvr>
+    <a:masterClrMapping/>
+  </p:clrMapOvr>
+  <p:timing>
+    <p:tnLst>
+      <p:par>
+        <p:cTn id="1" dur="indefinite" restart="never" nodeType="tmRoot"/>
+      </p:par>
+    </p:tnLst>
+  </p:timing>
+</p:sld>
+</file>
+
+<file path=ppt/slides/slide15.xml><?xml version="1.0" encoding="utf-8"?>
+<p:sld xmlns:a="http://schemas.openxmlformats.org/drawingml/2006/main" xmlns:r="http://schemas.openxmlformats.org/officeDocument/2006/relationships" xmlns:p="http://schemas.openxmlformats.org/presentationml/2006/main">
+  <p:cSld>
+    <p:spTree>
+      <p:nvGrpSpPr>
+        <p:cNvPr id="1" name=""/>
+        <p:cNvGrpSpPr/>
+        <p:nvPr/>
+      </p:nvGrpSpPr>
+      <p:grpSpPr>
+        <a:xfrm>
+          <a:off x="0" y="0"/>
+          <a:ext cx="0" cy="0"/>
+          <a:chOff x="0" y="0"/>
+          <a:chExt cx="0" cy="0"/>
+        </a:xfrm>
+      </p:grpSpPr>
       <p:sp>
         <p:nvSpPr>
           <p:cNvPr id="4" name="TextBox 3">
             <a:extLst>
               <a:ext uri="{FF2B5EF4-FFF2-40B4-BE49-F238E27FC236}">
-                <a16:creationId xmlns:a16="http://schemas.microsoft.com/office/drawing/2014/main" id="{133CB9C4-2D96-4D32-AB51-F813E6B6D945}"/>
+                <a16:creationId xmlns:a16="http://schemas.microsoft.com/office/drawing/2014/main" xmlns="" id="{133CB9C4-2D96-4D32-AB51-F813E6B6D945}"/>
               </a:ext>
             </a:extLst>
           </p:cNvPr>
@@ -4036,7 +4690,7 @@
         <p:spPr>
           <a:xfrm>
             <a:off x="243840" y="976088"/>
-            <a:ext cx="11852366" cy="3170099"/>
+            <a:ext cx="11852366" cy="2862322"/>
           </a:xfrm>
           <a:prstGeom prst="rect">
             <a:avLst/>
@@ -4171,7 +4825,7 @@
               <a:t>[ ? ] M. </a:t>
             </a:r>
             <a:r>
-              <a:rPr lang="en-DE" sz="2000" dirty="0" err="1">
+              <a:rPr lang="x-none" sz="2000" dirty="0" err="1">
                 <a:solidFill>
                   <a:schemeClr val="bg1"/>
                 </a:solidFill>
@@ -4189,7 +4843,7 @@
               <a:t> </a:t>
             </a:r>
             <a:r>
-              <a:rPr lang="en-DE" sz="2000" dirty="0">
+              <a:rPr lang="x-none" sz="2000" dirty="0">
                 <a:solidFill>
                   <a:schemeClr val="bg1"/>
                 </a:solidFill>
@@ -4198,7 +4852,7 @@
               <a:t>&amp; </a:t>
             </a:r>
             <a:r>
-              <a:rPr lang="en-DE" sz="2000" dirty="0" err="1">
+              <a:rPr lang="x-none" sz="2000" dirty="0" err="1">
                 <a:solidFill>
                   <a:schemeClr val="bg1"/>
                 </a:solidFill>
@@ -4216,7 +4870,7 @@
               <a:t> </a:t>
             </a:r>
             <a:r>
-              <a:rPr lang="en-DE" sz="2000" dirty="0">
+              <a:rPr lang="x-none" sz="2000" dirty="0">
                 <a:solidFill>
                   <a:schemeClr val="bg1"/>
                 </a:solidFill>
@@ -4234,7 +4888,7 @@
               <a:t>,</a:t>
             </a:r>
             <a:r>
-              <a:rPr lang="en-DE" sz="2000" i="1" dirty="0">
+              <a:rPr lang="x-none" sz="2000" i="1" dirty="0">
                 <a:solidFill>
                   <a:schemeClr val="bg1"/>
                 </a:solidFill>
@@ -4243,7 +4897,7 @@
               <a:t> </a:t>
             </a:r>
             <a:r>
-              <a:rPr lang="en-DE" sz="2000" i="1" dirty="0" err="1">
+              <a:rPr lang="x-none" sz="2000" i="1" dirty="0" err="1">
                 <a:solidFill>
                   <a:schemeClr val="bg1"/>
                 </a:solidFill>
@@ -4252,7 +4906,7 @@
               <a:t>Magnetoacoustic</a:t>
             </a:r>
             <a:r>
-              <a:rPr lang="en-DE" sz="2000" i="1" dirty="0">
+              <a:rPr lang="x-none" sz="2000" i="1" dirty="0">
                 <a:solidFill>
                   <a:schemeClr val="bg1"/>
                 </a:solidFill>
@@ -4270,7 +4924,7 @@
               <a:t>, </a:t>
             </a:r>
             <a:r>
-              <a:rPr lang="en-DE" sz="2000" dirty="0">
+              <a:rPr lang="x-none" sz="2000" dirty="0">
                 <a:solidFill>
                   <a:schemeClr val="bg1"/>
                 </a:solidFill>
@@ -4309,9 +4963,36 @@
                 </a:solidFill>
                 <a:latin typeface="Montserrat" panose="00000500000000000000" pitchFamily="2" charset="0"/>
               </a:rPr>
-              <a:t>[ ? ] …</a:t>
-            </a:r>
-            <a:endParaRPr lang="en-DE" sz="2000" dirty="0">
+              <a:t>[ ? </a:t>
+            </a:r>
+            <a:r>
+              <a:rPr lang="en-GB" sz="2000" dirty="0" smtClean="0">
+                <a:solidFill>
+                  <a:schemeClr val="bg1"/>
+                </a:solidFill>
+                <a:latin typeface="Montserrat" panose="00000500000000000000" pitchFamily="2" charset="0"/>
+              </a:rPr>
+              <a:t>] L. </a:t>
+            </a:r>
+            <a:r>
+              <a:rPr lang="en-GB" sz="2000" dirty="0" err="1" smtClean="0">
+                <a:solidFill>
+                  <a:schemeClr val="bg1"/>
+                </a:solidFill>
+                <a:latin typeface="Montserrat" panose="00000500000000000000" pitchFamily="2" charset="0"/>
+              </a:rPr>
+              <a:t>Gramer</a:t>
+            </a:r>
+            <a:r>
+              <a:rPr lang="en-GB" sz="2000" dirty="0" smtClean="0">
+                <a:solidFill>
+                  <a:schemeClr val="bg1"/>
+                </a:solidFill>
+                <a:latin typeface="Montserrat" panose="00000500000000000000" pitchFamily="2" charset="0"/>
+              </a:rPr>
+              <a:t> (2007), Kelvin-Helmholtz instabilities</a:t>
+            </a:r>
+            <a:endParaRPr lang="x-none" sz="2000" dirty="0">
               <a:solidFill>
                 <a:schemeClr val="bg1"/>
               </a:solidFill>
@@ -4325,7 +5006,7 @@
           <p:cNvPr id="9" name="TextBox 8">
             <a:extLst>
               <a:ext uri="{FF2B5EF4-FFF2-40B4-BE49-F238E27FC236}">
-                <a16:creationId xmlns:a16="http://schemas.microsoft.com/office/drawing/2014/main" id="{53959F6C-D912-4BF4-8C18-DB2B315570DF}"/>
+                <a16:creationId xmlns:a16="http://schemas.microsoft.com/office/drawing/2014/main" xmlns="" id="{53959F6C-D912-4BF4-8C18-DB2B315570DF}"/>
               </a:ext>
             </a:extLst>
           </p:cNvPr>
@@ -4357,7 +5038,7 @@
               </a:rPr>
               <a:t>References</a:t>
             </a:r>
-            <a:endParaRPr lang="en-DE" sz="3200" dirty="0"/>
+            <a:endParaRPr lang="x-none" sz="3200" dirty="0"/>
           </a:p>
         </p:txBody>
       </p:sp>
@@ -4366,7 +5047,7 @@
           <p:cNvPr id="10" name="Straight Connector 9">
             <a:extLst>
               <a:ext uri="{FF2B5EF4-FFF2-40B4-BE49-F238E27FC236}">
-                <a16:creationId xmlns:a16="http://schemas.microsoft.com/office/drawing/2014/main" id="{4BBB1231-C899-4A27-B0C0-01ECDEA1E740}"/>
+                <a16:creationId xmlns:a16="http://schemas.microsoft.com/office/drawing/2014/main" xmlns="" id="{4BBB1231-C899-4A27-B0C0-01ECDEA1E740}"/>
               </a:ext>
             </a:extLst>
           </p:cNvPr>
@@ -4518,7 +5199,7 @@
           <p:cNvPr id="34" name="Picture 33" descr="A large field with trees and mountains in the background&#10;&#10;Description automatically generated with low confidence">
             <a:extLst>
               <a:ext uri="{FF2B5EF4-FFF2-40B4-BE49-F238E27FC236}">
-                <a16:creationId xmlns:a16="http://schemas.microsoft.com/office/drawing/2014/main" id="{8A040EE7-AFB2-4E51-8061-122EA7FE4670}"/>
+                <a16:creationId xmlns:a16="http://schemas.microsoft.com/office/drawing/2014/main" xmlns="" id="{8A040EE7-AFB2-4E51-8061-122EA7FE4670}"/>
               </a:ext>
             </a:extLst>
           </p:cNvPr>
@@ -4554,7 +5235,7 @@
           <p:cNvPr id="18" name="Content Placeholder 12">
             <a:extLst>
               <a:ext uri="{FF2B5EF4-FFF2-40B4-BE49-F238E27FC236}">
-                <a16:creationId xmlns:a16="http://schemas.microsoft.com/office/drawing/2014/main" id="{C4A49D2A-4082-45B0-928E-9B51AB6D46B9}"/>
+                <a16:creationId xmlns:a16="http://schemas.microsoft.com/office/drawing/2014/main" xmlns="" id="{C4A49D2A-4082-45B0-928E-9B51AB6D46B9}"/>
               </a:ext>
             </a:extLst>
           </p:cNvPr>
@@ -4589,7 +5270,7 @@
           <p:cNvPr id="20" name="TextBox 19">
             <a:extLst>
               <a:ext uri="{FF2B5EF4-FFF2-40B4-BE49-F238E27FC236}">
-                <a16:creationId xmlns:a16="http://schemas.microsoft.com/office/drawing/2014/main" id="{640B383B-A8E3-4968-820E-3A53DB7BA425}"/>
+                <a16:creationId xmlns:a16="http://schemas.microsoft.com/office/drawing/2014/main" xmlns="" id="{640B383B-A8E3-4968-820E-3A53DB7BA425}"/>
               </a:ext>
             </a:extLst>
           </p:cNvPr>
@@ -4621,7 +5302,7 @@
               </a:rPr>
               <a:t>1</a:t>
             </a:r>
-            <a:endParaRPr lang="en-DE" sz="2400" b="1" dirty="0">
+            <a:endParaRPr lang="x-none" sz="2400" b="1" dirty="0">
               <a:solidFill>
                 <a:schemeClr val="bg1"/>
               </a:solidFill>
@@ -4635,7 +5316,7 @@
           <p:cNvPr id="22" name="TextBox 21">
             <a:extLst>
               <a:ext uri="{FF2B5EF4-FFF2-40B4-BE49-F238E27FC236}">
-                <a16:creationId xmlns:a16="http://schemas.microsoft.com/office/drawing/2014/main" id="{6CDFA706-9F39-4DAC-B205-3B6EBDD1EC4F}"/>
+                <a16:creationId xmlns:a16="http://schemas.microsoft.com/office/drawing/2014/main" xmlns="" id="{6CDFA706-9F39-4DAC-B205-3B6EBDD1EC4F}"/>
               </a:ext>
             </a:extLst>
           </p:cNvPr>
@@ -4667,7 +5348,7 @@
               </a:rPr>
               <a:t>Theory: Kelvin-Helmholtz Instabilities</a:t>
             </a:r>
-            <a:endParaRPr lang="en-DE" sz="2400" dirty="0"/>
+            <a:endParaRPr lang="x-none" sz="2400" dirty="0"/>
           </a:p>
         </p:txBody>
       </p:sp>
@@ -4676,7 +5357,7 @@
           <p:cNvPr id="32" name="Picture 31" descr="A picture containing light&#10;&#10;Description automatically generated">
             <a:extLst>
               <a:ext uri="{FF2B5EF4-FFF2-40B4-BE49-F238E27FC236}">
-                <a16:creationId xmlns:a16="http://schemas.microsoft.com/office/drawing/2014/main" id="{9C9F6B1C-2ED0-4745-BDC1-5ECF364406A5}"/>
+                <a16:creationId xmlns:a16="http://schemas.microsoft.com/office/drawing/2014/main" xmlns="" id="{9C9F6B1C-2ED0-4745-BDC1-5ECF364406A5}"/>
               </a:ext>
             </a:extLst>
           </p:cNvPr>
@@ -4712,7 +5393,7 @@
           <p:cNvPr id="24" name="Picture 23" descr="A picture containing text&#10;&#10;Description automatically generated">
             <a:extLst>
               <a:ext uri="{FF2B5EF4-FFF2-40B4-BE49-F238E27FC236}">
-                <a16:creationId xmlns:a16="http://schemas.microsoft.com/office/drawing/2014/main" id="{FB775ED7-0669-409E-AC37-1462326E7266}"/>
+                <a16:creationId xmlns:a16="http://schemas.microsoft.com/office/drawing/2014/main" xmlns="" id="{FB775ED7-0669-409E-AC37-1462326E7266}"/>
               </a:ext>
             </a:extLst>
           </p:cNvPr>
@@ -4753,6 +5434,13 @@
   <p:clrMapOvr>
     <a:masterClrMapping/>
   </p:clrMapOvr>
+  <p:timing>
+    <p:tnLst>
+      <p:par>
+        <p:cTn id="1" dur="indefinite" restart="never" nodeType="tmRoot"/>
+      </p:par>
+    </p:tnLst>
+  </p:timing>
 </p:sld>
 </file>
 
@@ -4778,7 +5466,7 @@
           <p:cNvPr id="18" name="Content Placeholder 12">
             <a:extLst>
               <a:ext uri="{FF2B5EF4-FFF2-40B4-BE49-F238E27FC236}">
-                <a16:creationId xmlns:a16="http://schemas.microsoft.com/office/drawing/2014/main" id="{C4A49D2A-4082-45B0-928E-9B51AB6D46B9}"/>
+                <a16:creationId xmlns:a16="http://schemas.microsoft.com/office/drawing/2014/main" xmlns="" id="{C4A49D2A-4082-45B0-928E-9B51AB6D46B9}"/>
               </a:ext>
             </a:extLst>
           </p:cNvPr>
@@ -4813,7 +5501,7 @@
           <p:cNvPr id="20" name="TextBox 19">
             <a:extLst>
               <a:ext uri="{FF2B5EF4-FFF2-40B4-BE49-F238E27FC236}">
-                <a16:creationId xmlns:a16="http://schemas.microsoft.com/office/drawing/2014/main" id="{640B383B-A8E3-4968-820E-3A53DB7BA425}"/>
+                <a16:creationId xmlns:a16="http://schemas.microsoft.com/office/drawing/2014/main" xmlns="" id="{640B383B-A8E3-4968-820E-3A53DB7BA425}"/>
               </a:ext>
             </a:extLst>
           </p:cNvPr>
@@ -4845,7 +5533,7 @@
               </a:rPr>
               <a:t>2</a:t>
             </a:r>
-            <a:endParaRPr lang="en-DE" sz="2400" b="1" dirty="0">
+            <a:endParaRPr lang="x-none" sz="2400" b="1" dirty="0">
               <a:solidFill>
                 <a:schemeClr val="bg1"/>
               </a:solidFill>
@@ -4859,7 +5547,7 @@
           <p:cNvPr id="22" name="TextBox 21">
             <a:extLst>
               <a:ext uri="{FF2B5EF4-FFF2-40B4-BE49-F238E27FC236}">
-                <a16:creationId xmlns:a16="http://schemas.microsoft.com/office/drawing/2014/main" id="{6CDFA706-9F39-4DAC-B205-3B6EBDD1EC4F}"/>
+                <a16:creationId xmlns:a16="http://schemas.microsoft.com/office/drawing/2014/main" xmlns="" id="{6CDFA706-9F39-4DAC-B205-3B6EBDD1EC4F}"/>
               </a:ext>
             </a:extLst>
           </p:cNvPr>
@@ -4891,7 +5579,7 @@
               </a:rPr>
               <a:t>Theory: Kelvin-Helmholtz Instabilities</a:t>
             </a:r>
-            <a:endParaRPr lang="en-DE" sz="2400" dirty="0"/>
+            <a:endParaRPr lang="x-none" sz="2400" dirty="0"/>
           </a:p>
         </p:txBody>
       </p:sp>
@@ -4900,7 +5588,7 @@
           <p:cNvPr id="5" name="Picture 4" descr="Shape, circle&#10;&#10;Description automatically generated">
             <a:extLst>
               <a:ext uri="{FF2B5EF4-FFF2-40B4-BE49-F238E27FC236}">
-                <a16:creationId xmlns:a16="http://schemas.microsoft.com/office/drawing/2014/main" id="{842531F3-C016-4EC4-A52E-9ACBA20373C7}"/>
+                <a16:creationId xmlns:a16="http://schemas.microsoft.com/office/drawing/2014/main" xmlns="" id="{842531F3-C016-4EC4-A52E-9ACBA20373C7}"/>
               </a:ext>
             </a:extLst>
           </p:cNvPr>
@@ -4923,8 +5611,8 @@
         </p:blipFill>
         <p:spPr>
           <a:xfrm>
-            <a:off x="1398586" y="0"/>
-            <a:ext cx="8532813" cy="5867652"/>
+            <a:off x="1398586" y="1687484"/>
+            <a:ext cx="6078853" cy="4180168"/>
           </a:xfrm>
           <a:prstGeom prst="rect">
             <a:avLst/>
@@ -4936,7 +5624,7 @@
           <p:cNvPr id="9" name="Picture 8" descr="Diagram&#10;&#10;Description automatically generated">
             <a:extLst>
               <a:ext uri="{FF2B5EF4-FFF2-40B4-BE49-F238E27FC236}">
-                <a16:creationId xmlns:a16="http://schemas.microsoft.com/office/drawing/2014/main" id="{D0F415E6-8F9D-434E-83E1-F491B24D9316}"/>
+                <a16:creationId xmlns:a16="http://schemas.microsoft.com/office/drawing/2014/main" xmlns="" id="{D0F415E6-8F9D-434E-83E1-F491B24D9316}"/>
               </a:ext>
             </a:extLst>
           </p:cNvPr>
@@ -4959,8 +5647,8 @@
         </p:blipFill>
         <p:spPr>
           <a:xfrm>
-            <a:off x="307974" y="534987"/>
-            <a:ext cx="11191355" cy="4384378"/>
+            <a:off x="4048045" y="1968160"/>
+            <a:ext cx="7711248" cy="3020995"/>
           </a:xfrm>
           <a:prstGeom prst="rect">
             <a:avLst/>
@@ -4977,6 +5665,13 @@
   <p:clrMapOvr>
     <a:masterClrMapping/>
   </p:clrMapOvr>
+  <p:timing>
+    <p:tnLst>
+      <p:par>
+        <p:cTn id="1" dur="indefinite" restart="never" nodeType="tmRoot"/>
+      </p:par>
+    </p:tnLst>
+  </p:timing>
 </p:sld>
 </file>
 
@@ -4999,10 +5694,172 @@
       </p:grpSpPr>
       <p:pic>
         <p:nvPicPr>
-          <p:cNvPr id="18" name="Content Placeholder 12">
-            <a:extLst>
-              <a:ext uri="{FF2B5EF4-FFF2-40B4-BE49-F238E27FC236}">
-                <a16:creationId xmlns:a16="http://schemas.microsoft.com/office/drawing/2014/main" id="{C4A49D2A-4082-45B0-928E-9B51AB6D46B9}"/>
+          <p:cNvPr id="7" name="Picture 4" descr="11: The Kelvin-Helmholtz instability is visible by clouds. Source: Brooks Martner, NOAA/ETL  "/>
+          <p:cNvPicPr>
+            <a:picLocks noChangeAspect="1" noChangeArrowheads="1"/>
+          </p:cNvPicPr>
+          <p:nvPr/>
+        </p:nvPicPr>
+        <p:blipFill>
+          <a:blip r:embed="rId2">
+            <a:extLst>
+              <a:ext uri="{28A0092B-C50C-407E-A947-70E740481C1C}">
+                <a14:useLocalDpi xmlns:a14="http://schemas.microsoft.com/office/drawing/2010/main" val="0"/>
+              </a:ext>
+            </a:extLst>
+          </a:blip>
+          <a:srcRect/>
+          <a:stretch>
+            <a:fillRect/>
+          </a:stretch>
+        </p:blipFill>
+        <p:spPr bwMode="auto">
+          <a:xfrm>
+            <a:off x="1288211" y="2117509"/>
+            <a:ext cx="4419600" cy="2223611"/>
+          </a:xfrm>
+          <a:prstGeom prst="rect">
+            <a:avLst/>
+          </a:prstGeom>
+          <a:noFill/>
+          <a:extLst>
+            <a:ext uri="{909E8E84-426E-40DD-AFC4-6F175D3DCCD1}">
+              <a14:hiddenFill xmlns:a14="http://schemas.microsoft.com/office/drawing/2010/main">
+                <a:solidFill>
+                  <a:srgbClr val="FFFFFF"/>
+                </a:solidFill>
+              </a14:hiddenFill>
+            </a:ext>
+          </a:extLst>
+        </p:spPr>
+      </p:pic>
+      <p:pic>
+        <p:nvPicPr>
+          <p:cNvPr id="10" name="Picture 6" descr="Measurements of Kelvin-Helmholtz Waves in Earth's Magnetic Field - Eos"/>
+          <p:cNvPicPr>
+            <a:picLocks noChangeAspect="1" noChangeArrowheads="1"/>
+          </p:cNvPicPr>
+          <p:nvPr/>
+        </p:nvPicPr>
+        <p:blipFill>
+          <a:blip r:embed="rId3">
+            <a:extLst>
+              <a:ext uri="{28A0092B-C50C-407E-A947-70E740481C1C}">
+                <a14:useLocalDpi xmlns:a14="http://schemas.microsoft.com/office/drawing/2010/main" val="0"/>
+              </a:ext>
+            </a:extLst>
+          </a:blip>
+          <a:srcRect/>
+          <a:stretch>
+            <a:fillRect/>
+          </a:stretch>
+        </p:blipFill>
+        <p:spPr bwMode="auto">
+          <a:xfrm>
+            <a:off x="7056259" y="1896595"/>
+            <a:ext cx="3728086" cy="2796065"/>
+          </a:xfrm>
+          <a:prstGeom prst="rect">
+            <a:avLst/>
+          </a:prstGeom>
+          <a:noFill/>
+          <a:extLst>
+            <a:ext uri="{909E8E84-426E-40DD-AFC4-6F175D3DCCD1}">
+              <a14:hiddenFill xmlns:a14="http://schemas.microsoft.com/office/drawing/2010/main">
+                <a:solidFill>
+                  <a:srgbClr val="FFFFFF"/>
+                </a:solidFill>
+              </a14:hiddenFill>
+            </a:ext>
+          </a:extLst>
+        </p:spPr>
+      </p:pic>
+      <p:sp>
+        <p:nvSpPr>
+          <p:cNvPr id="11" name="TextBox 10"/>
+          <p:cNvSpPr txBox="1"/>
+          <p:nvPr/>
+        </p:nvSpPr>
+        <p:spPr>
+          <a:xfrm>
+            <a:off x="0" y="6334780"/>
+            <a:ext cx="12192000" cy="523220"/>
+          </a:xfrm>
+          <a:prstGeom prst="rect">
+            <a:avLst/>
+          </a:prstGeom>
+          <a:noFill/>
+        </p:spPr>
+        <p:txBody>
+          <a:bodyPr wrap="square" rtlCol="0">
+            <a:spAutoFit/>
+          </a:bodyPr>
+          <a:lstStyle/>
+          <a:p>
+            <a:r>
+              <a:rPr lang="nl-NL" sz="1400" dirty="0" smtClean="0">
+                <a:solidFill>
+                  <a:schemeClr val="bg1"/>
+                </a:solidFill>
+              </a:rPr>
+              <a:t>[1]: https</a:t>
+            </a:r>
+            <a:r>
+              <a:rPr lang="nl-NL" sz="1400" dirty="0">
+                <a:solidFill>
+                  <a:schemeClr val="bg1"/>
+                </a:solidFill>
+              </a:rPr>
+              <a:t>://</a:t>
+            </a:r>
+            <a:r>
+              <a:rPr lang="nl-NL" sz="1400" dirty="0" smtClean="0">
+                <a:solidFill>
+                  <a:schemeClr val="bg1"/>
+                </a:solidFill>
+              </a:rPr>
+              <a:t>www.researchgate.net/figure/The-Kelvin-Helmholtz-instability-is-visible-by-clouds-Source-Brooks-Martner-NOAA-ETL_fig9_279953803</a:t>
+            </a:r>
+          </a:p>
+          <a:p>
+            <a:r>
+              <a:rPr lang="en-US" sz="1400" dirty="0" smtClean="0">
+                <a:solidFill>
+                  <a:schemeClr val="bg1"/>
+                </a:solidFill>
+              </a:rPr>
+              <a:t>[2]: </a:t>
+            </a:r>
+            <a:r>
+              <a:rPr lang="nl-NL" sz="1400" dirty="0" smtClean="0">
+                <a:solidFill>
+                  <a:schemeClr val="bg1"/>
+                </a:solidFill>
+              </a:rPr>
+              <a:t>https</a:t>
+            </a:r>
+            <a:r>
+              <a:rPr lang="nl-NL" sz="1400" dirty="0">
+                <a:solidFill>
+                  <a:schemeClr val="bg1"/>
+                </a:solidFill>
+              </a:rPr>
+              <a:t>://eos.org/research-spotlights/measurements-of-kelvin-helmholtz-waves-in-earths-magnetic-field</a:t>
+            </a:r>
+            <a:endParaRPr lang="nl-NL" sz="1400" dirty="0">
+              <a:solidFill>
+                <a:schemeClr val="bg1"/>
+              </a:solidFill>
+            </a:endParaRPr>
+          </a:p>
+        </p:txBody>
+      </p:sp>
+      <p:pic>
+        <p:nvPicPr>
+          <p:cNvPr id="13" name="Content Placeholder 12">
+            <a:extLst>
+              <a:ext uri="{FF2B5EF4-FFF2-40B4-BE49-F238E27FC236}">
+                <a16:creationId xmlns:a16="http://schemas.microsoft.com/office/drawing/2014/main" xmlns="" id="{C4A49D2A-4082-45B0-928E-9B51AB6D46B9}"/>
               </a:ext>
             </a:extLst>
           </p:cNvPr>
@@ -5012,7 +5869,7 @@
           <p:nvPr/>
         </p:nvPicPr>
         <p:blipFill rotWithShape="1">
-          <a:blip r:embed="rId2">
+          <a:blip r:embed="rId4">
             <a:extLst>
               <a:ext uri="{28A0092B-C50C-407E-A947-70E740481C1C}">
                 <a14:useLocalDpi xmlns:a14="http://schemas.microsoft.com/office/drawing/2010/main" val="0"/>
@@ -5024,7 +5881,7 @@
         </p:blipFill>
         <p:spPr>
           <a:xfrm>
-            <a:off x="0" y="6311900"/>
+            <a:off x="0" y="0"/>
             <a:ext cx="12192000" cy="546100"/>
           </a:xfrm>
           <a:prstGeom prst="rect">
@@ -5034,20 +5891,14 @@
       </p:pic>
       <p:sp>
         <p:nvSpPr>
-          <p:cNvPr id="20" name="TextBox 19">
-            <a:extLst>
-              <a:ext uri="{FF2B5EF4-FFF2-40B4-BE49-F238E27FC236}">
-                <a16:creationId xmlns:a16="http://schemas.microsoft.com/office/drawing/2014/main" id="{640B383B-A8E3-4968-820E-3A53DB7BA425}"/>
-              </a:ext>
-            </a:extLst>
-          </p:cNvPr>
+          <p:cNvPr id="2" name="TextBox 1"/>
           <p:cNvSpPr txBox="1"/>
           <p:nvPr/>
         </p:nvSpPr>
         <p:spPr>
           <a:xfrm>
-            <a:off x="11621769" y="6311900"/>
-            <a:ext cx="430531" cy="461665"/>
+            <a:off x="0" y="19957"/>
+            <a:ext cx="11821886" cy="523220"/>
           </a:xfrm>
           <a:prstGeom prst="rect">
             <a:avLst/>
@@ -5061,39 +5912,31 @@
           <a:lstStyle/>
           <a:p>
             <a:r>
-              <a:rPr lang="en-GB" sz="2400" b="1" dirty="0">
+              <a:rPr lang="en-US" sz="2800" dirty="0" smtClean="0">
                 <a:solidFill>
                   <a:schemeClr val="bg1"/>
                 </a:solidFill>
-                <a:latin typeface="Montserrat" panose="00000500000000000000" pitchFamily="2" charset="0"/>
               </a:rPr>
-              <a:t>3</a:t>
-            </a:r>
-            <a:endParaRPr lang="en-DE" sz="2400" b="1" dirty="0">
+              <a:t>Introduction</a:t>
+            </a:r>
+            <a:endParaRPr lang="nl-NL" dirty="0">
               <a:solidFill>
                 <a:schemeClr val="bg1"/>
               </a:solidFill>
-              <a:latin typeface="Montserrat" panose="00000500000000000000" pitchFamily="2" charset="0"/>
             </a:endParaRPr>
           </a:p>
         </p:txBody>
       </p:sp>
       <p:sp>
         <p:nvSpPr>
-          <p:cNvPr id="22" name="TextBox 21">
-            <a:extLst>
-              <a:ext uri="{FF2B5EF4-FFF2-40B4-BE49-F238E27FC236}">
-                <a16:creationId xmlns:a16="http://schemas.microsoft.com/office/drawing/2014/main" id="{6CDFA706-9F39-4DAC-B205-3B6EBDD1EC4F}"/>
-              </a:ext>
-            </a:extLst>
-          </p:cNvPr>
+          <p:cNvPr id="3" name="TextBox 2"/>
           <p:cNvSpPr txBox="1"/>
           <p:nvPr/>
         </p:nvSpPr>
         <p:spPr>
           <a:xfrm>
-            <a:off x="0" y="6354117"/>
-            <a:ext cx="6096000" cy="461665"/>
+            <a:off x="3277575" y="4425043"/>
+            <a:ext cx="440872" cy="369332"/>
           </a:xfrm>
           <a:prstGeom prst="rect">
             <a:avLst/>
@@ -5101,34 +5944,82 @@
           <a:noFill/>
         </p:spPr>
         <p:txBody>
-          <a:bodyPr wrap="square">
+          <a:bodyPr wrap="square" rtlCol="0">
             <a:spAutoFit/>
           </a:bodyPr>
           <a:lstStyle/>
           <a:p>
             <a:r>
-              <a:rPr lang="en-GB" sz="2400" dirty="0">
+              <a:rPr lang="en-US" dirty="0" smtClean="0">
                 <a:solidFill>
                   <a:schemeClr val="bg1"/>
                 </a:solidFill>
-                <a:latin typeface="Montserrat" panose="00000500000000000000" pitchFamily="2" charset="0"/>
               </a:rPr>
-              <a:t>Theory: Kelvin-Helmholtz Instabilities</a:t>
-            </a:r>
-            <a:endParaRPr lang="en-DE" sz="2400" dirty="0"/>
+              <a:t>[1]</a:t>
+            </a:r>
+            <a:endParaRPr lang="nl-NL" dirty="0">
+              <a:solidFill>
+                <a:schemeClr val="bg1"/>
+              </a:solidFill>
+            </a:endParaRPr>
+          </a:p>
+        </p:txBody>
+      </p:sp>
+      <p:sp>
+        <p:nvSpPr>
+          <p:cNvPr id="15" name="TextBox 14"/>
+          <p:cNvSpPr txBox="1"/>
+          <p:nvPr/>
+        </p:nvSpPr>
+        <p:spPr>
+          <a:xfrm>
+            <a:off x="8699866" y="4762109"/>
+            <a:ext cx="440872" cy="369332"/>
+          </a:xfrm>
+          <a:prstGeom prst="rect">
+            <a:avLst/>
+          </a:prstGeom>
+          <a:noFill/>
+        </p:spPr>
+        <p:txBody>
+          <a:bodyPr wrap="square" rtlCol="0">
+            <a:spAutoFit/>
+          </a:bodyPr>
+          <a:lstStyle/>
+          <a:p>
+            <a:r>
+              <a:rPr lang="en-US" dirty="0" smtClean="0">
+                <a:solidFill>
+                  <a:schemeClr val="bg1"/>
+                </a:solidFill>
+              </a:rPr>
+              <a:t>[2]</a:t>
+            </a:r>
+            <a:endParaRPr lang="nl-NL" dirty="0">
+              <a:solidFill>
+                <a:schemeClr val="bg1"/>
+              </a:solidFill>
+            </a:endParaRPr>
           </a:p>
         </p:txBody>
       </p:sp>
     </p:spTree>
     <p:extLst>
       <p:ext uri="{BB962C8B-B14F-4D97-AF65-F5344CB8AC3E}">
-        <p14:creationId xmlns:p14="http://schemas.microsoft.com/office/powerpoint/2010/main" val="3204145865"/>
+        <p14:creationId xmlns:p14="http://schemas.microsoft.com/office/powerpoint/2010/main" val="3072929828"/>
       </p:ext>
     </p:extLst>
   </p:cSld>
   <p:clrMapOvr>
     <a:masterClrMapping/>
   </p:clrMapOvr>
+  <p:timing>
+    <p:tnLst>
+      <p:par>
+        <p:cTn id="1" dur="indefinite" restart="never" nodeType="tmRoot"/>
+      </p:par>
+    </p:tnLst>
+  </p:timing>
 </p:sld>
 </file>
 
@@ -5151,10 +6042,1462 @@
       </p:grpSpPr>
       <p:pic>
         <p:nvPicPr>
+          <p:cNvPr id="6" name="Picture 2" descr="Kelvin-Helmholtz instability in shear flow. A small velocity perturbation, perpendicular to the shear flow direction, initiates a Kelvin-Helmholtz instability and causes roll up of the shear layers."/>
+          <p:cNvPicPr>
+            <a:picLocks noChangeAspect="1" noChangeArrowheads="1"/>
+          </p:cNvPicPr>
+          <p:nvPr/>
+        </p:nvPicPr>
+        <p:blipFill>
+          <a:blip r:embed="rId2">
+            <a:extLst>
+              <a:ext uri="{28A0092B-C50C-407E-A947-70E740481C1C}">
+                <a14:useLocalDpi xmlns:a14="http://schemas.microsoft.com/office/drawing/2010/main" val="0"/>
+              </a:ext>
+            </a:extLst>
+          </a:blip>
+          <a:srcRect/>
+          <a:stretch>
+            <a:fillRect/>
+          </a:stretch>
+        </p:blipFill>
+        <p:spPr bwMode="auto">
+          <a:xfrm>
+            <a:off x="1973036" y="1958093"/>
+            <a:ext cx="8096250" cy="2209801"/>
+          </a:xfrm>
+          <a:prstGeom prst="rect">
+            <a:avLst/>
+          </a:prstGeom>
+          <a:noFill/>
+          <a:extLst>
+            <a:ext uri="{909E8E84-426E-40DD-AFC4-6F175D3DCCD1}">
+              <a14:hiddenFill xmlns:a14="http://schemas.microsoft.com/office/drawing/2010/main">
+                <a:solidFill>
+                  <a:srgbClr val="FFFFFF"/>
+                </a:solidFill>
+              </a14:hiddenFill>
+            </a:ext>
+          </a:extLst>
+        </p:spPr>
+      </p:pic>
+      <p:sp>
+        <p:nvSpPr>
+          <p:cNvPr id="8" name="TextBox 7"/>
+          <p:cNvSpPr txBox="1"/>
+          <p:nvPr/>
+        </p:nvSpPr>
+        <p:spPr>
+          <a:xfrm>
+            <a:off x="0" y="6550223"/>
+            <a:ext cx="12192000" cy="307777"/>
+          </a:xfrm>
+          <a:prstGeom prst="rect">
+            <a:avLst/>
+          </a:prstGeom>
+          <a:noFill/>
+        </p:spPr>
+        <p:txBody>
+          <a:bodyPr wrap="square" rtlCol="0">
+            <a:spAutoFit/>
+          </a:bodyPr>
+          <a:lstStyle/>
+          <a:p>
+            <a:r>
+              <a:rPr lang="nl-NL" sz="1400" dirty="0" smtClean="0">
+                <a:solidFill>
+                  <a:schemeClr val="bg1"/>
+                </a:solidFill>
+              </a:rPr>
+              <a:t>[3]: https</a:t>
+            </a:r>
+            <a:r>
+              <a:rPr lang="nl-NL" sz="1400" dirty="0">
+                <a:solidFill>
+                  <a:schemeClr val="bg1"/>
+                </a:solidFill>
+              </a:rPr>
+              <a:t>://www.researchgate.net/figure/Kelvin-Helmholtz-instability-in-shear-flow-A-small-velocity-perturbation-perpendicular_fig4_307173953</a:t>
+            </a:r>
+          </a:p>
+        </p:txBody>
+      </p:sp>
+      <p:sp>
+        <p:nvSpPr>
+          <p:cNvPr id="9" name="TextBox 8"/>
+          <p:cNvSpPr txBox="1"/>
+          <p:nvPr/>
+        </p:nvSpPr>
+        <p:spPr>
+          <a:xfrm>
+            <a:off x="5800725" y="4261758"/>
+            <a:ext cx="440872" cy="369332"/>
+          </a:xfrm>
+          <a:prstGeom prst="rect">
+            <a:avLst/>
+          </a:prstGeom>
+          <a:noFill/>
+        </p:spPr>
+        <p:txBody>
+          <a:bodyPr wrap="square" rtlCol="0">
+            <a:spAutoFit/>
+          </a:bodyPr>
+          <a:lstStyle/>
+          <a:p>
+            <a:r>
+              <a:rPr lang="en-US" dirty="0" smtClean="0">
+                <a:solidFill>
+                  <a:schemeClr val="bg1"/>
+                </a:solidFill>
+              </a:rPr>
+              <a:t>[3]</a:t>
+            </a:r>
+            <a:endParaRPr lang="nl-NL" dirty="0">
+              <a:solidFill>
+                <a:schemeClr val="bg1"/>
+              </a:solidFill>
+            </a:endParaRPr>
+          </a:p>
+        </p:txBody>
+      </p:sp>
+      <p:pic>
+        <p:nvPicPr>
+          <p:cNvPr id="13" name="Content Placeholder 12">
+            <a:extLst>
+              <a:ext uri="{FF2B5EF4-FFF2-40B4-BE49-F238E27FC236}">
+                <a16:creationId xmlns:a16="http://schemas.microsoft.com/office/drawing/2014/main" xmlns="" id="{C4A49D2A-4082-45B0-928E-9B51AB6D46B9}"/>
+              </a:ext>
+            </a:extLst>
+          </p:cNvPr>
+          <p:cNvPicPr>
+            <a:picLocks noChangeAspect="1"/>
+          </p:cNvPicPr>
+          <p:nvPr/>
+        </p:nvPicPr>
+        <p:blipFill rotWithShape="1">
+          <a:blip r:embed="rId3">
+            <a:extLst>
+              <a:ext uri="{28A0092B-C50C-407E-A947-70E740481C1C}">
+                <a14:useLocalDpi xmlns:a14="http://schemas.microsoft.com/office/drawing/2010/main" val="0"/>
+              </a:ext>
+            </a:extLst>
+          </a:blip>
+          <a:srcRect l="1510" r="-1"/>
+          <a:stretch/>
+        </p:blipFill>
+        <p:spPr>
+          <a:xfrm>
+            <a:off x="0" y="0"/>
+            <a:ext cx="12192000" cy="546100"/>
+          </a:xfrm>
+          <a:prstGeom prst="rect">
+            <a:avLst/>
+          </a:prstGeom>
+        </p:spPr>
+      </p:pic>
+      <p:sp>
+        <p:nvSpPr>
+          <p:cNvPr id="14" name="TextBox 13"/>
+          <p:cNvSpPr txBox="1"/>
+          <p:nvPr/>
+        </p:nvSpPr>
+        <p:spPr>
+          <a:xfrm>
+            <a:off x="0" y="19957"/>
+            <a:ext cx="11821886" cy="523220"/>
+          </a:xfrm>
+          <a:prstGeom prst="rect">
+            <a:avLst/>
+          </a:prstGeom>
+          <a:noFill/>
+        </p:spPr>
+        <p:txBody>
+          <a:bodyPr wrap="square" rtlCol="0">
+            <a:spAutoFit/>
+          </a:bodyPr>
+          <a:lstStyle/>
+          <a:p>
+            <a:r>
+              <a:rPr lang="en-US" sz="2800" dirty="0" smtClean="0">
+                <a:solidFill>
+                  <a:schemeClr val="bg1"/>
+                </a:solidFill>
+              </a:rPr>
+              <a:t>Theory: Kelvin-Helmholtz instabilities</a:t>
+            </a:r>
+            <a:endParaRPr lang="nl-NL" dirty="0">
+              <a:solidFill>
+                <a:schemeClr val="bg1"/>
+              </a:solidFill>
+            </a:endParaRPr>
+          </a:p>
+        </p:txBody>
+      </p:sp>
+    </p:spTree>
+    <p:extLst>
+      <p:ext uri="{BB962C8B-B14F-4D97-AF65-F5344CB8AC3E}">
+        <p14:creationId xmlns:p14="http://schemas.microsoft.com/office/powerpoint/2010/main" val="136031490"/>
+      </p:ext>
+    </p:extLst>
+  </p:cSld>
+  <p:clrMapOvr>
+    <a:masterClrMapping/>
+  </p:clrMapOvr>
+  <p:timing>
+    <p:tnLst>
+      <p:par>
+        <p:cTn id="1" dur="indefinite" restart="never" nodeType="tmRoot"/>
+      </p:par>
+    </p:tnLst>
+  </p:timing>
+</p:sld>
+</file>
+
+<file path=ppt/slides/slide6.xml><?xml version="1.0" encoding="utf-8"?>
+<p:sld xmlns:a="http://schemas.openxmlformats.org/drawingml/2006/main" xmlns:r="http://schemas.openxmlformats.org/officeDocument/2006/relationships" xmlns:p="http://schemas.openxmlformats.org/presentationml/2006/main">
+  <p:cSld>
+    <p:spTree>
+      <p:nvGrpSpPr>
+        <p:cNvPr id="1" name=""/>
+        <p:cNvGrpSpPr/>
+        <p:nvPr/>
+      </p:nvGrpSpPr>
+      <p:grpSpPr>
+        <a:xfrm>
+          <a:off x="0" y="0"/>
+          <a:ext cx="0" cy="0"/>
+          <a:chOff x="0" y="0"/>
+          <a:chExt cx="0" cy="0"/>
+        </a:xfrm>
+      </p:grpSpPr>
+      <p:pic>
+        <p:nvPicPr>
+          <p:cNvPr id="5" name="Content Placeholder 12">
+            <a:extLst>
+              <a:ext uri="{FF2B5EF4-FFF2-40B4-BE49-F238E27FC236}">
+                <a16:creationId xmlns:a16="http://schemas.microsoft.com/office/drawing/2014/main" xmlns="" id="{C4A49D2A-4082-45B0-928E-9B51AB6D46B9}"/>
+              </a:ext>
+            </a:extLst>
+          </p:cNvPr>
+          <p:cNvPicPr>
+            <a:picLocks noChangeAspect="1"/>
+          </p:cNvPicPr>
+          <p:nvPr/>
+        </p:nvPicPr>
+        <p:blipFill rotWithShape="1">
+          <a:blip r:embed="rId2">
+            <a:extLst>
+              <a:ext uri="{28A0092B-C50C-407E-A947-70E740481C1C}">
+                <a14:useLocalDpi xmlns:a14="http://schemas.microsoft.com/office/drawing/2010/main" val="0"/>
+              </a:ext>
+            </a:extLst>
+          </a:blip>
+          <a:srcRect l="1510" r="-1"/>
+          <a:stretch/>
+        </p:blipFill>
+        <p:spPr>
+          <a:xfrm>
+            <a:off x="0" y="0"/>
+            <a:ext cx="12192000" cy="546100"/>
+          </a:xfrm>
+          <a:prstGeom prst="rect">
+            <a:avLst/>
+          </a:prstGeom>
+        </p:spPr>
+      </p:pic>
+      <p:sp>
+        <p:nvSpPr>
+          <p:cNvPr id="7" name="TextBox 6"/>
+          <p:cNvSpPr txBox="1"/>
+          <p:nvPr/>
+        </p:nvSpPr>
+        <p:spPr>
+          <a:xfrm>
+            <a:off x="0" y="19957"/>
+            <a:ext cx="11821886" cy="523220"/>
+          </a:xfrm>
+          <a:prstGeom prst="rect">
+            <a:avLst/>
+          </a:prstGeom>
+          <a:noFill/>
+        </p:spPr>
+        <p:txBody>
+          <a:bodyPr wrap="square" rtlCol="0">
+            <a:spAutoFit/>
+          </a:bodyPr>
+          <a:lstStyle/>
+          <a:p>
+            <a:r>
+              <a:rPr lang="en-US" sz="2800" dirty="0" smtClean="0">
+                <a:solidFill>
+                  <a:schemeClr val="bg1"/>
+                </a:solidFill>
+              </a:rPr>
+              <a:t>Theory: Kelvin-Helmholtz instabilities</a:t>
+            </a:r>
+            <a:endParaRPr lang="nl-NL" dirty="0">
+              <a:solidFill>
+                <a:schemeClr val="bg1"/>
+              </a:solidFill>
+            </a:endParaRPr>
+          </a:p>
+        </p:txBody>
+      </p:sp>
+      <mc:AlternateContent xmlns:mc="http://schemas.openxmlformats.org/markup-compatibility/2006">
+        <mc:Choice xmlns:a14="http://schemas.microsoft.com/office/drawing/2010/main" Requires="a14">
+          <p:sp>
+            <p:nvSpPr>
+              <p:cNvPr id="2" name="TextBox 1"/>
+              <p:cNvSpPr txBox="1"/>
+              <p:nvPr/>
+            </p:nvSpPr>
+            <p:spPr>
+              <a:xfrm>
+                <a:off x="785133" y="1289955"/>
+                <a:ext cx="10621734" cy="3243965"/>
+              </a:xfrm>
+              <a:prstGeom prst="rect">
+                <a:avLst/>
+              </a:prstGeom>
+              <a:noFill/>
+            </p:spPr>
+            <p:txBody>
+              <a:bodyPr wrap="square" rtlCol="0">
+                <a:spAutoFit/>
+              </a:bodyPr>
+              <a:lstStyle/>
+              <a:p>
+                <a:r>
+                  <a:rPr lang="en-US" sz="2400" dirty="0" smtClean="0">
+                    <a:solidFill>
+                      <a:schemeClr val="bg1"/>
+                    </a:solidFill>
+                  </a:rPr>
+                  <a:t>- Shearing force VS buoyancy force:</a:t>
+                </a:r>
+              </a:p>
+              <a:p>
+                <a:endParaRPr lang="en-US" sz="2400" dirty="0" smtClean="0">
+                  <a:solidFill>
+                    <a:schemeClr val="bg1"/>
+                  </a:solidFill>
+                </a:endParaRPr>
+              </a:p>
+              <a:p>
+                <a:pPr/>
+                <a:endParaRPr lang="en-US" sz="2400" i="1" dirty="0">
+                  <a:solidFill>
+                    <a:schemeClr val="bg1"/>
+                  </a:solidFill>
+                  <a:latin typeface="Cambria Math"/>
+                </a:endParaRPr>
+              </a:p>
+              <a:p>
+                <a:pPr/>
+                <a14:m>
+                  <m:oMathPara xmlns:m="http://schemas.openxmlformats.org/officeDocument/2006/math">
+                    <m:oMathParaPr>
+                      <m:jc m:val="center"/>
+                    </m:oMathParaPr>
+                    <m:oMath xmlns:m="http://schemas.openxmlformats.org/officeDocument/2006/math">
+                      <m:sSub>
+                        <m:sSubPr>
+                          <m:ctrlPr>
+                            <a:rPr lang="nl-NL" sz="2400" i="1" smtClean="0">
+                              <a:solidFill>
+                                <a:schemeClr val="bg1"/>
+                              </a:solidFill>
+                              <a:latin typeface="Cambria Math"/>
+                            </a:rPr>
+                          </m:ctrlPr>
+                        </m:sSubPr>
+                        <m:e>
+                          <m:r>
+                            <a:rPr lang="en-US" sz="2400" i="1">
+                              <a:solidFill>
+                                <a:schemeClr val="bg1"/>
+                              </a:solidFill>
+                              <a:latin typeface="Cambria Math"/>
+                            </a:rPr>
+                            <m:t>𝑅</m:t>
+                          </m:r>
+                        </m:e>
+                        <m:sub>
+                          <m:r>
+                            <a:rPr lang="en-US" sz="2400" i="1">
+                              <a:solidFill>
+                                <a:schemeClr val="bg1"/>
+                              </a:solidFill>
+                              <a:latin typeface="Cambria Math"/>
+                            </a:rPr>
+                            <m:t>𝑖</m:t>
+                          </m:r>
+                        </m:sub>
+                      </m:sSub>
+                      <m:r>
+                        <a:rPr lang="en-US" sz="2400" i="1">
+                          <a:solidFill>
+                            <a:schemeClr val="bg1"/>
+                          </a:solidFill>
+                          <a:latin typeface="Cambria Math"/>
+                        </a:rPr>
+                        <m:t>=</m:t>
+                      </m:r>
+                      <m:f>
+                        <m:fPr>
+                          <m:ctrlPr>
+                            <a:rPr lang="en-US" sz="2400" i="1">
+                              <a:solidFill>
+                                <a:schemeClr val="bg1"/>
+                              </a:solidFill>
+                              <a:latin typeface="Cambria Math"/>
+                            </a:rPr>
+                          </m:ctrlPr>
+                        </m:fPr>
+                        <m:num>
+                          <m:r>
+                            <a:rPr lang="en-US" sz="2400" i="1">
+                              <a:solidFill>
+                                <a:schemeClr val="bg1"/>
+                              </a:solidFill>
+                              <a:latin typeface="Cambria Math"/>
+                            </a:rPr>
+                            <m:t>𝑏</m:t>
+                          </m:r>
+                          <m:r>
+                            <a:rPr lang="en-US" sz="2400" b="0" i="1" smtClean="0">
+                              <a:solidFill>
+                                <a:schemeClr val="bg1"/>
+                              </a:solidFill>
+                              <a:latin typeface="Cambria Math"/>
+                            </a:rPr>
+                            <m:t>𝑢𝑜</m:t>
+                          </m:r>
+                          <m:r>
+                            <a:rPr lang="en-US" sz="2400" i="1">
+                              <a:solidFill>
+                                <a:schemeClr val="bg1"/>
+                              </a:solidFill>
+                              <a:latin typeface="Cambria Math"/>
+                            </a:rPr>
+                            <m:t>𝑦𝑎𝑛𝑐𝑦</m:t>
+                          </m:r>
+                        </m:num>
+                        <m:den>
+                          <m:r>
+                            <a:rPr lang="en-US" sz="2400" i="1">
+                              <a:solidFill>
+                                <a:schemeClr val="bg1"/>
+                              </a:solidFill>
+                              <a:latin typeface="Cambria Math"/>
+                            </a:rPr>
+                            <m:t>𝑠h𝑒𝑎𝑟</m:t>
+                          </m:r>
+                        </m:den>
+                      </m:f>
+                      <m:r>
+                        <a:rPr lang="en-US" sz="2400" i="1">
+                          <a:solidFill>
+                            <a:schemeClr val="bg1"/>
+                          </a:solidFill>
+                          <a:latin typeface="Cambria Math"/>
+                        </a:rPr>
+                        <m:t>=</m:t>
+                      </m:r>
+                      <m:f>
+                        <m:fPr>
+                          <m:ctrlPr>
+                            <a:rPr lang="en-US" sz="2400" i="1">
+                              <a:solidFill>
+                                <a:schemeClr val="bg1"/>
+                              </a:solidFill>
+                              <a:latin typeface="Cambria Math"/>
+                            </a:rPr>
+                          </m:ctrlPr>
+                        </m:fPr>
+                        <m:num>
+                          <m:sSup>
+                            <m:sSupPr>
+                              <m:ctrlPr>
+                                <a:rPr lang="en-US" sz="2400" i="1">
+                                  <a:solidFill>
+                                    <a:schemeClr val="bg1"/>
+                                  </a:solidFill>
+                                  <a:latin typeface="Cambria Math"/>
+                                </a:rPr>
+                              </m:ctrlPr>
+                            </m:sSupPr>
+                            <m:e>
+                              <m:r>
+                                <a:rPr lang="en-US" sz="2400" i="1">
+                                  <a:solidFill>
+                                    <a:schemeClr val="bg1"/>
+                                  </a:solidFill>
+                                  <a:latin typeface="Cambria Math"/>
+                                </a:rPr>
+                                <m:t>𝑁</m:t>
+                              </m:r>
+                            </m:e>
+                            <m:sup>
+                              <m:r>
+                                <a:rPr lang="en-US" sz="2400" i="1">
+                                  <a:solidFill>
+                                    <a:schemeClr val="bg1"/>
+                                  </a:solidFill>
+                                  <a:latin typeface="Cambria Math"/>
+                                </a:rPr>
+                                <m:t>2</m:t>
+                              </m:r>
+                            </m:sup>
+                          </m:sSup>
+                        </m:num>
+                        <m:den>
+                          <m:sSup>
+                            <m:sSupPr>
+                              <m:ctrlPr>
+                                <a:rPr lang="en-US" sz="2400" i="1">
+                                  <a:solidFill>
+                                    <a:schemeClr val="bg1"/>
+                                  </a:solidFill>
+                                  <a:latin typeface="Cambria Math"/>
+                                </a:rPr>
+                              </m:ctrlPr>
+                            </m:sSupPr>
+                            <m:e>
+                              <m:r>
+                                <a:rPr lang="en-US" sz="2400" i="1">
+                                  <a:solidFill>
+                                    <a:schemeClr val="bg1"/>
+                                  </a:solidFill>
+                                  <a:latin typeface="Cambria Math"/>
+                                </a:rPr>
+                                <m:t>𝑈</m:t>
+                              </m:r>
+                            </m:e>
+                            <m:sup>
+                              <m:r>
+                                <a:rPr lang="en-US" sz="2400" i="1">
+                                  <a:solidFill>
+                                    <a:schemeClr val="bg1"/>
+                                  </a:solidFill>
+                                  <a:latin typeface="Cambria Math"/>
+                                </a:rPr>
+                                <m:t>2</m:t>
+                              </m:r>
+                            </m:sup>
+                          </m:sSup>
+                        </m:den>
+                      </m:f>
+                    </m:oMath>
+                  </m:oMathPara>
+                </a14:m>
+                <a:endParaRPr lang="nl-NL" sz="2400" dirty="0" smtClean="0">
+                  <a:solidFill>
+                    <a:schemeClr val="bg1"/>
+                  </a:solidFill>
+                </a:endParaRPr>
+              </a:p>
+              <a:p>
+                <a:pPr/>
+                <a:endParaRPr lang="nl-NL" sz="2400" dirty="0" smtClean="0">
+                  <a:solidFill>
+                    <a:schemeClr val="bg1"/>
+                  </a:solidFill>
+                </a:endParaRPr>
+              </a:p>
+              <a:p>
+                <a:pPr algn="ctr"/>
+                <a14:m>
+                  <m:oMath xmlns:m="http://schemas.openxmlformats.org/officeDocument/2006/math">
+                    <m:r>
+                      <a:rPr lang="en-US" b="0" i="1" smtClean="0">
+                        <a:solidFill>
+                          <a:schemeClr val="bg1"/>
+                        </a:solidFill>
+                        <a:latin typeface="Cambria Math"/>
+                      </a:rPr>
+                      <m:t>𝑁</m:t>
+                    </m:r>
+                    <m:r>
+                      <a:rPr lang="en-US" b="0" i="1" smtClean="0">
+                        <a:solidFill>
+                          <a:schemeClr val="bg1"/>
+                        </a:solidFill>
+                        <a:latin typeface="Cambria Math"/>
+                      </a:rPr>
+                      <m:t>=</m:t>
+                    </m:r>
+                    <m:rad>
+                      <m:radPr>
+                        <m:degHide m:val="on"/>
+                        <m:ctrlPr>
+                          <a:rPr lang="en-US" b="0" i="1" smtClean="0">
+                            <a:solidFill>
+                              <a:schemeClr val="bg1"/>
+                            </a:solidFill>
+                            <a:latin typeface="Cambria Math"/>
+                          </a:rPr>
+                        </m:ctrlPr>
+                      </m:radPr>
+                      <m:deg/>
+                      <m:e>
+                        <m:r>
+                          <a:rPr lang="en-US" i="1">
+                            <a:solidFill>
+                              <a:schemeClr val="bg1"/>
+                            </a:solidFill>
+                            <a:latin typeface="Cambria Math"/>
+                          </a:rPr>
+                          <m:t>−</m:t>
+                        </m:r>
+                        <m:f>
+                          <m:fPr>
+                            <m:ctrlPr>
+                              <a:rPr lang="en-US" i="1">
+                                <a:solidFill>
+                                  <a:schemeClr val="bg1"/>
+                                </a:solidFill>
+                                <a:latin typeface="Cambria Math"/>
+                              </a:rPr>
+                            </m:ctrlPr>
+                          </m:fPr>
+                          <m:num>
+                            <m:r>
+                              <a:rPr lang="en-US" i="1">
+                                <a:solidFill>
+                                  <a:schemeClr val="bg1"/>
+                                </a:solidFill>
+                                <a:latin typeface="Cambria Math"/>
+                              </a:rPr>
+                              <m:t>𝑔</m:t>
+                            </m:r>
+                          </m:num>
+                          <m:den>
+                            <m:r>
+                              <a:rPr lang="en-US" i="1">
+                                <a:solidFill>
+                                  <a:schemeClr val="bg1"/>
+                                </a:solidFill>
+                                <a:latin typeface="Cambria Math"/>
+                                <a:ea typeface="Cambria Math"/>
+                              </a:rPr>
+                              <m:t>𝜌</m:t>
+                            </m:r>
+                          </m:den>
+                        </m:f>
+                        <m:f>
+                          <m:fPr>
+                            <m:ctrlPr>
+                              <a:rPr lang="en-US" i="1">
+                                <a:solidFill>
+                                  <a:schemeClr val="bg1"/>
+                                </a:solidFill>
+                                <a:latin typeface="Cambria Math"/>
+                              </a:rPr>
+                            </m:ctrlPr>
+                          </m:fPr>
+                          <m:num>
+                            <m:r>
+                              <a:rPr lang="en-US" i="1">
+                                <a:solidFill>
+                                  <a:schemeClr val="bg1"/>
+                                </a:solidFill>
+                                <a:latin typeface="Cambria Math"/>
+                              </a:rPr>
+                              <m:t>𝑑</m:t>
+                            </m:r>
+                            <m:r>
+                              <a:rPr lang="en-US" i="1">
+                                <a:solidFill>
+                                  <a:schemeClr val="bg1"/>
+                                </a:solidFill>
+                                <a:latin typeface="Cambria Math"/>
+                                <a:ea typeface="Cambria Math"/>
+                              </a:rPr>
+                              <m:t>𝜌</m:t>
+                            </m:r>
+                          </m:num>
+                          <m:den>
+                            <m:r>
+                              <a:rPr lang="en-US" i="1">
+                                <a:solidFill>
+                                  <a:schemeClr val="bg1"/>
+                                </a:solidFill>
+                                <a:latin typeface="Cambria Math"/>
+                              </a:rPr>
+                              <m:t>𝑑𝑧</m:t>
+                            </m:r>
+                          </m:den>
+                        </m:f>
+                      </m:e>
+                    </m:rad>
+                  </m:oMath>
+                </a14:m>
+                <a:r>
+                  <a:rPr lang="en-US" dirty="0" smtClean="0">
+                    <a:solidFill>
+                      <a:schemeClr val="bg1"/>
+                    </a:solidFill>
+                  </a:rPr>
+                  <a:t> , </a:t>
+                </a:r>
+                <a14:m>
+                  <m:oMath xmlns:m="http://schemas.openxmlformats.org/officeDocument/2006/math">
+                    <m:r>
+                      <a:rPr lang="en-US" b="0" i="1" smtClean="0">
+                        <a:solidFill>
+                          <a:schemeClr val="bg1"/>
+                        </a:solidFill>
+                        <a:latin typeface="Cambria Math"/>
+                      </a:rPr>
+                      <m:t>𝑈</m:t>
+                    </m:r>
+                    <m:r>
+                      <a:rPr lang="en-US" i="1">
+                        <a:solidFill>
+                          <a:schemeClr val="bg1"/>
+                        </a:solidFill>
+                        <a:latin typeface="Cambria Math"/>
+                      </a:rPr>
+                      <m:t>= </m:t>
+                    </m:r>
+                    <m:f>
+                      <m:fPr>
+                        <m:ctrlPr>
+                          <a:rPr lang="en-US" i="1">
+                            <a:solidFill>
+                              <a:schemeClr val="bg1"/>
+                            </a:solidFill>
+                            <a:latin typeface="Cambria Math"/>
+                          </a:rPr>
+                        </m:ctrlPr>
+                      </m:fPr>
+                      <m:num>
+                        <m:r>
+                          <a:rPr lang="en-US" i="1">
+                            <a:solidFill>
+                              <a:schemeClr val="bg1"/>
+                            </a:solidFill>
+                            <a:latin typeface="Cambria Math"/>
+                          </a:rPr>
+                          <m:t>1</m:t>
+                        </m:r>
+                      </m:num>
+                      <m:den>
+                        <m:r>
+                          <a:rPr lang="en-US" i="1">
+                            <a:solidFill>
+                              <a:schemeClr val="bg1"/>
+                            </a:solidFill>
+                            <a:latin typeface="Cambria Math"/>
+                          </a:rPr>
+                          <m:t>2</m:t>
+                        </m:r>
+                      </m:den>
+                    </m:f>
+                    <m:d>
+                      <m:dPr>
+                        <m:ctrlPr>
+                          <a:rPr lang="en-US" i="1">
+                            <a:solidFill>
+                              <a:schemeClr val="bg1"/>
+                            </a:solidFill>
+                            <a:latin typeface="Cambria Math"/>
+                          </a:rPr>
+                        </m:ctrlPr>
+                      </m:dPr>
+                      <m:e>
+                        <m:sSub>
+                          <m:sSubPr>
+                            <m:ctrlPr>
+                              <a:rPr lang="en-US" i="1">
+                                <a:solidFill>
+                                  <a:schemeClr val="bg1"/>
+                                </a:solidFill>
+                                <a:latin typeface="Cambria Math"/>
+                              </a:rPr>
+                            </m:ctrlPr>
+                          </m:sSubPr>
+                          <m:e>
+                            <m:r>
+                              <a:rPr lang="en-US" i="1">
+                                <a:solidFill>
+                                  <a:schemeClr val="bg1"/>
+                                </a:solidFill>
+                                <a:latin typeface="Cambria Math"/>
+                              </a:rPr>
+                              <m:t>𝑈</m:t>
+                            </m:r>
+                          </m:e>
+                          <m:sub>
+                            <m:r>
+                              <a:rPr lang="en-US" i="1">
+                                <a:solidFill>
+                                  <a:schemeClr val="bg1"/>
+                                </a:solidFill>
+                                <a:latin typeface="Cambria Math"/>
+                              </a:rPr>
+                              <m:t>2</m:t>
+                            </m:r>
+                          </m:sub>
+                        </m:sSub>
+                        <m:r>
+                          <a:rPr lang="en-US" i="1">
+                            <a:solidFill>
+                              <a:schemeClr val="bg1"/>
+                            </a:solidFill>
+                            <a:latin typeface="Cambria Math"/>
+                          </a:rPr>
+                          <m:t>−</m:t>
+                        </m:r>
+                        <m:sSub>
+                          <m:sSubPr>
+                            <m:ctrlPr>
+                              <a:rPr lang="en-US" i="1">
+                                <a:solidFill>
+                                  <a:schemeClr val="bg1"/>
+                                </a:solidFill>
+                                <a:latin typeface="Cambria Math"/>
+                              </a:rPr>
+                            </m:ctrlPr>
+                          </m:sSubPr>
+                          <m:e>
+                            <m:r>
+                              <a:rPr lang="en-US" i="1">
+                                <a:solidFill>
+                                  <a:schemeClr val="bg1"/>
+                                </a:solidFill>
+                                <a:latin typeface="Cambria Math"/>
+                              </a:rPr>
+                              <m:t>𝑈</m:t>
+                            </m:r>
+                          </m:e>
+                          <m:sub>
+                            <m:r>
+                              <a:rPr lang="en-US" i="1">
+                                <a:solidFill>
+                                  <a:schemeClr val="bg1"/>
+                                </a:solidFill>
+                                <a:latin typeface="Cambria Math"/>
+                              </a:rPr>
+                              <m:t>1</m:t>
+                            </m:r>
+                          </m:sub>
+                        </m:sSub>
+                      </m:e>
+                    </m:d>
+                  </m:oMath>
+                </a14:m>
+                <a:r>
+                  <a:rPr lang="en-US" dirty="0">
+                    <a:solidFill>
+                      <a:schemeClr val="bg1"/>
+                    </a:solidFill>
+                  </a:rPr>
+                  <a:t>  </a:t>
+                </a:r>
+                <a:endParaRPr lang="en-US" sz="2400" dirty="0">
+                  <a:solidFill>
+                    <a:schemeClr val="bg1"/>
+                  </a:solidFill>
+                </a:endParaRPr>
+              </a:p>
+              <a:p>
+                <a:pPr/>
+                <a:endParaRPr lang="nl-NL" sz="2400" dirty="0">
+                  <a:solidFill>
+                    <a:schemeClr val="bg1"/>
+                  </a:solidFill>
+                </a:endParaRPr>
+              </a:p>
+            </p:txBody>
+          </p:sp>
+        </mc:Choice>
+        <mc:Fallback>
+          <p:sp>
+            <p:nvSpPr>
+              <p:cNvPr id="2" name="TextBox 1"/>
+              <p:cNvSpPr txBox="1">
+                <a:spLocks noRot="1" noChangeAspect="1" noMove="1" noResize="1" noEditPoints="1" noAdjustHandles="1" noChangeArrowheads="1" noChangeShapeType="1" noTextEdit="1"/>
+              </p:cNvSpPr>
+              <p:nvPr/>
+            </p:nvSpPr>
+            <p:spPr>
+              <a:xfrm>
+                <a:off x="785133" y="1289955"/>
+                <a:ext cx="10621734" cy="3243965"/>
+              </a:xfrm>
+              <a:prstGeom prst="rect">
+                <a:avLst/>
+              </a:prstGeom>
+              <a:blipFill rotWithShape="1">
+                <a:blip r:embed="rId3"/>
+                <a:stretch>
+                  <a:fillRect l="-918" t="-1504" b="-3383"/>
+                </a:stretch>
+              </a:blipFill>
+            </p:spPr>
+            <p:txBody>
+              <a:bodyPr/>
+              <a:lstStyle/>
+              <a:p>
+                <a:r>
+                  <a:rPr lang="nl-NL">
+                    <a:noFill/>
+                  </a:rPr>
+                  <a:t> </a:t>
+                </a:r>
+              </a:p>
+            </p:txBody>
+          </p:sp>
+        </mc:Fallback>
+      </mc:AlternateContent>
+    </p:spTree>
+    <p:extLst>
+      <p:ext uri="{BB962C8B-B14F-4D97-AF65-F5344CB8AC3E}">
+        <p14:creationId xmlns:p14="http://schemas.microsoft.com/office/powerpoint/2010/main" val="3901580844"/>
+      </p:ext>
+    </p:extLst>
+  </p:cSld>
+  <p:clrMapOvr>
+    <a:masterClrMapping/>
+  </p:clrMapOvr>
+  <p:timing>
+    <p:tnLst>
+      <p:par>
+        <p:cTn id="1" dur="indefinite" restart="never" nodeType="tmRoot"/>
+      </p:par>
+    </p:tnLst>
+  </p:timing>
+</p:sld>
+</file>
+
+<file path=ppt/slides/slide7.xml><?xml version="1.0" encoding="utf-8"?>
+<p:sld xmlns:a="http://schemas.openxmlformats.org/drawingml/2006/main" xmlns:r="http://schemas.openxmlformats.org/officeDocument/2006/relationships" xmlns:p="http://schemas.openxmlformats.org/presentationml/2006/main">
+  <p:cSld>
+    <p:spTree>
+      <p:nvGrpSpPr>
+        <p:cNvPr id="1" name=""/>
+        <p:cNvGrpSpPr/>
+        <p:nvPr/>
+      </p:nvGrpSpPr>
+      <p:grpSpPr>
+        <a:xfrm>
+          <a:off x="0" y="0"/>
+          <a:ext cx="0" cy="0"/>
+          <a:chOff x="0" y="0"/>
+          <a:chExt cx="0" cy="0"/>
+        </a:xfrm>
+      </p:grpSpPr>
+      <p:pic>
+        <p:nvPicPr>
+          <p:cNvPr id="5" name="Content Placeholder 12">
+            <a:extLst>
+              <a:ext uri="{FF2B5EF4-FFF2-40B4-BE49-F238E27FC236}">
+                <a16:creationId xmlns:a16="http://schemas.microsoft.com/office/drawing/2014/main" xmlns="" id="{C4A49D2A-4082-45B0-928E-9B51AB6D46B9}"/>
+              </a:ext>
+            </a:extLst>
+          </p:cNvPr>
+          <p:cNvPicPr>
+            <a:picLocks noChangeAspect="1"/>
+          </p:cNvPicPr>
+          <p:nvPr/>
+        </p:nvPicPr>
+        <p:blipFill rotWithShape="1">
+          <a:blip r:embed="rId2">
+            <a:extLst>
+              <a:ext uri="{28A0092B-C50C-407E-A947-70E740481C1C}">
+                <a14:useLocalDpi xmlns:a14="http://schemas.microsoft.com/office/drawing/2010/main" val="0"/>
+              </a:ext>
+            </a:extLst>
+          </a:blip>
+          <a:srcRect l="1510" r="-1"/>
+          <a:stretch/>
+        </p:blipFill>
+        <p:spPr>
+          <a:xfrm>
+            <a:off x="0" y="0"/>
+            <a:ext cx="12192000" cy="546100"/>
+          </a:xfrm>
+          <a:prstGeom prst="rect">
+            <a:avLst/>
+          </a:prstGeom>
+        </p:spPr>
+      </p:pic>
+      <p:sp>
+        <p:nvSpPr>
+          <p:cNvPr id="7" name="TextBox 6"/>
+          <p:cNvSpPr txBox="1"/>
+          <p:nvPr/>
+        </p:nvSpPr>
+        <p:spPr>
+          <a:xfrm>
+            <a:off x="0" y="19957"/>
+            <a:ext cx="11821886" cy="523220"/>
+          </a:xfrm>
+          <a:prstGeom prst="rect">
+            <a:avLst/>
+          </a:prstGeom>
+          <a:noFill/>
+        </p:spPr>
+        <p:txBody>
+          <a:bodyPr wrap="square" rtlCol="0">
+            <a:spAutoFit/>
+          </a:bodyPr>
+          <a:lstStyle/>
+          <a:p>
+            <a:r>
+              <a:rPr lang="en-US" sz="2800" dirty="0" smtClean="0">
+                <a:solidFill>
+                  <a:schemeClr val="bg1"/>
+                </a:solidFill>
+              </a:rPr>
+              <a:t>Theory: Kelvin-Helmholtz instabilities</a:t>
+            </a:r>
+            <a:endParaRPr lang="nl-NL" dirty="0">
+              <a:solidFill>
+                <a:schemeClr val="bg1"/>
+              </a:solidFill>
+            </a:endParaRPr>
+          </a:p>
+        </p:txBody>
+      </p:sp>
+      <mc:AlternateContent xmlns:mc="http://schemas.openxmlformats.org/markup-compatibility/2006">
+        <mc:Choice xmlns:a14="http://schemas.microsoft.com/office/drawing/2010/main" Requires="a14">
+          <p:sp>
+            <p:nvSpPr>
+              <p:cNvPr id="2" name="TextBox 1"/>
+              <p:cNvSpPr txBox="1"/>
+              <p:nvPr/>
+            </p:nvSpPr>
+            <p:spPr>
+              <a:xfrm>
+                <a:off x="785133" y="1289955"/>
+                <a:ext cx="10621734" cy="4429931"/>
+              </a:xfrm>
+              <a:prstGeom prst="rect">
+                <a:avLst/>
+              </a:prstGeom>
+              <a:noFill/>
+            </p:spPr>
+            <p:txBody>
+              <a:bodyPr wrap="square" rtlCol="0">
+                <a:spAutoFit/>
+              </a:bodyPr>
+              <a:lstStyle/>
+              <a:p>
+                <a:r>
+                  <a:rPr lang="en-US" sz="2400" dirty="0" smtClean="0">
+                    <a:solidFill>
+                      <a:schemeClr val="bg1"/>
+                    </a:solidFill>
+                  </a:rPr>
+                  <a:t>- Shearing force VS buoyancy force:</a:t>
+                </a:r>
+              </a:p>
+              <a:p>
+                <a:endParaRPr lang="en-US" sz="2400" dirty="0" smtClean="0">
+                  <a:solidFill>
+                    <a:schemeClr val="bg1"/>
+                  </a:solidFill>
+                </a:endParaRPr>
+              </a:p>
+              <a:p>
+                <a:pPr/>
+                <a:r>
+                  <a:rPr lang="en-US" sz="2400" dirty="0" smtClean="0">
+                    <a:solidFill>
+                      <a:schemeClr val="bg1"/>
+                    </a:solidFill>
+                  </a:rPr>
+                  <a:t>Using the Taylor-</a:t>
+                </a:r>
+                <a:r>
+                  <a:rPr lang="en-US" sz="2400" dirty="0">
+                    <a:solidFill>
+                      <a:schemeClr val="bg1"/>
+                    </a:solidFill>
+                  </a:rPr>
+                  <a:t>G</a:t>
+                </a:r>
+                <a:r>
+                  <a:rPr lang="en-US" sz="2400" dirty="0" smtClean="0">
+                    <a:solidFill>
+                      <a:schemeClr val="bg1"/>
+                    </a:solidFill>
+                  </a:rPr>
+                  <a:t>oldstein equation one can deduce:</a:t>
+                </a:r>
+              </a:p>
+              <a:p>
+                <a:pPr/>
+                <a:endParaRPr lang="en-US" sz="2400" dirty="0">
+                  <a:solidFill>
+                    <a:schemeClr val="bg1"/>
+                  </a:solidFill>
+                </a:endParaRPr>
+              </a:p>
+              <a:p>
+                <a:pPr/>
+                <a14:m>
+                  <m:oMathPara xmlns:m="http://schemas.openxmlformats.org/officeDocument/2006/math">
+                    <m:oMathParaPr>
+                      <m:jc m:val="center"/>
+                    </m:oMathParaPr>
+                    <m:oMath xmlns:m="http://schemas.openxmlformats.org/officeDocument/2006/math">
+                      <m:sSub>
+                        <m:sSubPr>
+                          <m:ctrlPr>
+                            <a:rPr lang="nl-NL" sz="2400" i="1" smtClean="0">
+                              <a:solidFill>
+                                <a:schemeClr val="bg1"/>
+                              </a:solidFill>
+                              <a:latin typeface="Cambria Math"/>
+                            </a:rPr>
+                          </m:ctrlPr>
+                        </m:sSubPr>
+                        <m:e>
+                          <m:r>
+                            <a:rPr lang="en-US" sz="2400" i="1">
+                              <a:solidFill>
+                                <a:schemeClr val="bg1"/>
+                              </a:solidFill>
+                              <a:latin typeface="Cambria Math"/>
+                            </a:rPr>
+                            <m:t>𝑅</m:t>
+                          </m:r>
+                        </m:e>
+                        <m:sub>
+                          <m:r>
+                            <a:rPr lang="en-US" sz="2400" i="1">
+                              <a:solidFill>
+                                <a:schemeClr val="bg1"/>
+                              </a:solidFill>
+                              <a:latin typeface="Cambria Math"/>
+                            </a:rPr>
+                            <m:t>𝑖</m:t>
+                          </m:r>
+                        </m:sub>
+                      </m:sSub>
+                      <m:r>
+                        <a:rPr lang="en-US" sz="2400" i="1" smtClean="0">
+                          <a:solidFill>
+                            <a:schemeClr val="bg1"/>
+                          </a:solidFill>
+                          <a:latin typeface="Cambria Math"/>
+                          <a:ea typeface="Cambria Math"/>
+                        </a:rPr>
+                        <m:t>&gt;</m:t>
+                      </m:r>
+                      <m:f>
+                        <m:fPr>
+                          <m:ctrlPr>
+                            <a:rPr lang="en-US" sz="2400" i="1" smtClean="0">
+                              <a:solidFill>
+                                <a:schemeClr val="bg1"/>
+                              </a:solidFill>
+                              <a:latin typeface="Cambria Math"/>
+                              <a:ea typeface="Cambria Math"/>
+                            </a:rPr>
+                          </m:ctrlPr>
+                        </m:fPr>
+                        <m:num>
+                          <m:r>
+                            <a:rPr lang="en-US" sz="2400" b="0" i="1" smtClean="0">
+                              <a:solidFill>
+                                <a:schemeClr val="bg1"/>
+                              </a:solidFill>
+                              <a:latin typeface="Cambria Math"/>
+                              <a:ea typeface="Cambria Math"/>
+                            </a:rPr>
+                            <m:t>1</m:t>
+                          </m:r>
+                        </m:num>
+                        <m:den>
+                          <m:r>
+                            <a:rPr lang="en-US" sz="2400" b="0" i="1" smtClean="0">
+                              <a:solidFill>
+                                <a:schemeClr val="bg1"/>
+                              </a:solidFill>
+                              <a:latin typeface="Cambria Math"/>
+                              <a:ea typeface="Cambria Math"/>
+                            </a:rPr>
+                            <m:t>4</m:t>
+                          </m:r>
+                        </m:den>
+                      </m:f>
+                      <m:r>
+                        <a:rPr lang="en-US" sz="2400" b="0" i="1" smtClean="0">
+                          <a:solidFill>
+                            <a:schemeClr val="bg1"/>
+                          </a:solidFill>
+                          <a:latin typeface="Cambria Math"/>
+                          <a:ea typeface="Cambria Math"/>
+                        </a:rPr>
+                        <m:t> →</m:t>
+                      </m:r>
+                      <m:r>
+                        <a:rPr lang="en-US" sz="2400" b="0" i="1" smtClean="0">
+                          <a:solidFill>
+                            <a:schemeClr val="bg1"/>
+                          </a:solidFill>
+                          <a:latin typeface="Cambria Math"/>
+                          <a:ea typeface="Cambria Math"/>
+                        </a:rPr>
+                        <m:t>𝑙𝑎𝑚𝑖𝑛𝑎𝑟</m:t>
+                      </m:r>
+                    </m:oMath>
+                  </m:oMathPara>
+                </a14:m>
+                <a:endParaRPr lang="nl-NL" sz="2400" dirty="0" smtClean="0">
+                  <a:solidFill>
+                    <a:schemeClr val="bg1"/>
+                  </a:solidFill>
+                </a:endParaRPr>
+              </a:p>
+              <a:p>
+                <a:pPr/>
+                <a14:m>
+                  <m:oMathPara xmlns:m="http://schemas.openxmlformats.org/officeDocument/2006/math">
+                    <m:oMathParaPr>
+                      <m:jc m:val="center"/>
+                    </m:oMathParaPr>
+                    <m:oMath xmlns:m="http://schemas.openxmlformats.org/officeDocument/2006/math">
+                      <m:sSub>
+                        <m:sSubPr>
+                          <m:ctrlPr>
+                            <a:rPr lang="nl-NL" sz="2400" i="1">
+                              <a:solidFill>
+                                <a:schemeClr val="bg1"/>
+                              </a:solidFill>
+                              <a:latin typeface="Cambria Math"/>
+                            </a:rPr>
+                          </m:ctrlPr>
+                        </m:sSubPr>
+                        <m:e>
+                          <m:r>
+                            <a:rPr lang="en-US" sz="2400" i="1">
+                              <a:solidFill>
+                                <a:schemeClr val="bg1"/>
+                              </a:solidFill>
+                              <a:latin typeface="Cambria Math"/>
+                            </a:rPr>
+                            <m:t>𝑅</m:t>
+                          </m:r>
+                        </m:e>
+                        <m:sub>
+                          <m:r>
+                            <a:rPr lang="en-US" sz="2400" i="1">
+                              <a:solidFill>
+                                <a:schemeClr val="bg1"/>
+                              </a:solidFill>
+                              <a:latin typeface="Cambria Math"/>
+                            </a:rPr>
+                            <m:t>𝑖</m:t>
+                          </m:r>
+                        </m:sub>
+                      </m:sSub>
+                      <m:r>
+                        <a:rPr lang="en-US" sz="2400" i="1" smtClean="0">
+                          <a:solidFill>
+                            <a:schemeClr val="bg1"/>
+                          </a:solidFill>
+                          <a:latin typeface="Cambria Math"/>
+                          <a:ea typeface="Cambria Math"/>
+                        </a:rPr>
+                        <m:t>&lt;</m:t>
+                      </m:r>
+                      <m:f>
+                        <m:fPr>
+                          <m:ctrlPr>
+                            <a:rPr lang="en-US" sz="2400" i="1">
+                              <a:solidFill>
+                                <a:schemeClr val="bg1"/>
+                              </a:solidFill>
+                              <a:latin typeface="Cambria Math"/>
+                              <a:ea typeface="Cambria Math"/>
+                            </a:rPr>
+                          </m:ctrlPr>
+                        </m:fPr>
+                        <m:num>
+                          <m:r>
+                            <a:rPr lang="en-US" sz="2400" i="1">
+                              <a:solidFill>
+                                <a:schemeClr val="bg1"/>
+                              </a:solidFill>
+                              <a:latin typeface="Cambria Math"/>
+                              <a:ea typeface="Cambria Math"/>
+                            </a:rPr>
+                            <m:t>1</m:t>
+                          </m:r>
+                        </m:num>
+                        <m:den>
+                          <m:r>
+                            <a:rPr lang="en-US" sz="2400" i="1">
+                              <a:solidFill>
+                                <a:schemeClr val="bg1"/>
+                              </a:solidFill>
+                              <a:latin typeface="Cambria Math"/>
+                              <a:ea typeface="Cambria Math"/>
+                            </a:rPr>
+                            <m:t>4</m:t>
+                          </m:r>
+                        </m:den>
+                      </m:f>
+                      <m:r>
+                        <a:rPr lang="en-US" sz="2400" i="1">
+                          <a:solidFill>
+                            <a:schemeClr val="bg1"/>
+                          </a:solidFill>
+                          <a:latin typeface="Cambria Math"/>
+                          <a:ea typeface="Cambria Math"/>
+                        </a:rPr>
+                        <m:t> →</m:t>
+                      </m:r>
+                      <m:r>
+                        <a:rPr lang="en-US" sz="2400" b="0" i="1" smtClean="0">
+                          <a:solidFill>
+                            <a:schemeClr val="bg1"/>
+                          </a:solidFill>
+                          <a:latin typeface="Cambria Math"/>
+                          <a:ea typeface="Cambria Math"/>
+                        </a:rPr>
+                        <m:t>𝑡𝑢𝑟𝑏𝑢𝑙𝑒𝑛𝑡</m:t>
+                      </m:r>
+                    </m:oMath>
+                  </m:oMathPara>
+                </a14:m>
+                <a:endParaRPr lang="nl-NL" sz="2400" dirty="0">
+                  <a:solidFill>
+                    <a:schemeClr val="bg1"/>
+                  </a:solidFill>
+                </a:endParaRPr>
+              </a:p>
+              <a:p>
+                <a:pPr/>
+                <a:endParaRPr lang="en-US" sz="2400" dirty="0" smtClean="0">
+                  <a:solidFill>
+                    <a:schemeClr val="bg1"/>
+                  </a:solidFill>
+                </a:endParaRPr>
+              </a:p>
+              <a:p>
+                <a:pPr/>
+                <a:endParaRPr lang="en-US" sz="2400" dirty="0" smtClean="0">
+                  <a:solidFill>
+                    <a:schemeClr val="bg1"/>
+                  </a:solidFill>
+                </a:endParaRPr>
+              </a:p>
+              <a:p>
+                <a:pPr/>
+                <a:r>
+                  <a:rPr lang="en-US" sz="2400" dirty="0" smtClean="0">
+                    <a:solidFill>
+                      <a:schemeClr val="bg1"/>
+                    </a:solidFill>
+                  </a:rPr>
+                  <a:t>Why ¼ and not 1?</a:t>
+                </a:r>
+                <a:endParaRPr lang="nl-NL" sz="2400" dirty="0" smtClean="0">
+                  <a:solidFill>
+                    <a:schemeClr val="bg1"/>
+                  </a:solidFill>
+                </a:endParaRPr>
+              </a:p>
+              <a:p>
+                <a:pPr/>
+                <a:endParaRPr lang="nl-NL" sz="2400" dirty="0" smtClean="0">
+                  <a:solidFill>
+                    <a:schemeClr val="bg1"/>
+                  </a:solidFill>
+                </a:endParaRPr>
+              </a:p>
+            </p:txBody>
+          </p:sp>
+        </mc:Choice>
+        <mc:Fallback>
+          <p:sp>
+            <p:nvSpPr>
+              <p:cNvPr id="2" name="TextBox 1"/>
+              <p:cNvSpPr txBox="1">
+                <a:spLocks noRot="1" noChangeAspect="1" noMove="1" noResize="1" noEditPoints="1" noAdjustHandles="1" noChangeArrowheads="1" noChangeShapeType="1" noTextEdit="1"/>
+              </p:cNvSpPr>
+              <p:nvPr/>
+            </p:nvSpPr>
+            <p:spPr>
+              <a:xfrm>
+                <a:off x="785133" y="1289955"/>
+                <a:ext cx="10621734" cy="4429931"/>
+              </a:xfrm>
+              <a:prstGeom prst="rect">
+                <a:avLst/>
+              </a:prstGeom>
+              <a:blipFill rotWithShape="1">
+                <a:blip r:embed="rId3"/>
+                <a:stretch>
+                  <a:fillRect l="-918" t="-1102" b="-2204"/>
+                </a:stretch>
+              </a:blipFill>
+            </p:spPr>
+            <p:txBody>
+              <a:bodyPr/>
+              <a:lstStyle/>
+              <a:p>
+                <a:r>
+                  <a:rPr lang="nl-NL">
+                    <a:noFill/>
+                  </a:rPr>
+                  <a:t> </a:t>
+                </a:r>
+              </a:p>
+            </p:txBody>
+          </p:sp>
+        </mc:Fallback>
+      </mc:AlternateContent>
+    </p:spTree>
+    <p:extLst>
+      <p:ext uri="{BB962C8B-B14F-4D97-AF65-F5344CB8AC3E}">
+        <p14:creationId xmlns:p14="http://schemas.microsoft.com/office/powerpoint/2010/main" val="2419221188"/>
+      </p:ext>
+    </p:extLst>
+  </p:cSld>
+  <p:clrMapOvr>
+    <a:masterClrMapping/>
+  </p:clrMapOvr>
+  <p:timing>
+    <p:tnLst>
+      <p:par>
+        <p:cTn id="1" dur="indefinite" restart="never" nodeType="tmRoot"/>
+      </p:par>
+    </p:tnLst>
+  </p:timing>
+</p:sld>
+</file>
+
+<file path=ppt/slides/slide8.xml><?xml version="1.0" encoding="utf-8"?>
+<p:sld xmlns:a="http://schemas.openxmlformats.org/drawingml/2006/main" xmlns:r="http://schemas.openxmlformats.org/officeDocument/2006/relationships" xmlns:p="http://schemas.openxmlformats.org/presentationml/2006/main">
+  <p:cSld>
+    <p:spTree>
+      <p:nvGrpSpPr>
+        <p:cNvPr id="1" name=""/>
+        <p:cNvGrpSpPr/>
+        <p:nvPr/>
+      </p:nvGrpSpPr>
+      <p:grpSpPr>
+        <a:xfrm>
+          <a:off x="0" y="0"/>
+          <a:ext cx="0" cy="0"/>
+          <a:chOff x="0" y="0"/>
+          <a:chExt cx="0" cy="0"/>
+        </a:xfrm>
+      </p:grpSpPr>
+      <p:pic>
+        <p:nvPicPr>
           <p:cNvPr id="18" name="Content Placeholder 12">
             <a:extLst>
               <a:ext uri="{FF2B5EF4-FFF2-40B4-BE49-F238E27FC236}">
-                <a16:creationId xmlns:a16="http://schemas.microsoft.com/office/drawing/2014/main" id="{C4A49D2A-4082-45B0-928E-9B51AB6D46B9}"/>
+                <a16:creationId xmlns:a16="http://schemas.microsoft.com/office/drawing/2014/main" xmlns="" id="{C4A49D2A-4082-45B0-928E-9B51AB6D46B9}"/>
               </a:ext>
             </a:extLst>
           </p:cNvPr>
@@ -5189,7 +7532,7 @@
           <p:cNvPr id="20" name="TextBox 19">
             <a:extLst>
               <a:ext uri="{FF2B5EF4-FFF2-40B4-BE49-F238E27FC236}">
-                <a16:creationId xmlns:a16="http://schemas.microsoft.com/office/drawing/2014/main" id="{640B383B-A8E3-4968-820E-3A53DB7BA425}"/>
+                <a16:creationId xmlns:a16="http://schemas.microsoft.com/office/drawing/2014/main" xmlns="" id="{640B383B-A8E3-4968-820E-3A53DB7BA425}"/>
               </a:ext>
             </a:extLst>
           </p:cNvPr>
@@ -5221,7 +7564,7 @@
               </a:rPr>
               <a:t>3</a:t>
             </a:r>
-            <a:endParaRPr lang="en-DE" sz="2400" b="1" dirty="0">
+            <a:endParaRPr lang="x-none" sz="2400" b="1" dirty="0">
               <a:solidFill>
                 <a:schemeClr val="bg1"/>
               </a:solidFill>
@@ -5235,7 +7578,7 @@
           <p:cNvPr id="22" name="TextBox 21">
             <a:extLst>
               <a:ext uri="{FF2B5EF4-FFF2-40B4-BE49-F238E27FC236}">
-                <a16:creationId xmlns:a16="http://schemas.microsoft.com/office/drawing/2014/main" id="{6CDFA706-9F39-4DAC-B205-3B6EBDD1EC4F}"/>
+                <a16:creationId xmlns:a16="http://schemas.microsoft.com/office/drawing/2014/main" xmlns="" id="{6CDFA706-9F39-4DAC-B205-3B6EBDD1EC4F}"/>
               </a:ext>
             </a:extLst>
           </p:cNvPr>
@@ -5265,20 +7608,179 @@
                 </a:solidFill>
                 <a:latin typeface="Montserrat" panose="00000500000000000000" pitchFamily="2" charset="0"/>
               </a:rPr>
+              <a:t>Theory: Kelvin-Helmholtz Instabilities</a:t>
+            </a:r>
+            <a:endParaRPr lang="x-none" sz="2400" dirty="0"/>
+          </a:p>
+        </p:txBody>
+      </p:sp>
+    </p:spTree>
+    <p:extLst>
+      <p:ext uri="{BB962C8B-B14F-4D97-AF65-F5344CB8AC3E}">
+        <p14:creationId xmlns:p14="http://schemas.microsoft.com/office/powerpoint/2010/main" val="3204145865"/>
+      </p:ext>
+    </p:extLst>
+  </p:cSld>
+  <p:clrMapOvr>
+    <a:masterClrMapping/>
+  </p:clrMapOvr>
+  <p:timing>
+    <p:tnLst>
+      <p:par>
+        <p:cTn id="1" dur="indefinite" restart="never" nodeType="tmRoot"/>
+      </p:par>
+    </p:tnLst>
+  </p:timing>
+</p:sld>
+</file>
+
+<file path=ppt/slides/slide9.xml><?xml version="1.0" encoding="utf-8"?>
+<p:sld xmlns:a="http://schemas.openxmlformats.org/drawingml/2006/main" xmlns:r="http://schemas.openxmlformats.org/officeDocument/2006/relationships" xmlns:p="http://schemas.openxmlformats.org/presentationml/2006/main">
+  <p:cSld>
+    <p:spTree>
+      <p:nvGrpSpPr>
+        <p:cNvPr id="1" name=""/>
+        <p:cNvGrpSpPr/>
+        <p:nvPr/>
+      </p:nvGrpSpPr>
+      <p:grpSpPr>
+        <a:xfrm>
+          <a:off x="0" y="0"/>
+          <a:ext cx="0" cy="0"/>
+          <a:chOff x="0" y="0"/>
+          <a:chExt cx="0" cy="0"/>
+        </a:xfrm>
+      </p:grpSpPr>
+      <p:pic>
+        <p:nvPicPr>
+          <p:cNvPr id="18" name="Content Placeholder 12">
+            <a:extLst>
+              <a:ext uri="{FF2B5EF4-FFF2-40B4-BE49-F238E27FC236}">
+                <a16:creationId xmlns:a16="http://schemas.microsoft.com/office/drawing/2014/main" xmlns="" id="{C4A49D2A-4082-45B0-928E-9B51AB6D46B9}"/>
+              </a:ext>
+            </a:extLst>
+          </p:cNvPr>
+          <p:cNvPicPr>
+            <a:picLocks noChangeAspect="1"/>
+          </p:cNvPicPr>
+          <p:nvPr/>
+        </p:nvPicPr>
+        <p:blipFill rotWithShape="1">
+          <a:blip r:embed="rId2">
+            <a:extLst>
+              <a:ext uri="{28A0092B-C50C-407E-A947-70E740481C1C}">
+                <a14:useLocalDpi xmlns:a14="http://schemas.microsoft.com/office/drawing/2010/main" val="0"/>
+              </a:ext>
+            </a:extLst>
+          </a:blip>
+          <a:srcRect l="1510" r="-1"/>
+          <a:stretch/>
+        </p:blipFill>
+        <p:spPr>
+          <a:xfrm>
+            <a:off x="0" y="6311900"/>
+            <a:ext cx="12192000" cy="546100"/>
+          </a:xfrm>
+          <a:prstGeom prst="rect">
+            <a:avLst/>
+          </a:prstGeom>
+        </p:spPr>
+      </p:pic>
+      <p:sp>
+        <p:nvSpPr>
+          <p:cNvPr id="20" name="TextBox 19">
+            <a:extLst>
+              <a:ext uri="{FF2B5EF4-FFF2-40B4-BE49-F238E27FC236}">
+                <a16:creationId xmlns:a16="http://schemas.microsoft.com/office/drawing/2014/main" xmlns="" id="{640B383B-A8E3-4968-820E-3A53DB7BA425}"/>
+              </a:ext>
+            </a:extLst>
+          </p:cNvPr>
+          <p:cNvSpPr txBox="1"/>
+          <p:nvPr/>
+        </p:nvSpPr>
+        <p:spPr>
+          <a:xfrm>
+            <a:off x="11621769" y="6311900"/>
+            <a:ext cx="430531" cy="461665"/>
+          </a:xfrm>
+          <a:prstGeom prst="rect">
+            <a:avLst/>
+          </a:prstGeom>
+          <a:noFill/>
+        </p:spPr>
+        <p:txBody>
+          <a:bodyPr wrap="square" rtlCol="0">
+            <a:spAutoFit/>
+          </a:bodyPr>
+          <a:lstStyle/>
+          <a:p>
+            <a:r>
+              <a:rPr lang="en-GB" sz="2400" b="1" dirty="0">
+                <a:solidFill>
+                  <a:schemeClr val="bg1"/>
+                </a:solidFill>
+                <a:latin typeface="Montserrat" panose="00000500000000000000" pitchFamily="2" charset="0"/>
+              </a:rPr>
+              <a:t>3</a:t>
+            </a:r>
+            <a:endParaRPr lang="x-none" sz="2400" b="1" dirty="0">
+              <a:solidFill>
+                <a:schemeClr val="bg1"/>
+              </a:solidFill>
+              <a:latin typeface="Montserrat" panose="00000500000000000000" pitchFamily="2" charset="0"/>
+            </a:endParaRPr>
+          </a:p>
+        </p:txBody>
+      </p:sp>
+      <p:sp>
+        <p:nvSpPr>
+          <p:cNvPr id="22" name="TextBox 21">
+            <a:extLst>
+              <a:ext uri="{FF2B5EF4-FFF2-40B4-BE49-F238E27FC236}">
+                <a16:creationId xmlns:a16="http://schemas.microsoft.com/office/drawing/2014/main" xmlns="" id="{6CDFA706-9F39-4DAC-B205-3B6EBDD1EC4F}"/>
+              </a:ext>
+            </a:extLst>
+          </p:cNvPr>
+          <p:cNvSpPr txBox="1"/>
+          <p:nvPr/>
+        </p:nvSpPr>
+        <p:spPr>
+          <a:xfrm>
+            <a:off x="0" y="6354117"/>
+            <a:ext cx="6096000" cy="461665"/>
+          </a:xfrm>
+          <a:prstGeom prst="rect">
+            <a:avLst/>
+          </a:prstGeom>
+          <a:noFill/>
+        </p:spPr>
+        <p:txBody>
+          <a:bodyPr wrap="square">
+            <a:spAutoFit/>
+          </a:bodyPr>
+          <a:lstStyle/>
+          <a:p>
+            <a:r>
+              <a:rPr lang="en-GB" sz="2400" dirty="0">
+                <a:solidFill>
+                  <a:schemeClr val="bg1"/>
+                </a:solidFill>
+                <a:latin typeface="Montserrat" panose="00000500000000000000" pitchFamily="2" charset="0"/>
+              </a:rPr>
               <a:t>Theory: Boltzmann Equation</a:t>
             </a:r>
-            <a:endParaRPr lang="en-DE" sz="2400" dirty="0"/>
-          </a:p>
-        </p:txBody>
-      </p:sp>
-      <mc:AlternateContent xmlns:mc="http://schemas.openxmlformats.org/markup-compatibility/2006">
-        <mc:Choice xmlns:a14="http://schemas.microsoft.com/office/drawing/2010/main" Requires="a14">
+            <a:endParaRPr lang="x-none" sz="2400" dirty="0"/>
+          </a:p>
+        </p:txBody>
+      </p:sp>
+      <mc:AlternateContent xmlns:mc="http://schemas.openxmlformats.org/markup-compatibility/2006" xmlns:a14="http://schemas.microsoft.com/office/drawing/2010/main">
+        <mc:Choice Requires="a14">
           <p:sp>
             <p:nvSpPr>
               <p:cNvPr id="4" name="TextBox 3">
                 <a:extLst>
                   <a:ext uri="{FF2B5EF4-FFF2-40B4-BE49-F238E27FC236}">
-                    <a16:creationId xmlns:a16="http://schemas.microsoft.com/office/drawing/2014/main" id="{1ED06163-AB97-402B-B3A9-250132FF863D}"/>
+                    <a16:creationId xmlns:a16="http://schemas.microsoft.com/office/drawing/2014/main" xmlns="" id="{1ED06163-AB97-402B-B3A9-250132FF863D}"/>
                   </a:ext>
                 </a:extLst>
               </p:cNvPr>
@@ -5301,6 +7803,7 @@
               </a:bodyPr>
               <a:lstStyle/>
               <a:p>
+                <a:pPr/>
                 <a14:m>
                   <m:oMathPara xmlns:m="http://schemas.openxmlformats.org/officeDocument/2006/math">
                     <m:oMathParaPr>
@@ -5310,11 +7813,11 @@
                       <m:f>
                         <m:fPr>
                           <m:ctrlPr>
-                            <a:rPr lang="en-DE" sz="3200" i="1" smtClean="0">
+                            <a:rPr lang="x-none" sz="3200" i="1" smtClean="0">
                               <a:solidFill>
                                 <a:schemeClr val="bg1"/>
                               </a:solidFill>
-                              <a:latin typeface="Cambria Math" panose="02040503050406030204" pitchFamily="18" charset="0"/>
+                              <a:latin typeface="Cambria Math"/>
                             </a:rPr>
                           </m:ctrlPr>
                         </m:fPr>
@@ -5366,7 +7869,7 @@
                               <a:solidFill>
                                 <a:schemeClr val="bg1"/>
                               </a:solidFill>
-                              <a:latin typeface="Cambria Math" panose="02040503050406030204" pitchFamily="18" charset="0"/>
+                              <a:latin typeface="Cambria Math"/>
                             </a:rPr>
                           </m:ctrlPr>
                         </m:dPr>
@@ -5410,9 +7913,6 @@
                         <m:t>+</m:t>
                       </m:r>
                       <m:r>
-                        <m:rPr>
-                          <m:sty m:val="p"/>
-                        </m:rPr>
                         <a:rPr lang="en-GB" sz="3200">
                           <a:solidFill>
                             <a:schemeClr val="bg1"/>
@@ -5437,7 +7937,7 @@
                               <a:solidFill>
                                 <a:schemeClr val="bg1"/>
                               </a:solidFill>
-                              <a:latin typeface="Cambria Math" panose="02040503050406030204" pitchFamily="18" charset="0"/>
+                              <a:latin typeface="Cambria Math"/>
                             </a:rPr>
                           </m:ctrlPr>
                         </m:dPr>
@@ -5499,9 +7999,6 @@
                         <m:t>= − </m:t>
                       </m:r>
                       <m:r>
-                        <m:rPr>
-                          <m:sty m:val="p"/>
-                        </m:rPr>
                         <a:rPr lang="en-GB" sz="3200">
                           <a:solidFill>
                             <a:schemeClr val="bg1"/>
@@ -5553,15 +8050,12 @@
                               <a:solidFill>
                                 <a:schemeClr val="bg1"/>
                               </a:solidFill>
-                              <a:latin typeface="Cambria Math" panose="02040503050406030204" pitchFamily="18" charset="0"/>
+                              <a:latin typeface="Cambria Math"/>
                             </a:rPr>
                           </m:ctrlPr>
                         </m:sSupPr>
                         <m:e>
                           <m:r>
-                            <m:rPr>
-                              <m:sty m:val="p"/>
-                            </m:rPr>
                             <a:rPr lang="en-GB" sz="3200">
                               <a:solidFill>
                                 <a:schemeClr val="bg1"/>
@@ -5617,7 +8111,7 @@
                               <a:solidFill>
                                 <a:schemeClr val="bg1"/>
                               </a:solidFill>
-                              <a:latin typeface="Cambria Math" panose="02040503050406030204" pitchFamily="18" charset="0"/>
+                              <a:latin typeface="Cambria Math"/>
                             </a:rPr>
                           </m:ctrlPr>
                         </m:fPr>
@@ -5663,9 +8157,6 @@
                         <m:t> </m:t>
                       </m:r>
                       <m:r>
-                        <m:rPr>
-                          <m:sty m:val="p"/>
-                        </m:rPr>
                         <a:rPr lang="en-GB" sz="3200">
                           <a:solidFill>
                             <a:schemeClr val="bg1"/>
@@ -5684,9 +8175,6 @@
                         <m:t> (</m:t>
                       </m:r>
                       <m:r>
-                        <m:rPr>
-                          <m:sty m:val="p"/>
-                        </m:rPr>
                         <a:rPr lang="en-GB" sz="3200">
                           <a:solidFill>
                             <a:schemeClr val="bg1"/>
@@ -5743,14 +8231,14 @@
                     </m:oMath>
                   </m:oMathPara>
                 </a14:m>
-                <a:endParaRPr lang="en-DE" sz="3200" b="1" dirty="0">
+                <a:endParaRPr lang="x-none" sz="3200" b="1" dirty="0">
                   <a:solidFill>
                     <a:schemeClr val="bg1"/>
                   </a:solidFill>
                 </a:endParaRPr>
               </a:p>
               <a:p>
-                <a:endParaRPr lang="en-DE" sz="3200" dirty="0">
+                <a:endParaRPr lang="x-none" sz="3200" dirty="0">
                   <a:solidFill>
                     <a:schemeClr val="bg1"/>
                   </a:solidFill>
@@ -5759,7 +8247,7 @@
             </p:txBody>
           </p:sp>
         </mc:Choice>
-        <mc:Fallback>
+        <mc:Fallback xmlns="">
           <p:sp>
             <p:nvSpPr>
               <p:cNvPr id="4" name="TextBox 3">
@@ -5809,7 +8297,7 @@
           <p:cNvPr id="6" name="Straight Arrow Connector 5">
             <a:extLst>
               <a:ext uri="{FF2B5EF4-FFF2-40B4-BE49-F238E27FC236}">
-                <a16:creationId xmlns:a16="http://schemas.microsoft.com/office/drawing/2014/main" id="{F0C2F435-9966-4EAB-9CC1-C076C979020F}"/>
+                <a16:creationId xmlns:a16="http://schemas.microsoft.com/office/drawing/2014/main" xmlns="" id="{F0C2F435-9966-4EAB-9CC1-C076C979020F}"/>
               </a:ext>
             </a:extLst>
           </p:cNvPr>
@@ -5860,614 +8348,13 @@
   <p:clrMapOvr>
     <a:masterClrMapping/>
   </p:clrMapOvr>
-</p:sld>
-</file>
-
-<file path=ppt/slides/slide6.xml><?xml version="1.0" encoding="utf-8"?>
-<p:sld xmlns:a="http://schemas.openxmlformats.org/drawingml/2006/main" xmlns:r="http://schemas.openxmlformats.org/officeDocument/2006/relationships" xmlns:p="http://schemas.openxmlformats.org/presentationml/2006/main">
-  <p:cSld>
-    <p:spTree>
-      <p:nvGrpSpPr>
-        <p:cNvPr id="1" name=""/>
-        <p:cNvGrpSpPr/>
-        <p:nvPr/>
-      </p:nvGrpSpPr>
-      <p:grpSpPr>
-        <a:xfrm>
-          <a:off x="0" y="0"/>
-          <a:ext cx="0" cy="0"/>
-          <a:chOff x="0" y="0"/>
-          <a:chExt cx="0" cy="0"/>
-        </a:xfrm>
-      </p:grpSpPr>
-      <p:pic>
-        <p:nvPicPr>
-          <p:cNvPr id="18" name="Content Placeholder 12">
-            <a:extLst>
-              <a:ext uri="{FF2B5EF4-FFF2-40B4-BE49-F238E27FC236}">
-                <a16:creationId xmlns:a16="http://schemas.microsoft.com/office/drawing/2014/main" id="{C4A49D2A-4082-45B0-928E-9B51AB6D46B9}"/>
-              </a:ext>
-            </a:extLst>
-          </p:cNvPr>
-          <p:cNvPicPr>
-            <a:picLocks noChangeAspect="1"/>
-          </p:cNvPicPr>
-          <p:nvPr/>
-        </p:nvPicPr>
-        <p:blipFill rotWithShape="1">
-          <a:blip r:embed="rId2">
-            <a:extLst>
-              <a:ext uri="{28A0092B-C50C-407E-A947-70E740481C1C}">
-                <a14:useLocalDpi xmlns:a14="http://schemas.microsoft.com/office/drawing/2010/main" val="0"/>
-              </a:ext>
-            </a:extLst>
-          </a:blip>
-          <a:srcRect l="1510" r="-1"/>
-          <a:stretch/>
-        </p:blipFill>
-        <p:spPr>
-          <a:xfrm>
-            <a:off x="0" y="6311900"/>
-            <a:ext cx="12192000" cy="546100"/>
-          </a:xfrm>
-          <a:prstGeom prst="rect">
-            <a:avLst/>
-          </a:prstGeom>
-        </p:spPr>
-      </p:pic>
-      <p:sp>
-        <p:nvSpPr>
-          <p:cNvPr id="20" name="TextBox 19">
-            <a:extLst>
-              <a:ext uri="{FF2B5EF4-FFF2-40B4-BE49-F238E27FC236}">
-                <a16:creationId xmlns:a16="http://schemas.microsoft.com/office/drawing/2014/main" id="{640B383B-A8E3-4968-820E-3A53DB7BA425}"/>
-              </a:ext>
-            </a:extLst>
-          </p:cNvPr>
-          <p:cNvSpPr txBox="1"/>
-          <p:nvPr/>
-        </p:nvSpPr>
-        <p:spPr>
-          <a:xfrm>
-            <a:off x="11621769" y="6311900"/>
-            <a:ext cx="430531" cy="461665"/>
-          </a:xfrm>
-          <a:prstGeom prst="rect">
-            <a:avLst/>
-          </a:prstGeom>
-          <a:noFill/>
-        </p:spPr>
-        <p:txBody>
-          <a:bodyPr wrap="square" rtlCol="0">
-            <a:spAutoFit/>
-          </a:bodyPr>
-          <a:lstStyle/>
-          <a:p>
-            <a:r>
-              <a:rPr lang="en-GB" sz="2400" b="1" dirty="0">
-                <a:solidFill>
-                  <a:schemeClr val="bg1"/>
-                </a:solidFill>
-                <a:latin typeface="Montserrat" panose="00000500000000000000" pitchFamily="2" charset="0"/>
-              </a:rPr>
-              <a:t>4</a:t>
-            </a:r>
-            <a:endParaRPr lang="en-DE" sz="2400" b="1" dirty="0">
-              <a:solidFill>
-                <a:schemeClr val="bg1"/>
-              </a:solidFill>
-              <a:latin typeface="Montserrat" panose="00000500000000000000" pitchFamily="2" charset="0"/>
-            </a:endParaRPr>
-          </a:p>
-        </p:txBody>
-      </p:sp>
-      <p:sp>
-        <p:nvSpPr>
-          <p:cNvPr id="22" name="TextBox 21">
-            <a:extLst>
-              <a:ext uri="{FF2B5EF4-FFF2-40B4-BE49-F238E27FC236}">
-                <a16:creationId xmlns:a16="http://schemas.microsoft.com/office/drawing/2014/main" id="{6CDFA706-9F39-4DAC-B205-3B6EBDD1EC4F}"/>
-              </a:ext>
-            </a:extLst>
-          </p:cNvPr>
-          <p:cNvSpPr txBox="1"/>
-          <p:nvPr/>
-        </p:nvSpPr>
-        <p:spPr>
-          <a:xfrm>
-            <a:off x="0" y="6354117"/>
-            <a:ext cx="6908800" cy="461665"/>
-          </a:xfrm>
-          <a:prstGeom prst="rect">
-            <a:avLst/>
-          </a:prstGeom>
-          <a:noFill/>
-        </p:spPr>
-        <p:txBody>
-          <a:bodyPr wrap="square">
-            <a:spAutoFit/>
-          </a:bodyPr>
-          <a:lstStyle/>
-          <a:p>
-            <a:r>
-              <a:rPr lang="en-GB" sz="2400" dirty="0">
-                <a:solidFill>
-                  <a:schemeClr val="bg1"/>
-                </a:solidFill>
-                <a:latin typeface="Montserrat" panose="00000500000000000000" pitchFamily="2" charset="0"/>
-              </a:rPr>
-              <a:t>Theory: Lattice-Boltzmann Equation (LBE)</a:t>
-            </a:r>
-            <a:endParaRPr lang="en-DE" sz="2400" dirty="0"/>
-          </a:p>
-        </p:txBody>
-      </p:sp>
-    </p:spTree>
-    <p:extLst>
-      <p:ext uri="{BB962C8B-B14F-4D97-AF65-F5344CB8AC3E}">
-        <p14:creationId xmlns:p14="http://schemas.microsoft.com/office/powerpoint/2010/main" val="371374865"/>
-      </p:ext>
-    </p:extLst>
-  </p:cSld>
-  <p:clrMapOvr>
-    <a:masterClrMapping/>
-  </p:clrMapOvr>
-</p:sld>
-</file>
-
-<file path=ppt/slides/slide7.xml><?xml version="1.0" encoding="utf-8"?>
-<p:sld xmlns:a="http://schemas.openxmlformats.org/drawingml/2006/main" xmlns:r="http://schemas.openxmlformats.org/officeDocument/2006/relationships" xmlns:p="http://schemas.openxmlformats.org/presentationml/2006/main">
-  <p:cSld>
-    <p:spTree>
-      <p:nvGrpSpPr>
-        <p:cNvPr id="1" name=""/>
-        <p:cNvGrpSpPr/>
-        <p:nvPr/>
-      </p:nvGrpSpPr>
-      <p:grpSpPr>
-        <a:xfrm>
-          <a:off x="0" y="0"/>
-          <a:ext cx="0" cy="0"/>
-          <a:chOff x="0" y="0"/>
-          <a:chExt cx="0" cy="0"/>
-        </a:xfrm>
-      </p:grpSpPr>
-      <p:pic>
-        <p:nvPicPr>
-          <p:cNvPr id="18" name="Content Placeholder 12">
-            <a:extLst>
-              <a:ext uri="{FF2B5EF4-FFF2-40B4-BE49-F238E27FC236}">
-                <a16:creationId xmlns:a16="http://schemas.microsoft.com/office/drawing/2014/main" id="{C4A49D2A-4082-45B0-928E-9B51AB6D46B9}"/>
-              </a:ext>
-            </a:extLst>
-          </p:cNvPr>
-          <p:cNvPicPr>
-            <a:picLocks noChangeAspect="1"/>
-          </p:cNvPicPr>
-          <p:nvPr/>
-        </p:nvPicPr>
-        <p:blipFill rotWithShape="1">
-          <a:blip r:embed="rId2">
-            <a:extLst>
-              <a:ext uri="{28A0092B-C50C-407E-A947-70E740481C1C}">
-                <a14:useLocalDpi xmlns:a14="http://schemas.microsoft.com/office/drawing/2010/main" val="0"/>
-              </a:ext>
-            </a:extLst>
-          </a:blip>
-          <a:srcRect l="1510" r="-1"/>
-          <a:stretch/>
-        </p:blipFill>
-        <p:spPr>
-          <a:xfrm>
-            <a:off x="0" y="6311900"/>
-            <a:ext cx="12192000" cy="546100"/>
-          </a:xfrm>
-          <a:prstGeom prst="rect">
-            <a:avLst/>
-          </a:prstGeom>
-        </p:spPr>
-      </p:pic>
-      <p:sp>
-        <p:nvSpPr>
-          <p:cNvPr id="20" name="TextBox 19">
-            <a:extLst>
-              <a:ext uri="{FF2B5EF4-FFF2-40B4-BE49-F238E27FC236}">
-                <a16:creationId xmlns:a16="http://schemas.microsoft.com/office/drawing/2014/main" id="{640B383B-A8E3-4968-820E-3A53DB7BA425}"/>
-              </a:ext>
-            </a:extLst>
-          </p:cNvPr>
-          <p:cNvSpPr txBox="1"/>
-          <p:nvPr/>
-        </p:nvSpPr>
-        <p:spPr>
-          <a:xfrm>
-            <a:off x="11621769" y="6311900"/>
-            <a:ext cx="430531" cy="461665"/>
-          </a:xfrm>
-          <a:prstGeom prst="rect">
-            <a:avLst/>
-          </a:prstGeom>
-          <a:noFill/>
-        </p:spPr>
-        <p:txBody>
-          <a:bodyPr wrap="square" rtlCol="0">
-            <a:spAutoFit/>
-          </a:bodyPr>
-          <a:lstStyle/>
-          <a:p>
-            <a:r>
-              <a:rPr lang="en-GB" sz="2400" b="1" dirty="0">
-                <a:solidFill>
-                  <a:schemeClr val="bg1"/>
-                </a:solidFill>
-                <a:latin typeface="Montserrat" panose="00000500000000000000" pitchFamily="2" charset="0"/>
-              </a:rPr>
-              <a:t>4</a:t>
-            </a:r>
-            <a:endParaRPr lang="en-DE" sz="2400" b="1" dirty="0">
-              <a:solidFill>
-                <a:schemeClr val="bg1"/>
-              </a:solidFill>
-              <a:latin typeface="Montserrat" panose="00000500000000000000" pitchFamily="2" charset="0"/>
-            </a:endParaRPr>
-          </a:p>
-        </p:txBody>
-      </p:sp>
-      <p:sp>
-        <p:nvSpPr>
-          <p:cNvPr id="22" name="TextBox 21">
-            <a:extLst>
-              <a:ext uri="{FF2B5EF4-FFF2-40B4-BE49-F238E27FC236}">
-                <a16:creationId xmlns:a16="http://schemas.microsoft.com/office/drawing/2014/main" id="{6CDFA706-9F39-4DAC-B205-3B6EBDD1EC4F}"/>
-              </a:ext>
-            </a:extLst>
-          </p:cNvPr>
-          <p:cNvSpPr txBox="1"/>
-          <p:nvPr/>
-        </p:nvSpPr>
-        <p:spPr>
-          <a:xfrm>
-            <a:off x="0" y="6354117"/>
-            <a:ext cx="7531100" cy="461665"/>
-          </a:xfrm>
-          <a:prstGeom prst="rect">
-            <a:avLst/>
-          </a:prstGeom>
-          <a:noFill/>
-        </p:spPr>
-        <p:txBody>
-          <a:bodyPr wrap="square">
-            <a:spAutoFit/>
-          </a:bodyPr>
-          <a:lstStyle/>
-          <a:p>
-            <a:r>
-              <a:rPr lang="en-GB" sz="2400" dirty="0">
-                <a:solidFill>
-                  <a:schemeClr val="bg1"/>
-                </a:solidFill>
-                <a:latin typeface="Montserrat" panose="00000500000000000000" pitchFamily="2" charset="0"/>
-              </a:rPr>
-              <a:t>Theory: Moment space and the LBE -&gt; GLBE</a:t>
-            </a:r>
-            <a:endParaRPr lang="en-DE" sz="2400" dirty="0"/>
-          </a:p>
-        </p:txBody>
-      </p:sp>
-    </p:spTree>
-    <p:extLst>
-      <p:ext uri="{BB962C8B-B14F-4D97-AF65-F5344CB8AC3E}">
-        <p14:creationId xmlns:p14="http://schemas.microsoft.com/office/powerpoint/2010/main" val="2299196922"/>
-      </p:ext>
-    </p:extLst>
-  </p:cSld>
-  <p:clrMapOvr>
-    <a:masterClrMapping/>
-  </p:clrMapOvr>
-</p:sld>
-</file>
-
-<file path=ppt/slides/slide8.xml><?xml version="1.0" encoding="utf-8"?>
-<p:sld xmlns:a="http://schemas.openxmlformats.org/drawingml/2006/main" xmlns:r="http://schemas.openxmlformats.org/officeDocument/2006/relationships" xmlns:p="http://schemas.openxmlformats.org/presentationml/2006/main">
-  <p:cSld>
-    <p:spTree>
-      <p:nvGrpSpPr>
-        <p:cNvPr id="1" name=""/>
-        <p:cNvGrpSpPr/>
-        <p:nvPr/>
-      </p:nvGrpSpPr>
-      <p:grpSpPr>
-        <a:xfrm>
-          <a:off x="0" y="0"/>
-          <a:ext cx="0" cy="0"/>
-          <a:chOff x="0" y="0"/>
-          <a:chExt cx="0" cy="0"/>
-        </a:xfrm>
-      </p:grpSpPr>
-      <p:pic>
-        <p:nvPicPr>
-          <p:cNvPr id="18" name="Content Placeholder 12">
-            <a:extLst>
-              <a:ext uri="{FF2B5EF4-FFF2-40B4-BE49-F238E27FC236}">
-                <a16:creationId xmlns:a16="http://schemas.microsoft.com/office/drawing/2014/main" id="{C4A49D2A-4082-45B0-928E-9B51AB6D46B9}"/>
-              </a:ext>
-            </a:extLst>
-          </p:cNvPr>
-          <p:cNvPicPr>
-            <a:picLocks noChangeAspect="1"/>
-          </p:cNvPicPr>
-          <p:nvPr/>
-        </p:nvPicPr>
-        <p:blipFill rotWithShape="1">
-          <a:blip r:embed="rId2">
-            <a:extLst>
-              <a:ext uri="{28A0092B-C50C-407E-A947-70E740481C1C}">
-                <a14:useLocalDpi xmlns:a14="http://schemas.microsoft.com/office/drawing/2010/main" val="0"/>
-              </a:ext>
-            </a:extLst>
-          </a:blip>
-          <a:srcRect l="1510" r="-1"/>
-          <a:stretch/>
-        </p:blipFill>
-        <p:spPr>
-          <a:xfrm>
-            <a:off x="0" y="6311900"/>
-            <a:ext cx="12192000" cy="546100"/>
-          </a:xfrm>
-          <a:prstGeom prst="rect">
-            <a:avLst/>
-          </a:prstGeom>
-        </p:spPr>
-      </p:pic>
-      <p:sp>
-        <p:nvSpPr>
-          <p:cNvPr id="20" name="TextBox 19">
-            <a:extLst>
-              <a:ext uri="{FF2B5EF4-FFF2-40B4-BE49-F238E27FC236}">
-                <a16:creationId xmlns:a16="http://schemas.microsoft.com/office/drawing/2014/main" id="{640B383B-A8E3-4968-820E-3A53DB7BA425}"/>
-              </a:ext>
-            </a:extLst>
-          </p:cNvPr>
-          <p:cNvSpPr txBox="1"/>
-          <p:nvPr/>
-        </p:nvSpPr>
-        <p:spPr>
-          <a:xfrm>
-            <a:off x="11621769" y="6311900"/>
-            <a:ext cx="430531" cy="461665"/>
-          </a:xfrm>
-          <a:prstGeom prst="rect">
-            <a:avLst/>
-          </a:prstGeom>
-          <a:noFill/>
-        </p:spPr>
-        <p:txBody>
-          <a:bodyPr wrap="square" rtlCol="0">
-            <a:spAutoFit/>
-          </a:bodyPr>
-          <a:lstStyle/>
-          <a:p>
-            <a:r>
-              <a:rPr lang="en-GB" sz="2400" b="1" dirty="0">
-                <a:solidFill>
-                  <a:schemeClr val="bg1"/>
-                </a:solidFill>
-                <a:latin typeface="Montserrat" panose="00000500000000000000" pitchFamily="2" charset="0"/>
-              </a:rPr>
-              <a:t>?</a:t>
-            </a:r>
-            <a:endParaRPr lang="en-DE" sz="2400" b="1" dirty="0">
-              <a:solidFill>
-                <a:schemeClr val="bg1"/>
-              </a:solidFill>
-              <a:latin typeface="Montserrat" panose="00000500000000000000" pitchFamily="2" charset="0"/>
-            </a:endParaRPr>
-          </a:p>
-        </p:txBody>
-      </p:sp>
-      <p:sp>
-        <p:nvSpPr>
-          <p:cNvPr id="22" name="TextBox 21">
-            <a:extLst>
-              <a:ext uri="{FF2B5EF4-FFF2-40B4-BE49-F238E27FC236}">
-                <a16:creationId xmlns:a16="http://schemas.microsoft.com/office/drawing/2014/main" id="{6CDFA706-9F39-4DAC-B205-3B6EBDD1EC4F}"/>
-              </a:ext>
-            </a:extLst>
-          </p:cNvPr>
-          <p:cNvSpPr txBox="1"/>
-          <p:nvPr/>
-        </p:nvSpPr>
-        <p:spPr>
-          <a:xfrm>
-            <a:off x="0" y="6354117"/>
-            <a:ext cx="6096000" cy="461665"/>
-          </a:xfrm>
-          <a:prstGeom prst="rect">
-            <a:avLst/>
-          </a:prstGeom>
-          <a:noFill/>
-        </p:spPr>
-        <p:txBody>
-          <a:bodyPr wrap="square">
-            <a:spAutoFit/>
-          </a:bodyPr>
-          <a:lstStyle/>
-          <a:p>
-            <a:r>
-              <a:rPr lang="en-GB" sz="2400" dirty="0">
-                <a:solidFill>
-                  <a:schemeClr val="bg1"/>
-                </a:solidFill>
-                <a:latin typeface="Montserrat" panose="00000500000000000000" pitchFamily="2" charset="0"/>
-              </a:rPr>
-              <a:t>Results: Validating dynamics</a:t>
-            </a:r>
-            <a:endParaRPr lang="en-DE" sz="2400" dirty="0"/>
-          </a:p>
-        </p:txBody>
-      </p:sp>
-    </p:spTree>
-    <p:extLst>
-      <p:ext uri="{BB962C8B-B14F-4D97-AF65-F5344CB8AC3E}">
-        <p14:creationId xmlns:p14="http://schemas.microsoft.com/office/powerpoint/2010/main" val="674098658"/>
-      </p:ext>
-    </p:extLst>
-  </p:cSld>
-  <p:clrMapOvr>
-    <a:masterClrMapping/>
-  </p:clrMapOvr>
-</p:sld>
-</file>
-
-<file path=ppt/slides/slide9.xml><?xml version="1.0" encoding="utf-8"?>
-<p:sld xmlns:a="http://schemas.openxmlformats.org/drawingml/2006/main" xmlns:r="http://schemas.openxmlformats.org/officeDocument/2006/relationships" xmlns:p="http://schemas.openxmlformats.org/presentationml/2006/main">
-  <p:cSld>
-    <p:spTree>
-      <p:nvGrpSpPr>
-        <p:cNvPr id="1" name=""/>
-        <p:cNvGrpSpPr/>
-        <p:nvPr/>
-      </p:nvGrpSpPr>
-      <p:grpSpPr>
-        <a:xfrm>
-          <a:off x="0" y="0"/>
-          <a:ext cx="0" cy="0"/>
-          <a:chOff x="0" y="0"/>
-          <a:chExt cx="0" cy="0"/>
-        </a:xfrm>
-      </p:grpSpPr>
-      <p:pic>
-        <p:nvPicPr>
-          <p:cNvPr id="18" name="Content Placeholder 12">
-            <a:extLst>
-              <a:ext uri="{FF2B5EF4-FFF2-40B4-BE49-F238E27FC236}">
-                <a16:creationId xmlns:a16="http://schemas.microsoft.com/office/drawing/2014/main" id="{C4A49D2A-4082-45B0-928E-9B51AB6D46B9}"/>
-              </a:ext>
-            </a:extLst>
-          </p:cNvPr>
-          <p:cNvPicPr>
-            <a:picLocks noChangeAspect="1"/>
-          </p:cNvPicPr>
-          <p:nvPr/>
-        </p:nvPicPr>
-        <p:blipFill rotWithShape="1">
-          <a:blip r:embed="rId2">
-            <a:extLst>
-              <a:ext uri="{28A0092B-C50C-407E-A947-70E740481C1C}">
-                <a14:useLocalDpi xmlns:a14="http://schemas.microsoft.com/office/drawing/2010/main" val="0"/>
-              </a:ext>
-            </a:extLst>
-          </a:blip>
-          <a:srcRect l="1510" r="-1"/>
-          <a:stretch/>
-        </p:blipFill>
-        <p:spPr>
-          <a:xfrm>
-            <a:off x="0" y="6311900"/>
-            <a:ext cx="12192000" cy="546100"/>
-          </a:xfrm>
-          <a:prstGeom prst="rect">
-            <a:avLst/>
-          </a:prstGeom>
-        </p:spPr>
-      </p:pic>
-      <p:sp>
-        <p:nvSpPr>
-          <p:cNvPr id="20" name="TextBox 19">
-            <a:extLst>
-              <a:ext uri="{FF2B5EF4-FFF2-40B4-BE49-F238E27FC236}">
-                <a16:creationId xmlns:a16="http://schemas.microsoft.com/office/drawing/2014/main" id="{640B383B-A8E3-4968-820E-3A53DB7BA425}"/>
-              </a:ext>
-            </a:extLst>
-          </p:cNvPr>
-          <p:cNvSpPr txBox="1"/>
-          <p:nvPr/>
-        </p:nvSpPr>
-        <p:spPr>
-          <a:xfrm>
-            <a:off x="11621769" y="6311900"/>
-            <a:ext cx="430531" cy="461665"/>
-          </a:xfrm>
-          <a:prstGeom prst="rect">
-            <a:avLst/>
-          </a:prstGeom>
-          <a:noFill/>
-        </p:spPr>
-        <p:txBody>
-          <a:bodyPr wrap="square" rtlCol="0">
-            <a:spAutoFit/>
-          </a:bodyPr>
-          <a:lstStyle/>
-          <a:p>
-            <a:r>
-              <a:rPr lang="en-GB" sz="2400" b="1" dirty="0">
-                <a:solidFill>
-                  <a:schemeClr val="bg1"/>
-                </a:solidFill>
-                <a:latin typeface="Montserrat" panose="00000500000000000000" pitchFamily="2" charset="0"/>
-              </a:rPr>
-              <a:t>?</a:t>
-            </a:r>
-            <a:endParaRPr lang="en-DE" sz="2400" b="1" dirty="0">
-              <a:solidFill>
-                <a:schemeClr val="bg1"/>
-              </a:solidFill>
-              <a:latin typeface="Montserrat" panose="00000500000000000000" pitchFamily="2" charset="0"/>
-            </a:endParaRPr>
-          </a:p>
-        </p:txBody>
-      </p:sp>
-      <p:sp>
-        <p:nvSpPr>
-          <p:cNvPr id="22" name="TextBox 21">
-            <a:extLst>
-              <a:ext uri="{FF2B5EF4-FFF2-40B4-BE49-F238E27FC236}">
-                <a16:creationId xmlns:a16="http://schemas.microsoft.com/office/drawing/2014/main" id="{6CDFA706-9F39-4DAC-B205-3B6EBDD1EC4F}"/>
-              </a:ext>
-            </a:extLst>
-          </p:cNvPr>
-          <p:cNvSpPr txBox="1"/>
-          <p:nvPr/>
-        </p:nvSpPr>
-        <p:spPr>
-          <a:xfrm>
-            <a:off x="0" y="6354117"/>
-            <a:ext cx="6096000" cy="461665"/>
-          </a:xfrm>
-          <a:prstGeom prst="rect">
-            <a:avLst/>
-          </a:prstGeom>
-          <a:noFill/>
-        </p:spPr>
-        <p:txBody>
-          <a:bodyPr wrap="square">
-            <a:spAutoFit/>
-          </a:bodyPr>
-          <a:lstStyle/>
-          <a:p>
-            <a:r>
-              <a:rPr lang="en-GB" sz="2400" dirty="0">
-                <a:solidFill>
-                  <a:schemeClr val="bg1"/>
-                </a:solidFill>
-                <a:latin typeface="Montserrat" panose="00000500000000000000" pitchFamily="2" charset="0"/>
-              </a:rPr>
-              <a:t>Conclusion / Summary</a:t>
-            </a:r>
-            <a:endParaRPr lang="en-DE" sz="2400" dirty="0"/>
-          </a:p>
-        </p:txBody>
-      </p:sp>
-    </p:spTree>
-    <p:extLst>
-      <p:ext uri="{BB962C8B-B14F-4D97-AF65-F5344CB8AC3E}">
-        <p14:creationId xmlns:p14="http://schemas.microsoft.com/office/powerpoint/2010/main" val="1918364905"/>
-      </p:ext>
-    </p:extLst>
-  </p:cSld>
-  <p:clrMapOvr>
-    <a:masterClrMapping/>
-  </p:clrMapOvr>
+  <p:timing>
+    <p:tnLst>
+      <p:par>
+        <p:cTn id="1" dur="indefinite" restart="never" nodeType="tmRoot"/>
+      </p:par>
+    </p:tnLst>
+  </p:timing>
 </p:sld>
 </file>
 
@@ -6514,7 +8401,7 @@
     </a:clrScheme>
     <a:fontScheme name="Office">
       <a:majorFont>
-        <a:latin typeface="Calibri Light" panose="020F0302020204030204"/>
+        <a:latin typeface="Calibri Light"/>
         <a:ea typeface=""/>
         <a:cs typeface=""/>
         <a:font script="Jpan" typeface="游ゴシック Light"/>
@@ -6566,7 +8453,7 @@
         <a:font script="Tfng" typeface="Ebrima"/>
       </a:majorFont>
       <a:minorFont>
-        <a:latin typeface="Calibri" panose="020F0502020204030204"/>
+        <a:latin typeface="Calibri"/>
         <a:ea typeface=""/>
         <a:cs typeface=""/>
         <a:font script="Jpan" typeface="游ゴシック"/>
@@ -6760,7 +8647,7 @@
   <a:extraClrSchemeLst/>
   <a:extLst>
     <a:ext uri="{05A4C25C-085E-4340-85A3-A5531E510DB2}">
-      <thm15:themeFamily xmlns:thm15="http://schemas.microsoft.com/office/thememl/2012/main" name="Office Theme" id="{62F939B6-93AF-4DB8-9C6B-D6C7DFDC589F}" vid="{4A3C46E8-61CC-4603-A589-7422A47A8E4A}"/>
+      <thm15:themeFamily xmlns:thm15="http://schemas.microsoft.com/office/thememl/2012/main" xmlns="" name="Office Theme" id="{62F939B6-93AF-4DB8-9C6B-D6C7DFDC589F}" vid="{4A3C46E8-61CC-4603-A589-7422A47A8E4A}"/>
     </a:ext>
   </a:extLst>
 </a:theme>

--- a/COP_Slides_Project3.pptx
+++ b/COP_Slides_Project3.pptx
@@ -6,20 +6,18 @@
   </p:sldMasterIdLst>
   <p:sldIdLst>
     <p:sldId id="256" r:id="rId2"/>
-    <p:sldId id="257" r:id="rId3"/>
-    <p:sldId id="259" r:id="rId4"/>
-    <p:sldId id="267" r:id="rId5"/>
-    <p:sldId id="268" r:id="rId6"/>
-    <p:sldId id="270" r:id="rId7"/>
-    <p:sldId id="271" r:id="rId8"/>
-    <p:sldId id="266" r:id="rId9"/>
-    <p:sldId id="258" r:id="rId10"/>
-    <p:sldId id="260" r:id="rId11"/>
-    <p:sldId id="261" r:id="rId12"/>
-    <p:sldId id="262" r:id="rId13"/>
-    <p:sldId id="265" r:id="rId14"/>
-    <p:sldId id="263" r:id="rId15"/>
-    <p:sldId id="264" r:id="rId16"/>
+    <p:sldId id="267" r:id="rId3"/>
+    <p:sldId id="268" r:id="rId4"/>
+    <p:sldId id="270" r:id="rId5"/>
+    <p:sldId id="271" r:id="rId6"/>
+    <p:sldId id="266" r:id="rId7"/>
+    <p:sldId id="258" r:id="rId8"/>
+    <p:sldId id="260" r:id="rId9"/>
+    <p:sldId id="261" r:id="rId10"/>
+    <p:sldId id="262" r:id="rId11"/>
+    <p:sldId id="265" r:id="rId12"/>
+    <p:sldId id="263" r:id="rId13"/>
+    <p:sldId id="264" r:id="rId14"/>
   </p:sldIdLst>
   <p:sldSz cx="12192000" cy="6858000"/>
   <p:notesSz cx="6858000" cy="9144000"/>
@@ -120,7 +118,7 @@
   </p:defaultTextStyle>
   <p:extLst>
     <p:ext uri="{EFAFB233-063F-42B5-8137-9DF3F51BA10A}">
-      <p15:sldGuideLst xmlns:p15="http://schemas.microsoft.com/office/powerpoint/2012/main" xmlns=""/>
+      <p15:sldGuideLst xmlns="" xmlns:p15="http://schemas.microsoft.com/office/powerpoint/2012/main"/>
     </p:ext>
   </p:extLst>
 </p:presentation>
@@ -148,7 +146,7 @@
           <p:cNvPr id="2" name="Title 1">
             <a:extLst>
               <a:ext uri="{FF2B5EF4-FFF2-40B4-BE49-F238E27FC236}">
-                <a16:creationId xmlns:a16="http://schemas.microsoft.com/office/drawing/2014/main" xmlns="" id="{B1ADD4D9-0217-43E5-81FB-5099D9D4427B}"/>
+                <a16:creationId xmlns="" xmlns:a16="http://schemas.microsoft.com/office/drawing/2014/main" id="{B1ADD4D9-0217-43E5-81FB-5099D9D4427B}"/>
               </a:ext>
             </a:extLst>
           </p:cNvPr>
@@ -186,7 +184,7 @@
           <p:cNvPr id="3" name="Subtitle 2">
             <a:extLst>
               <a:ext uri="{FF2B5EF4-FFF2-40B4-BE49-F238E27FC236}">
-                <a16:creationId xmlns:a16="http://schemas.microsoft.com/office/drawing/2014/main" xmlns="" id="{2F268589-5FD0-4012-8A77-D0C7F3A2255E}"/>
+                <a16:creationId xmlns="" xmlns:a16="http://schemas.microsoft.com/office/drawing/2014/main" id="{2F268589-5FD0-4012-8A77-D0C7F3A2255E}"/>
               </a:ext>
             </a:extLst>
           </p:cNvPr>
@@ -257,7 +255,7 @@
           <p:cNvPr id="4" name="Date Placeholder 3">
             <a:extLst>
               <a:ext uri="{FF2B5EF4-FFF2-40B4-BE49-F238E27FC236}">
-                <a16:creationId xmlns:a16="http://schemas.microsoft.com/office/drawing/2014/main" xmlns="" id="{43BB2CF1-20C2-4F02-86FB-2216A7B53C1D}"/>
+                <a16:creationId xmlns="" xmlns:a16="http://schemas.microsoft.com/office/drawing/2014/main" id="{43BB2CF1-20C2-4F02-86FB-2216A7B53C1D}"/>
               </a:ext>
             </a:extLst>
           </p:cNvPr>
@@ -275,7 +273,7 @@
           <a:p>
             <a:fld id="{FAAF9C74-E5B0-4DD2-AEF0-C5B735643AE6}" type="datetimeFigureOut">
               <a:rPr lang="x-none" smtClean="0"/>
-              <a:t>5/15/2022</a:t>
+              <a:t>5/18/2022</a:t>
             </a:fld>
             <a:endParaRPr lang="x-none"/>
           </a:p>
@@ -286,7 +284,7 @@
           <p:cNvPr id="5" name="Footer Placeholder 4">
             <a:extLst>
               <a:ext uri="{FF2B5EF4-FFF2-40B4-BE49-F238E27FC236}">
-                <a16:creationId xmlns:a16="http://schemas.microsoft.com/office/drawing/2014/main" xmlns="" id="{7EF8AE62-0322-4190-A619-FD096B23FBE5}"/>
+                <a16:creationId xmlns="" xmlns:a16="http://schemas.microsoft.com/office/drawing/2014/main" id="{7EF8AE62-0322-4190-A619-FD096B23FBE5}"/>
               </a:ext>
             </a:extLst>
           </p:cNvPr>
@@ -311,7 +309,7 @@
           <p:cNvPr id="6" name="Slide Number Placeholder 5">
             <a:extLst>
               <a:ext uri="{FF2B5EF4-FFF2-40B4-BE49-F238E27FC236}">
-                <a16:creationId xmlns:a16="http://schemas.microsoft.com/office/drawing/2014/main" xmlns="" id="{DD9B45C4-6E85-4BBF-94CD-FCE7840A4201}"/>
+                <a16:creationId xmlns="" xmlns:a16="http://schemas.microsoft.com/office/drawing/2014/main" id="{DD9B45C4-6E85-4BBF-94CD-FCE7840A4201}"/>
               </a:ext>
             </a:extLst>
           </p:cNvPr>
@@ -370,7 +368,7 @@
           <p:cNvPr id="2" name="Title 1">
             <a:extLst>
               <a:ext uri="{FF2B5EF4-FFF2-40B4-BE49-F238E27FC236}">
-                <a16:creationId xmlns:a16="http://schemas.microsoft.com/office/drawing/2014/main" xmlns="" id="{EAF85BCD-13C9-40DA-A655-BB3A190B393A}"/>
+                <a16:creationId xmlns="" xmlns:a16="http://schemas.microsoft.com/office/drawing/2014/main" id="{EAF85BCD-13C9-40DA-A655-BB3A190B393A}"/>
               </a:ext>
             </a:extLst>
           </p:cNvPr>
@@ -399,7 +397,7 @@
           <p:cNvPr id="3" name="Vertical Text Placeholder 2">
             <a:extLst>
               <a:ext uri="{FF2B5EF4-FFF2-40B4-BE49-F238E27FC236}">
-                <a16:creationId xmlns:a16="http://schemas.microsoft.com/office/drawing/2014/main" xmlns="" id="{92BC94F7-92D3-4AD0-8B91-A8F9AE06F177}"/>
+                <a16:creationId xmlns="" xmlns:a16="http://schemas.microsoft.com/office/drawing/2014/main" id="{92BC94F7-92D3-4AD0-8B91-A8F9AE06F177}"/>
               </a:ext>
             </a:extLst>
           </p:cNvPr>
@@ -457,7 +455,7 @@
           <p:cNvPr id="4" name="Date Placeholder 3">
             <a:extLst>
               <a:ext uri="{FF2B5EF4-FFF2-40B4-BE49-F238E27FC236}">
-                <a16:creationId xmlns:a16="http://schemas.microsoft.com/office/drawing/2014/main" xmlns="" id="{366A3441-8785-4F50-93DC-82BA74C4F4DB}"/>
+                <a16:creationId xmlns="" xmlns:a16="http://schemas.microsoft.com/office/drawing/2014/main" id="{366A3441-8785-4F50-93DC-82BA74C4F4DB}"/>
               </a:ext>
             </a:extLst>
           </p:cNvPr>
@@ -475,7 +473,7 @@
           <a:p>
             <a:fld id="{FAAF9C74-E5B0-4DD2-AEF0-C5B735643AE6}" type="datetimeFigureOut">
               <a:rPr lang="x-none" smtClean="0"/>
-              <a:t>5/15/2022</a:t>
+              <a:t>5/18/2022</a:t>
             </a:fld>
             <a:endParaRPr lang="x-none"/>
           </a:p>
@@ -486,7 +484,7 @@
           <p:cNvPr id="5" name="Footer Placeholder 4">
             <a:extLst>
               <a:ext uri="{FF2B5EF4-FFF2-40B4-BE49-F238E27FC236}">
-                <a16:creationId xmlns:a16="http://schemas.microsoft.com/office/drawing/2014/main" xmlns="" id="{C1DD23FD-74A8-4A71-9293-60C4F33CE009}"/>
+                <a16:creationId xmlns="" xmlns:a16="http://schemas.microsoft.com/office/drawing/2014/main" id="{C1DD23FD-74A8-4A71-9293-60C4F33CE009}"/>
               </a:ext>
             </a:extLst>
           </p:cNvPr>
@@ -511,7 +509,7 @@
           <p:cNvPr id="6" name="Slide Number Placeholder 5">
             <a:extLst>
               <a:ext uri="{FF2B5EF4-FFF2-40B4-BE49-F238E27FC236}">
-                <a16:creationId xmlns:a16="http://schemas.microsoft.com/office/drawing/2014/main" xmlns="" id="{E4CE9D00-03DD-4F7B-A163-D375A1B5201F}"/>
+                <a16:creationId xmlns="" xmlns:a16="http://schemas.microsoft.com/office/drawing/2014/main" id="{E4CE9D00-03DD-4F7B-A163-D375A1B5201F}"/>
               </a:ext>
             </a:extLst>
           </p:cNvPr>
@@ -570,7 +568,7 @@
           <p:cNvPr id="2" name="Vertical Title 1">
             <a:extLst>
               <a:ext uri="{FF2B5EF4-FFF2-40B4-BE49-F238E27FC236}">
-                <a16:creationId xmlns:a16="http://schemas.microsoft.com/office/drawing/2014/main" xmlns="" id="{14B050B9-86BD-4606-AB96-63BD9699393D}"/>
+                <a16:creationId xmlns="" xmlns:a16="http://schemas.microsoft.com/office/drawing/2014/main" id="{14B050B9-86BD-4606-AB96-63BD9699393D}"/>
               </a:ext>
             </a:extLst>
           </p:cNvPr>
@@ -604,7 +602,7 @@
           <p:cNvPr id="3" name="Vertical Text Placeholder 2">
             <a:extLst>
               <a:ext uri="{FF2B5EF4-FFF2-40B4-BE49-F238E27FC236}">
-                <a16:creationId xmlns:a16="http://schemas.microsoft.com/office/drawing/2014/main" xmlns="" id="{D2DD838C-99E0-464C-A695-6673CB11EBC4}"/>
+                <a16:creationId xmlns="" xmlns:a16="http://schemas.microsoft.com/office/drawing/2014/main" id="{D2DD838C-99E0-464C-A695-6673CB11EBC4}"/>
               </a:ext>
             </a:extLst>
           </p:cNvPr>
@@ -667,7 +665,7 @@
           <p:cNvPr id="4" name="Date Placeholder 3">
             <a:extLst>
               <a:ext uri="{FF2B5EF4-FFF2-40B4-BE49-F238E27FC236}">
-                <a16:creationId xmlns:a16="http://schemas.microsoft.com/office/drawing/2014/main" xmlns="" id="{4C4E3B1C-94FF-4206-A4B2-A57EF1431A1E}"/>
+                <a16:creationId xmlns="" xmlns:a16="http://schemas.microsoft.com/office/drawing/2014/main" id="{4C4E3B1C-94FF-4206-A4B2-A57EF1431A1E}"/>
               </a:ext>
             </a:extLst>
           </p:cNvPr>
@@ -685,7 +683,7 @@
           <a:p>
             <a:fld id="{FAAF9C74-E5B0-4DD2-AEF0-C5B735643AE6}" type="datetimeFigureOut">
               <a:rPr lang="x-none" smtClean="0"/>
-              <a:t>5/15/2022</a:t>
+              <a:t>5/18/2022</a:t>
             </a:fld>
             <a:endParaRPr lang="x-none"/>
           </a:p>
@@ -696,7 +694,7 @@
           <p:cNvPr id="5" name="Footer Placeholder 4">
             <a:extLst>
               <a:ext uri="{FF2B5EF4-FFF2-40B4-BE49-F238E27FC236}">
-                <a16:creationId xmlns:a16="http://schemas.microsoft.com/office/drawing/2014/main" xmlns="" id="{124C7755-91FD-4C41-9663-68EC864FA6B0}"/>
+                <a16:creationId xmlns="" xmlns:a16="http://schemas.microsoft.com/office/drawing/2014/main" id="{124C7755-91FD-4C41-9663-68EC864FA6B0}"/>
               </a:ext>
             </a:extLst>
           </p:cNvPr>
@@ -721,7 +719,7 @@
           <p:cNvPr id="6" name="Slide Number Placeholder 5">
             <a:extLst>
               <a:ext uri="{FF2B5EF4-FFF2-40B4-BE49-F238E27FC236}">
-                <a16:creationId xmlns:a16="http://schemas.microsoft.com/office/drawing/2014/main" xmlns="" id="{84091D24-068B-4336-8E10-85B72720DFDF}"/>
+                <a16:creationId xmlns="" xmlns:a16="http://schemas.microsoft.com/office/drawing/2014/main" id="{84091D24-068B-4336-8E10-85B72720DFDF}"/>
               </a:ext>
             </a:extLst>
           </p:cNvPr>
@@ -780,7 +778,7 @@
           <p:cNvPr id="2" name="Title 1">
             <a:extLst>
               <a:ext uri="{FF2B5EF4-FFF2-40B4-BE49-F238E27FC236}">
-                <a16:creationId xmlns:a16="http://schemas.microsoft.com/office/drawing/2014/main" xmlns="" id="{1BE6463D-D8A4-4E0E-BE9B-F22DD13D3304}"/>
+                <a16:creationId xmlns="" xmlns:a16="http://schemas.microsoft.com/office/drawing/2014/main" id="{1BE6463D-D8A4-4E0E-BE9B-F22DD13D3304}"/>
               </a:ext>
             </a:extLst>
           </p:cNvPr>
@@ -809,7 +807,7 @@
           <p:cNvPr id="3" name="Content Placeholder 2">
             <a:extLst>
               <a:ext uri="{FF2B5EF4-FFF2-40B4-BE49-F238E27FC236}">
-                <a16:creationId xmlns:a16="http://schemas.microsoft.com/office/drawing/2014/main" xmlns="" id="{F18288D3-81CD-42E5-B42C-B0950C700694}"/>
+                <a16:creationId xmlns="" xmlns:a16="http://schemas.microsoft.com/office/drawing/2014/main" id="{F18288D3-81CD-42E5-B42C-B0950C700694}"/>
               </a:ext>
             </a:extLst>
           </p:cNvPr>
@@ -867,7 +865,7 @@
           <p:cNvPr id="4" name="Date Placeholder 3">
             <a:extLst>
               <a:ext uri="{FF2B5EF4-FFF2-40B4-BE49-F238E27FC236}">
-                <a16:creationId xmlns:a16="http://schemas.microsoft.com/office/drawing/2014/main" xmlns="" id="{0A1D272E-52F0-4F60-8619-1189A88A8F00}"/>
+                <a16:creationId xmlns="" xmlns:a16="http://schemas.microsoft.com/office/drawing/2014/main" id="{0A1D272E-52F0-4F60-8619-1189A88A8F00}"/>
               </a:ext>
             </a:extLst>
           </p:cNvPr>
@@ -885,7 +883,7 @@
           <a:p>
             <a:fld id="{FAAF9C74-E5B0-4DD2-AEF0-C5B735643AE6}" type="datetimeFigureOut">
               <a:rPr lang="x-none" smtClean="0"/>
-              <a:t>5/15/2022</a:t>
+              <a:t>5/18/2022</a:t>
             </a:fld>
             <a:endParaRPr lang="x-none"/>
           </a:p>
@@ -896,7 +894,7 @@
           <p:cNvPr id="5" name="Footer Placeholder 4">
             <a:extLst>
               <a:ext uri="{FF2B5EF4-FFF2-40B4-BE49-F238E27FC236}">
-                <a16:creationId xmlns:a16="http://schemas.microsoft.com/office/drawing/2014/main" xmlns="" id="{ADCF826A-2B12-4B98-882C-D9CB1476F28E}"/>
+                <a16:creationId xmlns="" xmlns:a16="http://schemas.microsoft.com/office/drawing/2014/main" id="{ADCF826A-2B12-4B98-882C-D9CB1476F28E}"/>
               </a:ext>
             </a:extLst>
           </p:cNvPr>
@@ -921,7 +919,7 @@
           <p:cNvPr id="6" name="Slide Number Placeholder 5">
             <a:extLst>
               <a:ext uri="{FF2B5EF4-FFF2-40B4-BE49-F238E27FC236}">
-                <a16:creationId xmlns:a16="http://schemas.microsoft.com/office/drawing/2014/main" xmlns="" id="{592EA741-BB3C-4B3D-8D64-37748F43DEB5}"/>
+                <a16:creationId xmlns="" xmlns:a16="http://schemas.microsoft.com/office/drawing/2014/main" id="{592EA741-BB3C-4B3D-8D64-37748F43DEB5}"/>
               </a:ext>
             </a:extLst>
           </p:cNvPr>
@@ -980,7 +978,7 @@
           <p:cNvPr id="2" name="Title 1">
             <a:extLst>
               <a:ext uri="{FF2B5EF4-FFF2-40B4-BE49-F238E27FC236}">
-                <a16:creationId xmlns:a16="http://schemas.microsoft.com/office/drawing/2014/main" xmlns="" id="{678BBEB7-E024-46EC-8C7C-B2218174A405}"/>
+                <a16:creationId xmlns="" xmlns:a16="http://schemas.microsoft.com/office/drawing/2014/main" id="{678BBEB7-E024-46EC-8C7C-B2218174A405}"/>
               </a:ext>
             </a:extLst>
           </p:cNvPr>
@@ -1018,7 +1016,7 @@
           <p:cNvPr id="3" name="Text Placeholder 2">
             <a:extLst>
               <a:ext uri="{FF2B5EF4-FFF2-40B4-BE49-F238E27FC236}">
-                <a16:creationId xmlns:a16="http://schemas.microsoft.com/office/drawing/2014/main" xmlns="" id="{AA0548CA-E9B9-4453-BA52-8372AF9D1B2D}"/>
+                <a16:creationId xmlns="" xmlns:a16="http://schemas.microsoft.com/office/drawing/2014/main" id="{AA0548CA-E9B9-4453-BA52-8372AF9D1B2D}"/>
               </a:ext>
             </a:extLst>
           </p:cNvPr>
@@ -1143,7 +1141,7 @@
           <p:cNvPr id="4" name="Date Placeholder 3">
             <a:extLst>
               <a:ext uri="{FF2B5EF4-FFF2-40B4-BE49-F238E27FC236}">
-                <a16:creationId xmlns:a16="http://schemas.microsoft.com/office/drawing/2014/main" xmlns="" id="{56CD132E-F1F9-40D2-9460-181766F5F099}"/>
+                <a16:creationId xmlns="" xmlns:a16="http://schemas.microsoft.com/office/drawing/2014/main" id="{56CD132E-F1F9-40D2-9460-181766F5F099}"/>
               </a:ext>
             </a:extLst>
           </p:cNvPr>
@@ -1161,7 +1159,7 @@
           <a:p>
             <a:fld id="{FAAF9C74-E5B0-4DD2-AEF0-C5B735643AE6}" type="datetimeFigureOut">
               <a:rPr lang="x-none" smtClean="0"/>
-              <a:t>5/15/2022</a:t>
+              <a:t>5/18/2022</a:t>
             </a:fld>
             <a:endParaRPr lang="x-none"/>
           </a:p>
@@ -1172,7 +1170,7 @@
           <p:cNvPr id="5" name="Footer Placeholder 4">
             <a:extLst>
               <a:ext uri="{FF2B5EF4-FFF2-40B4-BE49-F238E27FC236}">
-                <a16:creationId xmlns:a16="http://schemas.microsoft.com/office/drawing/2014/main" xmlns="" id="{C0D77056-3883-458B-9C7B-1A8CD464562C}"/>
+                <a16:creationId xmlns="" xmlns:a16="http://schemas.microsoft.com/office/drawing/2014/main" id="{C0D77056-3883-458B-9C7B-1A8CD464562C}"/>
               </a:ext>
             </a:extLst>
           </p:cNvPr>
@@ -1197,7 +1195,7 @@
           <p:cNvPr id="6" name="Slide Number Placeholder 5">
             <a:extLst>
               <a:ext uri="{FF2B5EF4-FFF2-40B4-BE49-F238E27FC236}">
-                <a16:creationId xmlns:a16="http://schemas.microsoft.com/office/drawing/2014/main" xmlns="" id="{012C11FF-1330-4E47-97D7-55C512974F04}"/>
+                <a16:creationId xmlns="" xmlns:a16="http://schemas.microsoft.com/office/drawing/2014/main" id="{012C11FF-1330-4E47-97D7-55C512974F04}"/>
               </a:ext>
             </a:extLst>
           </p:cNvPr>
@@ -1256,7 +1254,7 @@
           <p:cNvPr id="2" name="Title 1">
             <a:extLst>
               <a:ext uri="{FF2B5EF4-FFF2-40B4-BE49-F238E27FC236}">
-                <a16:creationId xmlns:a16="http://schemas.microsoft.com/office/drawing/2014/main" xmlns="" id="{41282904-0615-4C70-8598-74CFE1ACEFF0}"/>
+                <a16:creationId xmlns="" xmlns:a16="http://schemas.microsoft.com/office/drawing/2014/main" id="{41282904-0615-4C70-8598-74CFE1ACEFF0}"/>
               </a:ext>
             </a:extLst>
           </p:cNvPr>
@@ -1285,7 +1283,7 @@
           <p:cNvPr id="3" name="Content Placeholder 2">
             <a:extLst>
               <a:ext uri="{FF2B5EF4-FFF2-40B4-BE49-F238E27FC236}">
-                <a16:creationId xmlns:a16="http://schemas.microsoft.com/office/drawing/2014/main" xmlns="" id="{402C0AF1-FF16-4FC9-904B-BCB08E1D6F41}"/>
+                <a16:creationId xmlns="" xmlns:a16="http://schemas.microsoft.com/office/drawing/2014/main" id="{402C0AF1-FF16-4FC9-904B-BCB08E1D6F41}"/>
               </a:ext>
             </a:extLst>
           </p:cNvPr>
@@ -1348,7 +1346,7 @@
           <p:cNvPr id="4" name="Content Placeholder 3">
             <a:extLst>
               <a:ext uri="{FF2B5EF4-FFF2-40B4-BE49-F238E27FC236}">
-                <a16:creationId xmlns:a16="http://schemas.microsoft.com/office/drawing/2014/main" xmlns="" id="{47C251F7-1C82-4831-8531-8D0B8CDBCA1D}"/>
+                <a16:creationId xmlns="" xmlns:a16="http://schemas.microsoft.com/office/drawing/2014/main" id="{47C251F7-1C82-4831-8531-8D0B8CDBCA1D}"/>
               </a:ext>
             </a:extLst>
           </p:cNvPr>
@@ -1411,7 +1409,7 @@
           <p:cNvPr id="5" name="Date Placeholder 4">
             <a:extLst>
               <a:ext uri="{FF2B5EF4-FFF2-40B4-BE49-F238E27FC236}">
-                <a16:creationId xmlns:a16="http://schemas.microsoft.com/office/drawing/2014/main" xmlns="" id="{FC782578-FD00-4D75-828C-2AE9B0E52EA2}"/>
+                <a16:creationId xmlns="" xmlns:a16="http://schemas.microsoft.com/office/drawing/2014/main" id="{FC782578-FD00-4D75-828C-2AE9B0E52EA2}"/>
               </a:ext>
             </a:extLst>
           </p:cNvPr>
@@ -1429,7 +1427,7 @@
           <a:p>
             <a:fld id="{FAAF9C74-E5B0-4DD2-AEF0-C5B735643AE6}" type="datetimeFigureOut">
               <a:rPr lang="x-none" smtClean="0"/>
-              <a:t>5/15/2022</a:t>
+              <a:t>5/18/2022</a:t>
             </a:fld>
             <a:endParaRPr lang="x-none"/>
           </a:p>
@@ -1440,7 +1438,7 @@
           <p:cNvPr id="6" name="Footer Placeholder 5">
             <a:extLst>
               <a:ext uri="{FF2B5EF4-FFF2-40B4-BE49-F238E27FC236}">
-                <a16:creationId xmlns:a16="http://schemas.microsoft.com/office/drawing/2014/main" xmlns="" id="{CD2D43E3-10F6-4700-90FA-1FE48D886EDB}"/>
+                <a16:creationId xmlns="" xmlns:a16="http://schemas.microsoft.com/office/drawing/2014/main" id="{CD2D43E3-10F6-4700-90FA-1FE48D886EDB}"/>
               </a:ext>
             </a:extLst>
           </p:cNvPr>
@@ -1465,7 +1463,7 @@
           <p:cNvPr id="7" name="Slide Number Placeholder 6">
             <a:extLst>
               <a:ext uri="{FF2B5EF4-FFF2-40B4-BE49-F238E27FC236}">
-                <a16:creationId xmlns:a16="http://schemas.microsoft.com/office/drawing/2014/main" xmlns="" id="{66D6DFD5-E56C-4F94-A58C-F0945685DF75}"/>
+                <a16:creationId xmlns="" xmlns:a16="http://schemas.microsoft.com/office/drawing/2014/main" id="{66D6DFD5-E56C-4F94-A58C-F0945685DF75}"/>
               </a:ext>
             </a:extLst>
           </p:cNvPr>
@@ -1524,7 +1522,7 @@
           <p:cNvPr id="2" name="Title 1">
             <a:extLst>
               <a:ext uri="{FF2B5EF4-FFF2-40B4-BE49-F238E27FC236}">
-                <a16:creationId xmlns:a16="http://schemas.microsoft.com/office/drawing/2014/main" xmlns="" id="{3CD09AA0-4D1F-474A-9C19-86DC013E9A59}"/>
+                <a16:creationId xmlns="" xmlns:a16="http://schemas.microsoft.com/office/drawing/2014/main" id="{3CD09AA0-4D1F-474A-9C19-86DC013E9A59}"/>
               </a:ext>
             </a:extLst>
           </p:cNvPr>
@@ -1558,7 +1556,7 @@
           <p:cNvPr id="3" name="Text Placeholder 2">
             <a:extLst>
               <a:ext uri="{FF2B5EF4-FFF2-40B4-BE49-F238E27FC236}">
-                <a16:creationId xmlns:a16="http://schemas.microsoft.com/office/drawing/2014/main" xmlns="" id="{91F3219F-C727-479B-83DB-4EA165C4B45D}"/>
+                <a16:creationId xmlns="" xmlns:a16="http://schemas.microsoft.com/office/drawing/2014/main" id="{91F3219F-C727-479B-83DB-4EA165C4B45D}"/>
               </a:ext>
             </a:extLst>
           </p:cNvPr>
@@ -1629,7 +1627,7 @@
           <p:cNvPr id="4" name="Content Placeholder 3">
             <a:extLst>
               <a:ext uri="{FF2B5EF4-FFF2-40B4-BE49-F238E27FC236}">
-                <a16:creationId xmlns:a16="http://schemas.microsoft.com/office/drawing/2014/main" xmlns="" id="{0B5F9D7F-B3B3-4CF6-A6DC-883CCDE8CAEE}"/>
+                <a16:creationId xmlns="" xmlns:a16="http://schemas.microsoft.com/office/drawing/2014/main" id="{0B5F9D7F-B3B3-4CF6-A6DC-883CCDE8CAEE}"/>
               </a:ext>
             </a:extLst>
           </p:cNvPr>
@@ -1692,7 +1690,7 @@
           <p:cNvPr id="5" name="Text Placeholder 4">
             <a:extLst>
               <a:ext uri="{FF2B5EF4-FFF2-40B4-BE49-F238E27FC236}">
-                <a16:creationId xmlns:a16="http://schemas.microsoft.com/office/drawing/2014/main" xmlns="" id="{DEFCBEDD-C372-44B4-950C-9AF99D41D29D}"/>
+                <a16:creationId xmlns="" xmlns:a16="http://schemas.microsoft.com/office/drawing/2014/main" id="{DEFCBEDD-C372-44B4-950C-9AF99D41D29D}"/>
               </a:ext>
             </a:extLst>
           </p:cNvPr>
@@ -1763,7 +1761,7 @@
           <p:cNvPr id="6" name="Content Placeholder 5">
             <a:extLst>
               <a:ext uri="{FF2B5EF4-FFF2-40B4-BE49-F238E27FC236}">
-                <a16:creationId xmlns:a16="http://schemas.microsoft.com/office/drawing/2014/main" xmlns="" id="{D28E9443-B0A9-43E2-BC52-67A8859C024F}"/>
+                <a16:creationId xmlns="" xmlns:a16="http://schemas.microsoft.com/office/drawing/2014/main" id="{D28E9443-B0A9-43E2-BC52-67A8859C024F}"/>
               </a:ext>
             </a:extLst>
           </p:cNvPr>
@@ -1826,7 +1824,7 @@
           <p:cNvPr id="7" name="Date Placeholder 6">
             <a:extLst>
               <a:ext uri="{FF2B5EF4-FFF2-40B4-BE49-F238E27FC236}">
-                <a16:creationId xmlns:a16="http://schemas.microsoft.com/office/drawing/2014/main" xmlns="" id="{4C95295C-7C88-4206-B789-05400A8A04CA}"/>
+                <a16:creationId xmlns="" xmlns:a16="http://schemas.microsoft.com/office/drawing/2014/main" id="{4C95295C-7C88-4206-B789-05400A8A04CA}"/>
               </a:ext>
             </a:extLst>
           </p:cNvPr>
@@ -1844,7 +1842,7 @@
           <a:p>
             <a:fld id="{FAAF9C74-E5B0-4DD2-AEF0-C5B735643AE6}" type="datetimeFigureOut">
               <a:rPr lang="x-none" smtClean="0"/>
-              <a:t>5/15/2022</a:t>
+              <a:t>5/18/2022</a:t>
             </a:fld>
             <a:endParaRPr lang="x-none"/>
           </a:p>
@@ -1855,7 +1853,7 @@
           <p:cNvPr id="8" name="Footer Placeholder 7">
             <a:extLst>
               <a:ext uri="{FF2B5EF4-FFF2-40B4-BE49-F238E27FC236}">
-                <a16:creationId xmlns:a16="http://schemas.microsoft.com/office/drawing/2014/main" xmlns="" id="{C458CA07-8E37-4680-8538-F08E1A7EF544}"/>
+                <a16:creationId xmlns="" xmlns:a16="http://schemas.microsoft.com/office/drawing/2014/main" id="{C458CA07-8E37-4680-8538-F08E1A7EF544}"/>
               </a:ext>
             </a:extLst>
           </p:cNvPr>
@@ -1880,7 +1878,7 @@
           <p:cNvPr id="9" name="Slide Number Placeholder 8">
             <a:extLst>
               <a:ext uri="{FF2B5EF4-FFF2-40B4-BE49-F238E27FC236}">
-                <a16:creationId xmlns:a16="http://schemas.microsoft.com/office/drawing/2014/main" xmlns="" id="{C8D88FB0-F82A-483E-8A96-E177B4ACAB2F}"/>
+                <a16:creationId xmlns="" xmlns:a16="http://schemas.microsoft.com/office/drawing/2014/main" id="{C8D88FB0-F82A-483E-8A96-E177B4ACAB2F}"/>
               </a:ext>
             </a:extLst>
           </p:cNvPr>
@@ -1939,7 +1937,7 @@
           <p:cNvPr id="2" name="Title 1">
             <a:extLst>
               <a:ext uri="{FF2B5EF4-FFF2-40B4-BE49-F238E27FC236}">
-                <a16:creationId xmlns:a16="http://schemas.microsoft.com/office/drawing/2014/main" xmlns="" id="{6EE04D96-9C6C-4A77-97B2-0AB7E2B33E29}"/>
+                <a16:creationId xmlns="" xmlns:a16="http://schemas.microsoft.com/office/drawing/2014/main" id="{6EE04D96-9C6C-4A77-97B2-0AB7E2B33E29}"/>
               </a:ext>
             </a:extLst>
           </p:cNvPr>
@@ -1968,7 +1966,7 @@
           <p:cNvPr id="3" name="Date Placeholder 2">
             <a:extLst>
               <a:ext uri="{FF2B5EF4-FFF2-40B4-BE49-F238E27FC236}">
-                <a16:creationId xmlns:a16="http://schemas.microsoft.com/office/drawing/2014/main" xmlns="" id="{326C7D91-6C38-4AC9-A67E-C3AD91105EAE}"/>
+                <a16:creationId xmlns="" xmlns:a16="http://schemas.microsoft.com/office/drawing/2014/main" id="{326C7D91-6C38-4AC9-A67E-C3AD91105EAE}"/>
               </a:ext>
             </a:extLst>
           </p:cNvPr>
@@ -1986,7 +1984,7 @@
           <a:p>
             <a:fld id="{FAAF9C74-E5B0-4DD2-AEF0-C5B735643AE6}" type="datetimeFigureOut">
               <a:rPr lang="x-none" smtClean="0"/>
-              <a:t>5/15/2022</a:t>
+              <a:t>5/18/2022</a:t>
             </a:fld>
             <a:endParaRPr lang="x-none"/>
           </a:p>
@@ -1997,7 +1995,7 @@
           <p:cNvPr id="4" name="Footer Placeholder 3">
             <a:extLst>
               <a:ext uri="{FF2B5EF4-FFF2-40B4-BE49-F238E27FC236}">
-                <a16:creationId xmlns:a16="http://schemas.microsoft.com/office/drawing/2014/main" xmlns="" id="{CB45B167-0F0F-4382-BEE6-A7ED561DF8D7}"/>
+                <a16:creationId xmlns="" xmlns:a16="http://schemas.microsoft.com/office/drawing/2014/main" id="{CB45B167-0F0F-4382-BEE6-A7ED561DF8D7}"/>
               </a:ext>
             </a:extLst>
           </p:cNvPr>
@@ -2022,7 +2020,7 @@
           <p:cNvPr id="5" name="Slide Number Placeholder 4">
             <a:extLst>
               <a:ext uri="{FF2B5EF4-FFF2-40B4-BE49-F238E27FC236}">
-                <a16:creationId xmlns:a16="http://schemas.microsoft.com/office/drawing/2014/main" xmlns="" id="{99FF2E05-0562-4244-98B9-F98A4287DF02}"/>
+                <a16:creationId xmlns="" xmlns:a16="http://schemas.microsoft.com/office/drawing/2014/main" id="{99FF2E05-0562-4244-98B9-F98A4287DF02}"/>
               </a:ext>
             </a:extLst>
           </p:cNvPr>
@@ -2081,7 +2079,7 @@
           <p:cNvPr id="2" name="Date Placeholder 1">
             <a:extLst>
               <a:ext uri="{FF2B5EF4-FFF2-40B4-BE49-F238E27FC236}">
-                <a16:creationId xmlns:a16="http://schemas.microsoft.com/office/drawing/2014/main" xmlns="" id="{F6BD84BA-4BD5-4E66-BF75-31DAC4E78705}"/>
+                <a16:creationId xmlns="" xmlns:a16="http://schemas.microsoft.com/office/drawing/2014/main" id="{F6BD84BA-4BD5-4E66-BF75-31DAC4E78705}"/>
               </a:ext>
             </a:extLst>
           </p:cNvPr>
@@ -2099,7 +2097,7 @@
           <a:p>
             <a:fld id="{FAAF9C74-E5B0-4DD2-AEF0-C5B735643AE6}" type="datetimeFigureOut">
               <a:rPr lang="x-none" smtClean="0"/>
-              <a:t>5/15/2022</a:t>
+              <a:t>5/18/2022</a:t>
             </a:fld>
             <a:endParaRPr lang="x-none"/>
           </a:p>
@@ -2110,7 +2108,7 @@
           <p:cNvPr id="3" name="Footer Placeholder 2">
             <a:extLst>
               <a:ext uri="{FF2B5EF4-FFF2-40B4-BE49-F238E27FC236}">
-                <a16:creationId xmlns:a16="http://schemas.microsoft.com/office/drawing/2014/main" xmlns="" id="{C41FB38D-492F-4F19-8863-473D5D24C471}"/>
+                <a16:creationId xmlns="" xmlns:a16="http://schemas.microsoft.com/office/drawing/2014/main" id="{C41FB38D-492F-4F19-8863-473D5D24C471}"/>
               </a:ext>
             </a:extLst>
           </p:cNvPr>
@@ -2135,7 +2133,7 @@
           <p:cNvPr id="4" name="Slide Number Placeholder 3">
             <a:extLst>
               <a:ext uri="{FF2B5EF4-FFF2-40B4-BE49-F238E27FC236}">
-                <a16:creationId xmlns:a16="http://schemas.microsoft.com/office/drawing/2014/main" xmlns="" id="{D206EBE9-5316-4E87-AC74-19DFF1BF4C81}"/>
+                <a16:creationId xmlns="" xmlns:a16="http://schemas.microsoft.com/office/drawing/2014/main" id="{D206EBE9-5316-4E87-AC74-19DFF1BF4C81}"/>
               </a:ext>
             </a:extLst>
           </p:cNvPr>
@@ -2194,7 +2192,7 @@
           <p:cNvPr id="2" name="Title 1">
             <a:extLst>
               <a:ext uri="{FF2B5EF4-FFF2-40B4-BE49-F238E27FC236}">
-                <a16:creationId xmlns:a16="http://schemas.microsoft.com/office/drawing/2014/main" xmlns="" id="{08F77C52-6772-433C-8A95-6158AFD10E9B}"/>
+                <a16:creationId xmlns="" xmlns:a16="http://schemas.microsoft.com/office/drawing/2014/main" id="{08F77C52-6772-433C-8A95-6158AFD10E9B}"/>
               </a:ext>
             </a:extLst>
           </p:cNvPr>
@@ -2232,7 +2230,7 @@
           <p:cNvPr id="3" name="Content Placeholder 2">
             <a:extLst>
               <a:ext uri="{FF2B5EF4-FFF2-40B4-BE49-F238E27FC236}">
-                <a16:creationId xmlns:a16="http://schemas.microsoft.com/office/drawing/2014/main" xmlns="" id="{7D32DC69-8AD2-43B2-AB6A-83C7172D8D52}"/>
+                <a16:creationId xmlns="" xmlns:a16="http://schemas.microsoft.com/office/drawing/2014/main" id="{7D32DC69-8AD2-43B2-AB6A-83C7172D8D52}"/>
               </a:ext>
             </a:extLst>
           </p:cNvPr>
@@ -2323,7 +2321,7 @@
           <p:cNvPr id="4" name="Text Placeholder 3">
             <a:extLst>
               <a:ext uri="{FF2B5EF4-FFF2-40B4-BE49-F238E27FC236}">
-                <a16:creationId xmlns:a16="http://schemas.microsoft.com/office/drawing/2014/main" xmlns="" id="{E3FBC631-F135-4397-BB52-65DCF1CA8942}"/>
+                <a16:creationId xmlns="" xmlns:a16="http://schemas.microsoft.com/office/drawing/2014/main" id="{E3FBC631-F135-4397-BB52-65DCF1CA8942}"/>
               </a:ext>
             </a:extLst>
           </p:cNvPr>
@@ -2394,7 +2392,7 @@
           <p:cNvPr id="5" name="Date Placeholder 4">
             <a:extLst>
               <a:ext uri="{FF2B5EF4-FFF2-40B4-BE49-F238E27FC236}">
-                <a16:creationId xmlns:a16="http://schemas.microsoft.com/office/drawing/2014/main" xmlns="" id="{B5D43D24-4F23-4E8F-9920-DA91C53AF888}"/>
+                <a16:creationId xmlns="" xmlns:a16="http://schemas.microsoft.com/office/drawing/2014/main" id="{B5D43D24-4F23-4E8F-9920-DA91C53AF888}"/>
               </a:ext>
             </a:extLst>
           </p:cNvPr>
@@ -2412,7 +2410,7 @@
           <a:p>
             <a:fld id="{FAAF9C74-E5B0-4DD2-AEF0-C5B735643AE6}" type="datetimeFigureOut">
               <a:rPr lang="x-none" smtClean="0"/>
-              <a:t>5/15/2022</a:t>
+              <a:t>5/18/2022</a:t>
             </a:fld>
             <a:endParaRPr lang="x-none"/>
           </a:p>
@@ -2423,7 +2421,7 @@
           <p:cNvPr id="6" name="Footer Placeholder 5">
             <a:extLst>
               <a:ext uri="{FF2B5EF4-FFF2-40B4-BE49-F238E27FC236}">
-                <a16:creationId xmlns:a16="http://schemas.microsoft.com/office/drawing/2014/main" xmlns="" id="{BD1933B6-4DE7-425D-93CF-144271AE412B}"/>
+                <a16:creationId xmlns="" xmlns:a16="http://schemas.microsoft.com/office/drawing/2014/main" id="{BD1933B6-4DE7-425D-93CF-144271AE412B}"/>
               </a:ext>
             </a:extLst>
           </p:cNvPr>
@@ -2448,7 +2446,7 @@
           <p:cNvPr id="7" name="Slide Number Placeholder 6">
             <a:extLst>
               <a:ext uri="{FF2B5EF4-FFF2-40B4-BE49-F238E27FC236}">
-                <a16:creationId xmlns:a16="http://schemas.microsoft.com/office/drawing/2014/main" xmlns="" id="{0163CA70-86CE-40FE-AB5C-FBD1124EE56C}"/>
+                <a16:creationId xmlns="" xmlns:a16="http://schemas.microsoft.com/office/drawing/2014/main" id="{0163CA70-86CE-40FE-AB5C-FBD1124EE56C}"/>
               </a:ext>
             </a:extLst>
           </p:cNvPr>
@@ -2507,7 +2505,7 @@
           <p:cNvPr id="2" name="Title 1">
             <a:extLst>
               <a:ext uri="{FF2B5EF4-FFF2-40B4-BE49-F238E27FC236}">
-                <a16:creationId xmlns:a16="http://schemas.microsoft.com/office/drawing/2014/main" xmlns="" id="{9B35B7BE-6B80-4BF0-8B59-CBD331B511BD}"/>
+                <a16:creationId xmlns="" xmlns:a16="http://schemas.microsoft.com/office/drawing/2014/main" id="{9B35B7BE-6B80-4BF0-8B59-CBD331B511BD}"/>
               </a:ext>
             </a:extLst>
           </p:cNvPr>
@@ -2545,7 +2543,7 @@
           <p:cNvPr id="3" name="Picture Placeholder 2">
             <a:extLst>
               <a:ext uri="{FF2B5EF4-FFF2-40B4-BE49-F238E27FC236}">
-                <a16:creationId xmlns:a16="http://schemas.microsoft.com/office/drawing/2014/main" xmlns="" id="{789F51FB-1A4D-4D1C-B8A0-97EA4F4663F2}"/>
+                <a16:creationId xmlns="" xmlns:a16="http://schemas.microsoft.com/office/drawing/2014/main" id="{789F51FB-1A4D-4D1C-B8A0-97EA4F4663F2}"/>
               </a:ext>
             </a:extLst>
           </p:cNvPr>
@@ -2612,7 +2610,7 @@
           <p:cNvPr id="4" name="Text Placeholder 3">
             <a:extLst>
               <a:ext uri="{FF2B5EF4-FFF2-40B4-BE49-F238E27FC236}">
-                <a16:creationId xmlns:a16="http://schemas.microsoft.com/office/drawing/2014/main" xmlns="" id="{95613B1A-03B4-49D4-A480-0D881501CCCF}"/>
+                <a16:creationId xmlns="" xmlns:a16="http://schemas.microsoft.com/office/drawing/2014/main" id="{95613B1A-03B4-49D4-A480-0D881501CCCF}"/>
               </a:ext>
             </a:extLst>
           </p:cNvPr>
@@ -2683,7 +2681,7 @@
           <p:cNvPr id="5" name="Date Placeholder 4">
             <a:extLst>
               <a:ext uri="{FF2B5EF4-FFF2-40B4-BE49-F238E27FC236}">
-                <a16:creationId xmlns:a16="http://schemas.microsoft.com/office/drawing/2014/main" xmlns="" id="{980E8C46-7DE3-4462-ABA1-0F6AF3ED1011}"/>
+                <a16:creationId xmlns="" xmlns:a16="http://schemas.microsoft.com/office/drawing/2014/main" id="{980E8C46-7DE3-4462-ABA1-0F6AF3ED1011}"/>
               </a:ext>
             </a:extLst>
           </p:cNvPr>
@@ -2701,7 +2699,7 @@
           <a:p>
             <a:fld id="{FAAF9C74-E5B0-4DD2-AEF0-C5B735643AE6}" type="datetimeFigureOut">
               <a:rPr lang="x-none" smtClean="0"/>
-              <a:t>5/15/2022</a:t>
+              <a:t>5/18/2022</a:t>
             </a:fld>
             <a:endParaRPr lang="x-none"/>
           </a:p>
@@ -2712,7 +2710,7 @@
           <p:cNvPr id="6" name="Footer Placeholder 5">
             <a:extLst>
               <a:ext uri="{FF2B5EF4-FFF2-40B4-BE49-F238E27FC236}">
-                <a16:creationId xmlns:a16="http://schemas.microsoft.com/office/drawing/2014/main" xmlns="" id="{F50EAE55-51BA-4970-9FD2-84052023AF68}"/>
+                <a16:creationId xmlns="" xmlns:a16="http://schemas.microsoft.com/office/drawing/2014/main" id="{F50EAE55-51BA-4970-9FD2-84052023AF68}"/>
               </a:ext>
             </a:extLst>
           </p:cNvPr>
@@ -2737,7 +2735,7 @@
           <p:cNvPr id="7" name="Slide Number Placeholder 6">
             <a:extLst>
               <a:ext uri="{FF2B5EF4-FFF2-40B4-BE49-F238E27FC236}">
-                <a16:creationId xmlns:a16="http://schemas.microsoft.com/office/drawing/2014/main" xmlns="" id="{44950360-CD3A-46CA-BB24-3843F296015C}"/>
+                <a16:creationId xmlns="" xmlns:a16="http://schemas.microsoft.com/office/drawing/2014/main" id="{44950360-CD3A-46CA-BB24-3843F296015C}"/>
               </a:ext>
             </a:extLst>
           </p:cNvPr>
@@ -2804,7 +2802,7 @@
           <p:cNvPr id="2" name="Title Placeholder 1">
             <a:extLst>
               <a:ext uri="{FF2B5EF4-FFF2-40B4-BE49-F238E27FC236}">
-                <a16:creationId xmlns:a16="http://schemas.microsoft.com/office/drawing/2014/main" xmlns="" id="{53B6B282-DDAB-49F4-A469-9DE4065BF1E3}"/>
+                <a16:creationId xmlns="" xmlns:a16="http://schemas.microsoft.com/office/drawing/2014/main" id="{53B6B282-DDAB-49F4-A469-9DE4065BF1E3}"/>
               </a:ext>
             </a:extLst>
           </p:cNvPr>
@@ -2843,7 +2841,7 @@
           <p:cNvPr id="3" name="Text Placeholder 2">
             <a:extLst>
               <a:ext uri="{FF2B5EF4-FFF2-40B4-BE49-F238E27FC236}">
-                <a16:creationId xmlns:a16="http://schemas.microsoft.com/office/drawing/2014/main" xmlns="" id="{B4EEAD3F-03DC-46E9-AE2E-85570A49AF71}"/>
+                <a16:creationId xmlns="" xmlns:a16="http://schemas.microsoft.com/office/drawing/2014/main" id="{B4EEAD3F-03DC-46E9-AE2E-85570A49AF71}"/>
               </a:ext>
             </a:extLst>
           </p:cNvPr>
@@ -2911,7 +2909,7 @@
           <p:cNvPr id="4" name="Date Placeholder 3">
             <a:extLst>
               <a:ext uri="{FF2B5EF4-FFF2-40B4-BE49-F238E27FC236}">
-                <a16:creationId xmlns:a16="http://schemas.microsoft.com/office/drawing/2014/main" xmlns="" id="{2CC4198D-6649-4F99-B88D-9639E7DF122C}"/>
+                <a16:creationId xmlns="" xmlns:a16="http://schemas.microsoft.com/office/drawing/2014/main" id="{2CC4198D-6649-4F99-B88D-9639E7DF122C}"/>
               </a:ext>
             </a:extLst>
           </p:cNvPr>
@@ -2947,7 +2945,7 @@
           <a:p>
             <a:fld id="{FAAF9C74-E5B0-4DD2-AEF0-C5B735643AE6}" type="datetimeFigureOut">
               <a:rPr lang="x-none" smtClean="0"/>
-              <a:t>5/15/2022</a:t>
+              <a:t>5/18/2022</a:t>
             </a:fld>
             <a:endParaRPr lang="x-none"/>
           </a:p>
@@ -2958,7 +2956,7 @@
           <p:cNvPr id="5" name="Footer Placeholder 4">
             <a:extLst>
               <a:ext uri="{FF2B5EF4-FFF2-40B4-BE49-F238E27FC236}">
-                <a16:creationId xmlns:a16="http://schemas.microsoft.com/office/drawing/2014/main" xmlns="" id="{358A2839-A863-4C75-9328-C35763765098}"/>
+                <a16:creationId xmlns="" xmlns:a16="http://schemas.microsoft.com/office/drawing/2014/main" id="{358A2839-A863-4C75-9328-C35763765098}"/>
               </a:ext>
             </a:extLst>
           </p:cNvPr>
@@ -3001,7 +2999,7 @@
           <p:cNvPr id="6" name="Slide Number Placeholder 5">
             <a:extLst>
               <a:ext uri="{FF2B5EF4-FFF2-40B4-BE49-F238E27FC236}">
-                <a16:creationId xmlns:a16="http://schemas.microsoft.com/office/drawing/2014/main" xmlns="" id="{B08220B8-72C7-4F54-BF1E-7329D227A448}"/>
+                <a16:creationId xmlns="" xmlns:a16="http://schemas.microsoft.com/office/drawing/2014/main" id="{B08220B8-72C7-4F54-BF1E-7329D227A448}"/>
               </a:ext>
             </a:extLst>
           </p:cNvPr>
@@ -3369,7 +3367,7 @@
           <p:cNvPr id="2" name="Title 1">
             <a:extLst>
               <a:ext uri="{FF2B5EF4-FFF2-40B4-BE49-F238E27FC236}">
-                <a16:creationId xmlns:a16="http://schemas.microsoft.com/office/drawing/2014/main" xmlns="" id="{2937E622-18FB-4DF4-BB44-135388FA16C5}"/>
+                <a16:creationId xmlns="" xmlns:a16="http://schemas.microsoft.com/office/drawing/2014/main" id="{2937E622-18FB-4DF4-BB44-135388FA16C5}"/>
               </a:ext>
             </a:extLst>
           </p:cNvPr>
@@ -3416,7 +3414,7 @@
           <p:cNvPr id="4" name="TextBox 3">
             <a:extLst>
               <a:ext uri="{FF2B5EF4-FFF2-40B4-BE49-F238E27FC236}">
-                <a16:creationId xmlns:a16="http://schemas.microsoft.com/office/drawing/2014/main" xmlns="" id="{CD6BD5BD-0426-48E3-9BD4-35299655E531}"/>
+                <a16:creationId xmlns="" xmlns:a16="http://schemas.microsoft.com/office/drawing/2014/main" id="{CD6BD5BD-0426-48E3-9BD4-35299655E531}"/>
               </a:ext>
             </a:extLst>
           </p:cNvPr>
@@ -3462,7 +3460,7 @@
           <p:cNvPr id="6" name="TextBox 5">
             <a:extLst>
               <a:ext uri="{FF2B5EF4-FFF2-40B4-BE49-F238E27FC236}">
-                <a16:creationId xmlns:a16="http://schemas.microsoft.com/office/drawing/2014/main" xmlns="" id="{3FA0123F-39E2-4412-BFC4-1D87223B3FCB}"/>
+                <a16:creationId xmlns="" xmlns:a16="http://schemas.microsoft.com/office/drawing/2014/main" id="{3FA0123F-39E2-4412-BFC4-1D87223B3FCB}"/>
               </a:ext>
             </a:extLst>
           </p:cNvPr>
@@ -3535,7 +3533,7 @@
           <p:cNvPr id="10" name="Picture 9">
             <a:extLst>
               <a:ext uri="{FF2B5EF4-FFF2-40B4-BE49-F238E27FC236}">
-                <a16:creationId xmlns:a16="http://schemas.microsoft.com/office/drawing/2014/main" xmlns="" id="{76E15F87-3F85-4BC5-8A23-D465632F3EEC}"/>
+                <a16:creationId xmlns="" xmlns:a16="http://schemas.microsoft.com/office/drawing/2014/main" id="{76E15F87-3F85-4BC5-8A23-D465632F3EEC}"/>
               </a:ext>
             </a:extLst>
           </p:cNvPr>
@@ -3570,7 +3568,7 @@
           <p:cNvPr id="14" name="TextBox 13">
             <a:extLst>
               <a:ext uri="{FF2B5EF4-FFF2-40B4-BE49-F238E27FC236}">
-                <a16:creationId xmlns:a16="http://schemas.microsoft.com/office/drawing/2014/main" xmlns="" id="{2DD5F139-9B5B-4960-B8DA-C786145B219B}"/>
+                <a16:creationId xmlns="" xmlns:a16="http://schemas.microsoft.com/office/drawing/2014/main" id="{2DD5F139-9B5B-4960-B8DA-C786145B219B}"/>
               </a:ext>
             </a:extLst>
           </p:cNvPr>
@@ -3648,7 +3646,7 @@
           <p:cNvPr id="18" name="Content Placeholder 12">
             <a:extLst>
               <a:ext uri="{FF2B5EF4-FFF2-40B4-BE49-F238E27FC236}">
-                <a16:creationId xmlns:a16="http://schemas.microsoft.com/office/drawing/2014/main" xmlns="" id="{C4A49D2A-4082-45B0-928E-9B51AB6D46B9}"/>
+                <a16:creationId xmlns="" xmlns:a16="http://schemas.microsoft.com/office/drawing/2014/main" id="{C4A49D2A-4082-45B0-928E-9B51AB6D46B9}"/>
               </a:ext>
             </a:extLst>
           </p:cNvPr>
@@ -3683,7 +3681,7 @@
           <p:cNvPr id="20" name="TextBox 19">
             <a:extLst>
               <a:ext uri="{FF2B5EF4-FFF2-40B4-BE49-F238E27FC236}">
-                <a16:creationId xmlns:a16="http://schemas.microsoft.com/office/drawing/2014/main" xmlns="" id="{640B383B-A8E3-4968-820E-3A53DB7BA425}"/>
+                <a16:creationId xmlns="" xmlns:a16="http://schemas.microsoft.com/office/drawing/2014/main" id="{640B383B-A8E3-4968-820E-3A53DB7BA425}"/>
               </a:ext>
             </a:extLst>
           </p:cNvPr>
@@ -3713,7 +3711,7 @@
                 </a:solidFill>
                 <a:latin typeface="Montserrat" panose="00000500000000000000" pitchFamily="2" charset="0"/>
               </a:rPr>
-              <a:t>4</a:t>
+              <a:t>?</a:t>
             </a:r>
             <a:endParaRPr lang="x-none" sz="2400" b="1" dirty="0">
               <a:solidFill>
@@ -3729,7 +3727,7 @@
           <p:cNvPr id="22" name="TextBox 21">
             <a:extLst>
               <a:ext uri="{FF2B5EF4-FFF2-40B4-BE49-F238E27FC236}">
-                <a16:creationId xmlns:a16="http://schemas.microsoft.com/office/drawing/2014/main" xmlns="" id="{6CDFA706-9F39-4DAC-B205-3B6EBDD1EC4F}"/>
+                <a16:creationId xmlns="" xmlns:a16="http://schemas.microsoft.com/office/drawing/2014/main" id="{6CDFA706-9F39-4DAC-B205-3B6EBDD1EC4F}"/>
               </a:ext>
             </a:extLst>
           </p:cNvPr>
@@ -3739,7 +3737,7 @@
         <p:spPr>
           <a:xfrm>
             <a:off x="0" y="6354117"/>
-            <a:ext cx="6908800" cy="461665"/>
+            <a:ext cx="6096000" cy="461665"/>
           </a:xfrm>
           <a:prstGeom prst="rect">
             <a:avLst/>
@@ -3759,7 +3757,7 @@
                 </a:solidFill>
                 <a:latin typeface="Montserrat" panose="00000500000000000000" pitchFamily="2" charset="0"/>
               </a:rPr>
-              <a:t>Theory: Lattice-Boltzmann Equation (LBE)</a:t>
+              <a:t>Results: Validating dynamics</a:t>
             </a:r>
             <a:endParaRPr lang="x-none" sz="2400" dirty="0"/>
           </a:p>
@@ -3768,7 +3766,7 @@
     </p:spTree>
     <p:extLst>
       <p:ext uri="{BB962C8B-B14F-4D97-AF65-F5344CB8AC3E}">
-        <p14:creationId xmlns:p14="http://schemas.microsoft.com/office/powerpoint/2010/main" val="371374865"/>
+        <p14:creationId xmlns:p14="http://schemas.microsoft.com/office/powerpoint/2010/main" val="674098658"/>
       </p:ext>
     </p:extLst>
   </p:cSld>
@@ -3807,7 +3805,7 @@
           <p:cNvPr id="18" name="Content Placeholder 12">
             <a:extLst>
               <a:ext uri="{FF2B5EF4-FFF2-40B4-BE49-F238E27FC236}">
-                <a16:creationId xmlns:a16="http://schemas.microsoft.com/office/drawing/2014/main" xmlns="" id="{C4A49D2A-4082-45B0-928E-9B51AB6D46B9}"/>
+                <a16:creationId xmlns="" xmlns:a16="http://schemas.microsoft.com/office/drawing/2014/main" id="{C4A49D2A-4082-45B0-928E-9B51AB6D46B9}"/>
               </a:ext>
             </a:extLst>
           </p:cNvPr>
@@ -3842,7 +3840,7 @@
           <p:cNvPr id="20" name="TextBox 19">
             <a:extLst>
               <a:ext uri="{FF2B5EF4-FFF2-40B4-BE49-F238E27FC236}">
-                <a16:creationId xmlns:a16="http://schemas.microsoft.com/office/drawing/2014/main" xmlns="" id="{640B383B-A8E3-4968-820E-3A53DB7BA425}"/>
+                <a16:creationId xmlns="" xmlns:a16="http://schemas.microsoft.com/office/drawing/2014/main" id="{640B383B-A8E3-4968-820E-3A53DB7BA425}"/>
               </a:ext>
             </a:extLst>
           </p:cNvPr>
@@ -3872,7 +3870,7 @@
                 </a:solidFill>
                 <a:latin typeface="Montserrat" panose="00000500000000000000" pitchFamily="2" charset="0"/>
               </a:rPr>
-              <a:t>4</a:t>
+              <a:t>?</a:t>
             </a:r>
             <a:endParaRPr lang="x-none" sz="2400" b="1" dirty="0">
               <a:solidFill>
@@ -3888,7 +3886,7 @@
           <p:cNvPr id="22" name="TextBox 21">
             <a:extLst>
               <a:ext uri="{FF2B5EF4-FFF2-40B4-BE49-F238E27FC236}">
-                <a16:creationId xmlns:a16="http://schemas.microsoft.com/office/drawing/2014/main" xmlns="" id="{6CDFA706-9F39-4DAC-B205-3B6EBDD1EC4F}"/>
+                <a16:creationId xmlns="" xmlns:a16="http://schemas.microsoft.com/office/drawing/2014/main" id="{6CDFA706-9F39-4DAC-B205-3B6EBDD1EC4F}"/>
               </a:ext>
             </a:extLst>
           </p:cNvPr>
@@ -3898,7 +3896,7 @@
         <p:spPr>
           <a:xfrm>
             <a:off x="0" y="6354117"/>
-            <a:ext cx="7531100" cy="461665"/>
+            <a:ext cx="6096000" cy="461665"/>
           </a:xfrm>
           <a:prstGeom prst="rect">
             <a:avLst/>
@@ -3918,7 +3916,7 @@
                 </a:solidFill>
                 <a:latin typeface="Montserrat" panose="00000500000000000000" pitchFamily="2" charset="0"/>
               </a:rPr>
-              <a:t>Theory: Moment space and the LBE -&gt; GLBE</a:t>
+              <a:t>Conclusion / Summary</a:t>
             </a:r>
             <a:endParaRPr lang="x-none" sz="2400" dirty="0"/>
           </a:p>
@@ -3927,7 +3925,7 @@
     </p:spTree>
     <p:extLst>
       <p:ext uri="{BB962C8B-B14F-4D97-AF65-F5344CB8AC3E}">
-        <p14:creationId xmlns:p14="http://schemas.microsoft.com/office/powerpoint/2010/main" val="2299196922"/>
+        <p14:creationId xmlns:p14="http://schemas.microsoft.com/office/powerpoint/2010/main" val="1918364905"/>
       </p:ext>
     </p:extLst>
   </p:cSld>
@@ -3966,7 +3964,7 @@
           <p:cNvPr id="18" name="Content Placeholder 12">
             <a:extLst>
               <a:ext uri="{FF2B5EF4-FFF2-40B4-BE49-F238E27FC236}">
-                <a16:creationId xmlns:a16="http://schemas.microsoft.com/office/drawing/2014/main" xmlns="" id="{C4A49D2A-4082-45B0-928E-9B51AB6D46B9}"/>
+                <a16:creationId xmlns="" xmlns:a16="http://schemas.microsoft.com/office/drawing/2014/main" id="{C4A49D2A-4082-45B0-928E-9B51AB6D46B9}"/>
               </a:ext>
             </a:extLst>
           </p:cNvPr>
@@ -3988,8 +3986,8 @@
         </p:blipFill>
         <p:spPr>
           <a:xfrm>
-            <a:off x="0" y="6311900"/>
-            <a:ext cx="12192000" cy="546100"/>
+            <a:off x="0" y="5852160"/>
+            <a:ext cx="12192000" cy="1005839"/>
           </a:xfrm>
           <a:prstGeom prst="rect">
             <a:avLst/>
@@ -3998,10 +3996,76 @@
       </p:pic>
       <p:sp>
         <p:nvSpPr>
-          <p:cNvPr id="20" name="TextBox 19">
-            <a:extLst>
-              <a:ext uri="{FF2B5EF4-FFF2-40B4-BE49-F238E27FC236}">
-                <a16:creationId xmlns:a16="http://schemas.microsoft.com/office/drawing/2014/main" xmlns="" id="{640B383B-A8E3-4968-820E-3A53DB7BA425}"/>
+          <p:cNvPr id="7" name="Title 1">
+            <a:extLst>
+              <a:ext uri="{FF2B5EF4-FFF2-40B4-BE49-F238E27FC236}">
+                <a16:creationId xmlns="" xmlns:a16="http://schemas.microsoft.com/office/drawing/2014/main" id="{AB2D229F-C817-47CA-AD1A-7BF83C0C7A4E}"/>
+              </a:ext>
+            </a:extLst>
+          </p:cNvPr>
+          <p:cNvSpPr txBox="1">
+            <a:spLocks/>
+          </p:cNvSpPr>
+          <p:nvPr/>
+        </p:nvSpPr>
+        <p:spPr>
+          <a:xfrm>
+            <a:off x="735873" y="1336601"/>
+            <a:ext cx="10981509" cy="1373189"/>
+          </a:xfrm>
+          <a:prstGeom prst="rect">
+            <a:avLst/>
+          </a:prstGeom>
+        </p:spPr>
+        <p:txBody>
+          <a:bodyPr vert="horz" lIns="91440" tIns="45720" rIns="91440" bIns="45720" rtlCol="0" anchor="ctr">
+            <a:normAutofit fontScale="97500"/>
+          </a:bodyPr>
+          <a:lstStyle>
+            <a:lvl1pPr algn="l" defTabSz="914400" rtl="0" eaLnBrk="1" latinLnBrk="0" hangingPunct="1">
+              <a:lnSpc>
+                <a:spcPct val="90000"/>
+              </a:lnSpc>
+              <a:spcBef>
+                <a:spcPct val="0"/>
+              </a:spcBef>
+              <a:buNone/>
+              <a:defRPr sz="4400" kern="1200">
+                <a:solidFill>
+                  <a:schemeClr val="tx1"/>
+                </a:solidFill>
+                <a:latin typeface="+mj-lt"/>
+                <a:ea typeface="+mj-ea"/>
+                <a:cs typeface="+mj-cs"/>
+              </a:defRPr>
+            </a:lvl1pPr>
+          </a:lstStyle>
+          <a:p>
+            <a:pPr algn="ctr"/>
+            <a:r>
+              <a:rPr lang="en-GB" sz="3600" b="1" dirty="0">
+                <a:solidFill>
+                  <a:schemeClr val="bg1"/>
+                </a:solidFill>
+                <a:latin typeface="Montserrat" panose="00000500000000000000" pitchFamily="2" charset="0"/>
+              </a:rPr>
+              <a:t>Simulation of Kelvin-Helmholtz instabilities using generalized lattice-Boltzmann methods</a:t>
+            </a:r>
+            <a:endParaRPr lang="x-none" sz="3600" b="1" dirty="0">
+              <a:solidFill>
+                <a:schemeClr val="bg1"/>
+              </a:solidFill>
+              <a:latin typeface="Montserrat" panose="00000500000000000000" pitchFamily="2" charset="0"/>
+            </a:endParaRPr>
+          </a:p>
+        </p:txBody>
+      </p:sp>
+      <p:sp>
+        <p:nvSpPr>
+          <p:cNvPr id="9" name="TextBox 8">
+            <a:extLst>
+              <a:ext uri="{FF2B5EF4-FFF2-40B4-BE49-F238E27FC236}">
+                <a16:creationId xmlns="" xmlns:a16="http://schemas.microsoft.com/office/drawing/2014/main" id="{2CEB48B2-8AFE-49DD-A4FB-D01912ACBF6F}"/>
               </a:ext>
             </a:extLst>
           </p:cNvPr>
@@ -4010,8 +4074,8 @@
         </p:nvSpPr>
         <p:spPr>
           <a:xfrm>
-            <a:off x="11621769" y="6311900"/>
-            <a:ext cx="430531" cy="461665"/>
+            <a:off x="130629" y="5932481"/>
+            <a:ext cx="6096000" cy="830997"/>
           </a:xfrm>
           <a:prstGeom prst="rect">
             <a:avLst/>
@@ -4019,19 +4083,57 @@
           <a:noFill/>
         </p:spPr>
         <p:txBody>
-          <a:bodyPr wrap="square" rtlCol="0">
+          <a:bodyPr wrap="square">
             <a:spAutoFit/>
           </a:bodyPr>
           <a:lstStyle/>
           <a:p>
             <a:r>
-              <a:rPr lang="en-GB" sz="2400" b="1" dirty="0">
+              <a:rPr lang="en-GB" sz="2400" dirty="0">
                 <a:solidFill>
                   <a:schemeClr val="bg1"/>
                 </a:solidFill>
                 <a:latin typeface="Montserrat" panose="00000500000000000000" pitchFamily="2" charset="0"/>
               </a:rPr>
-              <a:t>?</a:t>
+              <a:t>Thomas </a:t>
+            </a:r>
+            <a:r>
+              <a:rPr lang="en-GB" sz="2400" b="1" dirty="0">
+                <a:solidFill>
+                  <a:schemeClr val="bg1"/>
+                </a:solidFill>
+                <a:latin typeface="Montserrat" panose="00000500000000000000" pitchFamily="2" charset="0"/>
+              </a:rPr>
+              <a:t>Rothe</a:t>
+            </a:r>
+            <a:r>
+              <a:rPr lang="en-GB" sz="2400" dirty="0">
+                <a:solidFill>
+                  <a:schemeClr val="bg1"/>
+                </a:solidFill>
+                <a:latin typeface="Montserrat" panose="00000500000000000000" pitchFamily="2" charset="0"/>
+              </a:rPr>
+              <a:t> </a:t>
+            </a:r>
+          </a:p>
+          <a:p>
+            <a:r>
+              <a:rPr lang="en-GB" sz="2400" dirty="0">
+                <a:solidFill>
+                  <a:schemeClr val="bg1"/>
+                </a:solidFill>
+                <a:latin typeface="Montserrat" panose="00000500000000000000" pitchFamily="2" charset="0"/>
+              </a:rPr>
+              <a:t>Vincent </a:t>
+            </a:r>
+            <a:r>
+              <a:rPr lang="en-GB" sz="2400" b="1" dirty="0" err="1">
+                <a:solidFill>
+                  <a:schemeClr val="bg1"/>
+                </a:solidFill>
+                <a:latin typeface="Montserrat" panose="00000500000000000000" pitchFamily="2" charset="0"/>
+              </a:rPr>
+              <a:t>Krabbenborg</a:t>
             </a:r>
             <a:endParaRPr lang="x-none" sz="2400" b="1" dirty="0">
               <a:solidFill>
@@ -4042,12 +4144,48 @@
           </a:p>
         </p:txBody>
       </p:sp>
-      <p:sp>
-        <p:nvSpPr>
-          <p:cNvPr id="22" name="TextBox 21">
-            <a:extLst>
-              <a:ext uri="{FF2B5EF4-FFF2-40B4-BE49-F238E27FC236}">
-                <a16:creationId xmlns:a16="http://schemas.microsoft.com/office/drawing/2014/main" xmlns="" id="{6CDFA706-9F39-4DAC-B205-3B6EBDD1EC4F}"/>
+      <p:pic>
+        <p:nvPicPr>
+          <p:cNvPr id="10" name="Picture 9" descr="A silhouette of a person&#10;&#10;Description automatically generated with low confidence">
+            <a:extLst>
+              <a:ext uri="{FF2B5EF4-FFF2-40B4-BE49-F238E27FC236}">
+                <a16:creationId xmlns="" xmlns:a16="http://schemas.microsoft.com/office/drawing/2014/main" id="{7A35C135-8847-4BA7-86A0-41CE197758BC}"/>
+              </a:ext>
+            </a:extLst>
+          </p:cNvPr>
+          <p:cNvPicPr>
+            <a:picLocks noChangeAspect="1"/>
+          </p:cNvPicPr>
+          <p:nvPr/>
+        </p:nvPicPr>
+        <p:blipFill>
+          <a:blip r:embed="rId3">
+            <a:extLst>
+              <a:ext uri="{28A0092B-C50C-407E-A947-70E740481C1C}">
+                <a14:useLocalDpi xmlns:a14="http://schemas.microsoft.com/office/drawing/2010/main" val="0"/>
+              </a:ext>
+            </a:extLst>
+          </a:blip>
+          <a:stretch>
+            <a:fillRect/>
+          </a:stretch>
+        </p:blipFill>
+        <p:spPr>
+          <a:xfrm>
+            <a:off x="6226628" y="6080386"/>
+            <a:ext cx="535186" cy="535186"/>
+          </a:xfrm>
+          <a:prstGeom prst="rect">
+            <a:avLst/>
+          </a:prstGeom>
+        </p:spPr>
+      </p:pic>
+      <p:sp>
+        <p:nvSpPr>
+          <p:cNvPr id="13" name="TextBox 12">
+            <a:extLst>
+              <a:ext uri="{FF2B5EF4-FFF2-40B4-BE49-F238E27FC236}">
+                <a16:creationId xmlns="" xmlns:a16="http://schemas.microsoft.com/office/drawing/2014/main" id="{8E3252FD-544E-42DB-9821-B5729F204097}"/>
               </a:ext>
             </a:extLst>
           </p:cNvPr>
@@ -4056,8 +4194,8 @@
         </p:nvSpPr>
         <p:spPr>
           <a:xfrm>
-            <a:off x="0" y="6354117"/>
-            <a:ext cx="6096000" cy="461665"/>
+            <a:off x="4117872" y="3863399"/>
+            <a:ext cx="2900474" cy="461665"/>
           </a:xfrm>
           <a:prstGeom prst="rect">
             <a:avLst/>
@@ -4065,28 +4203,125 @@
           <a:noFill/>
         </p:spPr>
         <p:txBody>
+          <a:bodyPr wrap="none" rtlCol="0">
+            <a:spAutoFit/>
+          </a:bodyPr>
+          <a:lstStyle/>
+          <a:p>
+            <a:r>
+              <a:rPr lang="en-GB" sz="2400" dirty="0">
+                <a:solidFill>
+                  <a:srgbClr val="FF0000"/>
+                </a:solidFill>
+              </a:rPr>
+              <a:t>[Take-home message]</a:t>
+            </a:r>
+            <a:endParaRPr lang="x-none" sz="2400" dirty="0">
+              <a:solidFill>
+                <a:srgbClr val="FF0000"/>
+              </a:solidFill>
+            </a:endParaRPr>
+          </a:p>
+        </p:txBody>
+      </p:sp>
+      <p:pic>
+        <p:nvPicPr>
+          <p:cNvPr id="19" name="Picture 18">
+            <a:extLst>
+              <a:ext uri="{FF2B5EF4-FFF2-40B4-BE49-F238E27FC236}">
+                <a16:creationId xmlns="" xmlns:a16="http://schemas.microsoft.com/office/drawing/2014/main" id="{AEE0FDA7-3B77-45CC-A1B2-418C35CA6766}"/>
+              </a:ext>
+            </a:extLst>
+          </p:cNvPr>
+          <p:cNvPicPr>
+            <a:picLocks noChangeAspect="1"/>
+          </p:cNvPicPr>
+          <p:nvPr/>
+        </p:nvPicPr>
+        <p:blipFill rotWithShape="1">
+          <a:blip r:embed="rId4">
+            <a:extLst>
+              <a:ext uri="{28A0092B-C50C-407E-A947-70E740481C1C}">
+                <a14:useLocalDpi xmlns:a14="http://schemas.microsoft.com/office/drawing/2010/main" val="0"/>
+              </a:ext>
+            </a:extLst>
+          </a:blip>
+          <a:srcRect l="226"/>
+          <a:stretch/>
+        </p:blipFill>
+        <p:spPr>
+          <a:xfrm>
+            <a:off x="0" y="-33682"/>
+            <a:ext cx="12164424" cy="1293330"/>
+          </a:xfrm>
+          <a:prstGeom prst="rect">
+            <a:avLst/>
+          </a:prstGeom>
+        </p:spPr>
+      </p:pic>
+      <p:sp>
+        <p:nvSpPr>
+          <p:cNvPr id="21" name="TextBox 20">
+            <a:extLst>
+              <a:ext uri="{FF2B5EF4-FFF2-40B4-BE49-F238E27FC236}">
+                <a16:creationId xmlns="" xmlns:a16="http://schemas.microsoft.com/office/drawing/2014/main" id="{8BC77C6C-40B4-4980-9CB2-51E4080B6403}"/>
+              </a:ext>
+            </a:extLst>
+          </p:cNvPr>
+          <p:cNvSpPr txBox="1"/>
+          <p:nvPr/>
+        </p:nvSpPr>
+        <p:spPr>
+          <a:xfrm>
+            <a:off x="6892444" y="6170413"/>
+            <a:ext cx="6096000" cy="369332"/>
+          </a:xfrm>
+          <a:prstGeom prst="rect">
+            <a:avLst/>
+          </a:prstGeom>
+          <a:noFill/>
+        </p:spPr>
+        <p:txBody>
           <a:bodyPr wrap="square">
             <a:spAutoFit/>
           </a:bodyPr>
           <a:lstStyle/>
           <a:p>
             <a:r>
-              <a:rPr lang="en-GB" sz="2400" dirty="0">
+              <a:rPr lang="en-GB" b="1" dirty="0">
                 <a:solidFill>
                   <a:schemeClr val="bg1"/>
                 </a:solidFill>
                 <a:latin typeface="Montserrat" panose="00000500000000000000" pitchFamily="2" charset="0"/>
               </a:rPr>
-              <a:t>Results: Validating dynamics</a:t>
-            </a:r>
-            <a:endParaRPr lang="x-none" sz="2400" dirty="0"/>
+              <a:t>github.com/</a:t>
+            </a:r>
+            <a:r>
+              <a:rPr lang="en-GB" b="1" dirty="0" err="1">
+                <a:solidFill>
+                  <a:schemeClr val="bg1"/>
+                </a:solidFill>
+                <a:latin typeface="Montserrat" panose="00000500000000000000" pitchFamily="2" charset="0"/>
+              </a:rPr>
+              <a:t>Vinnert</a:t>
+            </a:r>
+            <a:r>
+              <a:rPr lang="en-GB" b="1" dirty="0">
+                <a:solidFill>
+                  <a:schemeClr val="bg1"/>
+                </a:solidFill>
+                <a:latin typeface="Montserrat" panose="00000500000000000000" pitchFamily="2" charset="0"/>
+              </a:rPr>
+              <a:t>/Computational-Physics</a:t>
+            </a:r>
+            <a:endParaRPr lang="x-none" dirty="0"/>
           </a:p>
         </p:txBody>
       </p:sp>
     </p:spTree>
     <p:extLst>
       <p:ext uri="{BB962C8B-B14F-4D97-AF65-F5344CB8AC3E}">
-        <p14:creationId xmlns:p14="http://schemas.microsoft.com/office/powerpoint/2010/main" val="674098658"/>
+        <p14:creationId xmlns:p14="http://schemas.microsoft.com/office/powerpoint/2010/main" val="834168371"/>
       </p:ext>
     </p:extLst>
   </p:cSld>
@@ -4120,567 +4355,12 @@
           <a:chExt cx="0" cy="0"/>
         </a:xfrm>
       </p:grpSpPr>
-      <p:pic>
-        <p:nvPicPr>
-          <p:cNvPr id="18" name="Content Placeholder 12">
-            <a:extLst>
-              <a:ext uri="{FF2B5EF4-FFF2-40B4-BE49-F238E27FC236}">
-                <a16:creationId xmlns:a16="http://schemas.microsoft.com/office/drawing/2014/main" xmlns="" id="{C4A49D2A-4082-45B0-928E-9B51AB6D46B9}"/>
-              </a:ext>
-            </a:extLst>
-          </p:cNvPr>
-          <p:cNvPicPr>
-            <a:picLocks noChangeAspect="1"/>
-          </p:cNvPicPr>
-          <p:nvPr/>
-        </p:nvPicPr>
-        <p:blipFill rotWithShape="1">
-          <a:blip r:embed="rId2">
-            <a:extLst>
-              <a:ext uri="{28A0092B-C50C-407E-A947-70E740481C1C}">
-                <a14:useLocalDpi xmlns:a14="http://schemas.microsoft.com/office/drawing/2010/main" val="0"/>
-              </a:ext>
-            </a:extLst>
-          </a:blip>
-          <a:srcRect l="1510" r="-1"/>
-          <a:stretch/>
-        </p:blipFill>
-        <p:spPr>
-          <a:xfrm>
-            <a:off x="0" y="6311900"/>
-            <a:ext cx="12192000" cy="546100"/>
-          </a:xfrm>
-          <a:prstGeom prst="rect">
-            <a:avLst/>
-          </a:prstGeom>
-        </p:spPr>
-      </p:pic>
-      <p:sp>
-        <p:nvSpPr>
-          <p:cNvPr id="20" name="TextBox 19">
-            <a:extLst>
-              <a:ext uri="{FF2B5EF4-FFF2-40B4-BE49-F238E27FC236}">
-                <a16:creationId xmlns:a16="http://schemas.microsoft.com/office/drawing/2014/main" xmlns="" id="{640B383B-A8E3-4968-820E-3A53DB7BA425}"/>
-              </a:ext>
-            </a:extLst>
-          </p:cNvPr>
-          <p:cNvSpPr txBox="1"/>
-          <p:nvPr/>
-        </p:nvSpPr>
-        <p:spPr>
-          <a:xfrm>
-            <a:off x="11621769" y="6311900"/>
-            <a:ext cx="430531" cy="461665"/>
-          </a:xfrm>
-          <a:prstGeom prst="rect">
-            <a:avLst/>
-          </a:prstGeom>
-          <a:noFill/>
-        </p:spPr>
-        <p:txBody>
-          <a:bodyPr wrap="square" rtlCol="0">
-            <a:spAutoFit/>
-          </a:bodyPr>
-          <a:lstStyle/>
-          <a:p>
-            <a:r>
-              <a:rPr lang="en-GB" sz="2400" b="1" dirty="0">
-                <a:solidFill>
-                  <a:schemeClr val="bg1"/>
-                </a:solidFill>
-                <a:latin typeface="Montserrat" panose="00000500000000000000" pitchFamily="2" charset="0"/>
-              </a:rPr>
-              <a:t>?</a:t>
-            </a:r>
-            <a:endParaRPr lang="x-none" sz="2400" b="1" dirty="0">
-              <a:solidFill>
-                <a:schemeClr val="bg1"/>
-              </a:solidFill>
-              <a:latin typeface="Montserrat" panose="00000500000000000000" pitchFamily="2" charset="0"/>
-            </a:endParaRPr>
-          </a:p>
-        </p:txBody>
-      </p:sp>
-      <p:sp>
-        <p:nvSpPr>
-          <p:cNvPr id="22" name="TextBox 21">
-            <a:extLst>
-              <a:ext uri="{FF2B5EF4-FFF2-40B4-BE49-F238E27FC236}">
-                <a16:creationId xmlns:a16="http://schemas.microsoft.com/office/drawing/2014/main" xmlns="" id="{6CDFA706-9F39-4DAC-B205-3B6EBDD1EC4F}"/>
-              </a:ext>
-            </a:extLst>
-          </p:cNvPr>
-          <p:cNvSpPr txBox="1"/>
-          <p:nvPr/>
-        </p:nvSpPr>
-        <p:spPr>
-          <a:xfrm>
-            <a:off x="0" y="6354117"/>
-            <a:ext cx="6096000" cy="461665"/>
-          </a:xfrm>
-          <a:prstGeom prst="rect">
-            <a:avLst/>
-          </a:prstGeom>
-          <a:noFill/>
-        </p:spPr>
-        <p:txBody>
-          <a:bodyPr wrap="square">
-            <a:spAutoFit/>
-          </a:bodyPr>
-          <a:lstStyle/>
-          <a:p>
-            <a:r>
-              <a:rPr lang="en-GB" sz="2400" dirty="0">
-                <a:solidFill>
-                  <a:schemeClr val="bg1"/>
-                </a:solidFill>
-                <a:latin typeface="Montserrat" panose="00000500000000000000" pitchFamily="2" charset="0"/>
-              </a:rPr>
-              <a:t>Conclusion / Summary</a:t>
-            </a:r>
-            <a:endParaRPr lang="x-none" sz="2400" dirty="0"/>
-          </a:p>
-        </p:txBody>
-      </p:sp>
-    </p:spTree>
-    <p:extLst>
-      <p:ext uri="{BB962C8B-B14F-4D97-AF65-F5344CB8AC3E}">
-        <p14:creationId xmlns:p14="http://schemas.microsoft.com/office/powerpoint/2010/main" val="1918364905"/>
-      </p:ext>
-    </p:extLst>
-  </p:cSld>
-  <p:clrMapOvr>
-    <a:masterClrMapping/>
-  </p:clrMapOvr>
-  <p:timing>
-    <p:tnLst>
-      <p:par>
-        <p:cTn id="1" dur="indefinite" restart="never" nodeType="tmRoot"/>
-      </p:par>
-    </p:tnLst>
-  </p:timing>
-</p:sld>
-</file>
-
-<file path=ppt/slides/slide14.xml><?xml version="1.0" encoding="utf-8"?>
-<p:sld xmlns:a="http://schemas.openxmlformats.org/drawingml/2006/main" xmlns:r="http://schemas.openxmlformats.org/officeDocument/2006/relationships" xmlns:p="http://schemas.openxmlformats.org/presentationml/2006/main">
-  <p:cSld>
-    <p:spTree>
-      <p:nvGrpSpPr>
-        <p:cNvPr id="1" name=""/>
-        <p:cNvGrpSpPr/>
-        <p:nvPr/>
-      </p:nvGrpSpPr>
-      <p:grpSpPr>
-        <a:xfrm>
-          <a:off x="0" y="0"/>
-          <a:ext cx="0" cy="0"/>
-          <a:chOff x="0" y="0"/>
-          <a:chExt cx="0" cy="0"/>
-        </a:xfrm>
-      </p:grpSpPr>
-      <p:pic>
-        <p:nvPicPr>
-          <p:cNvPr id="18" name="Content Placeholder 12">
-            <a:extLst>
-              <a:ext uri="{FF2B5EF4-FFF2-40B4-BE49-F238E27FC236}">
-                <a16:creationId xmlns:a16="http://schemas.microsoft.com/office/drawing/2014/main" xmlns="" id="{C4A49D2A-4082-45B0-928E-9B51AB6D46B9}"/>
-              </a:ext>
-            </a:extLst>
-          </p:cNvPr>
-          <p:cNvPicPr>
-            <a:picLocks noChangeAspect="1"/>
-          </p:cNvPicPr>
-          <p:nvPr/>
-        </p:nvPicPr>
-        <p:blipFill rotWithShape="1">
-          <a:blip r:embed="rId2">
-            <a:extLst>
-              <a:ext uri="{28A0092B-C50C-407E-A947-70E740481C1C}">
-                <a14:useLocalDpi xmlns:a14="http://schemas.microsoft.com/office/drawing/2010/main" val="0"/>
-              </a:ext>
-            </a:extLst>
-          </a:blip>
-          <a:srcRect l="1510" r="-1"/>
-          <a:stretch/>
-        </p:blipFill>
-        <p:spPr>
-          <a:xfrm>
-            <a:off x="0" y="5852160"/>
-            <a:ext cx="12192000" cy="1005839"/>
-          </a:xfrm>
-          <a:prstGeom prst="rect">
-            <a:avLst/>
-          </a:prstGeom>
-        </p:spPr>
-      </p:pic>
-      <p:sp>
-        <p:nvSpPr>
-          <p:cNvPr id="7" name="Title 1">
-            <a:extLst>
-              <a:ext uri="{FF2B5EF4-FFF2-40B4-BE49-F238E27FC236}">
-                <a16:creationId xmlns:a16="http://schemas.microsoft.com/office/drawing/2014/main" xmlns="" id="{AB2D229F-C817-47CA-AD1A-7BF83C0C7A4E}"/>
-              </a:ext>
-            </a:extLst>
-          </p:cNvPr>
-          <p:cNvSpPr txBox="1">
-            <a:spLocks/>
-          </p:cNvSpPr>
-          <p:nvPr/>
-        </p:nvSpPr>
-        <p:spPr>
-          <a:xfrm>
-            <a:off x="735873" y="1336601"/>
-            <a:ext cx="10981509" cy="1373189"/>
-          </a:xfrm>
-          <a:prstGeom prst="rect">
-            <a:avLst/>
-          </a:prstGeom>
-        </p:spPr>
-        <p:txBody>
-          <a:bodyPr vert="horz" lIns="91440" tIns="45720" rIns="91440" bIns="45720" rtlCol="0" anchor="ctr">
-            <a:normAutofit fontScale="97500"/>
-          </a:bodyPr>
-          <a:lstStyle>
-            <a:lvl1pPr algn="l" defTabSz="914400" rtl="0" eaLnBrk="1" latinLnBrk="0" hangingPunct="1">
-              <a:lnSpc>
-                <a:spcPct val="90000"/>
-              </a:lnSpc>
-              <a:spcBef>
-                <a:spcPct val="0"/>
-              </a:spcBef>
-              <a:buNone/>
-              <a:defRPr sz="4400" kern="1200">
-                <a:solidFill>
-                  <a:schemeClr val="tx1"/>
-                </a:solidFill>
-                <a:latin typeface="+mj-lt"/>
-                <a:ea typeface="+mj-ea"/>
-                <a:cs typeface="+mj-cs"/>
-              </a:defRPr>
-            </a:lvl1pPr>
-          </a:lstStyle>
-          <a:p>
-            <a:pPr algn="ctr"/>
-            <a:r>
-              <a:rPr lang="en-GB" sz="3600" b="1" dirty="0">
-                <a:solidFill>
-                  <a:schemeClr val="bg1"/>
-                </a:solidFill>
-                <a:latin typeface="Montserrat" panose="00000500000000000000" pitchFamily="2" charset="0"/>
-              </a:rPr>
-              <a:t>Simulation of Kelvin-Helmholtz instabilities using generalized lattice-Boltzmann methods</a:t>
-            </a:r>
-            <a:endParaRPr lang="x-none" sz="3600" b="1" dirty="0">
-              <a:solidFill>
-                <a:schemeClr val="bg1"/>
-              </a:solidFill>
-              <a:latin typeface="Montserrat" panose="00000500000000000000" pitchFamily="2" charset="0"/>
-            </a:endParaRPr>
-          </a:p>
-        </p:txBody>
-      </p:sp>
-      <p:sp>
-        <p:nvSpPr>
-          <p:cNvPr id="9" name="TextBox 8">
-            <a:extLst>
-              <a:ext uri="{FF2B5EF4-FFF2-40B4-BE49-F238E27FC236}">
-                <a16:creationId xmlns:a16="http://schemas.microsoft.com/office/drawing/2014/main" xmlns="" id="{2CEB48B2-8AFE-49DD-A4FB-D01912ACBF6F}"/>
-              </a:ext>
-            </a:extLst>
-          </p:cNvPr>
-          <p:cNvSpPr txBox="1"/>
-          <p:nvPr/>
-        </p:nvSpPr>
-        <p:spPr>
-          <a:xfrm>
-            <a:off x="130629" y="5932481"/>
-            <a:ext cx="6096000" cy="830997"/>
-          </a:xfrm>
-          <a:prstGeom prst="rect">
-            <a:avLst/>
-          </a:prstGeom>
-          <a:noFill/>
-        </p:spPr>
-        <p:txBody>
-          <a:bodyPr wrap="square">
-            <a:spAutoFit/>
-          </a:bodyPr>
-          <a:lstStyle/>
-          <a:p>
-            <a:r>
-              <a:rPr lang="en-GB" sz="2400" dirty="0">
-                <a:solidFill>
-                  <a:schemeClr val="bg1"/>
-                </a:solidFill>
-                <a:latin typeface="Montserrat" panose="00000500000000000000" pitchFamily="2" charset="0"/>
-              </a:rPr>
-              <a:t>Thomas </a:t>
-            </a:r>
-            <a:r>
-              <a:rPr lang="en-GB" sz="2400" b="1" dirty="0">
-                <a:solidFill>
-                  <a:schemeClr val="bg1"/>
-                </a:solidFill>
-                <a:latin typeface="Montserrat" panose="00000500000000000000" pitchFamily="2" charset="0"/>
-              </a:rPr>
-              <a:t>Rothe</a:t>
-            </a:r>
-            <a:r>
-              <a:rPr lang="en-GB" sz="2400" dirty="0">
-                <a:solidFill>
-                  <a:schemeClr val="bg1"/>
-                </a:solidFill>
-                <a:latin typeface="Montserrat" panose="00000500000000000000" pitchFamily="2" charset="0"/>
-              </a:rPr>
-              <a:t> </a:t>
-            </a:r>
-          </a:p>
-          <a:p>
-            <a:r>
-              <a:rPr lang="en-GB" sz="2400" dirty="0">
-                <a:solidFill>
-                  <a:schemeClr val="bg1"/>
-                </a:solidFill>
-                <a:latin typeface="Montserrat" panose="00000500000000000000" pitchFamily="2" charset="0"/>
-              </a:rPr>
-              <a:t>Vincent </a:t>
-            </a:r>
-            <a:r>
-              <a:rPr lang="en-GB" sz="2400" b="1" dirty="0" err="1">
-                <a:solidFill>
-                  <a:schemeClr val="bg1"/>
-                </a:solidFill>
-                <a:latin typeface="Montserrat" panose="00000500000000000000" pitchFamily="2" charset="0"/>
-              </a:rPr>
-              <a:t>Krabbenborg</a:t>
-            </a:r>
-            <a:endParaRPr lang="x-none" sz="2400" b="1" dirty="0">
-              <a:solidFill>
-                <a:schemeClr val="bg1"/>
-              </a:solidFill>
-              <a:latin typeface="Montserrat" panose="00000500000000000000" pitchFamily="2" charset="0"/>
-            </a:endParaRPr>
-          </a:p>
-        </p:txBody>
-      </p:sp>
-      <p:pic>
-        <p:nvPicPr>
-          <p:cNvPr id="10" name="Picture 9" descr="A silhouette of a person&#10;&#10;Description automatically generated with low confidence">
-            <a:extLst>
-              <a:ext uri="{FF2B5EF4-FFF2-40B4-BE49-F238E27FC236}">
-                <a16:creationId xmlns:a16="http://schemas.microsoft.com/office/drawing/2014/main" xmlns="" id="{7A35C135-8847-4BA7-86A0-41CE197758BC}"/>
-              </a:ext>
-            </a:extLst>
-          </p:cNvPr>
-          <p:cNvPicPr>
-            <a:picLocks noChangeAspect="1"/>
-          </p:cNvPicPr>
-          <p:nvPr/>
-        </p:nvPicPr>
-        <p:blipFill>
-          <a:blip r:embed="rId3">
-            <a:extLst>
-              <a:ext uri="{28A0092B-C50C-407E-A947-70E740481C1C}">
-                <a14:useLocalDpi xmlns:a14="http://schemas.microsoft.com/office/drawing/2010/main" val="0"/>
-              </a:ext>
-            </a:extLst>
-          </a:blip>
-          <a:stretch>
-            <a:fillRect/>
-          </a:stretch>
-        </p:blipFill>
-        <p:spPr>
-          <a:xfrm>
-            <a:off x="6226628" y="6080386"/>
-            <a:ext cx="535186" cy="535186"/>
-          </a:xfrm>
-          <a:prstGeom prst="rect">
-            <a:avLst/>
-          </a:prstGeom>
-        </p:spPr>
-      </p:pic>
-      <p:sp>
-        <p:nvSpPr>
-          <p:cNvPr id="13" name="TextBox 12">
-            <a:extLst>
-              <a:ext uri="{FF2B5EF4-FFF2-40B4-BE49-F238E27FC236}">
-                <a16:creationId xmlns:a16="http://schemas.microsoft.com/office/drawing/2014/main" xmlns="" id="{8E3252FD-544E-42DB-9821-B5729F204097}"/>
-              </a:ext>
-            </a:extLst>
-          </p:cNvPr>
-          <p:cNvSpPr txBox="1"/>
-          <p:nvPr/>
-        </p:nvSpPr>
-        <p:spPr>
-          <a:xfrm>
-            <a:off x="4117872" y="3863399"/>
-            <a:ext cx="2900474" cy="461665"/>
-          </a:xfrm>
-          <a:prstGeom prst="rect">
-            <a:avLst/>
-          </a:prstGeom>
-          <a:noFill/>
-        </p:spPr>
-        <p:txBody>
-          <a:bodyPr wrap="none" rtlCol="0">
-            <a:spAutoFit/>
-          </a:bodyPr>
-          <a:lstStyle/>
-          <a:p>
-            <a:r>
-              <a:rPr lang="en-GB" sz="2400" dirty="0">
-                <a:solidFill>
-                  <a:srgbClr val="FF0000"/>
-                </a:solidFill>
-              </a:rPr>
-              <a:t>[Take-home message]</a:t>
-            </a:r>
-            <a:endParaRPr lang="x-none" sz="2400" dirty="0">
-              <a:solidFill>
-                <a:srgbClr val="FF0000"/>
-              </a:solidFill>
-            </a:endParaRPr>
-          </a:p>
-        </p:txBody>
-      </p:sp>
-      <p:pic>
-        <p:nvPicPr>
-          <p:cNvPr id="19" name="Picture 18">
-            <a:extLst>
-              <a:ext uri="{FF2B5EF4-FFF2-40B4-BE49-F238E27FC236}">
-                <a16:creationId xmlns:a16="http://schemas.microsoft.com/office/drawing/2014/main" xmlns="" id="{AEE0FDA7-3B77-45CC-A1B2-418C35CA6766}"/>
-              </a:ext>
-            </a:extLst>
-          </p:cNvPr>
-          <p:cNvPicPr>
-            <a:picLocks noChangeAspect="1"/>
-          </p:cNvPicPr>
-          <p:nvPr/>
-        </p:nvPicPr>
-        <p:blipFill rotWithShape="1">
-          <a:blip r:embed="rId4">
-            <a:extLst>
-              <a:ext uri="{28A0092B-C50C-407E-A947-70E740481C1C}">
-                <a14:useLocalDpi xmlns:a14="http://schemas.microsoft.com/office/drawing/2010/main" val="0"/>
-              </a:ext>
-            </a:extLst>
-          </a:blip>
-          <a:srcRect l="226"/>
-          <a:stretch/>
-        </p:blipFill>
-        <p:spPr>
-          <a:xfrm>
-            <a:off x="0" y="-33682"/>
-            <a:ext cx="12164424" cy="1293330"/>
-          </a:xfrm>
-          <a:prstGeom prst="rect">
-            <a:avLst/>
-          </a:prstGeom>
-        </p:spPr>
-      </p:pic>
-      <p:sp>
-        <p:nvSpPr>
-          <p:cNvPr id="21" name="TextBox 20">
-            <a:extLst>
-              <a:ext uri="{FF2B5EF4-FFF2-40B4-BE49-F238E27FC236}">
-                <a16:creationId xmlns:a16="http://schemas.microsoft.com/office/drawing/2014/main" xmlns="" id="{8BC77C6C-40B4-4980-9CB2-51E4080B6403}"/>
-              </a:ext>
-            </a:extLst>
-          </p:cNvPr>
-          <p:cNvSpPr txBox="1"/>
-          <p:nvPr/>
-        </p:nvSpPr>
-        <p:spPr>
-          <a:xfrm>
-            <a:off x="6892444" y="6170413"/>
-            <a:ext cx="6096000" cy="369332"/>
-          </a:xfrm>
-          <a:prstGeom prst="rect">
-            <a:avLst/>
-          </a:prstGeom>
-          <a:noFill/>
-        </p:spPr>
-        <p:txBody>
-          <a:bodyPr wrap="square">
-            <a:spAutoFit/>
-          </a:bodyPr>
-          <a:lstStyle/>
-          <a:p>
-            <a:r>
-              <a:rPr lang="en-GB" b="1" dirty="0">
-                <a:solidFill>
-                  <a:schemeClr val="bg1"/>
-                </a:solidFill>
-                <a:latin typeface="Montserrat" panose="00000500000000000000" pitchFamily="2" charset="0"/>
-              </a:rPr>
-              <a:t>github.com/</a:t>
-            </a:r>
-            <a:r>
-              <a:rPr lang="en-GB" b="1" dirty="0" err="1">
-                <a:solidFill>
-                  <a:schemeClr val="bg1"/>
-                </a:solidFill>
-                <a:latin typeface="Montserrat" panose="00000500000000000000" pitchFamily="2" charset="0"/>
-              </a:rPr>
-              <a:t>Vinnert</a:t>
-            </a:r>
-            <a:r>
-              <a:rPr lang="en-GB" b="1" dirty="0">
-                <a:solidFill>
-                  <a:schemeClr val="bg1"/>
-                </a:solidFill>
-                <a:latin typeface="Montserrat" panose="00000500000000000000" pitchFamily="2" charset="0"/>
-              </a:rPr>
-              <a:t>/Computational-Physics</a:t>
-            </a:r>
-            <a:endParaRPr lang="x-none" dirty="0"/>
-          </a:p>
-        </p:txBody>
-      </p:sp>
-    </p:spTree>
-    <p:extLst>
-      <p:ext uri="{BB962C8B-B14F-4D97-AF65-F5344CB8AC3E}">
-        <p14:creationId xmlns:p14="http://schemas.microsoft.com/office/powerpoint/2010/main" val="834168371"/>
-      </p:ext>
-    </p:extLst>
-  </p:cSld>
-  <p:clrMapOvr>
-    <a:masterClrMapping/>
-  </p:clrMapOvr>
-  <p:timing>
-    <p:tnLst>
-      <p:par>
-        <p:cTn id="1" dur="indefinite" restart="never" nodeType="tmRoot"/>
-      </p:par>
-    </p:tnLst>
-  </p:timing>
-</p:sld>
-</file>
-
-<file path=ppt/slides/slide15.xml><?xml version="1.0" encoding="utf-8"?>
-<p:sld xmlns:a="http://schemas.openxmlformats.org/drawingml/2006/main" xmlns:r="http://schemas.openxmlformats.org/officeDocument/2006/relationships" xmlns:p="http://schemas.openxmlformats.org/presentationml/2006/main">
-  <p:cSld>
-    <p:spTree>
-      <p:nvGrpSpPr>
-        <p:cNvPr id="1" name=""/>
-        <p:cNvGrpSpPr/>
-        <p:nvPr/>
-      </p:nvGrpSpPr>
-      <p:grpSpPr>
-        <a:xfrm>
-          <a:off x="0" y="0"/>
-          <a:ext cx="0" cy="0"/>
-          <a:chOff x="0" y="0"/>
-          <a:chExt cx="0" cy="0"/>
-        </a:xfrm>
-      </p:grpSpPr>
       <p:sp>
         <p:nvSpPr>
           <p:cNvPr id="4" name="TextBox 3">
             <a:extLst>
               <a:ext uri="{FF2B5EF4-FFF2-40B4-BE49-F238E27FC236}">
-                <a16:creationId xmlns:a16="http://schemas.microsoft.com/office/drawing/2014/main" xmlns="" id="{133CB9C4-2D96-4D32-AB51-F813E6B6D945}"/>
+                <a16:creationId xmlns="" xmlns:a16="http://schemas.microsoft.com/office/drawing/2014/main" id="{133CB9C4-2D96-4D32-AB51-F813E6B6D945}"/>
               </a:ext>
             </a:extLst>
           </p:cNvPr>
@@ -5006,7 +4686,7 @@
           <p:cNvPr id="9" name="TextBox 8">
             <a:extLst>
               <a:ext uri="{FF2B5EF4-FFF2-40B4-BE49-F238E27FC236}">
-                <a16:creationId xmlns:a16="http://schemas.microsoft.com/office/drawing/2014/main" xmlns="" id="{53959F6C-D912-4BF4-8C18-DB2B315570DF}"/>
+                <a16:creationId xmlns="" xmlns:a16="http://schemas.microsoft.com/office/drawing/2014/main" id="{53959F6C-D912-4BF4-8C18-DB2B315570DF}"/>
               </a:ext>
             </a:extLst>
           </p:cNvPr>
@@ -5047,7 +4727,7 @@
           <p:cNvPr id="10" name="Straight Connector 9">
             <a:extLst>
               <a:ext uri="{FF2B5EF4-FFF2-40B4-BE49-F238E27FC236}">
-                <a16:creationId xmlns:a16="http://schemas.microsoft.com/office/drawing/2014/main" xmlns="" id="{4BBB1231-C899-4A27-B0C0-01ECDEA1E740}"/>
+                <a16:creationId xmlns="" xmlns:a16="http://schemas.microsoft.com/office/drawing/2014/main" id="{4BBB1231-C899-4A27-B0C0-01ECDEA1E740}"/>
               </a:ext>
             </a:extLst>
           </p:cNvPr>
@@ -5196,15 +4876,9 @@
       </p:grpSpPr>
       <p:pic>
         <p:nvPicPr>
-          <p:cNvPr id="34" name="Picture 33" descr="A large field with trees and mountains in the background&#10;&#10;Description automatically generated with low confidence">
-            <a:extLst>
-              <a:ext uri="{FF2B5EF4-FFF2-40B4-BE49-F238E27FC236}">
-                <a16:creationId xmlns:a16="http://schemas.microsoft.com/office/drawing/2014/main" xmlns="" id="{8A040EE7-AFB2-4E51-8061-122EA7FE4670}"/>
-              </a:ext>
-            </a:extLst>
-          </p:cNvPr>
+          <p:cNvPr id="7" name="Picture 4" descr="11: The Kelvin-Helmholtz instability is visible by clouds. Source: Brooks Martner, NOAA/ETL  "/>
           <p:cNvPicPr>
-            <a:picLocks noChangeAspect="1"/>
+            <a:picLocks noChangeAspect="1" noChangeArrowheads="1"/>
           </p:cNvPicPr>
           <p:nvPr/>
         </p:nvPicPr>
@@ -5216,26 +4890,135 @@
               </a:ext>
             </a:extLst>
           </a:blip>
+          <a:srcRect/>
           <a:stretch>
             <a:fillRect/>
           </a:stretch>
         </p:blipFill>
-        <p:spPr>
+        <p:spPr bwMode="auto">
           <a:xfrm>
-            <a:off x="0" y="1148037"/>
-            <a:ext cx="6711351" cy="4940300"/>
+            <a:off x="545260" y="2326989"/>
+            <a:ext cx="3873755" cy="1948983"/>
           </a:xfrm>
           <a:prstGeom prst="rect">
             <a:avLst/>
           </a:prstGeom>
+          <a:noFill/>
+          <a:extLst>
+            <a:ext uri="{909E8E84-426E-40DD-AFC4-6F175D3DCCD1}">
+              <a14:hiddenFill xmlns:a14="http://schemas.microsoft.com/office/drawing/2010/main">
+                <a:solidFill>
+                  <a:srgbClr val="FFFFFF"/>
+                </a:solidFill>
+              </a14:hiddenFill>
+            </a:ext>
+          </a:extLst>
         </p:spPr>
       </p:pic>
+      <p:sp>
+        <p:nvSpPr>
+          <p:cNvPr id="11" name="TextBox 10"/>
+          <p:cNvSpPr txBox="1"/>
+          <p:nvPr/>
+        </p:nvSpPr>
+        <p:spPr>
+          <a:xfrm>
+            <a:off x="0" y="6119336"/>
+            <a:ext cx="12192000" cy="738664"/>
+          </a:xfrm>
+          <a:prstGeom prst="rect">
+            <a:avLst/>
+          </a:prstGeom>
+          <a:noFill/>
+        </p:spPr>
+        <p:txBody>
+          <a:bodyPr wrap="square" rtlCol="0">
+            <a:spAutoFit/>
+          </a:bodyPr>
+          <a:lstStyle/>
+          <a:p>
+            <a:r>
+              <a:rPr lang="nl-NL" sz="1400" dirty="0" smtClean="0">
+                <a:solidFill>
+                  <a:schemeClr val="bg1"/>
+                </a:solidFill>
+              </a:rPr>
+              <a:t>[1]: https</a:t>
+            </a:r>
+            <a:r>
+              <a:rPr lang="nl-NL" sz="1400" dirty="0">
+                <a:solidFill>
+                  <a:schemeClr val="bg1"/>
+                </a:solidFill>
+              </a:rPr>
+              <a:t>://</a:t>
+            </a:r>
+            <a:r>
+              <a:rPr lang="nl-NL" sz="1400" dirty="0" smtClean="0">
+                <a:solidFill>
+                  <a:schemeClr val="bg1"/>
+                </a:solidFill>
+              </a:rPr>
+              <a:t>www.researchgate.net/figure/The-Kelvin-Helmholtz-instability-is-visible-by-clouds-Source-Brooks-Martner-NOAA-ETL_fig9_279953803</a:t>
+            </a:r>
+          </a:p>
+          <a:p>
+            <a:r>
+              <a:rPr lang="en-US" sz="1400" dirty="0">
+                <a:solidFill>
+                  <a:schemeClr val="bg1"/>
+                </a:solidFill>
+              </a:rPr>
+              <a:t>[2]: </a:t>
+            </a:r>
+            <a:r>
+              <a:rPr lang="nl-NL" sz="1400" dirty="0">
+                <a:solidFill>
+                  <a:schemeClr val="bg1"/>
+                </a:solidFill>
+              </a:rPr>
+              <a:t>https://www.businessinsider.nl/nasas-hubble-space-telescope-detected-mysterious-changes-in-jupiters-great-red-spot/</a:t>
+            </a:r>
+          </a:p>
+          <a:p>
+            <a:r>
+              <a:rPr lang="en-US" sz="1400" dirty="0" smtClean="0">
+                <a:solidFill>
+                  <a:schemeClr val="bg1"/>
+                </a:solidFill>
+              </a:rPr>
+              <a:t>[3]: </a:t>
+            </a:r>
+            <a:r>
+              <a:rPr lang="nl-NL" sz="1400" dirty="0">
+                <a:solidFill>
+                  <a:schemeClr val="bg1"/>
+                </a:solidFill>
+              </a:rPr>
+              <a:t>https://</a:t>
+            </a:r>
+            <a:r>
+              <a:rPr lang="nl-NL" sz="1400" dirty="0" smtClean="0">
+                <a:solidFill>
+                  <a:schemeClr val="bg1"/>
+                </a:solidFill>
+              </a:rPr>
+              <a:t>eos.org/research-spotlights/measurements-of-kelvin-helmholtz-waves-in-earths-magnetic-field</a:t>
+            </a:r>
+            <a:endParaRPr lang="nl-NL" sz="1400" dirty="0">
+              <a:solidFill>
+                <a:schemeClr val="bg1"/>
+              </a:solidFill>
+            </a:endParaRPr>
+          </a:p>
+        </p:txBody>
+      </p:sp>
       <p:pic>
         <p:nvPicPr>
-          <p:cNvPr id="18" name="Content Placeholder 12">
-            <a:extLst>
-              <a:ext uri="{FF2B5EF4-FFF2-40B4-BE49-F238E27FC236}">
-                <a16:creationId xmlns:a16="http://schemas.microsoft.com/office/drawing/2014/main" xmlns="" id="{C4A49D2A-4082-45B0-928E-9B51AB6D46B9}"/>
+          <p:cNvPr id="13" name="Content Placeholder 12">
+            <a:extLst>
+              <a:ext uri="{FF2B5EF4-FFF2-40B4-BE49-F238E27FC236}">
+                <a16:creationId xmlns="" xmlns:a16="http://schemas.microsoft.com/office/drawing/2014/main" id="{C4A49D2A-4082-45B0-928E-9B51AB6D46B9}"/>
               </a:ext>
             </a:extLst>
           </p:cNvPr>
@@ -5257,7 +5040,7 @@
         </p:blipFill>
         <p:spPr>
           <a:xfrm>
-            <a:off x="0" y="6311900"/>
+            <a:off x="0" y="0"/>
             <a:ext cx="12192000" cy="546100"/>
           </a:xfrm>
           <a:prstGeom prst="rect">
@@ -5267,20 +5050,14 @@
       </p:pic>
       <p:sp>
         <p:nvSpPr>
-          <p:cNvPr id="20" name="TextBox 19">
-            <a:extLst>
-              <a:ext uri="{FF2B5EF4-FFF2-40B4-BE49-F238E27FC236}">
-                <a16:creationId xmlns:a16="http://schemas.microsoft.com/office/drawing/2014/main" xmlns="" id="{640B383B-A8E3-4968-820E-3A53DB7BA425}"/>
-              </a:ext>
-            </a:extLst>
-          </p:cNvPr>
+          <p:cNvPr id="2" name="TextBox 1"/>
           <p:cNvSpPr txBox="1"/>
           <p:nvPr/>
         </p:nvSpPr>
         <p:spPr>
           <a:xfrm>
-            <a:off x="11621769" y="6311900"/>
-            <a:ext cx="430531" cy="461665"/>
+            <a:off x="0" y="19957"/>
+            <a:ext cx="11821886" cy="523220"/>
           </a:xfrm>
           <a:prstGeom prst="rect">
             <a:avLst/>
@@ -5294,39 +5071,31 @@
           <a:lstStyle/>
           <a:p>
             <a:r>
-              <a:rPr lang="en-GB" sz="2400" b="1" dirty="0">
+              <a:rPr lang="en-US" sz="2800" dirty="0" smtClean="0">
                 <a:solidFill>
                   <a:schemeClr val="bg1"/>
                 </a:solidFill>
-                <a:latin typeface="Montserrat" panose="00000500000000000000" pitchFamily="2" charset="0"/>
               </a:rPr>
-              <a:t>1</a:t>
-            </a:r>
-            <a:endParaRPr lang="x-none" sz="2400" b="1" dirty="0">
+              <a:t>Introduction</a:t>
+            </a:r>
+            <a:endParaRPr lang="nl-NL" dirty="0">
               <a:solidFill>
                 <a:schemeClr val="bg1"/>
               </a:solidFill>
-              <a:latin typeface="Montserrat" panose="00000500000000000000" pitchFamily="2" charset="0"/>
             </a:endParaRPr>
           </a:p>
         </p:txBody>
       </p:sp>
       <p:sp>
         <p:nvSpPr>
-          <p:cNvPr id="22" name="TextBox 21">
-            <a:extLst>
-              <a:ext uri="{FF2B5EF4-FFF2-40B4-BE49-F238E27FC236}">
-                <a16:creationId xmlns:a16="http://schemas.microsoft.com/office/drawing/2014/main" xmlns="" id="{6CDFA706-9F39-4DAC-B205-3B6EBDD1EC4F}"/>
-              </a:ext>
-            </a:extLst>
-          </p:cNvPr>
+          <p:cNvPr id="3" name="TextBox 2"/>
           <p:cNvSpPr txBox="1"/>
           <p:nvPr/>
         </p:nvSpPr>
         <p:spPr>
           <a:xfrm>
-            <a:off x="0" y="6354117"/>
-            <a:ext cx="6096000" cy="461665"/>
+            <a:off x="2134574" y="4514850"/>
+            <a:ext cx="440872" cy="369332"/>
           </a:xfrm>
           <a:prstGeom prst="rect">
             <a:avLst/>
@@ -5334,100 +5103,189 @@
           <a:noFill/>
         </p:spPr>
         <p:txBody>
-          <a:bodyPr wrap="square">
+          <a:bodyPr wrap="square" rtlCol="0">
             <a:spAutoFit/>
           </a:bodyPr>
           <a:lstStyle/>
           <a:p>
             <a:r>
-              <a:rPr lang="en-GB" sz="2400" dirty="0">
+              <a:rPr lang="en-US" dirty="0" smtClean="0">
                 <a:solidFill>
                   <a:schemeClr val="bg1"/>
                 </a:solidFill>
-                <a:latin typeface="Montserrat" panose="00000500000000000000" pitchFamily="2" charset="0"/>
               </a:rPr>
-              <a:t>Theory: Kelvin-Helmholtz Instabilities</a:t>
-            </a:r>
-            <a:endParaRPr lang="x-none" sz="2400" dirty="0"/>
+              <a:t>[1]</a:t>
+            </a:r>
+            <a:endParaRPr lang="nl-NL" dirty="0">
+              <a:solidFill>
+                <a:schemeClr val="bg1"/>
+              </a:solidFill>
+            </a:endParaRPr>
+          </a:p>
+        </p:txBody>
+      </p:sp>
+      <p:sp>
+        <p:nvSpPr>
+          <p:cNvPr id="12" name="TextBox 11"/>
+          <p:cNvSpPr txBox="1"/>
+          <p:nvPr/>
+        </p:nvSpPr>
+        <p:spPr>
+          <a:xfrm>
+            <a:off x="6153150" y="4509933"/>
+            <a:ext cx="440872" cy="369332"/>
+          </a:xfrm>
+          <a:prstGeom prst="rect">
+            <a:avLst/>
+          </a:prstGeom>
+          <a:noFill/>
+        </p:spPr>
+        <p:txBody>
+          <a:bodyPr wrap="square" rtlCol="0">
+            <a:spAutoFit/>
+          </a:bodyPr>
+          <a:lstStyle/>
+          <a:p>
+            <a:r>
+              <a:rPr lang="en-US" dirty="0" smtClean="0">
+                <a:solidFill>
+                  <a:schemeClr val="bg1"/>
+                </a:solidFill>
+              </a:rPr>
+              <a:t>[2]</a:t>
+            </a:r>
+            <a:endParaRPr lang="nl-NL" dirty="0">
+              <a:solidFill>
+                <a:schemeClr val="bg1"/>
+              </a:solidFill>
+            </a:endParaRPr>
           </a:p>
         </p:txBody>
       </p:sp>
       <p:pic>
         <p:nvPicPr>
-          <p:cNvPr id="32" name="Picture 31" descr="A picture containing light&#10;&#10;Description automatically generated">
-            <a:extLst>
-              <a:ext uri="{FF2B5EF4-FFF2-40B4-BE49-F238E27FC236}">
-                <a16:creationId xmlns:a16="http://schemas.microsoft.com/office/drawing/2014/main" xmlns="" id="{9C9F6B1C-2ED0-4745-BDC1-5ECF364406A5}"/>
-              </a:ext>
-            </a:extLst>
-          </p:cNvPr>
+          <p:cNvPr id="14" name="Picture 2" descr="https://cdn.businessinsider.nl/wp-content/uploads/2021/09/615246a4b414c1001862a675-1024x768.jpg"/>
           <p:cNvPicPr>
-            <a:picLocks noChangeAspect="1"/>
+            <a:picLocks noChangeAspect="1" noChangeArrowheads="1"/>
           </p:cNvPicPr>
           <p:nvPr/>
         </p:nvPicPr>
         <p:blipFill>
-          <a:blip r:embed="rId4">
+          <a:blip r:embed="rId4" cstate="print">
             <a:extLst>
               <a:ext uri="{28A0092B-C50C-407E-A947-70E740481C1C}">
                 <a14:useLocalDpi xmlns:a14="http://schemas.microsoft.com/office/drawing/2010/main" val="0"/>
               </a:ext>
             </a:extLst>
           </a:blip>
+          <a:srcRect/>
           <a:stretch>
             <a:fillRect/>
           </a:stretch>
         </p:blipFill>
-        <p:spPr>
+        <p:spPr bwMode="auto">
           <a:xfrm>
-            <a:off x="5581650" y="361659"/>
-            <a:ext cx="5251450" cy="3495965"/>
+            <a:off x="4931798" y="2220141"/>
+            <a:ext cx="2883576" cy="2162682"/>
           </a:xfrm>
           <a:prstGeom prst="rect">
             <a:avLst/>
           </a:prstGeom>
+          <a:noFill/>
+          <a:extLst>
+            <a:ext uri="{909E8E84-426E-40DD-AFC4-6F175D3DCCD1}">
+              <a14:hiddenFill xmlns:a14="http://schemas.microsoft.com/office/drawing/2010/main">
+                <a:solidFill>
+                  <a:srgbClr val="FFFFFF"/>
+                </a:solidFill>
+              </a14:hiddenFill>
+            </a:ext>
+          </a:extLst>
         </p:spPr>
       </p:pic>
+      <p:sp>
+        <p:nvSpPr>
+          <p:cNvPr id="16" name="TextBox 15"/>
+          <p:cNvSpPr txBox="1"/>
+          <p:nvPr/>
+        </p:nvSpPr>
+        <p:spPr>
+          <a:xfrm>
+            <a:off x="9613735" y="4509933"/>
+            <a:ext cx="440872" cy="369332"/>
+          </a:xfrm>
+          <a:prstGeom prst="rect">
+            <a:avLst/>
+          </a:prstGeom>
+          <a:noFill/>
+        </p:spPr>
+        <p:txBody>
+          <a:bodyPr wrap="square" rtlCol="0">
+            <a:spAutoFit/>
+          </a:bodyPr>
+          <a:lstStyle/>
+          <a:p>
+            <a:r>
+              <a:rPr lang="en-US" dirty="0" smtClean="0">
+                <a:solidFill>
+                  <a:schemeClr val="bg1"/>
+                </a:solidFill>
+              </a:rPr>
+              <a:t>[3]</a:t>
+            </a:r>
+            <a:endParaRPr lang="nl-NL" dirty="0">
+              <a:solidFill>
+                <a:schemeClr val="bg1"/>
+              </a:solidFill>
+            </a:endParaRPr>
+          </a:p>
+        </p:txBody>
+      </p:sp>
       <p:pic>
         <p:nvPicPr>
-          <p:cNvPr id="24" name="Picture 23" descr="A picture containing text&#10;&#10;Description automatically generated">
-            <a:extLst>
-              <a:ext uri="{FF2B5EF4-FFF2-40B4-BE49-F238E27FC236}">
-                <a16:creationId xmlns:a16="http://schemas.microsoft.com/office/drawing/2014/main" xmlns="" id="{FB775ED7-0669-409E-AC37-1462326E7266}"/>
-              </a:ext>
-            </a:extLst>
-          </p:cNvPr>
+          <p:cNvPr id="17" name="Picture 6" descr="Measurements of Kelvin-Helmholtz Waves in Earth's Magnetic Field - Eos"/>
           <p:cNvPicPr>
-            <a:picLocks noChangeAspect="1"/>
+            <a:picLocks noChangeAspect="1" noChangeArrowheads="1"/>
           </p:cNvPicPr>
           <p:nvPr/>
         </p:nvPicPr>
         <p:blipFill>
-          <a:blip r:embed="rId5">
+          <a:blip r:embed="rId5" cstate="print">
             <a:extLst>
               <a:ext uri="{28A0092B-C50C-407E-A947-70E740481C1C}">
                 <a14:useLocalDpi xmlns:a14="http://schemas.microsoft.com/office/drawing/2010/main" val="0"/>
               </a:ext>
             </a:extLst>
           </a:blip>
+          <a:srcRect/>
           <a:stretch>
             <a:fillRect/>
           </a:stretch>
         </p:blipFill>
-        <p:spPr>
+        <p:spPr bwMode="auto">
           <a:xfrm>
-            <a:off x="7201773" y="2954457"/>
-            <a:ext cx="4850527" cy="2910316"/>
+            <a:off x="8437432" y="2253927"/>
+            <a:ext cx="2793478" cy="2095109"/>
           </a:xfrm>
           <a:prstGeom prst="rect">
             <a:avLst/>
           </a:prstGeom>
+          <a:noFill/>
+          <a:extLst>
+            <a:ext uri="{909E8E84-426E-40DD-AFC4-6F175D3DCCD1}">
+              <a14:hiddenFill xmlns:a14="http://schemas.microsoft.com/office/drawing/2010/main">
+                <a:solidFill>
+                  <a:srgbClr val="FFFFFF"/>
+                </a:solidFill>
+              </a14:hiddenFill>
+            </a:ext>
+          </a:extLst>
         </p:spPr>
       </p:pic>
     </p:spTree>
     <p:extLst>
       <p:ext uri="{BB962C8B-B14F-4D97-AF65-F5344CB8AC3E}">
-        <p14:creationId xmlns:p14="http://schemas.microsoft.com/office/powerpoint/2010/main" val="1592395114"/>
+        <p14:creationId xmlns:p14="http://schemas.microsoft.com/office/powerpoint/2010/main" val="3072929828"/>
       </p:ext>
     </p:extLst>
   </p:cSld>
@@ -5461,12 +5319,96 @@
           <a:chExt cx="0" cy="0"/>
         </a:xfrm>
       </p:grpSpPr>
+      <p:sp>
+        <p:nvSpPr>
+          <p:cNvPr id="8" name="TextBox 7"/>
+          <p:cNvSpPr txBox="1"/>
+          <p:nvPr/>
+        </p:nvSpPr>
+        <p:spPr>
+          <a:xfrm>
+            <a:off x="0" y="6550223"/>
+            <a:ext cx="12192000" cy="307777"/>
+          </a:xfrm>
+          <a:prstGeom prst="rect">
+            <a:avLst/>
+          </a:prstGeom>
+          <a:noFill/>
+        </p:spPr>
+        <p:txBody>
+          <a:bodyPr wrap="square" rtlCol="0">
+            <a:spAutoFit/>
+          </a:bodyPr>
+          <a:lstStyle/>
+          <a:p>
+            <a:r>
+              <a:rPr lang="nl-NL" sz="1400" dirty="0" smtClean="0">
+                <a:solidFill>
+                  <a:schemeClr val="bg1"/>
+                </a:solidFill>
+              </a:rPr>
+              <a:t>[4]: </a:t>
+            </a:r>
+            <a:r>
+              <a:rPr lang="nl-NL" sz="1400" dirty="0">
+                <a:solidFill>
+                  <a:schemeClr val="bg1"/>
+                </a:solidFill>
+              </a:rPr>
+              <a:t>https://gilly.space/Kelvin.html</a:t>
+            </a:r>
+            <a:endParaRPr lang="nl-NL" sz="1400" dirty="0">
+              <a:solidFill>
+                <a:schemeClr val="bg1"/>
+              </a:solidFill>
+            </a:endParaRPr>
+          </a:p>
+        </p:txBody>
+      </p:sp>
+      <p:sp>
+        <p:nvSpPr>
+          <p:cNvPr id="9" name="TextBox 8"/>
+          <p:cNvSpPr txBox="1"/>
+          <p:nvPr/>
+        </p:nvSpPr>
+        <p:spPr>
+          <a:xfrm>
+            <a:off x="5800725" y="4448557"/>
+            <a:ext cx="440872" cy="369332"/>
+          </a:xfrm>
+          <a:prstGeom prst="rect">
+            <a:avLst/>
+          </a:prstGeom>
+          <a:noFill/>
+        </p:spPr>
+        <p:txBody>
+          <a:bodyPr wrap="square" rtlCol="0">
+            <a:spAutoFit/>
+          </a:bodyPr>
+          <a:lstStyle/>
+          <a:p>
+            <a:r>
+              <a:rPr lang="en-US" dirty="0" smtClean="0">
+                <a:solidFill>
+                  <a:schemeClr val="bg1"/>
+                </a:solidFill>
+              </a:rPr>
+              <a:t>[4]</a:t>
+            </a:r>
+            <a:endParaRPr lang="nl-NL" dirty="0">
+              <a:solidFill>
+                <a:schemeClr val="bg1"/>
+              </a:solidFill>
+            </a:endParaRPr>
+          </a:p>
+        </p:txBody>
+      </p:sp>
       <p:pic>
         <p:nvPicPr>
-          <p:cNvPr id="18" name="Content Placeholder 12">
-            <a:extLst>
-              <a:ext uri="{FF2B5EF4-FFF2-40B4-BE49-F238E27FC236}">
-                <a16:creationId xmlns:a16="http://schemas.microsoft.com/office/drawing/2014/main" xmlns="" id="{C4A49D2A-4082-45B0-928E-9B51AB6D46B9}"/>
+          <p:cNvPr id="13" name="Content Placeholder 12">
+            <a:extLst>
+              <a:ext uri="{FF2B5EF4-FFF2-40B4-BE49-F238E27FC236}">
+                <a16:creationId xmlns="" xmlns:a16="http://schemas.microsoft.com/office/drawing/2014/main" id="{C4A49D2A-4082-45B0-928E-9B51AB6D46B9}"/>
               </a:ext>
             </a:extLst>
           </p:cNvPr>
@@ -5488,7 +5430,7 @@
         </p:blipFill>
         <p:spPr>
           <a:xfrm>
-            <a:off x="0" y="6311900"/>
+            <a:off x="0" y="0"/>
             <a:ext cx="12192000" cy="546100"/>
           </a:xfrm>
           <a:prstGeom prst="rect">
@@ -5498,20 +5440,14 @@
       </p:pic>
       <p:sp>
         <p:nvSpPr>
-          <p:cNvPr id="20" name="TextBox 19">
-            <a:extLst>
-              <a:ext uri="{FF2B5EF4-FFF2-40B4-BE49-F238E27FC236}">
-                <a16:creationId xmlns:a16="http://schemas.microsoft.com/office/drawing/2014/main" xmlns="" id="{640B383B-A8E3-4968-820E-3A53DB7BA425}"/>
-              </a:ext>
-            </a:extLst>
-          </p:cNvPr>
+          <p:cNvPr id="14" name="TextBox 13"/>
           <p:cNvSpPr txBox="1"/>
           <p:nvPr/>
         </p:nvSpPr>
         <p:spPr>
           <a:xfrm>
-            <a:off x="11621769" y="6311900"/>
-            <a:ext cx="430531" cy="461665"/>
+            <a:off x="0" y="19957"/>
+            <a:ext cx="11821886" cy="523220"/>
           </a:xfrm>
           <a:prstGeom prst="rect">
             <a:avLst/>
@@ -5525,140 +5461,89 @@
           <a:lstStyle/>
           <a:p>
             <a:r>
-              <a:rPr lang="en-GB" sz="2400" b="1" dirty="0">
+              <a:rPr lang="en-US" sz="2800" dirty="0" smtClean="0">
                 <a:solidFill>
                   <a:schemeClr val="bg1"/>
                 </a:solidFill>
-                <a:latin typeface="Montserrat" panose="00000500000000000000" pitchFamily="2" charset="0"/>
               </a:rPr>
-              <a:t>2</a:t>
-            </a:r>
-            <a:endParaRPr lang="x-none" sz="2400" b="1" dirty="0">
+              <a:t>Theory: Kelvin-Helmholtz instabilities</a:t>
+            </a:r>
+            <a:endParaRPr lang="nl-NL" dirty="0">
               <a:solidFill>
                 <a:schemeClr val="bg1"/>
               </a:solidFill>
-              <a:latin typeface="Montserrat" panose="00000500000000000000" pitchFamily="2" charset="0"/>
             </a:endParaRPr>
           </a:p>
         </p:txBody>
       </p:sp>
-      <p:sp>
-        <p:nvSpPr>
-          <p:cNvPr id="22" name="TextBox 21">
-            <a:extLst>
-              <a:ext uri="{FF2B5EF4-FFF2-40B4-BE49-F238E27FC236}">
-                <a16:creationId xmlns:a16="http://schemas.microsoft.com/office/drawing/2014/main" xmlns="" id="{6CDFA706-9F39-4DAC-B205-3B6EBDD1EC4F}"/>
-              </a:ext>
-            </a:extLst>
-          </p:cNvPr>
-          <p:cNvSpPr txBox="1"/>
+      <p:pic>
+        <p:nvPicPr>
+          <p:cNvPr id="3077" name="Picture 5"/>
+          <p:cNvPicPr>
+            <a:picLocks noChangeAspect="1" noChangeArrowheads="1"/>
+          </p:cNvPicPr>
           <p:nvPr/>
-        </p:nvSpPr>
-        <p:spPr>
+        </p:nvPicPr>
+        <p:blipFill>
+          <a:blip r:embed="rId3">
+            <a:extLst>
+              <a:ext uri="{28A0092B-C50C-407E-A947-70E740481C1C}">
+                <a14:useLocalDpi xmlns:a14="http://schemas.microsoft.com/office/drawing/2010/main" val="0"/>
+              </a:ext>
+            </a:extLst>
+          </a:blip>
+          <a:srcRect/>
+          <a:stretch>
+            <a:fillRect/>
+          </a:stretch>
+        </p:blipFill>
+        <p:spPr bwMode="auto">
           <a:xfrm>
-            <a:off x="0" y="6354117"/>
-            <a:ext cx="6096000" cy="461665"/>
+            <a:off x="2081893" y="2038756"/>
+            <a:ext cx="8028214" cy="2223002"/>
           </a:xfrm>
           <a:prstGeom prst="rect">
             <a:avLst/>
           </a:prstGeom>
           <a:noFill/>
-        </p:spPr>
-        <p:txBody>
-          <a:bodyPr wrap="square">
-            <a:spAutoFit/>
-          </a:bodyPr>
-          <a:lstStyle/>
-          <a:p>
-            <a:r>
-              <a:rPr lang="en-GB" sz="2400" dirty="0">
-                <a:solidFill>
-                  <a:schemeClr val="bg1"/>
-                </a:solidFill>
-                <a:latin typeface="Montserrat" panose="00000500000000000000" pitchFamily="2" charset="0"/>
-              </a:rPr>
-              <a:t>Theory: Kelvin-Helmholtz Instabilities</a:t>
-            </a:r>
-            <a:endParaRPr lang="x-none" sz="2400" dirty="0"/>
-          </a:p>
-        </p:txBody>
-      </p:sp>
-      <p:pic>
-        <p:nvPicPr>
-          <p:cNvPr id="5" name="Picture 4" descr="Shape, circle&#10;&#10;Description automatically generated">
-            <a:extLst>
-              <a:ext uri="{FF2B5EF4-FFF2-40B4-BE49-F238E27FC236}">
-                <a16:creationId xmlns:a16="http://schemas.microsoft.com/office/drawing/2014/main" xmlns="" id="{842531F3-C016-4EC4-A52E-9ACBA20373C7}"/>
-              </a:ext>
-            </a:extLst>
-          </p:cNvPr>
-          <p:cNvPicPr>
-            <a:picLocks noChangeAspect="1"/>
-          </p:cNvPicPr>
-          <p:nvPr/>
-        </p:nvPicPr>
-        <p:blipFill>
-          <a:blip r:embed="rId3">
-            <a:extLst>
-              <a:ext uri="{28A0092B-C50C-407E-A947-70E740481C1C}">
-                <a14:useLocalDpi xmlns:a14="http://schemas.microsoft.com/office/drawing/2010/main" val="0"/>
-              </a:ext>
-            </a:extLst>
-          </a:blip>
-          <a:stretch>
-            <a:fillRect/>
-          </a:stretch>
-        </p:blipFill>
-        <p:spPr>
-          <a:xfrm>
-            <a:off x="1398586" y="1687484"/>
-            <a:ext cx="6078853" cy="4180168"/>
-          </a:xfrm>
-          <a:prstGeom prst="rect">
-            <a:avLst/>
-          </a:prstGeom>
-        </p:spPr>
-      </p:pic>
-      <p:pic>
-        <p:nvPicPr>
-          <p:cNvPr id="9" name="Picture 8" descr="Diagram&#10;&#10;Description automatically generated">
-            <a:extLst>
-              <a:ext uri="{FF2B5EF4-FFF2-40B4-BE49-F238E27FC236}">
-                <a16:creationId xmlns:a16="http://schemas.microsoft.com/office/drawing/2014/main" xmlns="" id="{D0F415E6-8F9D-434E-83E1-F491B24D9316}"/>
-              </a:ext>
-            </a:extLst>
-          </p:cNvPr>
-          <p:cNvPicPr>
-            <a:picLocks noChangeAspect="1"/>
-          </p:cNvPicPr>
-          <p:nvPr/>
-        </p:nvPicPr>
-        <p:blipFill>
-          <a:blip r:embed="rId4">
-            <a:extLst>
-              <a:ext uri="{28A0092B-C50C-407E-A947-70E740481C1C}">
-                <a14:useLocalDpi xmlns:a14="http://schemas.microsoft.com/office/drawing/2010/main" val="0"/>
-              </a:ext>
-            </a:extLst>
-          </a:blip>
-          <a:stretch>
-            <a:fillRect/>
-          </a:stretch>
-        </p:blipFill>
-        <p:spPr>
-          <a:xfrm>
-            <a:off x="4048045" y="1968160"/>
-            <a:ext cx="7711248" cy="3020995"/>
-          </a:xfrm>
-          <a:prstGeom prst="rect">
-            <a:avLst/>
-          </a:prstGeom>
+          <a:ln>
+            <a:noFill/>
+          </a:ln>
+          <a:effectLst/>
+          <a:extLst>
+            <a:ext uri="{909E8E84-426E-40DD-AFC4-6F175D3DCCD1}">
+              <a14:hiddenFill xmlns:a14="http://schemas.microsoft.com/office/drawing/2010/main">
+                <a:solidFill>
+                  <a:schemeClr val="accent1"/>
+                </a:solidFill>
+              </a14:hiddenFill>
+            </a:ext>
+            <a:ext uri="{91240B29-F687-4F45-9708-019B960494DF}">
+              <a14:hiddenLine xmlns:a14="http://schemas.microsoft.com/office/drawing/2010/main" w="9525">
+                <a:solidFill>
+                  <a:schemeClr val="tx1"/>
+                </a:solidFill>
+                <a:miter lim="800000"/>
+                <a:headEnd/>
+                <a:tailEnd/>
+              </a14:hiddenLine>
+            </a:ext>
+            <a:ext uri="{AF507438-7753-43E0-B8FC-AC1667EBCBE1}">
+              <a14:hiddenEffects xmlns:a14="http://schemas.microsoft.com/office/drawing/2010/main">
+                <a:effectLst>
+                  <a:outerShdw dist="35921" dir="2700000" algn="ctr" rotWithShape="0">
+                    <a:schemeClr val="bg2"/>
+                  </a:outerShdw>
+                </a:effectLst>
+              </a14:hiddenEffects>
+            </a:ext>
+          </a:extLst>
         </p:spPr>
       </p:pic>
     </p:spTree>
     <p:extLst>
       <p:ext uri="{BB962C8B-B14F-4D97-AF65-F5344CB8AC3E}">
-        <p14:creationId xmlns:p14="http://schemas.microsoft.com/office/powerpoint/2010/main" val="3577708513"/>
+        <p14:creationId xmlns:p14="http://schemas.microsoft.com/office/powerpoint/2010/main" val="136031490"/>
       </p:ext>
     </p:extLst>
   </p:cSld>
@@ -5694,172 +5579,10 @@
       </p:grpSpPr>
       <p:pic>
         <p:nvPicPr>
-          <p:cNvPr id="7" name="Picture 4" descr="11: The Kelvin-Helmholtz instability is visible by clouds. Source: Brooks Martner, NOAA/ETL  "/>
-          <p:cNvPicPr>
-            <a:picLocks noChangeAspect="1" noChangeArrowheads="1"/>
-          </p:cNvPicPr>
-          <p:nvPr/>
-        </p:nvPicPr>
-        <p:blipFill>
-          <a:blip r:embed="rId2">
-            <a:extLst>
-              <a:ext uri="{28A0092B-C50C-407E-A947-70E740481C1C}">
-                <a14:useLocalDpi xmlns:a14="http://schemas.microsoft.com/office/drawing/2010/main" val="0"/>
-              </a:ext>
-            </a:extLst>
-          </a:blip>
-          <a:srcRect/>
-          <a:stretch>
-            <a:fillRect/>
-          </a:stretch>
-        </p:blipFill>
-        <p:spPr bwMode="auto">
-          <a:xfrm>
-            <a:off x="1288211" y="2117509"/>
-            <a:ext cx="4419600" cy="2223611"/>
-          </a:xfrm>
-          <a:prstGeom prst="rect">
-            <a:avLst/>
-          </a:prstGeom>
-          <a:noFill/>
-          <a:extLst>
-            <a:ext uri="{909E8E84-426E-40DD-AFC4-6F175D3DCCD1}">
-              <a14:hiddenFill xmlns:a14="http://schemas.microsoft.com/office/drawing/2010/main">
-                <a:solidFill>
-                  <a:srgbClr val="FFFFFF"/>
-                </a:solidFill>
-              </a14:hiddenFill>
-            </a:ext>
-          </a:extLst>
-        </p:spPr>
-      </p:pic>
-      <p:pic>
-        <p:nvPicPr>
-          <p:cNvPr id="10" name="Picture 6" descr="Measurements of Kelvin-Helmholtz Waves in Earth's Magnetic Field - Eos"/>
-          <p:cNvPicPr>
-            <a:picLocks noChangeAspect="1" noChangeArrowheads="1"/>
-          </p:cNvPicPr>
-          <p:nvPr/>
-        </p:nvPicPr>
-        <p:blipFill>
-          <a:blip r:embed="rId3">
-            <a:extLst>
-              <a:ext uri="{28A0092B-C50C-407E-A947-70E740481C1C}">
-                <a14:useLocalDpi xmlns:a14="http://schemas.microsoft.com/office/drawing/2010/main" val="0"/>
-              </a:ext>
-            </a:extLst>
-          </a:blip>
-          <a:srcRect/>
-          <a:stretch>
-            <a:fillRect/>
-          </a:stretch>
-        </p:blipFill>
-        <p:spPr bwMode="auto">
-          <a:xfrm>
-            <a:off x="7056259" y="1896595"/>
-            <a:ext cx="3728086" cy="2796065"/>
-          </a:xfrm>
-          <a:prstGeom prst="rect">
-            <a:avLst/>
-          </a:prstGeom>
-          <a:noFill/>
-          <a:extLst>
-            <a:ext uri="{909E8E84-426E-40DD-AFC4-6F175D3DCCD1}">
-              <a14:hiddenFill xmlns:a14="http://schemas.microsoft.com/office/drawing/2010/main">
-                <a:solidFill>
-                  <a:srgbClr val="FFFFFF"/>
-                </a:solidFill>
-              </a14:hiddenFill>
-            </a:ext>
-          </a:extLst>
-        </p:spPr>
-      </p:pic>
-      <p:sp>
-        <p:nvSpPr>
-          <p:cNvPr id="11" name="TextBox 10"/>
-          <p:cNvSpPr txBox="1"/>
-          <p:nvPr/>
-        </p:nvSpPr>
-        <p:spPr>
-          <a:xfrm>
-            <a:off x="0" y="6334780"/>
-            <a:ext cx="12192000" cy="523220"/>
-          </a:xfrm>
-          <a:prstGeom prst="rect">
-            <a:avLst/>
-          </a:prstGeom>
-          <a:noFill/>
-        </p:spPr>
-        <p:txBody>
-          <a:bodyPr wrap="square" rtlCol="0">
-            <a:spAutoFit/>
-          </a:bodyPr>
-          <a:lstStyle/>
-          <a:p>
-            <a:r>
-              <a:rPr lang="nl-NL" sz="1400" dirty="0" smtClean="0">
-                <a:solidFill>
-                  <a:schemeClr val="bg1"/>
-                </a:solidFill>
-              </a:rPr>
-              <a:t>[1]: https</a:t>
-            </a:r>
-            <a:r>
-              <a:rPr lang="nl-NL" sz="1400" dirty="0">
-                <a:solidFill>
-                  <a:schemeClr val="bg1"/>
-                </a:solidFill>
-              </a:rPr>
-              <a:t>://</a:t>
-            </a:r>
-            <a:r>
-              <a:rPr lang="nl-NL" sz="1400" dirty="0" smtClean="0">
-                <a:solidFill>
-                  <a:schemeClr val="bg1"/>
-                </a:solidFill>
-              </a:rPr>
-              <a:t>www.researchgate.net/figure/The-Kelvin-Helmholtz-instability-is-visible-by-clouds-Source-Brooks-Martner-NOAA-ETL_fig9_279953803</a:t>
-            </a:r>
-          </a:p>
-          <a:p>
-            <a:r>
-              <a:rPr lang="en-US" sz="1400" dirty="0" smtClean="0">
-                <a:solidFill>
-                  <a:schemeClr val="bg1"/>
-                </a:solidFill>
-              </a:rPr>
-              <a:t>[2]: </a:t>
-            </a:r>
-            <a:r>
-              <a:rPr lang="nl-NL" sz="1400" dirty="0" smtClean="0">
-                <a:solidFill>
-                  <a:schemeClr val="bg1"/>
-                </a:solidFill>
-              </a:rPr>
-              <a:t>https</a:t>
-            </a:r>
-            <a:r>
-              <a:rPr lang="nl-NL" sz="1400" dirty="0">
-                <a:solidFill>
-                  <a:schemeClr val="bg1"/>
-                </a:solidFill>
-              </a:rPr>
-              <a:t>://eos.org/research-spotlights/measurements-of-kelvin-helmholtz-waves-in-earths-magnetic-field</a:t>
-            </a:r>
-            <a:endParaRPr lang="nl-NL" sz="1400" dirty="0">
-              <a:solidFill>
-                <a:schemeClr val="bg1"/>
-              </a:solidFill>
-            </a:endParaRPr>
-          </a:p>
-        </p:txBody>
-      </p:sp>
-      <p:pic>
-        <p:nvPicPr>
-          <p:cNvPr id="13" name="Content Placeholder 12">
-            <a:extLst>
-              <a:ext uri="{FF2B5EF4-FFF2-40B4-BE49-F238E27FC236}">
-                <a16:creationId xmlns:a16="http://schemas.microsoft.com/office/drawing/2014/main" xmlns="" id="{C4A49D2A-4082-45B0-928E-9B51AB6D46B9}"/>
+          <p:cNvPr id="5" name="Content Placeholder 12">
+            <a:extLst>
+              <a:ext uri="{FF2B5EF4-FFF2-40B4-BE49-F238E27FC236}">
+                <a16:creationId xmlns="" xmlns:a16="http://schemas.microsoft.com/office/drawing/2014/main" id="{C4A49D2A-4082-45B0-928E-9B51AB6D46B9}"/>
               </a:ext>
             </a:extLst>
           </p:cNvPr>
@@ -5869,7 +5592,7 @@
           <p:nvPr/>
         </p:nvPicPr>
         <p:blipFill rotWithShape="1">
-          <a:blip r:embed="rId4">
+          <a:blip r:embed="rId2">
             <a:extLst>
               <a:ext uri="{28A0092B-C50C-407E-A947-70E740481C1C}">
                 <a14:useLocalDpi xmlns:a14="http://schemas.microsoft.com/office/drawing/2010/main" val="0"/>
@@ -5891,7 +5614,7 @@
       </p:pic>
       <p:sp>
         <p:nvSpPr>
-          <p:cNvPr id="2" name="TextBox 1"/>
+          <p:cNvPr id="7" name="TextBox 6"/>
           <p:cNvSpPr txBox="1"/>
           <p:nvPr/>
         </p:nvSpPr>
@@ -5917,7 +5640,7 @@
                   <a:schemeClr val="bg1"/>
                 </a:solidFill>
               </a:rPr>
-              <a:t>Introduction</a:t>
+              <a:t>Theory: Kelvin-Helmholtz instabilities</a:t>
             </a:r>
             <a:endParaRPr lang="nl-NL" dirty="0">
               <a:solidFill>
@@ -5927,424 +5650,8 @@
           </a:p>
         </p:txBody>
       </p:sp>
-      <p:sp>
-        <p:nvSpPr>
-          <p:cNvPr id="3" name="TextBox 2"/>
-          <p:cNvSpPr txBox="1"/>
-          <p:nvPr/>
-        </p:nvSpPr>
-        <p:spPr>
-          <a:xfrm>
-            <a:off x="3277575" y="4425043"/>
-            <a:ext cx="440872" cy="369332"/>
-          </a:xfrm>
-          <a:prstGeom prst="rect">
-            <a:avLst/>
-          </a:prstGeom>
-          <a:noFill/>
-        </p:spPr>
-        <p:txBody>
-          <a:bodyPr wrap="square" rtlCol="0">
-            <a:spAutoFit/>
-          </a:bodyPr>
-          <a:lstStyle/>
-          <a:p>
-            <a:r>
-              <a:rPr lang="en-US" dirty="0" smtClean="0">
-                <a:solidFill>
-                  <a:schemeClr val="bg1"/>
-                </a:solidFill>
-              </a:rPr>
-              <a:t>[1]</a:t>
-            </a:r>
-            <a:endParaRPr lang="nl-NL" dirty="0">
-              <a:solidFill>
-                <a:schemeClr val="bg1"/>
-              </a:solidFill>
-            </a:endParaRPr>
-          </a:p>
-        </p:txBody>
-      </p:sp>
-      <p:sp>
-        <p:nvSpPr>
-          <p:cNvPr id="15" name="TextBox 14"/>
-          <p:cNvSpPr txBox="1"/>
-          <p:nvPr/>
-        </p:nvSpPr>
-        <p:spPr>
-          <a:xfrm>
-            <a:off x="8699866" y="4762109"/>
-            <a:ext cx="440872" cy="369332"/>
-          </a:xfrm>
-          <a:prstGeom prst="rect">
-            <a:avLst/>
-          </a:prstGeom>
-          <a:noFill/>
-        </p:spPr>
-        <p:txBody>
-          <a:bodyPr wrap="square" rtlCol="0">
-            <a:spAutoFit/>
-          </a:bodyPr>
-          <a:lstStyle/>
-          <a:p>
-            <a:r>
-              <a:rPr lang="en-US" dirty="0" smtClean="0">
-                <a:solidFill>
-                  <a:schemeClr val="bg1"/>
-                </a:solidFill>
-              </a:rPr>
-              <a:t>[2]</a:t>
-            </a:r>
-            <a:endParaRPr lang="nl-NL" dirty="0">
-              <a:solidFill>
-                <a:schemeClr val="bg1"/>
-              </a:solidFill>
-            </a:endParaRPr>
-          </a:p>
-        </p:txBody>
-      </p:sp>
-    </p:spTree>
-    <p:extLst>
-      <p:ext uri="{BB962C8B-B14F-4D97-AF65-F5344CB8AC3E}">
-        <p14:creationId xmlns:p14="http://schemas.microsoft.com/office/powerpoint/2010/main" val="3072929828"/>
-      </p:ext>
-    </p:extLst>
-  </p:cSld>
-  <p:clrMapOvr>
-    <a:masterClrMapping/>
-  </p:clrMapOvr>
-  <p:timing>
-    <p:tnLst>
-      <p:par>
-        <p:cTn id="1" dur="indefinite" restart="never" nodeType="tmRoot"/>
-      </p:par>
-    </p:tnLst>
-  </p:timing>
-</p:sld>
-</file>
-
-<file path=ppt/slides/slide5.xml><?xml version="1.0" encoding="utf-8"?>
-<p:sld xmlns:a="http://schemas.openxmlformats.org/drawingml/2006/main" xmlns:r="http://schemas.openxmlformats.org/officeDocument/2006/relationships" xmlns:p="http://schemas.openxmlformats.org/presentationml/2006/main">
-  <p:cSld>
-    <p:spTree>
-      <p:nvGrpSpPr>
-        <p:cNvPr id="1" name=""/>
-        <p:cNvGrpSpPr/>
-        <p:nvPr/>
-      </p:nvGrpSpPr>
-      <p:grpSpPr>
-        <a:xfrm>
-          <a:off x="0" y="0"/>
-          <a:ext cx="0" cy="0"/>
-          <a:chOff x="0" y="0"/>
-          <a:chExt cx="0" cy="0"/>
-        </a:xfrm>
-      </p:grpSpPr>
-      <p:pic>
-        <p:nvPicPr>
-          <p:cNvPr id="6" name="Picture 2" descr="Kelvin-Helmholtz instability in shear flow. A small velocity perturbation, perpendicular to the shear flow direction, initiates a Kelvin-Helmholtz instability and causes roll up of the shear layers."/>
-          <p:cNvPicPr>
-            <a:picLocks noChangeAspect="1" noChangeArrowheads="1"/>
-          </p:cNvPicPr>
-          <p:nvPr/>
-        </p:nvPicPr>
-        <p:blipFill>
-          <a:blip r:embed="rId2">
-            <a:extLst>
-              <a:ext uri="{28A0092B-C50C-407E-A947-70E740481C1C}">
-                <a14:useLocalDpi xmlns:a14="http://schemas.microsoft.com/office/drawing/2010/main" val="0"/>
-              </a:ext>
-            </a:extLst>
-          </a:blip>
-          <a:srcRect/>
-          <a:stretch>
-            <a:fillRect/>
-          </a:stretch>
-        </p:blipFill>
-        <p:spPr bwMode="auto">
-          <a:xfrm>
-            <a:off x="1973036" y="1958093"/>
-            <a:ext cx="8096250" cy="2209801"/>
-          </a:xfrm>
-          <a:prstGeom prst="rect">
-            <a:avLst/>
-          </a:prstGeom>
-          <a:noFill/>
-          <a:extLst>
-            <a:ext uri="{909E8E84-426E-40DD-AFC4-6F175D3DCCD1}">
-              <a14:hiddenFill xmlns:a14="http://schemas.microsoft.com/office/drawing/2010/main">
-                <a:solidFill>
-                  <a:srgbClr val="FFFFFF"/>
-                </a:solidFill>
-              </a14:hiddenFill>
-            </a:ext>
-          </a:extLst>
-        </p:spPr>
-      </p:pic>
-      <p:sp>
-        <p:nvSpPr>
-          <p:cNvPr id="8" name="TextBox 7"/>
-          <p:cNvSpPr txBox="1"/>
-          <p:nvPr/>
-        </p:nvSpPr>
-        <p:spPr>
-          <a:xfrm>
-            <a:off x="0" y="6550223"/>
-            <a:ext cx="12192000" cy="307777"/>
-          </a:xfrm>
-          <a:prstGeom prst="rect">
-            <a:avLst/>
-          </a:prstGeom>
-          <a:noFill/>
-        </p:spPr>
-        <p:txBody>
-          <a:bodyPr wrap="square" rtlCol="0">
-            <a:spAutoFit/>
-          </a:bodyPr>
-          <a:lstStyle/>
-          <a:p>
-            <a:r>
-              <a:rPr lang="nl-NL" sz="1400" dirty="0" smtClean="0">
-                <a:solidFill>
-                  <a:schemeClr val="bg1"/>
-                </a:solidFill>
-              </a:rPr>
-              <a:t>[3]: https</a:t>
-            </a:r>
-            <a:r>
-              <a:rPr lang="nl-NL" sz="1400" dirty="0">
-                <a:solidFill>
-                  <a:schemeClr val="bg1"/>
-                </a:solidFill>
-              </a:rPr>
-              <a:t>://www.researchgate.net/figure/Kelvin-Helmholtz-instability-in-shear-flow-A-small-velocity-perturbation-perpendicular_fig4_307173953</a:t>
-            </a:r>
-          </a:p>
-        </p:txBody>
-      </p:sp>
-      <p:sp>
-        <p:nvSpPr>
-          <p:cNvPr id="9" name="TextBox 8"/>
-          <p:cNvSpPr txBox="1"/>
-          <p:nvPr/>
-        </p:nvSpPr>
-        <p:spPr>
-          <a:xfrm>
-            <a:off x="5800725" y="4261758"/>
-            <a:ext cx="440872" cy="369332"/>
-          </a:xfrm>
-          <a:prstGeom prst="rect">
-            <a:avLst/>
-          </a:prstGeom>
-          <a:noFill/>
-        </p:spPr>
-        <p:txBody>
-          <a:bodyPr wrap="square" rtlCol="0">
-            <a:spAutoFit/>
-          </a:bodyPr>
-          <a:lstStyle/>
-          <a:p>
-            <a:r>
-              <a:rPr lang="en-US" dirty="0" smtClean="0">
-                <a:solidFill>
-                  <a:schemeClr val="bg1"/>
-                </a:solidFill>
-              </a:rPr>
-              <a:t>[3]</a:t>
-            </a:r>
-            <a:endParaRPr lang="nl-NL" dirty="0">
-              <a:solidFill>
-                <a:schemeClr val="bg1"/>
-              </a:solidFill>
-            </a:endParaRPr>
-          </a:p>
-        </p:txBody>
-      </p:sp>
-      <p:pic>
-        <p:nvPicPr>
-          <p:cNvPr id="13" name="Content Placeholder 12">
-            <a:extLst>
-              <a:ext uri="{FF2B5EF4-FFF2-40B4-BE49-F238E27FC236}">
-                <a16:creationId xmlns:a16="http://schemas.microsoft.com/office/drawing/2014/main" xmlns="" id="{C4A49D2A-4082-45B0-928E-9B51AB6D46B9}"/>
-              </a:ext>
-            </a:extLst>
-          </p:cNvPr>
-          <p:cNvPicPr>
-            <a:picLocks noChangeAspect="1"/>
-          </p:cNvPicPr>
-          <p:nvPr/>
-        </p:nvPicPr>
-        <p:blipFill rotWithShape="1">
-          <a:blip r:embed="rId3">
-            <a:extLst>
-              <a:ext uri="{28A0092B-C50C-407E-A947-70E740481C1C}">
-                <a14:useLocalDpi xmlns:a14="http://schemas.microsoft.com/office/drawing/2010/main" val="0"/>
-              </a:ext>
-            </a:extLst>
-          </a:blip>
-          <a:srcRect l="1510" r="-1"/>
-          <a:stretch/>
-        </p:blipFill>
-        <p:spPr>
-          <a:xfrm>
-            <a:off x="0" y="0"/>
-            <a:ext cx="12192000" cy="546100"/>
-          </a:xfrm>
-          <a:prstGeom prst="rect">
-            <a:avLst/>
-          </a:prstGeom>
-        </p:spPr>
-      </p:pic>
-      <p:sp>
-        <p:nvSpPr>
-          <p:cNvPr id="14" name="TextBox 13"/>
-          <p:cNvSpPr txBox="1"/>
-          <p:nvPr/>
-        </p:nvSpPr>
-        <p:spPr>
-          <a:xfrm>
-            <a:off x="0" y="19957"/>
-            <a:ext cx="11821886" cy="523220"/>
-          </a:xfrm>
-          <a:prstGeom prst="rect">
-            <a:avLst/>
-          </a:prstGeom>
-          <a:noFill/>
-        </p:spPr>
-        <p:txBody>
-          <a:bodyPr wrap="square" rtlCol="0">
-            <a:spAutoFit/>
-          </a:bodyPr>
-          <a:lstStyle/>
-          <a:p>
-            <a:r>
-              <a:rPr lang="en-US" sz="2800" dirty="0" smtClean="0">
-                <a:solidFill>
-                  <a:schemeClr val="bg1"/>
-                </a:solidFill>
-              </a:rPr>
-              <a:t>Theory: Kelvin-Helmholtz instabilities</a:t>
-            </a:r>
-            <a:endParaRPr lang="nl-NL" dirty="0">
-              <a:solidFill>
-                <a:schemeClr val="bg1"/>
-              </a:solidFill>
-            </a:endParaRPr>
-          </a:p>
-        </p:txBody>
-      </p:sp>
-    </p:spTree>
-    <p:extLst>
-      <p:ext uri="{BB962C8B-B14F-4D97-AF65-F5344CB8AC3E}">
-        <p14:creationId xmlns:p14="http://schemas.microsoft.com/office/powerpoint/2010/main" val="136031490"/>
-      </p:ext>
-    </p:extLst>
-  </p:cSld>
-  <p:clrMapOvr>
-    <a:masterClrMapping/>
-  </p:clrMapOvr>
-  <p:timing>
-    <p:tnLst>
-      <p:par>
-        <p:cTn id="1" dur="indefinite" restart="never" nodeType="tmRoot"/>
-      </p:par>
-    </p:tnLst>
-  </p:timing>
-</p:sld>
-</file>
-
-<file path=ppt/slides/slide6.xml><?xml version="1.0" encoding="utf-8"?>
-<p:sld xmlns:a="http://schemas.openxmlformats.org/drawingml/2006/main" xmlns:r="http://schemas.openxmlformats.org/officeDocument/2006/relationships" xmlns:p="http://schemas.openxmlformats.org/presentationml/2006/main">
-  <p:cSld>
-    <p:spTree>
-      <p:nvGrpSpPr>
-        <p:cNvPr id="1" name=""/>
-        <p:cNvGrpSpPr/>
-        <p:nvPr/>
-      </p:nvGrpSpPr>
-      <p:grpSpPr>
-        <a:xfrm>
-          <a:off x="0" y="0"/>
-          <a:ext cx="0" cy="0"/>
-          <a:chOff x="0" y="0"/>
-          <a:chExt cx="0" cy="0"/>
-        </a:xfrm>
-      </p:grpSpPr>
-      <p:pic>
-        <p:nvPicPr>
-          <p:cNvPr id="5" name="Content Placeholder 12">
-            <a:extLst>
-              <a:ext uri="{FF2B5EF4-FFF2-40B4-BE49-F238E27FC236}">
-                <a16:creationId xmlns:a16="http://schemas.microsoft.com/office/drawing/2014/main" xmlns="" id="{C4A49D2A-4082-45B0-928E-9B51AB6D46B9}"/>
-              </a:ext>
-            </a:extLst>
-          </p:cNvPr>
-          <p:cNvPicPr>
-            <a:picLocks noChangeAspect="1"/>
-          </p:cNvPicPr>
-          <p:nvPr/>
-        </p:nvPicPr>
-        <p:blipFill rotWithShape="1">
-          <a:blip r:embed="rId2">
-            <a:extLst>
-              <a:ext uri="{28A0092B-C50C-407E-A947-70E740481C1C}">
-                <a14:useLocalDpi xmlns:a14="http://schemas.microsoft.com/office/drawing/2010/main" val="0"/>
-              </a:ext>
-            </a:extLst>
-          </a:blip>
-          <a:srcRect l="1510" r="-1"/>
-          <a:stretch/>
-        </p:blipFill>
-        <p:spPr>
-          <a:xfrm>
-            <a:off x="0" y="0"/>
-            <a:ext cx="12192000" cy="546100"/>
-          </a:xfrm>
-          <a:prstGeom prst="rect">
-            <a:avLst/>
-          </a:prstGeom>
-        </p:spPr>
-      </p:pic>
-      <p:sp>
-        <p:nvSpPr>
-          <p:cNvPr id="7" name="TextBox 6"/>
-          <p:cNvSpPr txBox="1"/>
-          <p:nvPr/>
-        </p:nvSpPr>
-        <p:spPr>
-          <a:xfrm>
-            <a:off x="0" y="19957"/>
-            <a:ext cx="11821886" cy="523220"/>
-          </a:xfrm>
-          <a:prstGeom prst="rect">
-            <a:avLst/>
-          </a:prstGeom>
-          <a:noFill/>
-        </p:spPr>
-        <p:txBody>
-          <a:bodyPr wrap="square" rtlCol="0">
-            <a:spAutoFit/>
-          </a:bodyPr>
-          <a:lstStyle/>
-          <a:p>
-            <a:r>
-              <a:rPr lang="en-US" sz="2800" dirty="0" smtClean="0">
-                <a:solidFill>
-                  <a:schemeClr val="bg1"/>
-                </a:solidFill>
-              </a:rPr>
-              <a:t>Theory: Kelvin-Helmholtz instabilities</a:t>
-            </a:r>
-            <a:endParaRPr lang="nl-NL" dirty="0">
-              <a:solidFill>
-                <a:schemeClr val="bg1"/>
-              </a:solidFill>
-            </a:endParaRPr>
-          </a:p>
-        </p:txBody>
-      </p:sp>
-      <mc:AlternateContent xmlns:mc="http://schemas.openxmlformats.org/markup-compatibility/2006">
-        <mc:Choice xmlns:a14="http://schemas.microsoft.com/office/drawing/2010/main" Requires="a14">
+      <mc:AlternateContent xmlns:mc="http://schemas.openxmlformats.org/markup-compatibility/2006" xmlns:a14="http://schemas.microsoft.com/office/drawing/2010/main">
+        <mc:Choice Requires="a14">
           <p:sp>
             <p:nvSpPr>
               <p:cNvPr id="2" name="TextBox 1"/>
@@ -6384,7 +5691,6 @@
                 </a:endParaRPr>
               </a:p>
               <a:p>
-                <a:pPr/>
                 <a:endParaRPr lang="en-US" sz="2400" i="1" dirty="0">
                   <a:solidFill>
                     <a:schemeClr val="bg1"/>
@@ -6598,7 +5904,6 @@
                 </a:endParaRPr>
               </a:p>
               <a:p>
-                <a:pPr/>
                 <a:endParaRPr lang="nl-NL" sz="2400" dirty="0" smtClean="0">
                   <a:solidFill>
                     <a:schemeClr val="bg1"/>
@@ -6903,7 +6208,6 @@
                 </a:endParaRPr>
               </a:p>
               <a:p>
-                <a:pPr/>
                 <a:endParaRPr lang="nl-NL" sz="2400" dirty="0">
                   <a:solidFill>
                     <a:schemeClr val="bg1"/>
@@ -6913,7 +6217,7 @@
             </p:txBody>
           </p:sp>
         </mc:Choice>
-        <mc:Fallback>
+        <mc:Fallback xmlns="">
           <p:sp>
             <p:nvSpPr>
               <p:cNvPr id="2" name="TextBox 1"/>
@@ -6972,7 +6276,7 @@
 </p:sld>
 </file>
 
-<file path=ppt/slides/slide7.xml><?xml version="1.0" encoding="utf-8"?>
+<file path=ppt/slides/slide5.xml><?xml version="1.0" encoding="utf-8"?>
 <p:sld xmlns:a="http://schemas.openxmlformats.org/drawingml/2006/main" xmlns:r="http://schemas.openxmlformats.org/officeDocument/2006/relationships" xmlns:p="http://schemas.openxmlformats.org/presentationml/2006/main">
   <p:cSld>
     <p:spTree>
@@ -6994,7 +6298,7 @@
           <p:cNvPr id="5" name="Content Placeholder 12">
             <a:extLst>
               <a:ext uri="{FF2B5EF4-FFF2-40B4-BE49-F238E27FC236}">
-                <a16:creationId xmlns:a16="http://schemas.microsoft.com/office/drawing/2014/main" xmlns="" id="{C4A49D2A-4082-45B0-928E-9B51AB6D46B9}"/>
+                <a16:creationId xmlns="" xmlns:a16="http://schemas.microsoft.com/office/drawing/2014/main" id="{C4A49D2A-4082-45B0-928E-9B51AB6D46B9}"/>
               </a:ext>
             </a:extLst>
           </p:cNvPr>
@@ -7073,7 +6377,7 @@
             <p:spPr>
               <a:xfrm>
                 <a:off x="785133" y="1289955"/>
-                <a:ext cx="10621734" cy="4429931"/>
+                <a:ext cx="10621734" cy="4060599"/>
               </a:xfrm>
               <a:prstGeom prst="rect">
                 <a:avLst/>
@@ -7103,7 +6407,6 @@
                 </a:endParaRPr>
               </a:p>
               <a:p>
-                <a:pPr/>
                 <a:r>
                   <a:rPr lang="en-US" sz="2400" dirty="0" smtClean="0">
                     <a:solidFill>
@@ -7130,7 +6433,6 @@
                 </a:r>
               </a:p>
               <a:p>
-                <a:pPr/>
                 <a:endParaRPr lang="en-US" sz="2400" dirty="0">
                   <a:solidFill>
                     <a:schemeClr val="bg1"/>
@@ -7374,7 +6676,6 @@
                 </a:endParaRPr>
               </a:p>
               <a:p>
-                <a:pPr/>
                 <a:endParaRPr lang="en-US" sz="2400" dirty="0" smtClean="0">
                   <a:solidFill>
                     <a:schemeClr val="bg1"/>
@@ -7382,15 +6683,6 @@
                 </a:endParaRPr>
               </a:p>
               <a:p>
-                <a:pPr/>
-                <a:endParaRPr lang="en-US" sz="2400" dirty="0" smtClean="0">
-                  <a:solidFill>
-                    <a:schemeClr val="bg1"/>
-                  </a:solidFill>
-                </a:endParaRPr>
-              </a:p>
-              <a:p>
-                <a:pPr/>
                 <a:r>
                   <a:rPr lang="en-US" sz="2400" dirty="0" smtClean="0">
                     <a:solidFill>
@@ -7406,7 +6698,6 @@
                 </a:endParaRPr>
               </a:p>
               <a:p>
-                <a:pPr/>
                 <a:endParaRPr lang="nl-NL" sz="2400" dirty="0" smtClean="0">
                   <a:solidFill>
                     <a:schemeClr val="bg1"/>
@@ -7428,7 +6719,7 @@
             <p:spPr>
               <a:xfrm>
                 <a:off x="785133" y="1289955"/>
-                <a:ext cx="10621734" cy="4429931"/>
+                <a:ext cx="10621734" cy="4060599"/>
               </a:xfrm>
               <a:prstGeom prst="rect">
                 <a:avLst/>
@@ -7436,7 +6727,7 @@
               <a:blipFill rotWithShape="1">
                 <a:blip r:embed="rId3"/>
                 <a:stretch>
-                  <a:fillRect l="-918" t="-1102" b="-2204"/>
+                  <a:fillRect l="-918" t="-1201" b="-2402"/>
                 </a:stretch>
               </a:blipFill>
             </p:spPr>
@@ -7475,7 +6766,7 @@
 </p:sld>
 </file>
 
-<file path=ppt/slides/slide8.xml><?xml version="1.0" encoding="utf-8"?>
+<file path=ppt/slides/slide6.xml><?xml version="1.0" encoding="utf-8"?>
 <p:sld xmlns:a="http://schemas.openxmlformats.org/drawingml/2006/main" xmlns:r="http://schemas.openxmlformats.org/officeDocument/2006/relationships" xmlns:p="http://schemas.openxmlformats.org/presentationml/2006/main">
   <p:cSld>
     <p:spTree>
@@ -7497,7 +6788,7 @@
           <p:cNvPr id="18" name="Content Placeholder 12">
             <a:extLst>
               <a:ext uri="{FF2B5EF4-FFF2-40B4-BE49-F238E27FC236}">
-                <a16:creationId xmlns:a16="http://schemas.microsoft.com/office/drawing/2014/main" xmlns="" id="{C4A49D2A-4082-45B0-928E-9B51AB6D46B9}"/>
+                <a16:creationId xmlns="" xmlns:a16="http://schemas.microsoft.com/office/drawing/2014/main" id="{C4A49D2A-4082-45B0-928E-9B51AB6D46B9}"/>
               </a:ext>
             </a:extLst>
           </p:cNvPr>
@@ -7532,7 +6823,7 @@
           <p:cNvPr id="20" name="TextBox 19">
             <a:extLst>
               <a:ext uri="{FF2B5EF4-FFF2-40B4-BE49-F238E27FC236}">
-                <a16:creationId xmlns:a16="http://schemas.microsoft.com/office/drawing/2014/main" xmlns="" id="{640B383B-A8E3-4968-820E-3A53DB7BA425}"/>
+                <a16:creationId xmlns="" xmlns:a16="http://schemas.microsoft.com/office/drawing/2014/main" id="{640B383B-A8E3-4968-820E-3A53DB7BA425}"/>
               </a:ext>
             </a:extLst>
           </p:cNvPr>
@@ -7578,7 +6869,7 @@
           <p:cNvPr id="22" name="TextBox 21">
             <a:extLst>
               <a:ext uri="{FF2B5EF4-FFF2-40B4-BE49-F238E27FC236}">
-                <a16:creationId xmlns:a16="http://schemas.microsoft.com/office/drawing/2014/main" xmlns="" id="{6CDFA706-9F39-4DAC-B205-3B6EBDD1EC4F}"/>
+                <a16:creationId xmlns="" xmlns:a16="http://schemas.microsoft.com/office/drawing/2014/main" id="{6CDFA706-9F39-4DAC-B205-3B6EBDD1EC4F}"/>
               </a:ext>
             </a:extLst>
           </p:cNvPr>
@@ -7634,7 +6925,7 @@
 </p:sld>
 </file>
 
-<file path=ppt/slides/slide9.xml><?xml version="1.0" encoding="utf-8"?>
+<file path=ppt/slides/slide7.xml><?xml version="1.0" encoding="utf-8"?>
 <p:sld xmlns:a="http://schemas.openxmlformats.org/drawingml/2006/main" xmlns:r="http://schemas.openxmlformats.org/officeDocument/2006/relationships" xmlns:p="http://schemas.openxmlformats.org/presentationml/2006/main">
   <p:cSld>
     <p:spTree>
@@ -7656,7 +6947,7 @@
           <p:cNvPr id="18" name="Content Placeholder 12">
             <a:extLst>
               <a:ext uri="{FF2B5EF4-FFF2-40B4-BE49-F238E27FC236}">
-                <a16:creationId xmlns:a16="http://schemas.microsoft.com/office/drawing/2014/main" xmlns="" id="{C4A49D2A-4082-45B0-928E-9B51AB6D46B9}"/>
+                <a16:creationId xmlns="" xmlns:a16="http://schemas.microsoft.com/office/drawing/2014/main" id="{C4A49D2A-4082-45B0-928E-9B51AB6D46B9}"/>
               </a:ext>
             </a:extLst>
           </p:cNvPr>
@@ -7691,7 +6982,7 @@
           <p:cNvPr id="20" name="TextBox 19">
             <a:extLst>
               <a:ext uri="{FF2B5EF4-FFF2-40B4-BE49-F238E27FC236}">
-                <a16:creationId xmlns:a16="http://schemas.microsoft.com/office/drawing/2014/main" xmlns="" id="{640B383B-A8E3-4968-820E-3A53DB7BA425}"/>
+                <a16:creationId xmlns="" xmlns:a16="http://schemas.microsoft.com/office/drawing/2014/main" id="{640B383B-A8E3-4968-820E-3A53DB7BA425}"/>
               </a:ext>
             </a:extLst>
           </p:cNvPr>
@@ -7737,7 +7028,7 @@
           <p:cNvPr id="22" name="TextBox 21">
             <a:extLst>
               <a:ext uri="{FF2B5EF4-FFF2-40B4-BE49-F238E27FC236}">
-                <a16:creationId xmlns:a16="http://schemas.microsoft.com/office/drawing/2014/main" xmlns="" id="{6CDFA706-9F39-4DAC-B205-3B6EBDD1EC4F}"/>
+                <a16:creationId xmlns="" xmlns:a16="http://schemas.microsoft.com/office/drawing/2014/main" id="{6CDFA706-9F39-4DAC-B205-3B6EBDD1EC4F}"/>
               </a:ext>
             </a:extLst>
           </p:cNvPr>
@@ -7780,7 +7071,7 @@
               <p:cNvPr id="4" name="TextBox 3">
                 <a:extLst>
                   <a:ext uri="{FF2B5EF4-FFF2-40B4-BE49-F238E27FC236}">
-                    <a16:creationId xmlns:a16="http://schemas.microsoft.com/office/drawing/2014/main" xmlns="" id="{1ED06163-AB97-402B-B3A9-250132FF863D}"/>
+                    <a16:creationId xmlns="" xmlns:a16="http://schemas.microsoft.com/office/drawing/2014/main" id="{1ED06163-AB97-402B-B3A9-250132FF863D}"/>
                   </a:ext>
                 </a:extLst>
               </p:cNvPr>
@@ -7919,7 +7210,7 @@
                           </a:solidFill>
                           <a:latin typeface="Cambria Math" panose="02040503050406030204" pitchFamily="18" charset="0"/>
                         </a:rPr>
-                        <m:t>∇</m:t>
+                        <m:t>𝛻</m:t>
                       </m:r>
                       <m:r>
                         <a:rPr lang="en-GB" sz="3200" i="1">
@@ -8005,7 +7296,7 @@
                           </a:solidFill>
                           <a:latin typeface="Cambria Math" panose="02040503050406030204" pitchFamily="18" charset="0"/>
                         </a:rPr>
-                        <m:t>∇</m:t>
+                        <m:t>𝛻</m:t>
                       </m:r>
                       <m:r>
                         <a:rPr lang="en-GB" sz="3200" i="1">
@@ -8062,7 +7353,7 @@
                               </a:solidFill>
                               <a:latin typeface="Cambria Math" panose="02040503050406030204" pitchFamily="18" charset="0"/>
                             </a:rPr>
-                            <m:t>∇</m:t>
+                            <m:t>𝛻</m:t>
                           </m:r>
                         </m:e>
                         <m:sup>
@@ -8163,7 +7454,7 @@
                           </a:solidFill>
                           <a:latin typeface="Cambria Math" panose="02040503050406030204" pitchFamily="18" charset="0"/>
                         </a:rPr>
-                        <m:t>∇</m:t>
+                        <m:t>𝛻</m:t>
                       </m:r>
                       <m:r>
                         <a:rPr lang="en-GB" sz="3200" i="1">
@@ -8181,7 +7472,7 @@
                           </a:solidFill>
                           <a:latin typeface="Cambria Math" panose="02040503050406030204" pitchFamily="18" charset="0"/>
                         </a:rPr>
-                        <m:t>∇</m:t>
+                        <m:t>𝛻</m:t>
                       </m:r>
                       <m:r>
                         <a:rPr lang="en-GB" sz="3200" i="1">
@@ -8297,7 +7588,7 @@
           <p:cNvPr id="6" name="Straight Arrow Connector 5">
             <a:extLst>
               <a:ext uri="{FF2B5EF4-FFF2-40B4-BE49-F238E27FC236}">
-                <a16:creationId xmlns:a16="http://schemas.microsoft.com/office/drawing/2014/main" xmlns="" id="{F0C2F435-9966-4EAB-9CC1-C076C979020F}"/>
+                <a16:creationId xmlns="" xmlns:a16="http://schemas.microsoft.com/office/drawing/2014/main" id="{F0C2F435-9966-4EAB-9CC1-C076C979020F}"/>
               </a:ext>
             </a:extLst>
           </p:cNvPr>
@@ -8342,6 +7633,324 @@
     <p:extLst>
       <p:ext uri="{BB962C8B-B14F-4D97-AF65-F5344CB8AC3E}">
         <p14:creationId xmlns:p14="http://schemas.microsoft.com/office/powerpoint/2010/main" val="500520485"/>
+      </p:ext>
+    </p:extLst>
+  </p:cSld>
+  <p:clrMapOvr>
+    <a:masterClrMapping/>
+  </p:clrMapOvr>
+  <p:timing>
+    <p:tnLst>
+      <p:par>
+        <p:cTn id="1" dur="indefinite" restart="never" nodeType="tmRoot"/>
+      </p:par>
+    </p:tnLst>
+  </p:timing>
+</p:sld>
+</file>
+
+<file path=ppt/slides/slide8.xml><?xml version="1.0" encoding="utf-8"?>
+<p:sld xmlns:a="http://schemas.openxmlformats.org/drawingml/2006/main" xmlns:r="http://schemas.openxmlformats.org/officeDocument/2006/relationships" xmlns:p="http://schemas.openxmlformats.org/presentationml/2006/main">
+  <p:cSld>
+    <p:spTree>
+      <p:nvGrpSpPr>
+        <p:cNvPr id="1" name=""/>
+        <p:cNvGrpSpPr/>
+        <p:nvPr/>
+      </p:nvGrpSpPr>
+      <p:grpSpPr>
+        <a:xfrm>
+          <a:off x="0" y="0"/>
+          <a:ext cx="0" cy="0"/>
+          <a:chOff x="0" y="0"/>
+          <a:chExt cx="0" cy="0"/>
+        </a:xfrm>
+      </p:grpSpPr>
+      <p:pic>
+        <p:nvPicPr>
+          <p:cNvPr id="18" name="Content Placeholder 12">
+            <a:extLst>
+              <a:ext uri="{FF2B5EF4-FFF2-40B4-BE49-F238E27FC236}">
+                <a16:creationId xmlns="" xmlns:a16="http://schemas.microsoft.com/office/drawing/2014/main" id="{C4A49D2A-4082-45B0-928E-9B51AB6D46B9}"/>
+              </a:ext>
+            </a:extLst>
+          </p:cNvPr>
+          <p:cNvPicPr>
+            <a:picLocks noChangeAspect="1"/>
+          </p:cNvPicPr>
+          <p:nvPr/>
+        </p:nvPicPr>
+        <p:blipFill rotWithShape="1">
+          <a:blip r:embed="rId2">
+            <a:extLst>
+              <a:ext uri="{28A0092B-C50C-407E-A947-70E740481C1C}">
+                <a14:useLocalDpi xmlns:a14="http://schemas.microsoft.com/office/drawing/2010/main" val="0"/>
+              </a:ext>
+            </a:extLst>
+          </a:blip>
+          <a:srcRect l="1510" r="-1"/>
+          <a:stretch/>
+        </p:blipFill>
+        <p:spPr>
+          <a:xfrm>
+            <a:off x="0" y="6311900"/>
+            <a:ext cx="12192000" cy="546100"/>
+          </a:xfrm>
+          <a:prstGeom prst="rect">
+            <a:avLst/>
+          </a:prstGeom>
+        </p:spPr>
+      </p:pic>
+      <p:sp>
+        <p:nvSpPr>
+          <p:cNvPr id="20" name="TextBox 19">
+            <a:extLst>
+              <a:ext uri="{FF2B5EF4-FFF2-40B4-BE49-F238E27FC236}">
+                <a16:creationId xmlns="" xmlns:a16="http://schemas.microsoft.com/office/drawing/2014/main" id="{640B383B-A8E3-4968-820E-3A53DB7BA425}"/>
+              </a:ext>
+            </a:extLst>
+          </p:cNvPr>
+          <p:cNvSpPr txBox="1"/>
+          <p:nvPr/>
+        </p:nvSpPr>
+        <p:spPr>
+          <a:xfrm>
+            <a:off x="11621769" y="6311900"/>
+            <a:ext cx="430531" cy="461665"/>
+          </a:xfrm>
+          <a:prstGeom prst="rect">
+            <a:avLst/>
+          </a:prstGeom>
+          <a:noFill/>
+        </p:spPr>
+        <p:txBody>
+          <a:bodyPr wrap="square" rtlCol="0">
+            <a:spAutoFit/>
+          </a:bodyPr>
+          <a:lstStyle/>
+          <a:p>
+            <a:r>
+              <a:rPr lang="en-GB" sz="2400" b="1" dirty="0">
+                <a:solidFill>
+                  <a:schemeClr val="bg1"/>
+                </a:solidFill>
+                <a:latin typeface="Montserrat" panose="00000500000000000000" pitchFamily="2" charset="0"/>
+              </a:rPr>
+              <a:t>4</a:t>
+            </a:r>
+            <a:endParaRPr lang="x-none" sz="2400" b="1" dirty="0">
+              <a:solidFill>
+                <a:schemeClr val="bg1"/>
+              </a:solidFill>
+              <a:latin typeface="Montserrat" panose="00000500000000000000" pitchFamily="2" charset="0"/>
+            </a:endParaRPr>
+          </a:p>
+        </p:txBody>
+      </p:sp>
+      <p:sp>
+        <p:nvSpPr>
+          <p:cNvPr id="22" name="TextBox 21">
+            <a:extLst>
+              <a:ext uri="{FF2B5EF4-FFF2-40B4-BE49-F238E27FC236}">
+                <a16:creationId xmlns="" xmlns:a16="http://schemas.microsoft.com/office/drawing/2014/main" id="{6CDFA706-9F39-4DAC-B205-3B6EBDD1EC4F}"/>
+              </a:ext>
+            </a:extLst>
+          </p:cNvPr>
+          <p:cNvSpPr txBox="1"/>
+          <p:nvPr/>
+        </p:nvSpPr>
+        <p:spPr>
+          <a:xfrm>
+            <a:off x="0" y="6354117"/>
+            <a:ext cx="6908800" cy="461665"/>
+          </a:xfrm>
+          <a:prstGeom prst="rect">
+            <a:avLst/>
+          </a:prstGeom>
+          <a:noFill/>
+        </p:spPr>
+        <p:txBody>
+          <a:bodyPr wrap="square">
+            <a:spAutoFit/>
+          </a:bodyPr>
+          <a:lstStyle/>
+          <a:p>
+            <a:r>
+              <a:rPr lang="en-GB" sz="2400" dirty="0">
+                <a:solidFill>
+                  <a:schemeClr val="bg1"/>
+                </a:solidFill>
+                <a:latin typeface="Montserrat" panose="00000500000000000000" pitchFamily="2" charset="0"/>
+              </a:rPr>
+              <a:t>Theory: Lattice-Boltzmann Equation (LBE)</a:t>
+            </a:r>
+            <a:endParaRPr lang="x-none" sz="2400" dirty="0"/>
+          </a:p>
+        </p:txBody>
+      </p:sp>
+    </p:spTree>
+    <p:extLst>
+      <p:ext uri="{BB962C8B-B14F-4D97-AF65-F5344CB8AC3E}">
+        <p14:creationId xmlns:p14="http://schemas.microsoft.com/office/powerpoint/2010/main" val="371374865"/>
+      </p:ext>
+    </p:extLst>
+  </p:cSld>
+  <p:clrMapOvr>
+    <a:masterClrMapping/>
+  </p:clrMapOvr>
+  <p:timing>
+    <p:tnLst>
+      <p:par>
+        <p:cTn id="1" dur="indefinite" restart="never" nodeType="tmRoot"/>
+      </p:par>
+    </p:tnLst>
+  </p:timing>
+</p:sld>
+</file>
+
+<file path=ppt/slides/slide9.xml><?xml version="1.0" encoding="utf-8"?>
+<p:sld xmlns:a="http://schemas.openxmlformats.org/drawingml/2006/main" xmlns:r="http://schemas.openxmlformats.org/officeDocument/2006/relationships" xmlns:p="http://schemas.openxmlformats.org/presentationml/2006/main">
+  <p:cSld>
+    <p:spTree>
+      <p:nvGrpSpPr>
+        <p:cNvPr id="1" name=""/>
+        <p:cNvGrpSpPr/>
+        <p:nvPr/>
+      </p:nvGrpSpPr>
+      <p:grpSpPr>
+        <a:xfrm>
+          <a:off x="0" y="0"/>
+          <a:ext cx="0" cy="0"/>
+          <a:chOff x="0" y="0"/>
+          <a:chExt cx="0" cy="0"/>
+        </a:xfrm>
+      </p:grpSpPr>
+      <p:pic>
+        <p:nvPicPr>
+          <p:cNvPr id="18" name="Content Placeholder 12">
+            <a:extLst>
+              <a:ext uri="{FF2B5EF4-FFF2-40B4-BE49-F238E27FC236}">
+                <a16:creationId xmlns="" xmlns:a16="http://schemas.microsoft.com/office/drawing/2014/main" id="{C4A49D2A-4082-45B0-928E-9B51AB6D46B9}"/>
+              </a:ext>
+            </a:extLst>
+          </p:cNvPr>
+          <p:cNvPicPr>
+            <a:picLocks noChangeAspect="1"/>
+          </p:cNvPicPr>
+          <p:nvPr/>
+        </p:nvPicPr>
+        <p:blipFill rotWithShape="1">
+          <a:blip r:embed="rId2">
+            <a:extLst>
+              <a:ext uri="{28A0092B-C50C-407E-A947-70E740481C1C}">
+                <a14:useLocalDpi xmlns:a14="http://schemas.microsoft.com/office/drawing/2010/main" val="0"/>
+              </a:ext>
+            </a:extLst>
+          </a:blip>
+          <a:srcRect l="1510" r="-1"/>
+          <a:stretch/>
+        </p:blipFill>
+        <p:spPr>
+          <a:xfrm>
+            <a:off x="0" y="6311900"/>
+            <a:ext cx="12192000" cy="546100"/>
+          </a:xfrm>
+          <a:prstGeom prst="rect">
+            <a:avLst/>
+          </a:prstGeom>
+        </p:spPr>
+      </p:pic>
+      <p:sp>
+        <p:nvSpPr>
+          <p:cNvPr id="20" name="TextBox 19">
+            <a:extLst>
+              <a:ext uri="{FF2B5EF4-FFF2-40B4-BE49-F238E27FC236}">
+                <a16:creationId xmlns="" xmlns:a16="http://schemas.microsoft.com/office/drawing/2014/main" id="{640B383B-A8E3-4968-820E-3A53DB7BA425}"/>
+              </a:ext>
+            </a:extLst>
+          </p:cNvPr>
+          <p:cNvSpPr txBox="1"/>
+          <p:nvPr/>
+        </p:nvSpPr>
+        <p:spPr>
+          <a:xfrm>
+            <a:off x="11621769" y="6311900"/>
+            <a:ext cx="430531" cy="461665"/>
+          </a:xfrm>
+          <a:prstGeom prst="rect">
+            <a:avLst/>
+          </a:prstGeom>
+          <a:noFill/>
+        </p:spPr>
+        <p:txBody>
+          <a:bodyPr wrap="square" rtlCol="0">
+            <a:spAutoFit/>
+          </a:bodyPr>
+          <a:lstStyle/>
+          <a:p>
+            <a:r>
+              <a:rPr lang="en-GB" sz="2400" b="1" dirty="0">
+                <a:solidFill>
+                  <a:schemeClr val="bg1"/>
+                </a:solidFill>
+                <a:latin typeface="Montserrat" panose="00000500000000000000" pitchFamily="2" charset="0"/>
+              </a:rPr>
+              <a:t>4</a:t>
+            </a:r>
+            <a:endParaRPr lang="x-none" sz="2400" b="1" dirty="0">
+              <a:solidFill>
+                <a:schemeClr val="bg1"/>
+              </a:solidFill>
+              <a:latin typeface="Montserrat" panose="00000500000000000000" pitchFamily="2" charset="0"/>
+            </a:endParaRPr>
+          </a:p>
+        </p:txBody>
+      </p:sp>
+      <p:sp>
+        <p:nvSpPr>
+          <p:cNvPr id="22" name="TextBox 21">
+            <a:extLst>
+              <a:ext uri="{FF2B5EF4-FFF2-40B4-BE49-F238E27FC236}">
+                <a16:creationId xmlns="" xmlns:a16="http://schemas.microsoft.com/office/drawing/2014/main" id="{6CDFA706-9F39-4DAC-B205-3B6EBDD1EC4F}"/>
+              </a:ext>
+            </a:extLst>
+          </p:cNvPr>
+          <p:cNvSpPr txBox="1"/>
+          <p:nvPr/>
+        </p:nvSpPr>
+        <p:spPr>
+          <a:xfrm>
+            <a:off x="0" y="6354117"/>
+            <a:ext cx="7531100" cy="461665"/>
+          </a:xfrm>
+          <a:prstGeom prst="rect">
+            <a:avLst/>
+          </a:prstGeom>
+          <a:noFill/>
+        </p:spPr>
+        <p:txBody>
+          <a:bodyPr wrap="square">
+            <a:spAutoFit/>
+          </a:bodyPr>
+          <a:lstStyle/>
+          <a:p>
+            <a:r>
+              <a:rPr lang="en-GB" sz="2400" dirty="0">
+                <a:solidFill>
+                  <a:schemeClr val="bg1"/>
+                </a:solidFill>
+                <a:latin typeface="Montserrat" panose="00000500000000000000" pitchFamily="2" charset="0"/>
+              </a:rPr>
+              <a:t>Theory: Moment space and the LBE -&gt; GLBE</a:t>
+            </a:r>
+            <a:endParaRPr lang="x-none" sz="2400" dirty="0"/>
+          </a:p>
+        </p:txBody>
+      </p:sp>
+    </p:spTree>
+    <p:extLst>
+      <p:ext uri="{BB962C8B-B14F-4D97-AF65-F5344CB8AC3E}">
+        <p14:creationId xmlns:p14="http://schemas.microsoft.com/office/powerpoint/2010/main" val="2299196922"/>
       </p:ext>
     </p:extLst>
   </p:cSld>
@@ -8647,7 +8256,7 @@
   <a:extraClrSchemeLst/>
   <a:extLst>
     <a:ext uri="{05A4C25C-085E-4340-85A3-A5531E510DB2}">
-      <thm15:themeFamily xmlns:thm15="http://schemas.microsoft.com/office/thememl/2012/main" xmlns="" name="Office Theme" id="{62F939B6-93AF-4DB8-9C6B-D6C7DFDC589F}" vid="{4A3C46E8-61CC-4603-A589-7422A47A8E4A}"/>
+      <thm15:themeFamily xmlns="" xmlns:thm15="http://schemas.microsoft.com/office/thememl/2012/main" name="Office Theme" id="{62F939B6-93AF-4DB8-9C6B-D6C7DFDC589F}" vid="{4A3C46E8-61CC-4603-A589-7422A47A8E4A}"/>
     </a:ext>
   </a:extLst>
 </a:theme>

--- a/COP_Slides_Project3.pptx
+++ b/COP_Slides_Project3.pptx
@@ -118,7 +118,7 @@
   </p:defaultTextStyle>
   <p:extLst>
     <p:ext uri="{EFAFB233-063F-42B5-8137-9DF3F51BA10A}">
-      <p15:sldGuideLst xmlns="" xmlns:p15="http://schemas.microsoft.com/office/powerpoint/2012/main"/>
+      <p15:sldGuideLst xmlns:p15="http://schemas.microsoft.com/office/powerpoint/2012/main" xmlns=""/>
     </p:ext>
   </p:extLst>
 </p:presentation>
@@ -146,7 +146,7 @@
           <p:cNvPr id="2" name="Title 1">
             <a:extLst>
               <a:ext uri="{FF2B5EF4-FFF2-40B4-BE49-F238E27FC236}">
-                <a16:creationId xmlns="" xmlns:a16="http://schemas.microsoft.com/office/drawing/2014/main" id="{B1ADD4D9-0217-43E5-81FB-5099D9D4427B}"/>
+                <a16:creationId xmlns:a16="http://schemas.microsoft.com/office/drawing/2014/main" xmlns="" id="{B1ADD4D9-0217-43E5-81FB-5099D9D4427B}"/>
               </a:ext>
             </a:extLst>
           </p:cNvPr>
@@ -184,7 +184,7 @@
           <p:cNvPr id="3" name="Subtitle 2">
             <a:extLst>
               <a:ext uri="{FF2B5EF4-FFF2-40B4-BE49-F238E27FC236}">
-                <a16:creationId xmlns="" xmlns:a16="http://schemas.microsoft.com/office/drawing/2014/main" id="{2F268589-5FD0-4012-8A77-D0C7F3A2255E}"/>
+                <a16:creationId xmlns:a16="http://schemas.microsoft.com/office/drawing/2014/main" xmlns="" id="{2F268589-5FD0-4012-8A77-D0C7F3A2255E}"/>
               </a:ext>
             </a:extLst>
           </p:cNvPr>
@@ -255,7 +255,7 @@
           <p:cNvPr id="4" name="Date Placeholder 3">
             <a:extLst>
               <a:ext uri="{FF2B5EF4-FFF2-40B4-BE49-F238E27FC236}">
-                <a16:creationId xmlns="" xmlns:a16="http://schemas.microsoft.com/office/drawing/2014/main" id="{43BB2CF1-20C2-4F02-86FB-2216A7B53C1D}"/>
+                <a16:creationId xmlns:a16="http://schemas.microsoft.com/office/drawing/2014/main" xmlns="" id="{43BB2CF1-20C2-4F02-86FB-2216A7B53C1D}"/>
               </a:ext>
             </a:extLst>
           </p:cNvPr>
@@ -273,7 +273,7 @@
           <a:p>
             <a:fld id="{FAAF9C74-E5B0-4DD2-AEF0-C5B735643AE6}" type="datetimeFigureOut">
               <a:rPr lang="x-none" smtClean="0"/>
-              <a:t>5/18/2022</a:t>
+              <a:t>5/19/2022</a:t>
             </a:fld>
             <a:endParaRPr lang="x-none"/>
           </a:p>
@@ -284,7 +284,7 @@
           <p:cNvPr id="5" name="Footer Placeholder 4">
             <a:extLst>
               <a:ext uri="{FF2B5EF4-FFF2-40B4-BE49-F238E27FC236}">
-                <a16:creationId xmlns="" xmlns:a16="http://schemas.microsoft.com/office/drawing/2014/main" id="{7EF8AE62-0322-4190-A619-FD096B23FBE5}"/>
+                <a16:creationId xmlns:a16="http://schemas.microsoft.com/office/drawing/2014/main" xmlns="" id="{7EF8AE62-0322-4190-A619-FD096B23FBE5}"/>
               </a:ext>
             </a:extLst>
           </p:cNvPr>
@@ -309,7 +309,7 @@
           <p:cNvPr id="6" name="Slide Number Placeholder 5">
             <a:extLst>
               <a:ext uri="{FF2B5EF4-FFF2-40B4-BE49-F238E27FC236}">
-                <a16:creationId xmlns="" xmlns:a16="http://schemas.microsoft.com/office/drawing/2014/main" id="{DD9B45C4-6E85-4BBF-94CD-FCE7840A4201}"/>
+                <a16:creationId xmlns:a16="http://schemas.microsoft.com/office/drawing/2014/main" xmlns="" id="{DD9B45C4-6E85-4BBF-94CD-FCE7840A4201}"/>
               </a:ext>
             </a:extLst>
           </p:cNvPr>
@@ -368,7 +368,7 @@
           <p:cNvPr id="2" name="Title 1">
             <a:extLst>
               <a:ext uri="{FF2B5EF4-FFF2-40B4-BE49-F238E27FC236}">
-                <a16:creationId xmlns="" xmlns:a16="http://schemas.microsoft.com/office/drawing/2014/main" id="{EAF85BCD-13C9-40DA-A655-BB3A190B393A}"/>
+                <a16:creationId xmlns:a16="http://schemas.microsoft.com/office/drawing/2014/main" xmlns="" id="{EAF85BCD-13C9-40DA-A655-BB3A190B393A}"/>
               </a:ext>
             </a:extLst>
           </p:cNvPr>
@@ -397,7 +397,7 @@
           <p:cNvPr id="3" name="Vertical Text Placeholder 2">
             <a:extLst>
               <a:ext uri="{FF2B5EF4-FFF2-40B4-BE49-F238E27FC236}">
-                <a16:creationId xmlns="" xmlns:a16="http://schemas.microsoft.com/office/drawing/2014/main" id="{92BC94F7-92D3-4AD0-8B91-A8F9AE06F177}"/>
+                <a16:creationId xmlns:a16="http://schemas.microsoft.com/office/drawing/2014/main" xmlns="" id="{92BC94F7-92D3-4AD0-8B91-A8F9AE06F177}"/>
               </a:ext>
             </a:extLst>
           </p:cNvPr>
@@ -455,7 +455,7 @@
           <p:cNvPr id="4" name="Date Placeholder 3">
             <a:extLst>
               <a:ext uri="{FF2B5EF4-FFF2-40B4-BE49-F238E27FC236}">
-                <a16:creationId xmlns="" xmlns:a16="http://schemas.microsoft.com/office/drawing/2014/main" id="{366A3441-8785-4F50-93DC-82BA74C4F4DB}"/>
+                <a16:creationId xmlns:a16="http://schemas.microsoft.com/office/drawing/2014/main" xmlns="" id="{366A3441-8785-4F50-93DC-82BA74C4F4DB}"/>
               </a:ext>
             </a:extLst>
           </p:cNvPr>
@@ -473,7 +473,7 @@
           <a:p>
             <a:fld id="{FAAF9C74-E5B0-4DD2-AEF0-C5B735643AE6}" type="datetimeFigureOut">
               <a:rPr lang="x-none" smtClean="0"/>
-              <a:t>5/18/2022</a:t>
+              <a:t>5/19/2022</a:t>
             </a:fld>
             <a:endParaRPr lang="x-none"/>
           </a:p>
@@ -484,7 +484,7 @@
           <p:cNvPr id="5" name="Footer Placeholder 4">
             <a:extLst>
               <a:ext uri="{FF2B5EF4-FFF2-40B4-BE49-F238E27FC236}">
-                <a16:creationId xmlns="" xmlns:a16="http://schemas.microsoft.com/office/drawing/2014/main" id="{C1DD23FD-74A8-4A71-9293-60C4F33CE009}"/>
+                <a16:creationId xmlns:a16="http://schemas.microsoft.com/office/drawing/2014/main" xmlns="" id="{C1DD23FD-74A8-4A71-9293-60C4F33CE009}"/>
               </a:ext>
             </a:extLst>
           </p:cNvPr>
@@ -509,7 +509,7 @@
           <p:cNvPr id="6" name="Slide Number Placeholder 5">
             <a:extLst>
               <a:ext uri="{FF2B5EF4-FFF2-40B4-BE49-F238E27FC236}">
-                <a16:creationId xmlns="" xmlns:a16="http://schemas.microsoft.com/office/drawing/2014/main" id="{E4CE9D00-03DD-4F7B-A163-D375A1B5201F}"/>
+                <a16:creationId xmlns:a16="http://schemas.microsoft.com/office/drawing/2014/main" xmlns="" id="{E4CE9D00-03DD-4F7B-A163-D375A1B5201F}"/>
               </a:ext>
             </a:extLst>
           </p:cNvPr>
@@ -568,7 +568,7 @@
           <p:cNvPr id="2" name="Vertical Title 1">
             <a:extLst>
               <a:ext uri="{FF2B5EF4-FFF2-40B4-BE49-F238E27FC236}">
-                <a16:creationId xmlns="" xmlns:a16="http://schemas.microsoft.com/office/drawing/2014/main" id="{14B050B9-86BD-4606-AB96-63BD9699393D}"/>
+                <a16:creationId xmlns:a16="http://schemas.microsoft.com/office/drawing/2014/main" xmlns="" id="{14B050B9-86BD-4606-AB96-63BD9699393D}"/>
               </a:ext>
             </a:extLst>
           </p:cNvPr>
@@ -602,7 +602,7 @@
           <p:cNvPr id="3" name="Vertical Text Placeholder 2">
             <a:extLst>
               <a:ext uri="{FF2B5EF4-FFF2-40B4-BE49-F238E27FC236}">
-                <a16:creationId xmlns="" xmlns:a16="http://schemas.microsoft.com/office/drawing/2014/main" id="{D2DD838C-99E0-464C-A695-6673CB11EBC4}"/>
+                <a16:creationId xmlns:a16="http://schemas.microsoft.com/office/drawing/2014/main" xmlns="" id="{D2DD838C-99E0-464C-A695-6673CB11EBC4}"/>
               </a:ext>
             </a:extLst>
           </p:cNvPr>
@@ -665,7 +665,7 @@
           <p:cNvPr id="4" name="Date Placeholder 3">
             <a:extLst>
               <a:ext uri="{FF2B5EF4-FFF2-40B4-BE49-F238E27FC236}">
-                <a16:creationId xmlns="" xmlns:a16="http://schemas.microsoft.com/office/drawing/2014/main" id="{4C4E3B1C-94FF-4206-A4B2-A57EF1431A1E}"/>
+                <a16:creationId xmlns:a16="http://schemas.microsoft.com/office/drawing/2014/main" xmlns="" id="{4C4E3B1C-94FF-4206-A4B2-A57EF1431A1E}"/>
               </a:ext>
             </a:extLst>
           </p:cNvPr>
@@ -683,7 +683,7 @@
           <a:p>
             <a:fld id="{FAAF9C74-E5B0-4DD2-AEF0-C5B735643AE6}" type="datetimeFigureOut">
               <a:rPr lang="x-none" smtClean="0"/>
-              <a:t>5/18/2022</a:t>
+              <a:t>5/19/2022</a:t>
             </a:fld>
             <a:endParaRPr lang="x-none"/>
           </a:p>
@@ -694,7 +694,7 @@
           <p:cNvPr id="5" name="Footer Placeholder 4">
             <a:extLst>
               <a:ext uri="{FF2B5EF4-FFF2-40B4-BE49-F238E27FC236}">
-                <a16:creationId xmlns="" xmlns:a16="http://schemas.microsoft.com/office/drawing/2014/main" id="{124C7755-91FD-4C41-9663-68EC864FA6B0}"/>
+                <a16:creationId xmlns:a16="http://schemas.microsoft.com/office/drawing/2014/main" xmlns="" id="{124C7755-91FD-4C41-9663-68EC864FA6B0}"/>
               </a:ext>
             </a:extLst>
           </p:cNvPr>
@@ -719,7 +719,7 @@
           <p:cNvPr id="6" name="Slide Number Placeholder 5">
             <a:extLst>
               <a:ext uri="{FF2B5EF4-FFF2-40B4-BE49-F238E27FC236}">
-                <a16:creationId xmlns="" xmlns:a16="http://schemas.microsoft.com/office/drawing/2014/main" id="{84091D24-068B-4336-8E10-85B72720DFDF}"/>
+                <a16:creationId xmlns:a16="http://schemas.microsoft.com/office/drawing/2014/main" xmlns="" id="{84091D24-068B-4336-8E10-85B72720DFDF}"/>
               </a:ext>
             </a:extLst>
           </p:cNvPr>
@@ -778,7 +778,7 @@
           <p:cNvPr id="2" name="Title 1">
             <a:extLst>
               <a:ext uri="{FF2B5EF4-FFF2-40B4-BE49-F238E27FC236}">
-                <a16:creationId xmlns="" xmlns:a16="http://schemas.microsoft.com/office/drawing/2014/main" id="{1BE6463D-D8A4-4E0E-BE9B-F22DD13D3304}"/>
+                <a16:creationId xmlns:a16="http://schemas.microsoft.com/office/drawing/2014/main" xmlns="" id="{1BE6463D-D8A4-4E0E-BE9B-F22DD13D3304}"/>
               </a:ext>
             </a:extLst>
           </p:cNvPr>
@@ -807,7 +807,7 @@
           <p:cNvPr id="3" name="Content Placeholder 2">
             <a:extLst>
               <a:ext uri="{FF2B5EF4-FFF2-40B4-BE49-F238E27FC236}">
-                <a16:creationId xmlns="" xmlns:a16="http://schemas.microsoft.com/office/drawing/2014/main" id="{F18288D3-81CD-42E5-B42C-B0950C700694}"/>
+                <a16:creationId xmlns:a16="http://schemas.microsoft.com/office/drawing/2014/main" xmlns="" id="{F18288D3-81CD-42E5-B42C-B0950C700694}"/>
               </a:ext>
             </a:extLst>
           </p:cNvPr>
@@ -865,7 +865,7 @@
           <p:cNvPr id="4" name="Date Placeholder 3">
             <a:extLst>
               <a:ext uri="{FF2B5EF4-FFF2-40B4-BE49-F238E27FC236}">
-                <a16:creationId xmlns="" xmlns:a16="http://schemas.microsoft.com/office/drawing/2014/main" id="{0A1D272E-52F0-4F60-8619-1189A88A8F00}"/>
+                <a16:creationId xmlns:a16="http://schemas.microsoft.com/office/drawing/2014/main" xmlns="" id="{0A1D272E-52F0-4F60-8619-1189A88A8F00}"/>
               </a:ext>
             </a:extLst>
           </p:cNvPr>
@@ -883,7 +883,7 @@
           <a:p>
             <a:fld id="{FAAF9C74-E5B0-4DD2-AEF0-C5B735643AE6}" type="datetimeFigureOut">
               <a:rPr lang="x-none" smtClean="0"/>
-              <a:t>5/18/2022</a:t>
+              <a:t>5/19/2022</a:t>
             </a:fld>
             <a:endParaRPr lang="x-none"/>
           </a:p>
@@ -894,7 +894,7 @@
           <p:cNvPr id="5" name="Footer Placeholder 4">
             <a:extLst>
               <a:ext uri="{FF2B5EF4-FFF2-40B4-BE49-F238E27FC236}">
-                <a16:creationId xmlns="" xmlns:a16="http://schemas.microsoft.com/office/drawing/2014/main" id="{ADCF826A-2B12-4B98-882C-D9CB1476F28E}"/>
+                <a16:creationId xmlns:a16="http://schemas.microsoft.com/office/drawing/2014/main" xmlns="" id="{ADCF826A-2B12-4B98-882C-D9CB1476F28E}"/>
               </a:ext>
             </a:extLst>
           </p:cNvPr>
@@ -919,7 +919,7 @@
           <p:cNvPr id="6" name="Slide Number Placeholder 5">
             <a:extLst>
               <a:ext uri="{FF2B5EF4-FFF2-40B4-BE49-F238E27FC236}">
-                <a16:creationId xmlns="" xmlns:a16="http://schemas.microsoft.com/office/drawing/2014/main" id="{592EA741-BB3C-4B3D-8D64-37748F43DEB5}"/>
+                <a16:creationId xmlns:a16="http://schemas.microsoft.com/office/drawing/2014/main" xmlns="" id="{592EA741-BB3C-4B3D-8D64-37748F43DEB5}"/>
               </a:ext>
             </a:extLst>
           </p:cNvPr>
@@ -978,7 +978,7 @@
           <p:cNvPr id="2" name="Title 1">
             <a:extLst>
               <a:ext uri="{FF2B5EF4-FFF2-40B4-BE49-F238E27FC236}">
-                <a16:creationId xmlns="" xmlns:a16="http://schemas.microsoft.com/office/drawing/2014/main" id="{678BBEB7-E024-46EC-8C7C-B2218174A405}"/>
+                <a16:creationId xmlns:a16="http://schemas.microsoft.com/office/drawing/2014/main" xmlns="" id="{678BBEB7-E024-46EC-8C7C-B2218174A405}"/>
               </a:ext>
             </a:extLst>
           </p:cNvPr>
@@ -1016,7 +1016,7 @@
           <p:cNvPr id="3" name="Text Placeholder 2">
             <a:extLst>
               <a:ext uri="{FF2B5EF4-FFF2-40B4-BE49-F238E27FC236}">
-                <a16:creationId xmlns="" xmlns:a16="http://schemas.microsoft.com/office/drawing/2014/main" id="{AA0548CA-E9B9-4453-BA52-8372AF9D1B2D}"/>
+                <a16:creationId xmlns:a16="http://schemas.microsoft.com/office/drawing/2014/main" xmlns="" id="{AA0548CA-E9B9-4453-BA52-8372AF9D1B2D}"/>
               </a:ext>
             </a:extLst>
           </p:cNvPr>
@@ -1141,7 +1141,7 @@
           <p:cNvPr id="4" name="Date Placeholder 3">
             <a:extLst>
               <a:ext uri="{FF2B5EF4-FFF2-40B4-BE49-F238E27FC236}">
-                <a16:creationId xmlns="" xmlns:a16="http://schemas.microsoft.com/office/drawing/2014/main" id="{56CD132E-F1F9-40D2-9460-181766F5F099}"/>
+                <a16:creationId xmlns:a16="http://schemas.microsoft.com/office/drawing/2014/main" xmlns="" id="{56CD132E-F1F9-40D2-9460-181766F5F099}"/>
               </a:ext>
             </a:extLst>
           </p:cNvPr>
@@ -1159,7 +1159,7 @@
           <a:p>
             <a:fld id="{FAAF9C74-E5B0-4DD2-AEF0-C5B735643AE6}" type="datetimeFigureOut">
               <a:rPr lang="x-none" smtClean="0"/>
-              <a:t>5/18/2022</a:t>
+              <a:t>5/19/2022</a:t>
             </a:fld>
             <a:endParaRPr lang="x-none"/>
           </a:p>
@@ -1170,7 +1170,7 @@
           <p:cNvPr id="5" name="Footer Placeholder 4">
             <a:extLst>
               <a:ext uri="{FF2B5EF4-FFF2-40B4-BE49-F238E27FC236}">
-                <a16:creationId xmlns="" xmlns:a16="http://schemas.microsoft.com/office/drawing/2014/main" id="{C0D77056-3883-458B-9C7B-1A8CD464562C}"/>
+                <a16:creationId xmlns:a16="http://schemas.microsoft.com/office/drawing/2014/main" xmlns="" id="{C0D77056-3883-458B-9C7B-1A8CD464562C}"/>
               </a:ext>
             </a:extLst>
           </p:cNvPr>
@@ -1195,7 +1195,7 @@
           <p:cNvPr id="6" name="Slide Number Placeholder 5">
             <a:extLst>
               <a:ext uri="{FF2B5EF4-FFF2-40B4-BE49-F238E27FC236}">
-                <a16:creationId xmlns="" xmlns:a16="http://schemas.microsoft.com/office/drawing/2014/main" id="{012C11FF-1330-4E47-97D7-55C512974F04}"/>
+                <a16:creationId xmlns:a16="http://schemas.microsoft.com/office/drawing/2014/main" xmlns="" id="{012C11FF-1330-4E47-97D7-55C512974F04}"/>
               </a:ext>
             </a:extLst>
           </p:cNvPr>
@@ -1254,7 +1254,7 @@
           <p:cNvPr id="2" name="Title 1">
             <a:extLst>
               <a:ext uri="{FF2B5EF4-FFF2-40B4-BE49-F238E27FC236}">
-                <a16:creationId xmlns="" xmlns:a16="http://schemas.microsoft.com/office/drawing/2014/main" id="{41282904-0615-4C70-8598-74CFE1ACEFF0}"/>
+                <a16:creationId xmlns:a16="http://schemas.microsoft.com/office/drawing/2014/main" xmlns="" id="{41282904-0615-4C70-8598-74CFE1ACEFF0}"/>
               </a:ext>
             </a:extLst>
           </p:cNvPr>
@@ -1283,7 +1283,7 @@
           <p:cNvPr id="3" name="Content Placeholder 2">
             <a:extLst>
               <a:ext uri="{FF2B5EF4-FFF2-40B4-BE49-F238E27FC236}">
-                <a16:creationId xmlns="" xmlns:a16="http://schemas.microsoft.com/office/drawing/2014/main" id="{402C0AF1-FF16-4FC9-904B-BCB08E1D6F41}"/>
+                <a16:creationId xmlns:a16="http://schemas.microsoft.com/office/drawing/2014/main" xmlns="" id="{402C0AF1-FF16-4FC9-904B-BCB08E1D6F41}"/>
               </a:ext>
             </a:extLst>
           </p:cNvPr>
@@ -1346,7 +1346,7 @@
           <p:cNvPr id="4" name="Content Placeholder 3">
             <a:extLst>
               <a:ext uri="{FF2B5EF4-FFF2-40B4-BE49-F238E27FC236}">
-                <a16:creationId xmlns="" xmlns:a16="http://schemas.microsoft.com/office/drawing/2014/main" id="{47C251F7-1C82-4831-8531-8D0B8CDBCA1D}"/>
+                <a16:creationId xmlns:a16="http://schemas.microsoft.com/office/drawing/2014/main" xmlns="" id="{47C251F7-1C82-4831-8531-8D0B8CDBCA1D}"/>
               </a:ext>
             </a:extLst>
           </p:cNvPr>
@@ -1409,7 +1409,7 @@
           <p:cNvPr id="5" name="Date Placeholder 4">
             <a:extLst>
               <a:ext uri="{FF2B5EF4-FFF2-40B4-BE49-F238E27FC236}">
-                <a16:creationId xmlns="" xmlns:a16="http://schemas.microsoft.com/office/drawing/2014/main" id="{FC782578-FD00-4D75-828C-2AE9B0E52EA2}"/>
+                <a16:creationId xmlns:a16="http://schemas.microsoft.com/office/drawing/2014/main" xmlns="" id="{FC782578-FD00-4D75-828C-2AE9B0E52EA2}"/>
               </a:ext>
             </a:extLst>
           </p:cNvPr>
@@ -1427,7 +1427,7 @@
           <a:p>
             <a:fld id="{FAAF9C74-E5B0-4DD2-AEF0-C5B735643AE6}" type="datetimeFigureOut">
               <a:rPr lang="x-none" smtClean="0"/>
-              <a:t>5/18/2022</a:t>
+              <a:t>5/19/2022</a:t>
             </a:fld>
             <a:endParaRPr lang="x-none"/>
           </a:p>
@@ -1438,7 +1438,7 @@
           <p:cNvPr id="6" name="Footer Placeholder 5">
             <a:extLst>
               <a:ext uri="{FF2B5EF4-FFF2-40B4-BE49-F238E27FC236}">
-                <a16:creationId xmlns="" xmlns:a16="http://schemas.microsoft.com/office/drawing/2014/main" id="{CD2D43E3-10F6-4700-90FA-1FE48D886EDB}"/>
+                <a16:creationId xmlns:a16="http://schemas.microsoft.com/office/drawing/2014/main" xmlns="" id="{CD2D43E3-10F6-4700-90FA-1FE48D886EDB}"/>
               </a:ext>
             </a:extLst>
           </p:cNvPr>
@@ -1463,7 +1463,7 @@
           <p:cNvPr id="7" name="Slide Number Placeholder 6">
             <a:extLst>
               <a:ext uri="{FF2B5EF4-FFF2-40B4-BE49-F238E27FC236}">
-                <a16:creationId xmlns="" xmlns:a16="http://schemas.microsoft.com/office/drawing/2014/main" id="{66D6DFD5-E56C-4F94-A58C-F0945685DF75}"/>
+                <a16:creationId xmlns:a16="http://schemas.microsoft.com/office/drawing/2014/main" xmlns="" id="{66D6DFD5-E56C-4F94-A58C-F0945685DF75}"/>
               </a:ext>
             </a:extLst>
           </p:cNvPr>
@@ -1522,7 +1522,7 @@
           <p:cNvPr id="2" name="Title 1">
             <a:extLst>
               <a:ext uri="{FF2B5EF4-FFF2-40B4-BE49-F238E27FC236}">
-                <a16:creationId xmlns="" xmlns:a16="http://schemas.microsoft.com/office/drawing/2014/main" id="{3CD09AA0-4D1F-474A-9C19-86DC013E9A59}"/>
+                <a16:creationId xmlns:a16="http://schemas.microsoft.com/office/drawing/2014/main" xmlns="" id="{3CD09AA0-4D1F-474A-9C19-86DC013E9A59}"/>
               </a:ext>
             </a:extLst>
           </p:cNvPr>
@@ -1556,7 +1556,7 @@
           <p:cNvPr id="3" name="Text Placeholder 2">
             <a:extLst>
               <a:ext uri="{FF2B5EF4-FFF2-40B4-BE49-F238E27FC236}">
-                <a16:creationId xmlns="" xmlns:a16="http://schemas.microsoft.com/office/drawing/2014/main" id="{91F3219F-C727-479B-83DB-4EA165C4B45D}"/>
+                <a16:creationId xmlns:a16="http://schemas.microsoft.com/office/drawing/2014/main" xmlns="" id="{91F3219F-C727-479B-83DB-4EA165C4B45D}"/>
               </a:ext>
             </a:extLst>
           </p:cNvPr>
@@ -1627,7 +1627,7 @@
           <p:cNvPr id="4" name="Content Placeholder 3">
             <a:extLst>
               <a:ext uri="{FF2B5EF4-FFF2-40B4-BE49-F238E27FC236}">
-                <a16:creationId xmlns="" xmlns:a16="http://schemas.microsoft.com/office/drawing/2014/main" id="{0B5F9D7F-B3B3-4CF6-A6DC-883CCDE8CAEE}"/>
+                <a16:creationId xmlns:a16="http://schemas.microsoft.com/office/drawing/2014/main" xmlns="" id="{0B5F9D7F-B3B3-4CF6-A6DC-883CCDE8CAEE}"/>
               </a:ext>
             </a:extLst>
           </p:cNvPr>
@@ -1690,7 +1690,7 @@
           <p:cNvPr id="5" name="Text Placeholder 4">
             <a:extLst>
               <a:ext uri="{FF2B5EF4-FFF2-40B4-BE49-F238E27FC236}">
-                <a16:creationId xmlns="" xmlns:a16="http://schemas.microsoft.com/office/drawing/2014/main" id="{DEFCBEDD-C372-44B4-950C-9AF99D41D29D}"/>
+                <a16:creationId xmlns:a16="http://schemas.microsoft.com/office/drawing/2014/main" xmlns="" id="{DEFCBEDD-C372-44B4-950C-9AF99D41D29D}"/>
               </a:ext>
             </a:extLst>
           </p:cNvPr>
@@ -1761,7 +1761,7 @@
           <p:cNvPr id="6" name="Content Placeholder 5">
             <a:extLst>
               <a:ext uri="{FF2B5EF4-FFF2-40B4-BE49-F238E27FC236}">
-                <a16:creationId xmlns="" xmlns:a16="http://schemas.microsoft.com/office/drawing/2014/main" id="{D28E9443-B0A9-43E2-BC52-67A8859C024F}"/>
+                <a16:creationId xmlns:a16="http://schemas.microsoft.com/office/drawing/2014/main" xmlns="" id="{D28E9443-B0A9-43E2-BC52-67A8859C024F}"/>
               </a:ext>
             </a:extLst>
           </p:cNvPr>
@@ -1824,7 +1824,7 @@
           <p:cNvPr id="7" name="Date Placeholder 6">
             <a:extLst>
               <a:ext uri="{FF2B5EF4-FFF2-40B4-BE49-F238E27FC236}">
-                <a16:creationId xmlns="" xmlns:a16="http://schemas.microsoft.com/office/drawing/2014/main" id="{4C95295C-7C88-4206-B789-05400A8A04CA}"/>
+                <a16:creationId xmlns:a16="http://schemas.microsoft.com/office/drawing/2014/main" xmlns="" id="{4C95295C-7C88-4206-B789-05400A8A04CA}"/>
               </a:ext>
             </a:extLst>
           </p:cNvPr>
@@ -1842,7 +1842,7 @@
           <a:p>
             <a:fld id="{FAAF9C74-E5B0-4DD2-AEF0-C5B735643AE6}" type="datetimeFigureOut">
               <a:rPr lang="x-none" smtClean="0"/>
-              <a:t>5/18/2022</a:t>
+              <a:t>5/19/2022</a:t>
             </a:fld>
             <a:endParaRPr lang="x-none"/>
           </a:p>
@@ -1853,7 +1853,7 @@
           <p:cNvPr id="8" name="Footer Placeholder 7">
             <a:extLst>
               <a:ext uri="{FF2B5EF4-FFF2-40B4-BE49-F238E27FC236}">
-                <a16:creationId xmlns="" xmlns:a16="http://schemas.microsoft.com/office/drawing/2014/main" id="{C458CA07-8E37-4680-8538-F08E1A7EF544}"/>
+                <a16:creationId xmlns:a16="http://schemas.microsoft.com/office/drawing/2014/main" xmlns="" id="{C458CA07-8E37-4680-8538-F08E1A7EF544}"/>
               </a:ext>
             </a:extLst>
           </p:cNvPr>
@@ -1878,7 +1878,7 @@
           <p:cNvPr id="9" name="Slide Number Placeholder 8">
             <a:extLst>
               <a:ext uri="{FF2B5EF4-FFF2-40B4-BE49-F238E27FC236}">
-                <a16:creationId xmlns="" xmlns:a16="http://schemas.microsoft.com/office/drawing/2014/main" id="{C8D88FB0-F82A-483E-8A96-E177B4ACAB2F}"/>
+                <a16:creationId xmlns:a16="http://schemas.microsoft.com/office/drawing/2014/main" xmlns="" id="{C8D88FB0-F82A-483E-8A96-E177B4ACAB2F}"/>
               </a:ext>
             </a:extLst>
           </p:cNvPr>
@@ -1937,7 +1937,7 @@
           <p:cNvPr id="2" name="Title 1">
             <a:extLst>
               <a:ext uri="{FF2B5EF4-FFF2-40B4-BE49-F238E27FC236}">
-                <a16:creationId xmlns="" xmlns:a16="http://schemas.microsoft.com/office/drawing/2014/main" id="{6EE04D96-9C6C-4A77-97B2-0AB7E2B33E29}"/>
+                <a16:creationId xmlns:a16="http://schemas.microsoft.com/office/drawing/2014/main" xmlns="" id="{6EE04D96-9C6C-4A77-97B2-0AB7E2B33E29}"/>
               </a:ext>
             </a:extLst>
           </p:cNvPr>
@@ -1966,7 +1966,7 @@
           <p:cNvPr id="3" name="Date Placeholder 2">
             <a:extLst>
               <a:ext uri="{FF2B5EF4-FFF2-40B4-BE49-F238E27FC236}">
-                <a16:creationId xmlns="" xmlns:a16="http://schemas.microsoft.com/office/drawing/2014/main" id="{326C7D91-6C38-4AC9-A67E-C3AD91105EAE}"/>
+                <a16:creationId xmlns:a16="http://schemas.microsoft.com/office/drawing/2014/main" xmlns="" id="{326C7D91-6C38-4AC9-A67E-C3AD91105EAE}"/>
               </a:ext>
             </a:extLst>
           </p:cNvPr>
@@ -1984,7 +1984,7 @@
           <a:p>
             <a:fld id="{FAAF9C74-E5B0-4DD2-AEF0-C5B735643AE6}" type="datetimeFigureOut">
               <a:rPr lang="x-none" smtClean="0"/>
-              <a:t>5/18/2022</a:t>
+              <a:t>5/19/2022</a:t>
             </a:fld>
             <a:endParaRPr lang="x-none"/>
           </a:p>
@@ -1995,7 +1995,7 @@
           <p:cNvPr id="4" name="Footer Placeholder 3">
             <a:extLst>
               <a:ext uri="{FF2B5EF4-FFF2-40B4-BE49-F238E27FC236}">
-                <a16:creationId xmlns="" xmlns:a16="http://schemas.microsoft.com/office/drawing/2014/main" id="{CB45B167-0F0F-4382-BEE6-A7ED561DF8D7}"/>
+                <a16:creationId xmlns:a16="http://schemas.microsoft.com/office/drawing/2014/main" xmlns="" id="{CB45B167-0F0F-4382-BEE6-A7ED561DF8D7}"/>
               </a:ext>
             </a:extLst>
           </p:cNvPr>
@@ -2020,7 +2020,7 @@
           <p:cNvPr id="5" name="Slide Number Placeholder 4">
             <a:extLst>
               <a:ext uri="{FF2B5EF4-FFF2-40B4-BE49-F238E27FC236}">
-                <a16:creationId xmlns="" xmlns:a16="http://schemas.microsoft.com/office/drawing/2014/main" id="{99FF2E05-0562-4244-98B9-F98A4287DF02}"/>
+                <a16:creationId xmlns:a16="http://schemas.microsoft.com/office/drawing/2014/main" xmlns="" id="{99FF2E05-0562-4244-98B9-F98A4287DF02}"/>
               </a:ext>
             </a:extLst>
           </p:cNvPr>
@@ -2079,7 +2079,7 @@
           <p:cNvPr id="2" name="Date Placeholder 1">
             <a:extLst>
               <a:ext uri="{FF2B5EF4-FFF2-40B4-BE49-F238E27FC236}">
-                <a16:creationId xmlns="" xmlns:a16="http://schemas.microsoft.com/office/drawing/2014/main" id="{F6BD84BA-4BD5-4E66-BF75-31DAC4E78705}"/>
+                <a16:creationId xmlns:a16="http://schemas.microsoft.com/office/drawing/2014/main" xmlns="" id="{F6BD84BA-4BD5-4E66-BF75-31DAC4E78705}"/>
               </a:ext>
             </a:extLst>
           </p:cNvPr>
@@ -2097,7 +2097,7 @@
           <a:p>
             <a:fld id="{FAAF9C74-E5B0-4DD2-AEF0-C5B735643AE6}" type="datetimeFigureOut">
               <a:rPr lang="x-none" smtClean="0"/>
-              <a:t>5/18/2022</a:t>
+              <a:t>5/19/2022</a:t>
             </a:fld>
             <a:endParaRPr lang="x-none"/>
           </a:p>
@@ -2108,7 +2108,7 @@
           <p:cNvPr id="3" name="Footer Placeholder 2">
             <a:extLst>
               <a:ext uri="{FF2B5EF4-FFF2-40B4-BE49-F238E27FC236}">
-                <a16:creationId xmlns="" xmlns:a16="http://schemas.microsoft.com/office/drawing/2014/main" id="{C41FB38D-492F-4F19-8863-473D5D24C471}"/>
+                <a16:creationId xmlns:a16="http://schemas.microsoft.com/office/drawing/2014/main" xmlns="" id="{C41FB38D-492F-4F19-8863-473D5D24C471}"/>
               </a:ext>
             </a:extLst>
           </p:cNvPr>
@@ -2133,7 +2133,7 @@
           <p:cNvPr id="4" name="Slide Number Placeholder 3">
             <a:extLst>
               <a:ext uri="{FF2B5EF4-FFF2-40B4-BE49-F238E27FC236}">
-                <a16:creationId xmlns="" xmlns:a16="http://schemas.microsoft.com/office/drawing/2014/main" id="{D206EBE9-5316-4E87-AC74-19DFF1BF4C81}"/>
+                <a16:creationId xmlns:a16="http://schemas.microsoft.com/office/drawing/2014/main" xmlns="" id="{D206EBE9-5316-4E87-AC74-19DFF1BF4C81}"/>
               </a:ext>
             </a:extLst>
           </p:cNvPr>
@@ -2192,7 +2192,7 @@
           <p:cNvPr id="2" name="Title 1">
             <a:extLst>
               <a:ext uri="{FF2B5EF4-FFF2-40B4-BE49-F238E27FC236}">
-                <a16:creationId xmlns="" xmlns:a16="http://schemas.microsoft.com/office/drawing/2014/main" id="{08F77C52-6772-433C-8A95-6158AFD10E9B}"/>
+                <a16:creationId xmlns:a16="http://schemas.microsoft.com/office/drawing/2014/main" xmlns="" id="{08F77C52-6772-433C-8A95-6158AFD10E9B}"/>
               </a:ext>
             </a:extLst>
           </p:cNvPr>
@@ -2230,7 +2230,7 @@
           <p:cNvPr id="3" name="Content Placeholder 2">
             <a:extLst>
               <a:ext uri="{FF2B5EF4-FFF2-40B4-BE49-F238E27FC236}">
-                <a16:creationId xmlns="" xmlns:a16="http://schemas.microsoft.com/office/drawing/2014/main" id="{7D32DC69-8AD2-43B2-AB6A-83C7172D8D52}"/>
+                <a16:creationId xmlns:a16="http://schemas.microsoft.com/office/drawing/2014/main" xmlns="" id="{7D32DC69-8AD2-43B2-AB6A-83C7172D8D52}"/>
               </a:ext>
             </a:extLst>
           </p:cNvPr>
@@ -2321,7 +2321,7 @@
           <p:cNvPr id="4" name="Text Placeholder 3">
             <a:extLst>
               <a:ext uri="{FF2B5EF4-FFF2-40B4-BE49-F238E27FC236}">
-                <a16:creationId xmlns="" xmlns:a16="http://schemas.microsoft.com/office/drawing/2014/main" id="{E3FBC631-F135-4397-BB52-65DCF1CA8942}"/>
+                <a16:creationId xmlns:a16="http://schemas.microsoft.com/office/drawing/2014/main" xmlns="" id="{E3FBC631-F135-4397-BB52-65DCF1CA8942}"/>
               </a:ext>
             </a:extLst>
           </p:cNvPr>
@@ -2392,7 +2392,7 @@
           <p:cNvPr id="5" name="Date Placeholder 4">
             <a:extLst>
               <a:ext uri="{FF2B5EF4-FFF2-40B4-BE49-F238E27FC236}">
-                <a16:creationId xmlns="" xmlns:a16="http://schemas.microsoft.com/office/drawing/2014/main" id="{B5D43D24-4F23-4E8F-9920-DA91C53AF888}"/>
+                <a16:creationId xmlns:a16="http://schemas.microsoft.com/office/drawing/2014/main" xmlns="" id="{B5D43D24-4F23-4E8F-9920-DA91C53AF888}"/>
               </a:ext>
             </a:extLst>
           </p:cNvPr>
@@ -2410,7 +2410,7 @@
           <a:p>
             <a:fld id="{FAAF9C74-E5B0-4DD2-AEF0-C5B735643AE6}" type="datetimeFigureOut">
               <a:rPr lang="x-none" smtClean="0"/>
-              <a:t>5/18/2022</a:t>
+              <a:t>5/19/2022</a:t>
             </a:fld>
             <a:endParaRPr lang="x-none"/>
           </a:p>
@@ -2421,7 +2421,7 @@
           <p:cNvPr id="6" name="Footer Placeholder 5">
             <a:extLst>
               <a:ext uri="{FF2B5EF4-FFF2-40B4-BE49-F238E27FC236}">
-                <a16:creationId xmlns="" xmlns:a16="http://schemas.microsoft.com/office/drawing/2014/main" id="{BD1933B6-4DE7-425D-93CF-144271AE412B}"/>
+                <a16:creationId xmlns:a16="http://schemas.microsoft.com/office/drawing/2014/main" xmlns="" id="{BD1933B6-4DE7-425D-93CF-144271AE412B}"/>
               </a:ext>
             </a:extLst>
           </p:cNvPr>
@@ -2446,7 +2446,7 @@
           <p:cNvPr id="7" name="Slide Number Placeholder 6">
             <a:extLst>
               <a:ext uri="{FF2B5EF4-FFF2-40B4-BE49-F238E27FC236}">
-                <a16:creationId xmlns="" xmlns:a16="http://schemas.microsoft.com/office/drawing/2014/main" id="{0163CA70-86CE-40FE-AB5C-FBD1124EE56C}"/>
+                <a16:creationId xmlns:a16="http://schemas.microsoft.com/office/drawing/2014/main" xmlns="" id="{0163CA70-86CE-40FE-AB5C-FBD1124EE56C}"/>
               </a:ext>
             </a:extLst>
           </p:cNvPr>
@@ -2505,7 +2505,7 @@
           <p:cNvPr id="2" name="Title 1">
             <a:extLst>
               <a:ext uri="{FF2B5EF4-FFF2-40B4-BE49-F238E27FC236}">
-                <a16:creationId xmlns="" xmlns:a16="http://schemas.microsoft.com/office/drawing/2014/main" id="{9B35B7BE-6B80-4BF0-8B59-CBD331B511BD}"/>
+                <a16:creationId xmlns:a16="http://schemas.microsoft.com/office/drawing/2014/main" xmlns="" id="{9B35B7BE-6B80-4BF0-8B59-CBD331B511BD}"/>
               </a:ext>
             </a:extLst>
           </p:cNvPr>
@@ -2543,7 +2543,7 @@
           <p:cNvPr id="3" name="Picture Placeholder 2">
             <a:extLst>
               <a:ext uri="{FF2B5EF4-FFF2-40B4-BE49-F238E27FC236}">
-                <a16:creationId xmlns="" xmlns:a16="http://schemas.microsoft.com/office/drawing/2014/main" id="{789F51FB-1A4D-4D1C-B8A0-97EA4F4663F2}"/>
+                <a16:creationId xmlns:a16="http://schemas.microsoft.com/office/drawing/2014/main" xmlns="" id="{789F51FB-1A4D-4D1C-B8A0-97EA4F4663F2}"/>
               </a:ext>
             </a:extLst>
           </p:cNvPr>
@@ -2610,7 +2610,7 @@
           <p:cNvPr id="4" name="Text Placeholder 3">
             <a:extLst>
               <a:ext uri="{FF2B5EF4-FFF2-40B4-BE49-F238E27FC236}">
-                <a16:creationId xmlns="" xmlns:a16="http://schemas.microsoft.com/office/drawing/2014/main" id="{95613B1A-03B4-49D4-A480-0D881501CCCF}"/>
+                <a16:creationId xmlns:a16="http://schemas.microsoft.com/office/drawing/2014/main" xmlns="" id="{95613B1A-03B4-49D4-A480-0D881501CCCF}"/>
               </a:ext>
             </a:extLst>
           </p:cNvPr>
@@ -2681,7 +2681,7 @@
           <p:cNvPr id="5" name="Date Placeholder 4">
             <a:extLst>
               <a:ext uri="{FF2B5EF4-FFF2-40B4-BE49-F238E27FC236}">
-                <a16:creationId xmlns="" xmlns:a16="http://schemas.microsoft.com/office/drawing/2014/main" id="{980E8C46-7DE3-4462-ABA1-0F6AF3ED1011}"/>
+                <a16:creationId xmlns:a16="http://schemas.microsoft.com/office/drawing/2014/main" xmlns="" id="{980E8C46-7DE3-4462-ABA1-0F6AF3ED1011}"/>
               </a:ext>
             </a:extLst>
           </p:cNvPr>
@@ -2699,7 +2699,7 @@
           <a:p>
             <a:fld id="{FAAF9C74-E5B0-4DD2-AEF0-C5B735643AE6}" type="datetimeFigureOut">
               <a:rPr lang="x-none" smtClean="0"/>
-              <a:t>5/18/2022</a:t>
+              <a:t>5/19/2022</a:t>
             </a:fld>
             <a:endParaRPr lang="x-none"/>
           </a:p>
@@ -2710,7 +2710,7 @@
           <p:cNvPr id="6" name="Footer Placeholder 5">
             <a:extLst>
               <a:ext uri="{FF2B5EF4-FFF2-40B4-BE49-F238E27FC236}">
-                <a16:creationId xmlns="" xmlns:a16="http://schemas.microsoft.com/office/drawing/2014/main" id="{F50EAE55-51BA-4970-9FD2-84052023AF68}"/>
+                <a16:creationId xmlns:a16="http://schemas.microsoft.com/office/drawing/2014/main" xmlns="" id="{F50EAE55-51BA-4970-9FD2-84052023AF68}"/>
               </a:ext>
             </a:extLst>
           </p:cNvPr>
@@ -2735,7 +2735,7 @@
           <p:cNvPr id="7" name="Slide Number Placeholder 6">
             <a:extLst>
               <a:ext uri="{FF2B5EF4-FFF2-40B4-BE49-F238E27FC236}">
-                <a16:creationId xmlns="" xmlns:a16="http://schemas.microsoft.com/office/drawing/2014/main" id="{44950360-CD3A-46CA-BB24-3843F296015C}"/>
+                <a16:creationId xmlns:a16="http://schemas.microsoft.com/office/drawing/2014/main" xmlns="" id="{44950360-CD3A-46CA-BB24-3843F296015C}"/>
               </a:ext>
             </a:extLst>
           </p:cNvPr>
@@ -2802,7 +2802,7 @@
           <p:cNvPr id="2" name="Title Placeholder 1">
             <a:extLst>
               <a:ext uri="{FF2B5EF4-FFF2-40B4-BE49-F238E27FC236}">
-                <a16:creationId xmlns="" xmlns:a16="http://schemas.microsoft.com/office/drawing/2014/main" id="{53B6B282-DDAB-49F4-A469-9DE4065BF1E3}"/>
+                <a16:creationId xmlns:a16="http://schemas.microsoft.com/office/drawing/2014/main" xmlns="" id="{53B6B282-DDAB-49F4-A469-9DE4065BF1E3}"/>
               </a:ext>
             </a:extLst>
           </p:cNvPr>
@@ -2841,7 +2841,7 @@
           <p:cNvPr id="3" name="Text Placeholder 2">
             <a:extLst>
               <a:ext uri="{FF2B5EF4-FFF2-40B4-BE49-F238E27FC236}">
-                <a16:creationId xmlns="" xmlns:a16="http://schemas.microsoft.com/office/drawing/2014/main" id="{B4EEAD3F-03DC-46E9-AE2E-85570A49AF71}"/>
+                <a16:creationId xmlns:a16="http://schemas.microsoft.com/office/drawing/2014/main" xmlns="" id="{B4EEAD3F-03DC-46E9-AE2E-85570A49AF71}"/>
               </a:ext>
             </a:extLst>
           </p:cNvPr>
@@ -2909,7 +2909,7 @@
           <p:cNvPr id="4" name="Date Placeholder 3">
             <a:extLst>
               <a:ext uri="{FF2B5EF4-FFF2-40B4-BE49-F238E27FC236}">
-                <a16:creationId xmlns="" xmlns:a16="http://schemas.microsoft.com/office/drawing/2014/main" id="{2CC4198D-6649-4F99-B88D-9639E7DF122C}"/>
+                <a16:creationId xmlns:a16="http://schemas.microsoft.com/office/drawing/2014/main" xmlns="" id="{2CC4198D-6649-4F99-B88D-9639E7DF122C}"/>
               </a:ext>
             </a:extLst>
           </p:cNvPr>
@@ -2945,7 +2945,7 @@
           <a:p>
             <a:fld id="{FAAF9C74-E5B0-4DD2-AEF0-C5B735643AE6}" type="datetimeFigureOut">
               <a:rPr lang="x-none" smtClean="0"/>
-              <a:t>5/18/2022</a:t>
+              <a:t>5/19/2022</a:t>
             </a:fld>
             <a:endParaRPr lang="x-none"/>
           </a:p>
@@ -2956,7 +2956,7 @@
           <p:cNvPr id="5" name="Footer Placeholder 4">
             <a:extLst>
               <a:ext uri="{FF2B5EF4-FFF2-40B4-BE49-F238E27FC236}">
-                <a16:creationId xmlns="" xmlns:a16="http://schemas.microsoft.com/office/drawing/2014/main" id="{358A2839-A863-4C75-9328-C35763765098}"/>
+                <a16:creationId xmlns:a16="http://schemas.microsoft.com/office/drawing/2014/main" xmlns="" id="{358A2839-A863-4C75-9328-C35763765098}"/>
               </a:ext>
             </a:extLst>
           </p:cNvPr>
@@ -2999,7 +2999,7 @@
           <p:cNvPr id="6" name="Slide Number Placeholder 5">
             <a:extLst>
               <a:ext uri="{FF2B5EF4-FFF2-40B4-BE49-F238E27FC236}">
-                <a16:creationId xmlns="" xmlns:a16="http://schemas.microsoft.com/office/drawing/2014/main" id="{B08220B8-72C7-4F54-BF1E-7329D227A448}"/>
+                <a16:creationId xmlns:a16="http://schemas.microsoft.com/office/drawing/2014/main" xmlns="" id="{B08220B8-72C7-4F54-BF1E-7329D227A448}"/>
               </a:ext>
             </a:extLst>
           </p:cNvPr>
@@ -3367,7 +3367,7 @@
           <p:cNvPr id="2" name="Title 1">
             <a:extLst>
               <a:ext uri="{FF2B5EF4-FFF2-40B4-BE49-F238E27FC236}">
-                <a16:creationId xmlns="" xmlns:a16="http://schemas.microsoft.com/office/drawing/2014/main" id="{2937E622-18FB-4DF4-BB44-135388FA16C5}"/>
+                <a16:creationId xmlns:a16="http://schemas.microsoft.com/office/drawing/2014/main" xmlns="" id="{2937E622-18FB-4DF4-BB44-135388FA16C5}"/>
               </a:ext>
             </a:extLst>
           </p:cNvPr>
@@ -3414,7 +3414,7 @@
           <p:cNvPr id="4" name="TextBox 3">
             <a:extLst>
               <a:ext uri="{FF2B5EF4-FFF2-40B4-BE49-F238E27FC236}">
-                <a16:creationId xmlns="" xmlns:a16="http://schemas.microsoft.com/office/drawing/2014/main" id="{CD6BD5BD-0426-48E3-9BD4-35299655E531}"/>
+                <a16:creationId xmlns:a16="http://schemas.microsoft.com/office/drawing/2014/main" xmlns="" id="{CD6BD5BD-0426-48E3-9BD4-35299655E531}"/>
               </a:ext>
             </a:extLst>
           </p:cNvPr>
@@ -3460,7 +3460,7 @@
           <p:cNvPr id="6" name="TextBox 5">
             <a:extLst>
               <a:ext uri="{FF2B5EF4-FFF2-40B4-BE49-F238E27FC236}">
-                <a16:creationId xmlns="" xmlns:a16="http://schemas.microsoft.com/office/drawing/2014/main" id="{3FA0123F-39E2-4412-BFC4-1D87223B3FCB}"/>
+                <a16:creationId xmlns:a16="http://schemas.microsoft.com/office/drawing/2014/main" xmlns="" id="{3FA0123F-39E2-4412-BFC4-1D87223B3FCB}"/>
               </a:ext>
             </a:extLst>
           </p:cNvPr>
@@ -3533,7 +3533,7 @@
           <p:cNvPr id="10" name="Picture 9">
             <a:extLst>
               <a:ext uri="{FF2B5EF4-FFF2-40B4-BE49-F238E27FC236}">
-                <a16:creationId xmlns="" xmlns:a16="http://schemas.microsoft.com/office/drawing/2014/main" id="{76E15F87-3F85-4BC5-8A23-D465632F3EEC}"/>
+                <a16:creationId xmlns:a16="http://schemas.microsoft.com/office/drawing/2014/main" xmlns="" id="{76E15F87-3F85-4BC5-8A23-D465632F3EEC}"/>
               </a:ext>
             </a:extLst>
           </p:cNvPr>
@@ -3568,7 +3568,7 @@
           <p:cNvPr id="14" name="TextBox 13">
             <a:extLst>
               <a:ext uri="{FF2B5EF4-FFF2-40B4-BE49-F238E27FC236}">
-                <a16:creationId xmlns="" xmlns:a16="http://schemas.microsoft.com/office/drawing/2014/main" id="{2DD5F139-9B5B-4960-B8DA-C786145B219B}"/>
+                <a16:creationId xmlns:a16="http://schemas.microsoft.com/office/drawing/2014/main" xmlns="" id="{2DD5F139-9B5B-4960-B8DA-C786145B219B}"/>
               </a:ext>
             </a:extLst>
           </p:cNvPr>
@@ -3646,7 +3646,7 @@
           <p:cNvPr id="18" name="Content Placeholder 12">
             <a:extLst>
               <a:ext uri="{FF2B5EF4-FFF2-40B4-BE49-F238E27FC236}">
-                <a16:creationId xmlns="" xmlns:a16="http://schemas.microsoft.com/office/drawing/2014/main" id="{C4A49D2A-4082-45B0-928E-9B51AB6D46B9}"/>
+                <a16:creationId xmlns:a16="http://schemas.microsoft.com/office/drawing/2014/main" xmlns="" id="{C4A49D2A-4082-45B0-928E-9B51AB6D46B9}"/>
               </a:ext>
             </a:extLst>
           </p:cNvPr>
@@ -3681,7 +3681,7 @@
           <p:cNvPr id="20" name="TextBox 19">
             <a:extLst>
               <a:ext uri="{FF2B5EF4-FFF2-40B4-BE49-F238E27FC236}">
-                <a16:creationId xmlns="" xmlns:a16="http://schemas.microsoft.com/office/drawing/2014/main" id="{640B383B-A8E3-4968-820E-3A53DB7BA425}"/>
+                <a16:creationId xmlns:a16="http://schemas.microsoft.com/office/drawing/2014/main" xmlns="" id="{640B383B-A8E3-4968-820E-3A53DB7BA425}"/>
               </a:ext>
             </a:extLst>
           </p:cNvPr>
@@ -3727,7 +3727,7 @@
           <p:cNvPr id="22" name="TextBox 21">
             <a:extLst>
               <a:ext uri="{FF2B5EF4-FFF2-40B4-BE49-F238E27FC236}">
-                <a16:creationId xmlns="" xmlns:a16="http://schemas.microsoft.com/office/drawing/2014/main" id="{6CDFA706-9F39-4DAC-B205-3B6EBDD1EC4F}"/>
+                <a16:creationId xmlns:a16="http://schemas.microsoft.com/office/drawing/2014/main" xmlns="" id="{6CDFA706-9F39-4DAC-B205-3B6EBDD1EC4F}"/>
               </a:ext>
             </a:extLst>
           </p:cNvPr>
@@ -3805,7 +3805,7 @@
           <p:cNvPr id="18" name="Content Placeholder 12">
             <a:extLst>
               <a:ext uri="{FF2B5EF4-FFF2-40B4-BE49-F238E27FC236}">
-                <a16:creationId xmlns="" xmlns:a16="http://schemas.microsoft.com/office/drawing/2014/main" id="{C4A49D2A-4082-45B0-928E-9B51AB6D46B9}"/>
+                <a16:creationId xmlns:a16="http://schemas.microsoft.com/office/drawing/2014/main" xmlns="" id="{C4A49D2A-4082-45B0-928E-9B51AB6D46B9}"/>
               </a:ext>
             </a:extLst>
           </p:cNvPr>
@@ -3840,7 +3840,7 @@
           <p:cNvPr id="20" name="TextBox 19">
             <a:extLst>
               <a:ext uri="{FF2B5EF4-FFF2-40B4-BE49-F238E27FC236}">
-                <a16:creationId xmlns="" xmlns:a16="http://schemas.microsoft.com/office/drawing/2014/main" id="{640B383B-A8E3-4968-820E-3A53DB7BA425}"/>
+                <a16:creationId xmlns:a16="http://schemas.microsoft.com/office/drawing/2014/main" xmlns="" id="{640B383B-A8E3-4968-820E-3A53DB7BA425}"/>
               </a:ext>
             </a:extLst>
           </p:cNvPr>
@@ -3886,7 +3886,7 @@
           <p:cNvPr id="22" name="TextBox 21">
             <a:extLst>
               <a:ext uri="{FF2B5EF4-FFF2-40B4-BE49-F238E27FC236}">
-                <a16:creationId xmlns="" xmlns:a16="http://schemas.microsoft.com/office/drawing/2014/main" id="{6CDFA706-9F39-4DAC-B205-3B6EBDD1EC4F}"/>
+                <a16:creationId xmlns:a16="http://schemas.microsoft.com/office/drawing/2014/main" xmlns="" id="{6CDFA706-9F39-4DAC-B205-3B6EBDD1EC4F}"/>
               </a:ext>
             </a:extLst>
           </p:cNvPr>
@@ -3964,7 +3964,7 @@
           <p:cNvPr id="18" name="Content Placeholder 12">
             <a:extLst>
               <a:ext uri="{FF2B5EF4-FFF2-40B4-BE49-F238E27FC236}">
-                <a16:creationId xmlns="" xmlns:a16="http://schemas.microsoft.com/office/drawing/2014/main" id="{C4A49D2A-4082-45B0-928E-9B51AB6D46B9}"/>
+                <a16:creationId xmlns:a16="http://schemas.microsoft.com/office/drawing/2014/main" xmlns="" id="{C4A49D2A-4082-45B0-928E-9B51AB6D46B9}"/>
               </a:ext>
             </a:extLst>
           </p:cNvPr>
@@ -3999,7 +3999,7 @@
           <p:cNvPr id="7" name="Title 1">
             <a:extLst>
               <a:ext uri="{FF2B5EF4-FFF2-40B4-BE49-F238E27FC236}">
-                <a16:creationId xmlns="" xmlns:a16="http://schemas.microsoft.com/office/drawing/2014/main" id="{AB2D229F-C817-47CA-AD1A-7BF83C0C7A4E}"/>
+                <a16:creationId xmlns:a16="http://schemas.microsoft.com/office/drawing/2014/main" xmlns="" id="{AB2D229F-C817-47CA-AD1A-7BF83C0C7A4E}"/>
               </a:ext>
             </a:extLst>
           </p:cNvPr>
@@ -4065,7 +4065,7 @@
           <p:cNvPr id="9" name="TextBox 8">
             <a:extLst>
               <a:ext uri="{FF2B5EF4-FFF2-40B4-BE49-F238E27FC236}">
-                <a16:creationId xmlns="" xmlns:a16="http://schemas.microsoft.com/office/drawing/2014/main" id="{2CEB48B2-8AFE-49DD-A4FB-D01912ACBF6F}"/>
+                <a16:creationId xmlns:a16="http://schemas.microsoft.com/office/drawing/2014/main" xmlns="" id="{2CEB48B2-8AFE-49DD-A4FB-D01912ACBF6F}"/>
               </a:ext>
             </a:extLst>
           </p:cNvPr>
@@ -4149,7 +4149,7 @@
           <p:cNvPr id="10" name="Picture 9" descr="A silhouette of a person&#10;&#10;Description automatically generated with low confidence">
             <a:extLst>
               <a:ext uri="{FF2B5EF4-FFF2-40B4-BE49-F238E27FC236}">
-                <a16:creationId xmlns="" xmlns:a16="http://schemas.microsoft.com/office/drawing/2014/main" id="{7A35C135-8847-4BA7-86A0-41CE197758BC}"/>
+                <a16:creationId xmlns:a16="http://schemas.microsoft.com/office/drawing/2014/main" xmlns="" id="{7A35C135-8847-4BA7-86A0-41CE197758BC}"/>
               </a:ext>
             </a:extLst>
           </p:cNvPr>
@@ -4185,7 +4185,7 @@
           <p:cNvPr id="13" name="TextBox 12">
             <a:extLst>
               <a:ext uri="{FF2B5EF4-FFF2-40B4-BE49-F238E27FC236}">
-                <a16:creationId xmlns="" xmlns:a16="http://schemas.microsoft.com/office/drawing/2014/main" id="{8E3252FD-544E-42DB-9821-B5729F204097}"/>
+                <a16:creationId xmlns:a16="http://schemas.microsoft.com/office/drawing/2014/main" xmlns="" id="{8E3252FD-544E-42DB-9821-B5729F204097}"/>
               </a:ext>
             </a:extLst>
           </p:cNvPr>
@@ -4229,7 +4229,7 @@
           <p:cNvPr id="19" name="Picture 18">
             <a:extLst>
               <a:ext uri="{FF2B5EF4-FFF2-40B4-BE49-F238E27FC236}">
-                <a16:creationId xmlns="" xmlns:a16="http://schemas.microsoft.com/office/drawing/2014/main" id="{AEE0FDA7-3B77-45CC-A1B2-418C35CA6766}"/>
+                <a16:creationId xmlns:a16="http://schemas.microsoft.com/office/drawing/2014/main" xmlns="" id="{AEE0FDA7-3B77-45CC-A1B2-418C35CA6766}"/>
               </a:ext>
             </a:extLst>
           </p:cNvPr>
@@ -4264,7 +4264,7 @@
           <p:cNvPr id="21" name="TextBox 20">
             <a:extLst>
               <a:ext uri="{FF2B5EF4-FFF2-40B4-BE49-F238E27FC236}">
-                <a16:creationId xmlns="" xmlns:a16="http://schemas.microsoft.com/office/drawing/2014/main" id="{8BC77C6C-40B4-4980-9CB2-51E4080B6403}"/>
+                <a16:creationId xmlns:a16="http://schemas.microsoft.com/office/drawing/2014/main" xmlns="" id="{8BC77C6C-40B4-4980-9CB2-51E4080B6403}"/>
               </a:ext>
             </a:extLst>
           </p:cNvPr>
@@ -4360,7 +4360,7 @@
           <p:cNvPr id="4" name="TextBox 3">
             <a:extLst>
               <a:ext uri="{FF2B5EF4-FFF2-40B4-BE49-F238E27FC236}">
-                <a16:creationId xmlns="" xmlns:a16="http://schemas.microsoft.com/office/drawing/2014/main" id="{133CB9C4-2D96-4D32-AB51-F813E6B6D945}"/>
+                <a16:creationId xmlns:a16="http://schemas.microsoft.com/office/drawing/2014/main" xmlns="" id="{133CB9C4-2D96-4D32-AB51-F813E6B6D945}"/>
               </a:ext>
             </a:extLst>
           </p:cNvPr>
@@ -4686,7 +4686,7 @@
           <p:cNvPr id="9" name="TextBox 8">
             <a:extLst>
               <a:ext uri="{FF2B5EF4-FFF2-40B4-BE49-F238E27FC236}">
-                <a16:creationId xmlns="" xmlns:a16="http://schemas.microsoft.com/office/drawing/2014/main" id="{53959F6C-D912-4BF4-8C18-DB2B315570DF}"/>
+                <a16:creationId xmlns:a16="http://schemas.microsoft.com/office/drawing/2014/main" xmlns="" id="{53959F6C-D912-4BF4-8C18-DB2B315570DF}"/>
               </a:ext>
             </a:extLst>
           </p:cNvPr>
@@ -4727,7 +4727,7 @@
           <p:cNvPr id="10" name="Straight Connector 9">
             <a:extLst>
               <a:ext uri="{FF2B5EF4-FFF2-40B4-BE49-F238E27FC236}">
-                <a16:creationId xmlns="" xmlns:a16="http://schemas.microsoft.com/office/drawing/2014/main" id="{4BBB1231-C899-4A27-B0C0-01ECDEA1E740}"/>
+                <a16:creationId xmlns:a16="http://schemas.microsoft.com/office/drawing/2014/main" xmlns="" id="{4BBB1231-C899-4A27-B0C0-01ECDEA1E740}"/>
               </a:ext>
             </a:extLst>
           </p:cNvPr>
@@ -5018,7 +5018,7 @@
           <p:cNvPr id="13" name="Content Placeholder 12">
             <a:extLst>
               <a:ext uri="{FF2B5EF4-FFF2-40B4-BE49-F238E27FC236}">
-                <a16:creationId xmlns="" xmlns:a16="http://schemas.microsoft.com/office/drawing/2014/main" id="{C4A49D2A-4082-45B0-928E-9B51AB6D46B9}"/>
+                <a16:creationId xmlns:a16="http://schemas.microsoft.com/office/drawing/2014/main" xmlns="" id="{C4A49D2A-4082-45B0-928E-9B51AB6D46B9}"/>
               </a:ext>
             </a:extLst>
           </p:cNvPr>
@@ -5357,11 +5357,6 @@
               </a:rPr>
               <a:t>https://gilly.space/Kelvin.html</a:t>
             </a:r>
-            <a:endParaRPr lang="nl-NL" sz="1400" dirty="0">
-              <a:solidFill>
-                <a:schemeClr val="bg1"/>
-              </a:solidFill>
-            </a:endParaRPr>
           </a:p>
         </p:txBody>
       </p:sp>
@@ -5408,7 +5403,7 @@
           <p:cNvPr id="13" name="Content Placeholder 12">
             <a:extLst>
               <a:ext uri="{FF2B5EF4-FFF2-40B4-BE49-F238E27FC236}">
-                <a16:creationId xmlns="" xmlns:a16="http://schemas.microsoft.com/office/drawing/2014/main" id="{C4A49D2A-4082-45B0-928E-9B51AB6D46B9}"/>
+                <a16:creationId xmlns:a16="http://schemas.microsoft.com/office/drawing/2014/main" xmlns="" id="{C4A49D2A-4082-45B0-928E-9B51AB6D46B9}"/>
               </a:ext>
             </a:extLst>
           </p:cNvPr>
@@ -5582,7 +5577,7 @@
           <p:cNvPr id="5" name="Content Placeholder 12">
             <a:extLst>
               <a:ext uri="{FF2B5EF4-FFF2-40B4-BE49-F238E27FC236}">
-                <a16:creationId xmlns="" xmlns:a16="http://schemas.microsoft.com/office/drawing/2014/main" id="{C4A49D2A-4082-45B0-928E-9B51AB6D46B9}"/>
+                <a16:creationId xmlns:a16="http://schemas.microsoft.com/office/drawing/2014/main" xmlns="" id="{C4A49D2A-4082-45B0-928E-9B51AB6D46B9}"/>
               </a:ext>
             </a:extLst>
           </p:cNvPr>
@@ -6298,7 +6293,7 @@
           <p:cNvPr id="5" name="Content Placeholder 12">
             <a:extLst>
               <a:ext uri="{FF2B5EF4-FFF2-40B4-BE49-F238E27FC236}">
-                <a16:creationId xmlns="" xmlns:a16="http://schemas.microsoft.com/office/drawing/2014/main" id="{C4A49D2A-4082-45B0-928E-9B51AB6D46B9}"/>
+                <a16:creationId xmlns:a16="http://schemas.microsoft.com/office/drawing/2014/main" xmlns="" id="{C4A49D2A-4082-45B0-928E-9B51AB6D46B9}"/>
               </a:ext>
             </a:extLst>
           </p:cNvPr>
@@ -6377,7 +6372,7 @@
             <p:spPr>
               <a:xfrm>
                 <a:off x="785133" y="1289955"/>
-                <a:ext cx="10621734" cy="4060599"/>
+                <a:ext cx="10621734" cy="5168594"/>
               </a:xfrm>
               <a:prstGeom prst="rect">
                 <a:avLst/>
@@ -6689,15 +6684,80 @@
                       <a:schemeClr val="bg1"/>
                     </a:solidFill>
                   </a:rPr>
-                  <a:t>Why ¼ and not 1?</a:t>
+                  <a:t>Why ¼ and not 1</a:t>
                 </a:r>
-                <a:endParaRPr lang="nl-NL" sz="2400" dirty="0" smtClean="0">
-                  <a:solidFill>
-                    <a:schemeClr val="bg1"/>
-                  </a:solidFill>
-                </a:endParaRPr>
+                <a:r>
+                  <a:rPr lang="en-US" sz="2400" dirty="0" smtClean="0">
+                    <a:solidFill>
+                      <a:schemeClr val="bg1"/>
+                    </a:solidFill>
+                  </a:rPr>
+                  <a:t>?</a:t>
+                </a:r>
               </a:p>
               <a:p>
+                <a:r>
+                  <a:rPr lang="en-US" sz="2400" dirty="0" smtClean="0">
+                    <a:solidFill>
+                      <a:schemeClr val="bg1"/>
+                    </a:solidFill>
+                  </a:rPr>
+                  <a:t>-wave-instability</a:t>
+                </a:r>
+              </a:p>
+              <a:p>
+                <a:r>
+                  <a:rPr lang="en-US" sz="2400" dirty="0" smtClean="0">
+                    <a:solidFill>
+                      <a:schemeClr val="bg1"/>
+                    </a:solidFill>
+                  </a:rPr>
+                  <a:t>-</a:t>
+                </a:r>
+                <a:r>
+                  <a:rPr lang="en-US" sz="2400" dirty="0" smtClean="0">
+                    <a:solidFill>
+                      <a:schemeClr val="bg1"/>
+                    </a:solidFill>
+                  </a:rPr>
+                  <a:t>secondary instability</a:t>
+                </a:r>
+              </a:p>
+              <a:p>
+                <a:r>
+                  <a:rPr lang="en-US" sz="2400" dirty="0" smtClean="0">
+                    <a:solidFill>
+                      <a:schemeClr val="bg1"/>
+                    </a:solidFill>
+                  </a:rPr>
+                  <a:t>-turbulent motion</a:t>
+                </a:r>
+              </a:p>
+              <a:p>
+                <a:r>
+                  <a:rPr lang="en-US" sz="2400" dirty="0" smtClean="0">
+                    <a:solidFill>
+                      <a:schemeClr val="bg1"/>
+                    </a:solidFill>
+                  </a:rPr>
+                  <a:t>-</a:t>
+                </a:r>
+                <a:r>
+                  <a:rPr lang="en-US" sz="2400" smtClean="0">
+                    <a:solidFill>
+                      <a:schemeClr val="bg1"/>
+                    </a:solidFill>
+                  </a:rPr>
+                  <a:t>momentum </a:t>
+                </a:r>
+                <a:r>
+                  <a:rPr lang="en-US" sz="2400" dirty="0" smtClean="0">
+                    <a:solidFill>
+                      <a:schemeClr val="bg1"/>
+                    </a:solidFill>
+                  </a:rPr>
+                  <a:t>diffusion</a:t>
+                </a:r>
                 <a:endParaRPr lang="nl-NL" sz="2400" dirty="0" smtClean="0">
                   <a:solidFill>
                     <a:schemeClr val="bg1"/>
@@ -6719,7 +6779,7 @@
             <p:spPr>
               <a:xfrm>
                 <a:off x="785133" y="1289955"/>
-                <a:ext cx="10621734" cy="4060599"/>
+                <a:ext cx="10621734" cy="5168594"/>
               </a:xfrm>
               <a:prstGeom prst="rect">
                 <a:avLst/>
@@ -6727,7 +6787,7 @@
               <a:blipFill rotWithShape="1">
                 <a:blip r:embed="rId3"/>
                 <a:stretch>
-                  <a:fillRect l="-918" t="-1201" b="-2402"/>
+                  <a:fillRect l="-918" t="-945" b="-1771"/>
                 </a:stretch>
               </a:blipFill>
             </p:spPr>
@@ -6788,7 +6848,7 @@
           <p:cNvPr id="18" name="Content Placeholder 12">
             <a:extLst>
               <a:ext uri="{FF2B5EF4-FFF2-40B4-BE49-F238E27FC236}">
-                <a16:creationId xmlns="" xmlns:a16="http://schemas.microsoft.com/office/drawing/2014/main" id="{C4A49D2A-4082-45B0-928E-9B51AB6D46B9}"/>
+                <a16:creationId xmlns:a16="http://schemas.microsoft.com/office/drawing/2014/main" xmlns="" id="{C4A49D2A-4082-45B0-928E-9B51AB6D46B9}"/>
               </a:ext>
             </a:extLst>
           </p:cNvPr>
@@ -6823,7 +6883,7 @@
           <p:cNvPr id="20" name="TextBox 19">
             <a:extLst>
               <a:ext uri="{FF2B5EF4-FFF2-40B4-BE49-F238E27FC236}">
-                <a16:creationId xmlns="" xmlns:a16="http://schemas.microsoft.com/office/drawing/2014/main" id="{640B383B-A8E3-4968-820E-3A53DB7BA425}"/>
+                <a16:creationId xmlns:a16="http://schemas.microsoft.com/office/drawing/2014/main" xmlns="" id="{640B383B-A8E3-4968-820E-3A53DB7BA425}"/>
               </a:ext>
             </a:extLst>
           </p:cNvPr>
@@ -6869,7 +6929,7 @@
           <p:cNvPr id="22" name="TextBox 21">
             <a:extLst>
               <a:ext uri="{FF2B5EF4-FFF2-40B4-BE49-F238E27FC236}">
-                <a16:creationId xmlns="" xmlns:a16="http://schemas.microsoft.com/office/drawing/2014/main" id="{6CDFA706-9F39-4DAC-B205-3B6EBDD1EC4F}"/>
+                <a16:creationId xmlns:a16="http://schemas.microsoft.com/office/drawing/2014/main" xmlns="" id="{6CDFA706-9F39-4DAC-B205-3B6EBDD1EC4F}"/>
               </a:ext>
             </a:extLst>
           </p:cNvPr>
@@ -6947,7 +7007,7 @@
           <p:cNvPr id="18" name="Content Placeholder 12">
             <a:extLst>
               <a:ext uri="{FF2B5EF4-FFF2-40B4-BE49-F238E27FC236}">
-                <a16:creationId xmlns="" xmlns:a16="http://schemas.microsoft.com/office/drawing/2014/main" id="{C4A49D2A-4082-45B0-928E-9B51AB6D46B9}"/>
+                <a16:creationId xmlns:a16="http://schemas.microsoft.com/office/drawing/2014/main" xmlns="" id="{C4A49D2A-4082-45B0-928E-9B51AB6D46B9}"/>
               </a:ext>
             </a:extLst>
           </p:cNvPr>
@@ -6982,7 +7042,7 @@
           <p:cNvPr id="20" name="TextBox 19">
             <a:extLst>
               <a:ext uri="{FF2B5EF4-FFF2-40B4-BE49-F238E27FC236}">
-                <a16:creationId xmlns="" xmlns:a16="http://schemas.microsoft.com/office/drawing/2014/main" id="{640B383B-A8E3-4968-820E-3A53DB7BA425}"/>
+                <a16:creationId xmlns:a16="http://schemas.microsoft.com/office/drawing/2014/main" xmlns="" id="{640B383B-A8E3-4968-820E-3A53DB7BA425}"/>
               </a:ext>
             </a:extLst>
           </p:cNvPr>
@@ -7028,7 +7088,7 @@
           <p:cNvPr id="22" name="TextBox 21">
             <a:extLst>
               <a:ext uri="{FF2B5EF4-FFF2-40B4-BE49-F238E27FC236}">
-                <a16:creationId xmlns="" xmlns:a16="http://schemas.microsoft.com/office/drawing/2014/main" id="{6CDFA706-9F39-4DAC-B205-3B6EBDD1EC4F}"/>
+                <a16:creationId xmlns:a16="http://schemas.microsoft.com/office/drawing/2014/main" xmlns="" id="{6CDFA706-9F39-4DAC-B205-3B6EBDD1EC4F}"/>
               </a:ext>
             </a:extLst>
           </p:cNvPr>
@@ -7071,7 +7131,7 @@
               <p:cNvPr id="4" name="TextBox 3">
                 <a:extLst>
                   <a:ext uri="{FF2B5EF4-FFF2-40B4-BE49-F238E27FC236}">
-                    <a16:creationId xmlns="" xmlns:a16="http://schemas.microsoft.com/office/drawing/2014/main" id="{1ED06163-AB97-402B-B3A9-250132FF863D}"/>
+                    <a16:creationId xmlns:a16="http://schemas.microsoft.com/office/drawing/2014/main" xmlns="" id="{1ED06163-AB97-402B-B3A9-250132FF863D}"/>
                   </a:ext>
                 </a:extLst>
               </p:cNvPr>
@@ -7588,7 +7648,7 @@
           <p:cNvPr id="6" name="Straight Arrow Connector 5">
             <a:extLst>
               <a:ext uri="{FF2B5EF4-FFF2-40B4-BE49-F238E27FC236}">
-                <a16:creationId xmlns="" xmlns:a16="http://schemas.microsoft.com/office/drawing/2014/main" id="{F0C2F435-9966-4EAB-9CC1-C076C979020F}"/>
+                <a16:creationId xmlns:a16="http://schemas.microsoft.com/office/drawing/2014/main" xmlns="" id="{F0C2F435-9966-4EAB-9CC1-C076C979020F}"/>
               </a:ext>
             </a:extLst>
           </p:cNvPr>
@@ -7671,7 +7731,7 @@
           <p:cNvPr id="18" name="Content Placeholder 12">
             <a:extLst>
               <a:ext uri="{FF2B5EF4-FFF2-40B4-BE49-F238E27FC236}">
-                <a16:creationId xmlns="" xmlns:a16="http://schemas.microsoft.com/office/drawing/2014/main" id="{C4A49D2A-4082-45B0-928E-9B51AB6D46B9}"/>
+                <a16:creationId xmlns:a16="http://schemas.microsoft.com/office/drawing/2014/main" xmlns="" id="{C4A49D2A-4082-45B0-928E-9B51AB6D46B9}"/>
               </a:ext>
             </a:extLst>
           </p:cNvPr>
@@ -7706,7 +7766,7 @@
           <p:cNvPr id="20" name="TextBox 19">
             <a:extLst>
               <a:ext uri="{FF2B5EF4-FFF2-40B4-BE49-F238E27FC236}">
-                <a16:creationId xmlns="" xmlns:a16="http://schemas.microsoft.com/office/drawing/2014/main" id="{640B383B-A8E3-4968-820E-3A53DB7BA425}"/>
+                <a16:creationId xmlns:a16="http://schemas.microsoft.com/office/drawing/2014/main" xmlns="" id="{640B383B-A8E3-4968-820E-3A53DB7BA425}"/>
               </a:ext>
             </a:extLst>
           </p:cNvPr>
@@ -7752,7 +7812,7 @@
           <p:cNvPr id="22" name="TextBox 21">
             <a:extLst>
               <a:ext uri="{FF2B5EF4-FFF2-40B4-BE49-F238E27FC236}">
-                <a16:creationId xmlns="" xmlns:a16="http://schemas.microsoft.com/office/drawing/2014/main" id="{6CDFA706-9F39-4DAC-B205-3B6EBDD1EC4F}"/>
+                <a16:creationId xmlns:a16="http://schemas.microsoft.com/office/drawing/2014/main" xmlns="" id="{6CDFA706-9F39-4DAC-B205-3B6EBDD1EC4F}"/>
               </a:ext>
             </a:extLst>
           </p:cNvPr>
@@ -7830,7 +7890,7 @@
           <p:cNvPr id="18" name="Content Placeholder 12">
             <a:extLst>
               <a:ext uri="{FF2B5EF4-FFF2-40B4-BE49-F238E27FC236}">
-                <a16:creationId xmlns="" xmlns:a16="http://schemas.microsoft.com/office/drawing/2014/main" id="{C4A49D2A-4082-45B0-928E-9B51AB6D46B9}"/>
+                <a16:creationId xmlns:a16="http://schemas.microsoft.com/office/drawing/2014/main" xmlns="" id="{C4A49D2A-4082-45B0-928E-9B51AB6D46B9}"/>
               </a:ext>
             </a:extLst>
           </p:cNvPr>
@@ -7865,7 +7925,7 @@
           <p:cNvPr id="20" name="TextBox 19">
             <a:extLst>
               <a:ext uri="{FF2B5EF4-FFF2-40B4-BE49-F238E27FC236}">
-                <a16:creationId xmlns="" xmlns:a16="http://schemas.microsoft.com/office/drawing/2014/main" id="{640B383B-A8E3-4968-820E-3A53DB7BA425}"/>
+                <a16:creationId xmlns:a16="http://schemas.microsoft.com/office/drawing/2014/main" xmlns="" id="{640B383B-A8E3-4968-820E-3A53DB7BA425}"/>
               </a:ext>
             </a:extLst>
           </p:cNvPr>
@@ -7911,7 +7971,7 @@
           <p:cNvPr id="22" name="TextBox 21">
             <a:extLst>
               <a:ext uri="{FF2B5EF4-FFF2-40B4-BE49-F238E27FC236}">
-                <a16:creationId xmlns="" xmlns:a16="http://schemas.microsoft.com/office/drawing/2014/main" id="{6CDFA706-9F39-4DAC-B205-3B6EBDD1EC4F}"/>
+                <a16:creationId xmlns:a16="http://schemas.microsoft.com/office/drawing/2014/main" xmlns="" id="{6CDFA706-9F39-4DAC-B205-3B6EBDD1EC4F}"/>
               </a:ext>
             </a:extLst>
           </p:cNvPr>
@@ -8256,7 +8316,7 @@
   <a:extraClrSchemeLst/>
   <a:extLst>
     <a:ext uri="{05A4C25C-085E-4340-85A3-A5531E510DB2}">
-      <thm15:themeFamily xmlns="" xmlns:thm15="http://schemas.microsoft.com/office/thememl/2012/main" name="Office Theme" id="{62F939B6-93AF-4DB8-9C6B-D6C7DFDC589F}" vid="{4A3C46E8-61CC-4603-A589-7422A47A8E4A}"/>
+      <thm15:themeFamily xmlns:thm15="http://schemas.microsoft.com/office/thememl/2012/main" xmlns="" name="Office Theme" id="{62F939B6-93AF-4DB8-9C6B-D6C7DFDC589F}" vid="{4A3C46E8-61CC-4603-A589-7422A47A8E4A}"/>
     </a:ext>
   </a:extLst>
 </a:theme>
